--- a/팀플/9월27일발표ppt.pptx
+++ b/팀플/9월27일발표ppt.pptx
@@ -270,7 +270,7 @@
                 </a:solidFill>
               </a:rPr>
               <a:pPr/>
-              <a:t>2024-09-26(Thu)</a:t>
+              <a:t>2024-09-27(Fri)</a:t>
             </a:fld>
             <a:endParaRPr lang="ko-KR" altLang="en-US" dirty="0">
               <a:solidFill>
@@ -500,7 +500,7 @@
                 </a:solidFill>
               </a:rPr>
               <a:pPr/>
-              <a:t>2024-09-26(Thu)</a:t>
+              <a:t>2024-09-27(Fri)</a:t>
             </a:fld>
             <a:endParaRPr lang="ko-KR" altLang="en-US" dirty="0">
               <a:solidFill>
@@ -740,7 +740,7 @@
                 </a:solidFill>
               </a:rPr>
               <a:pPr/>
-              <a:t>2024-09-26(Thu)</a:t>
+              <a:t>2024-09-27(Fri)</a:t>
             </a:fld>
             <a:endParaRPr lang="ko-KR" altLang="en-US" dirty="0">
               <a:solidFill>
@@ -970,7 +970,7 @@
                 </a:solidFill>
               </a:rPr>
               <a:pPr/>
-              <a:t>2024-09-26(Thu)</a:t>
+              <a:t>2024-09-27(Fri)</a:t>
             </a:fld>
             <a:endParaRPr lang="ko-KR" altLang="en-US" dirty="0">
               <a:solidFill>
@@ -1277,7 +1277,7 @@
                 </a:solidFill>
               </a:rPr>
               <a:pPr/>
-              <a:t>2024-09-26(Thu)</a:t>
+              <a:t>2024-09-27(Fri)</a:t>
             </a:fld>
             <a:endParaRPr lang="ko-KR" altLang="en-US" dirty="0">
               <a:solidFill>
@@ -1574,7 +1574,7 @@
                 </a:solidFill>
               </a:rPr>
               <a:pPr/>
-              <a:t>2024-09-26(Thu)</a:t>
+              <a:t>2024-09-27(Fri)</a:t>
             </a:fld>
             <a:endParaRPr lang="ko-KR" altLang="en-US" dirty="0">
               <a:solidFill>
@@ -2018,7 +2018,7 @@
                 </a:solidFill>
               </a:rPr>
               <a:pPr/>
-              <a:t>2024-09-26(Thu)</a:t>
+              <a:t>2024-09-27(Fri)</a:t>
             </a:fld>
             <a:endParaRPr lang="ko-KR" altLang="en-US" dirty="0">
               <a:solidFill>
@@ -2191,7 +2191,7 @@
                 </a:solidFill>
               </a:rPr>
               <a:pPr/>
-              <a:t>2024-09-26(Thu)</a:t>
+              <a:t>2024-09-27(Fri)</a:t>
             </a:fld>
             <a:endParaRPr lang="ko-KR" altLang="en-US" dirty="0">
               <a:solidFill>
@@ -2336,7 +2336,7 @@
                 </a:solidFill>
               </a:rPr>
               <a:pPr/>
-              <a:t>2024-09-26(Thu)</a:t>
+              <a:t>2024-09-27(Fri)</a:t>
             </a:fld>
             <a:endParaRPr lang="ko-KR" altLang="en-US" dirty="0">
               <a:solidFill>
@@ -2679,7 +2679,7 @@
                 </a:solidFill>
               </a:rPr>
               <a:pPr/>
-              <a:t>2024-09-26(Thu)</a:t>
+              <a:t>2024-09-27(Fri)</a:t>
             </a:fld>
             <a:endParaRPr lang="ko-KR" altLang="en-US" dirty="0">
               <a:solidFill>
@@ -2999,7 +2999,7 @@
                 </a:solidFill>
               </a:rPr>
               <a:pPr/>
-              <a:t>2024-09-26(Thu)</a:t>
+              <a:t>2024-09-27(Fri)</a:t>
             </a:fld>
             <a:endParaRPr lang="ko-KR" altLang="en-US" dirty="0">
               <a:solidFill>
@@ -3272,7 +3272,7 @@
                 </a:solidFill>
               </a:rPr>
               <a:pPr/>
-              <a:t>2024-09-26(Thu)</a:t>
+              <a:t>2024-09-27(Fri)</a:t>
             </a:fld>
             <a:endParaRPr lang="ko-KR" altLang="en-US" dirty="0">
               <a:solidFill>
@@ -4174,7 +4174,7 @@
               <a:defRPr/>
             </a:pPr>
             <a:r>
-              <a:rPr lang="en-US" altLang="ko-KR" sz="4000" i="1" kern="0" dirty="0">
+              <a:rPr lang="en-US" altLang="ko-KR" sz="4000" i="1" kern="0">
                 <a:ln w="9525">
                   <a:noFill/>
                 </a:ln>
@@ -4184,8 +4184,31 @@
                 <a:latin typeface="Tmon몬소리 Black" panose="02000A03000000000000" pitchFamily="2" charset="-127"/>
                 <a:ea typeface="Tmon몬소리 Black" panose="02000A03000000000000" pitchFamily="2" charset="-127"/>
               </a:rPr>
-              <a:t>PPT PRESENTATION </a:t>
-            </a:r>
+              <a:t>AI</a:t>
+            </a:r>
+            <a:r>
+              <a:rPr lang="ko-KR" altLang="en-US" sz="4000" i="1" kern="0">
+                <a:ln w="9525">
+                  <a:noFill/>
+                </a:ln>
+                <a:solidFill>
+                  <a:prstClr val="white"/>
+                </a:solidFill>
+                <a:latin typeface="Tmon몬소리 Black" panose="02000A03000000000000" pitchFamily="2" charset="-127"/>
+                <a:ea typeface="Tmon몬소리 Black" panose="02000A03000000000000" pitchFamily="2" charset="-127"/>
+              </a:rPr>
+              <a:t>비전응용</a:t>
+            </a:r>
+            <a:endParaRPr lang="en-US" altLang="ko-KR" sz="4000" i="1" kern="0">
+              <a:ln w="9525">
+                <a:noFill/>
+              </a:ln>
+              <a:solidFill>
+                <a:prstClr val="white"/>
+              </a:solidFill>
+              <a:latin typeface="Tmon몬소리 Black" panose="02000A03000000000000" pitchFamily="2" charset="-127"/>
+              <a:ea typeface="Tmon몬소리 Black" panose="02000A03000000000000" pitchFamily="2" charset="-127"/>
+            </a:endParaRPr>
           </a:p>
           <a:p>
             <a:pPr marL="176213" latinLnBrk="0">
@@ -4196,12 +4219,12 @@
               <a:defRPr/>
             </a:pPr>
             <a:r>
-              <a:rPr lang="en-US" altLang="ko-KR" sz="1100" kern="0" dirty="0">
+              <a:rPr lang="en-US" altLang="ko-KR" sz="1100" kern="0">
                 <a:solidFill>
                   <a:prstClr val="white"/>
                 </a:solidFill>
               </a:rPr>
-              <a:t>Enjoy your stylish business and campus life with BIZCAM</a:t>
+              <a:t>Team meeting with processor</a:t>
             </a:r>
             <a:endParaRPr lang="ko-KR" altLang="en-US" sz="3200" kern="0" dirty="0">
               <a:solidFill>
@@ -5163,8 +5186,8 @@
           </p:nvSpPr>
           <p:spPr>
             <a:xfrm>
-              <a:off x="1016258" y="124874"/>
-              <a:ext cx="6176865" cy="600837"/>
+              <a:off x="1016259" y="124874"/>
+              <a:ext cx="4326418" cy="600837"/>
             </a:xfrm>
             <a:prstGeom prst="roundRect">
               <a:avLst/>
@@ -5203,7 +5226,20 @@
             <a:bodyPr rtlCol="0" anchor="ctr"/>
             <a:lstStyle/>
             <a:p>
-              <a:pPr marL="176213" latinLnBrk="0">
+              <a:pPr marL="176213" marR="0" lvl="0" indent="0" algn="l" defTabSz="914400" rtl="0" eaLnBrk="1" fontAlgn="auto" latinLnBrk="0" hangingPunct="1">
+                <a:lnSpc>
+                  <a:spcPct val="100000"/>
+                </a:lnSpc>
+                <a:spcBef>
+                  <a:spcPts val="0"/>
+                </a:spcBef>
+                <a:spcAft>
+                  <a:spcPts val="0"/>
+                </a:spcAft>
+                <a:buClrTx/>
+                <a:buSzTx/>
+                <a:buFontTx/>
+                <a:buNone/>
                 <a:tabLst>
                   <a:tab pos="1076325" algn="l"/>
                   <a:tab pos="1162050" algn="l"/>
@@ -5211,30 +5247,69 @@
                 <a:defRPr/>
               </a:pPr>
               <a:r>
-                <a:rPr lang="en-US" altLang="ko-KR" sz="2000" i="1" kern="0" dirty="0">
+                <a:rPr kumimoji="0" lang="en-US" altLang="ko-KR" sz="2400" b="0" i="1" u="none" strike="noStrike" kern="0" cap="none" spc="0" normalizeH="0" baseline="0" noProof="0">
                   <a:ln w="9525">
                     <a:noFill/>
                   </a:ln>
                   <a:solidFill>
                     <a:prstClr val="white"/>
                   </a:solidFill>
+                  <a:effectLst/>
+                  <a:uLnTx/>
+                  <a:uFillTx/>
                   <a:latin typeface="Tmon몬소리 Black" panose="02000A03000000000000" pitchFamily="2" charset="-127"/>
                   <a:ea typeface="Tmon몬소리 Black" panose="02000A03000000000000" pitchFamily="2" charset="-127"/>
+                  <a:cs typeface="+mn-cs"/>
                 </a:rPr>
-                <a:t>PPT PRESENTATION </a:t>
+                <a:t>AI</a:t>
               </a:r>
               <a:r>
-                <a:rPr lang="en-US" altLang="ko-KR" sz="700" kern="0" dirty="0">
+                <a:rPr kumimoji="0" lang="ko-KR" altLang="en-US" sz="2400" b="0" i="1" u="none" strike="noStrike" kern="0" cap="none" spc="0" normalizeH="0" baseline="0" noProof="0">
+                  <a:ln w="9525">
+                    <a:noFill/>
+                  </a:ln>
                   <a:solidFill>
                     <a:prstClr val="white"/>
                   </a:solidFill>
+                  <a:effectLst/>
+                  <a:uLnTx/>
+                  <a:uFillTx/>
+                  <a:latin typeface="Tmon몬소리 Black" panose="02000A03000000000000" pitchFamily="2" charset="-127"/>
+                  <a:ea typeface="Tmon몬소리 Black" panose="02000A03000000000000" pitchFamily="2" charset="-127"/>
+                  <a:cs typeface="+mn-cs"/>
                 </a:rPr>
-                <a:t>Enjoy your stylish business and campus life with BIZCAM</a:t>
+                <a:t>비전응용 </a:t>
               </a:r>
-              <a:endParaRPr lang="ko-KR" altLang="en-US" sz="1600" kern="0" dirty="0">
+              <a:r>
+                <a:rPr kumimoji="0" lang="en-US" altLang="ko-KR" sz="1100" b="0" i="0" u="none" strike="noStrike" kern="0" cap="none" spc="0" normalizeH="0" baseline="0" noProof="0">
+                  <a:ln>
+                    <a:noFill/>
+                  </a:ln>
+                  <a:solidFill>
+                    <a:prstClr val="white"/>
+                  </a:solidFill>
+                  <a:effectLst/>
+                  <a:uLnTx/>
+                  <a:uFillTx/>
+                  <a:latin typeface="맑은 고딕" panose="020F0502020204030204"/>
+                  <a:ea typeface="맑은 고딕" panose="020B0503020000020004" pitchFamily="50" charset="-127"/>
+                  <a:cs typeface="+mn-cs"/>
+                </a:rPr>
+                <a:t>Team meeting with processor</a:t>
+              </a:r>
+              <a:endParaRPr kumimoji="0" lang="ko-KR" altLang="en-US" sz="3200" b="0" i="0" u="none" strike="noStrike" kern="0" cap="none" spc="0" normalizeH="0" baseline="0" noProof="0" dirty="0">
+                <a:ln>
+                  <a:noFill/>
+                </a:ln>
                 <a:solidFill>
                   <a:prstClr val="white"/>
                 </a:solidFill>
+                <a:effectLst/>
+                <a:uLnTx/>
+                <a:uFillTx/>
+                <a:latin typeface="맑은 고딕" panose="020F0502020204030204"/>
+                <a:ea typeface="맑은 고딕" panose="020B0503020000020004" pitchFamily="50" charset="-127"/>
+                <a:cs typeface="+mn-cs"/>
               </a:endParaRPr>
             </a:p>
           </p:txBody>
@@ -5678,292 +5753,6 @@
       </p:grpSp>
       <p:sp>
         <p:nvSpPr>
-          <p:cNvPr id="25" name="원호 24">
-            <a:extLst>
-              <a:ext uri="{FF2B5EF4-FFF2-40B4-BE49-F238E27FC236}">
-                <a16:creationId xmlns:a16="http://schemas.microsoft.com/office/drawing/2014/main" id="{E444D773-F9DA-32F9-6F51-1E1E8F75AEC5}"/>
-              </a:ext>
-            </a:extLst>
-          </p:cNvPr>
-          <p:cNvSpPr/>
-          <p:nvPr/>
-        </p:nvSpPr>
-        <p:spPr>
-          <a:xfrm>
-            <a:off x="1796539" y="2090227"/>
-            <a:ext cx="2019300" cy="2019300"/>
-          </a:xfrm>
-          <a:prstGeom prst="arc">
-            <a:avLst>
-              <a:gd name="adj1" fmla="val 7470511"/>
-              <a:gd name="adj2" fmla="val 2947488"/>
-            </a:avLst>
-          </a:prstGeom>
-          <a:ln w="50800" cap="rnd">
-            <a:solidFill>
-              <a:schemeClr val="bg1">
-                <a:alpha val="10000"/>
-              </a:schemeClr>
-            </a:solidFill>
-          </a:ln>
-        </p:spPr>
-        <p:style>
-          <a:lnRef idx="1">
-            <a:schemeClr val="accent1"/>
-          </a:lnRef>
-          <a:fillRef idx="0">
-            <a:schemeClr val="accent1"/>
-          </a:fillRef>
-          <a:effectRef idx="0">
-            <a:schemeClr val="accent1"/>
-          </a:effectRef>
-          <a:fontRef idx="minor">
-            <a:schemeClr val="tx1"/>
-          </a:fontRef>
-        </p:style>
-        <p:txBody>
-          <a:bodyPr rtlCol="0" anchor="ctr"/>
-          <a:lstStyle/>
-          <a:p>
-            <a:pPr algn="ctr">
-              <a:defRPr/>
-            </a:pPr>
-            <a:r>
-              <a:rPr lang="en-US" altLang="ko-KR" sz="800" dirty="0">
-                <a:solidFill>
-                  <a:prstClr val="white"/>
-                </a:solidFill>
-                <a:cs typeface="Aharoni" panose="02010803020104030203" pitchFamily="2" charset="-79"/>
-              </a:rPr>
-              <a:t>CONTENTS A</a:t>
-            </a:r>
-          </a:p>
-          <a:p>
-            <a:pPr algn="ctr">
-              <a:defRPr/>
-            </a:pPr>
-            <a:r>
-              <a:rPr lang="en-US" altLang="ko-KR" sz="3200" b="1" dirty="0">
-                <a:solidFill>
-                  <a:prstClr val="white"/>
-                </a:solidFill>
-                <a:cs typeface="Aharoni" panose="02010803020104030203" pitchFamily="2" charset="-79"/>
-              </a:rPr>
-              <a:t>25</a:t>
-            </a:r>
-            <a:r>
-              <a:rPr lang="en-US" altLang="ko-KR" sz="1400" dirty="0">
-                <a:solidFill>
-                  <a:prstClr val="white"/>
-                </a:solidFill>
-                <a:cs typeface="Aharoni" panose="02010803020104030203" pitchFamily="2" charset="-79"/>
-              </a:rPr>
-              <a:t>%</a:t>
-            </a:r>
-            <a:endParaRPr lang="en-US" altLang="ko-KR" sz="500" b="1" dirty="0">
-              <a:solidFill>
-                <a:prstClr val="white"/>
-              </a:solidFill>
-              <a:cs typeface="Aharoni" panose="02010803020104030203" pitchFamily="2" charset="-79"/>
-            </a:endParaRPr>
-          </a:p>
-        </p:txBody>
-      </p:sp>
-      <p:sp>
-        <p:nvSpPr>
-          <p:cNvPr id="27" name="원호 26">
-            <a:extLst>
-              <a:ext uri="{FF2B5EF4-FFF2-40B4-BE49-F238E27FC236}">
-                <a16:creationId xmlns:a16="http://schemas.microsoft.com/office/drawing/2014/main" id="{CFC742C9-B30C-A83F-84DE-85410D47CACD}"/>
-              </a:ext>
-            </a:extLst>
-          </p:cNvPr>
-          <p:cNvSpPr/>
-          <p:nvPr/>
-        </p:nvSpPr>
-        <p:spPr>
-          <a:xfrm>
-            <a:off x="1796539" y="2090227"/>
-            <a:ext cx="2019300" cy="2019300"/>
-          </a:xfrm>
-          <a:prstGeom prst="arc">
-            <a:avLst>
-              <a:gd name="adj1" fmla="val 7470511"/>
-              <a:gd name="adj2" fmla="val 10316345"/>
-            </a:avLst>
-          </a:prstGeom>
-          <a:ln w="50800" cap="rnd">
-            <a:solidFill>
-              <a:srgbClr val="2CE2E2"/>
-            </a:solidFill>
-          </a:ln>
-        </p:spPr>
-        <p:style>
-          <a:lnRef idx="1">
-            <a:schemeClr val="accent1"/>
-          </a:lnRef>
-          <a:fillRef idx="0">
-            <a:schemeClr val="accent1"/>
-          </a:fillRef>
-          <a:effectRef idx="0">
-            <a:schemeClr val="accent1"/>
-          </a:effectRef>
-          <a:fontRef idx="minor">
-            <a:schemeClr val="tx1"/>
-          </a:fontRef>
-        </p:style>
-        <p:txBody>
-          <a:bodyPr rtlCol="0" anchor="ctr"/>
-          <a:lstStyle/>
-          <a:p>
-            <a:pPr algn="ctr"/>
-            <a:endParaRPr lang="ko-KR" altLang="en-US">
-              <a:solidFill>
-                <a:prstClr val="white"/>
-              </a:solidFill>
-            </a:endParaRPr>
-          </a:p>
-        </p:txBody>
-      </p:sp>
-      <p:grpSp>
-        <p:nvGrpSpPr>
-          <p:cNvPr id="28" name="그룹 27">
-            <a:extLst>
-              <a:ext uri="{FF2B5EF4-FFF2-40B4-BE49-F238E27FC236}">
-                <a16:creationId xmlns:a16="http://schemas.microsoft.com/office/drawing/2014/main" id="{35B7FEEE-3BE2-0D92-657A-417395C071FD}"/>
-              </a:ext>
-            </a:extLst>
-          </p:cNvPr>
-          <p:cNvGrpSpPr/>
-          <p:nvPr/>
-        </p:nvGrpSpPr>
-        <p:grpSpPr>
-          <a:xfrm>
-            <a:off x="1701289" y="3099877"/>
-            <a:ext cx="219075" cy="219075"/>
-            <a:chOff x="8105775" y="1819275"/>
-            <a:chExt cx="219075" cy="219075"/>
-          </a:xfrm>
-        </p:grpSpPr>
-        <p:sp>
-          <p:nvSpPr>
-            <p:cNvPr id="30" name="타원 29">
-              <a:extLst>
-                <a:ext uri="{FF2B5EF4-FFF2-40B4-BE49-F238E27FC236}">
-                  <a16:creationId xmlns:a16="http://schemas.microsoft.com/office/drawing/2014/main" id="{1750637E-D998-E25E-CD8C-9F295D9B7A67}"/>
-                </a:ext>
-              </a:extLst>
-            </p:cNvPr>
-            <p:cNvSpPr/>
-            <p:nvPr/>
-          </p:nvSpPr>
-          <p:spPr>
-            <a:xfrm>
-              <a:off x="8105775" y="1819275"/>
-              <a:ext cx="219075" cy="219075"/>
-            </a:xfrm>
-            <a:prstGeom prst="ellipse">
-              <a:avLst/>
-            </a:prstGeom>
-            <a:solidFill>
-              <a:schemeClr val="bg1"/>
-            </a:solidFill>
-            <a:ln w="6350">
-              <a:solidFill>
-                <a:srgbClr val="2CE2E2"/>
-              </a:solidFill>
-            </a:ln>
-          </p:spPr>
-          <p:style>
-            <a:lnRef idx="2">
-              <a:schemeClr val="accent1">
-                <a:shade val="50000"/>
-              </a:schemeClr>
-            </a:lnRef>
-            <a:fillRef idx="1">
-              <a:schemeClr val="accent1"/>
-            </a:fillRef>
-            <a:effectRef idx="0">
-              <a:schemeClr val="accent1"/>
-            </a:effectRef>
-            <a:fontRef idx="minor">
-              <a:schemeClr val="lt1"/>
-            </a:fontRef>
-          </p:style>
-          <p:txBody>
-            <a:bodyPr rtlCol="0" anchor="ctr"/>
-            <a:lstStyle/>
-            <a:p>
-              <a:pPr algn="ctr"/>
-              <a:endParaRPr lang="ko-KR" altLang="en-US">
-                <a:solidFill>
-                  <a:prstClr val="white"/>
-                </a:solidFill>
-              </a:endParaRPr>
-            </a:p>
-          </p:txBody>
-        </p:sp>
-        <p:sp>
-          <p:nvSpPr>
-            <p:cNvPr id="31" name="타원 30">
-              <a:extLst>
-                <a:ext uri="{FF2B5EF4-FFF2-40B4-BE49-F238E27FC236}">
-                  <a16:creationId xmlns:a16="http://schemas.microsoft.com/office/drawing/2014/main" id="{011C74D2-B692-88B8-3A3D-ACF72A67F5BC}"/>
-                </a:ext>
-              </a:extLst>
-            </p:cNvPr>
-            <p:cNvSpPr/>
-            <p:nvPr/>
-          </p:nvSpPr>
-          <p:spPr>
-            <a:xfrm>
-              <a:off x="8161312" y="1874812"/>
-              <a:ext cx="108000" cy="108000"/>
-            </a:xfrm>
-            <a:prstGeom prst="ellipse">
-              <a:avLst/>
-            </a:prstGeom>
-            <a:solidFill>
-              <a:srgbClr val="2CE2E2"/>
-            </a:solidFill>
-            <a:ln w="6350">
-              <a:solidFill>
-                <a:srgbClr val="2CE2E2"/>
-              </a:solidFill>
-            </a:ln>
-          </p:spPr>
-          <p:style>
-            <a:lnRef idx="2">
-              <a:schemeClr val="accent1">
-                <a:shade val="50000"/>
-              </a:schemeClr>
-            </a:lnRef>
-            <a:fillRef idx="1">
-              <a:schemeClr val="accent1"/>
-            </a:fillRef>
-            <a:effectRef idx="0">
-              <a:schemeClr val="accent1"/>
-            </a:effectRef>
-            <a:fontRef idx="minor">
-              <a:schemeClr val="lt1"/>
-            </a:fontRef>
-          </p:style>
-          <p:txBody>
-            <a:bodyPr rtlCol="0" anchor="ctr"/>
-            <a:lstStyle/>
-            <a:p>
-              <a:pPr algn="ctr"/>
-              <a:endParaRPr lang="ko-KR" altLang="en-US">
-                <a:solidFill>
-                  <a:prstClr val="white"/>
-                </a:solidFill>
-              </a:endParaRPr>
-            </a:p>
-          </p:txBody>
-        </p:sp>
-      </p:grpSp>
-      <p:sp>
-        <p:nvSpPr>
           <p:cNvPr id="32" name="직사각형 31">
             <a:extLst>
               <a:ext uri="{FF2B5EF4-FFF2-40B4-BE49-F238E27FC236}">
@@ -5976,7 +5765,7 @@
         </p:nvSpPr>
         <p:spPr>
           <a:xfrm>
-            <a:off x="1548651" y="4167905"/>
+            <a:off x="7619730" y="3511391"/>
             <a:ext cx="2515075" cy="1246495"/>
           </a:xfrm>
           <a:prstGeom prst="rect">
@@ -6040,292 +5829,6 @@
           </a:p>
         </p:txBody>
       </p:sp>
-      <p:sp>
-        <p:nvSpPr>
-          <p:cNvPr id="33" name="원호 32">
-            <a:extLst>
-              <a:ext uri="{FF2B5EF4-FFF2-40B4-BE49-F238E27FC236}">
-                <a16:creationId xmlns:a16="http://schemas.microsoft.com/office/drawing/2014/main" id="{E983ADDC-8400-EDD2-5B5B-574C638B0C75}"/>
-              </a:ext>
-            </a:extLst>
-          </p:cNvPr>
-          <p:cNvSpPr/>
-          <p:nvPr/>
-        </p:nvSpPr>
-        <p:spPr>
-          <a:xfrm>
-            <a:off x="5098539" y="2090227"/>
-            <a:ext cx="2019300" cy="2019300"/>
-          </a:xfrm>
-          <a:prstGeom prst="arc">
-            <a:avLst>
-              <a:gd name="adj1" fmla="val 7470511"/>
-              <a:gd name="adj2" fmla="val 2947488"/>
-            </a:avLst>
-          </a:prstGeom>
-          <a:ln w="50800" cap="rnd">
-            <a:solidFill>
-              <a:schemeClr val="bg1">
-                <a:alpha val="10000"/>
-              </a:schemeClr>
-            </a:solidFill>
-          </a:ln>
-        </p:spPr>
-        <p:style>
-          <a:lnRef idx="1">
-            <a:schemeClr val="accent1"/>
-          </a:lnRef>
-          <a:fillRef idx="0">
-            <a:schemeClr val="accent1"/>
-          </a:fillRef>
-          <a:effectRef idx="0">
-            <a:schemeClr val="accent1"/>
-          </a:effectRef>
-          <a:fontRef idx="minor">
-            <a:schemeClr val="tx1"/>
-          </a:fontRef>
-        </p:style>
-        <p:txBody>
-          <a:bodyPr rtlCol="0" anchor="ctr"/>
-          <a:lstStyle/>
-          <a:p>
-            <a:pPr algn="ctr">
-              <a:defRPr/>
-            </a:pPr>
-            <a:r>
-              <a:rPr lang="en-US" altLang="ko-KR" sz="800" dirty="0">
-                <a:solidFill>
-                  <a:prstClr val="white"/>
-                </a:solidFill>
-                <a:cs typeface="Aharoni" panose="02010803020104030203" pitchFamily="2" charset="-79"/>
-              </a:rPr>
-              <a:t>CONTENTS A</a:t>
-            </a:r>
-          </a:p>
-          <a:p>
-            <a:pPr algn="ctr">
-              <a:defRPr/>
-            </a:pPr>
-            <a:r>
-              <a:rPr lang="en-US" altLang="ko-KR" sz="3200" b="1" dirty="0">
-                <a:solidFill>
-                  <a:prstClr val="white"/>
-                </a:solidFill>
-                <a:cs typeface="Aharoni" panose="02010803020104030203" pitchFamily="2" charset="-79"/>
-              </a:rPr>
-              <a:t>50</a:t>
-            </a:r>
-            <a:r>
-              <a:rPr lang="en-US" altLang="ko-KR" sz="1400" dirty="0">
-                <a:solidFill>
-                  <a:prstClr val="white"/>
-                </a:solidFill>
-                <a:cs typeface="Aharoni" panose="02010803020104030203" pitchFamily="2" charset="-79"/>
-              </a:rPr>
-              <a:t>%</a:t>
-            </a:r>
-            <a:endParaRPr lang="en-US" altLang="ko-KR" sz="500" b="1" dirty="0">
-              <a:solidFill>
-                <a:prstClr val="white"/>
-              </a:solidFill>
-              <a:cs typeface="Aharoni" panose="02010803020104030203" pitchFamily="2" charset="-79"/>
-            </a:endParaRPr>
-          </a:p>
-        </p:txBody>
-      </p:sp>
-      <p:sp>
-        <p:nvSpPr>
-          <p:cNvPr id="35" name="원호 34">
-            <a:extLst>
-              <a:ext uri="{FF2B5EF4-FFF2-40B4-BE49-F238E27FC236}">
-                <a16:creationId xmlns:a16="http://schemas.microsoft.com/office/drawing/2014/main" id="{40ED401D-2577-7FDD-B458-BDC0F3E596E7}"/>
-              </a:ext>
-            </a:extLst>
-          </p:cNvPr>
-          <p:cNvSpPr/>
-          <p:nvPr/>
-        </p:nvSpPr>
-        <p:spPr>
-          <a:xfrm>
-            <a:off x="5098539" y="2090227"/>
-            <a:ext cx="2019300" cy="2019300"/>
-          </a:xfrm>
-          <a:prstGeom prst="arc">
-            <a:avLst>
-              <a:gd name="adj1" fmla="val 7470511"/>
-              <a:gd name="adj2" fmla="val 16080184"/>
-            </a:avLst>
-          </a:prstGeom>
-          <a:ln w="50800" cap="rnd">
-            <a:solidFill>
-              <a:srgbClr val="2CE2E2"/>
-            </a:solidFill>
-          </a:ln>
-        </p:spPr>
-        <p:style>
-          <a:lnRef idx="1">
-            <a:schemeClr val="accent1"/>
-          </a:lnRef>
-          <a:fillRef idx="0">
-            <a:schemeClr val="accent1"/>
-          </a:fillRef>
-          <a:effectRef idx="0">
-            <a:schemeClr val="accent1"/>
-          </a:effectRef>
-          <a:fontRef idx="minor">
-            <a:schemeClr val="tx1"/>
-          </a:fontRef>
-        </p:style>
-        <p:txBody>
-          <a:bodyPr rtlCol="0" anchor="ctr"/>
-          <a:lstStyle/>
-          <a:p>
-            <a:pPr algn="ctr"/>
-            <a:endParaRPr lang="ko-KR" altLang="en-US">
-              <a:solidFill>
-                <a:prstClr val="white"/>
-              </a:solidFill>
-            </a:endParaRPr>
-          </a:p>
-        </p:txBody>
-      </p:sp>
-      <p:grpSp>
-        <p:nvGrpSpPr>
-          <p:cNvPr id="36" name="그룹 35">
-            <a:extLst>
-              <a:ext uri="{FF2B5EF4-FFF2-40B4-BE49-F238E27FC236}">
-                <a16:creationId xmlns:a16="http://schemas.microsoft.com/office/drawing/2014/main" id="{0261C03A-36AC-4867-F31D-E3B2F96D6634}"/>
-              </a:ext>
-            </a:extLst>
-          </p:cNvPr>
-          <p:cNvGrpSpPr/>
-          <p:nvPr/>
-        </p:nvGrpSpPr>
-        <p:grpSpPr>
-          <a:xfrm>
-            <a:off x="5998650" y="1985020"/>
-            <a:ext cx="219075" cy="219075"/>
-            <a:chOff x="8105775" y="1819275"/>
-            <a:chExt cx="219075" cy="219075"/>
-          </a:xfrm>
-        </p:grpSpPr>
-        <p:sp>
-          <p:nvSpPr>
-            <p:cNvPr id="37" name="타원 36">
-              <a:extLst>
-                <a:ext uri="{FF2B5EF4-FFF2-40B4-BE49-F238E27FC236}">
-                  <a16:creationId xmlns:a16="http://schemas.microsoft.com/office/drawing/2014/main" id="{32DF6C36-78A4-43CF-D465-B8E4E540BDBD}"/>
-                </a:ext>
-              </a:extLst>
-            </p:cNvPr>
-            <p:cNvSpPr/>
-            <p:nvPr/>
-          </p:nvSpPr>
-          <p:spPr>
-            <a:xfrm>
-              <a:off x="8105775" y="1819275"/>
-              <a:ext cx="219075" cy="219075"/>
-            </a:xfrm>
-            <a:prstGeom prst="ellipse">
-              <a:avLst/>
-            </a:prstGeom>
-            <a:solidFill>
-              <a:schemeClr val="bg1"/>
-            </a:solidFill>
-            <a:ln w="6350">
-              <a:solidFill>
-                <a:srgbClr val="2CE2E2"/>
-              </a:solidFill>
-            </a:ln>
-          </p:spPr>
-          <p:style>
-            <a:lnRef idx="2">
-              <a:schemeClr val="accent1">
-                <a:shade val="50000"/>
-              </a:schemeClr>
-            </a:lnRef>
-            <a:fillRef idx="1">
-              <a:schemeClr val="accent1"/>
-            </a:fillRef>
-            <a:effectRef idx="0">
-              <a:schemeClr val="accent1"/>
-            </a:effectRef>
-            <a:fontRef idx="minor">
-              <a:schemeClr val="lt1"/>
-            </a:fontRef>
-          </p:style>
-          <p:txBody>
-            <a:bodyPr rtlCol="0" anchor="ctr"/>
-            <a:lstStyle/>
-            <a:p>
-              <a:pPr algn="ctr"/>
-              <a:endParaRPr lang="ko-KR" altLang="en-US">
-                <a:solidFill>
-                  <a:prstClr val="white"/>
-                </a:solidFill>
-              </a:endParaRPr>
-            </a:p>
-          </p:txBody>
-        </p:sp>
-        <p:sp>
-          <p:nvSpPr>
-            <p:cNvPr id="38" name="타원 37">
-              <a:extLst>
-                <a:ext uri="{FF2B5EF4-FFF2-40B4-BE49-F238E27FC236}">
-                  <a16:creationId xmlns:a16="http://schemas.microsoft.com/office/drawing/2014/main" id="{EA92F490-150F-998A-A363-E22B96FEF0BE}"/>
-                </a:ext>
-              </a:extLst>
-            </p:cNvPr>
-            <p:cNvSpPr/>
-            <p:nvPr/>
-          </p:nvSpPr>
-          <p:spPr>
-            <a:xfrm>
-              <a:off x="8161312" y="1874812"/>
-              <a:ext cx="108000" cy="108000"/>
-            </a:xfrm>
-            <a:prstGeom prst="ellipse">
-              <a:avLst/>
-            </a:prstGeom>
-            <a:solidFill>
-              <a:srgbClr val="2CE2E2"/>
-            </a:solidFill>
-            <a:ln w="6350">
-              <a:solidFill>
-                <a:srgbClr val="2CE2E2"/>
-              </a:solidFill>
-            </a:ln>
-          </p:spPr>
-          <p:style>
-            <a:lnRef idx="2">
-              <a:schemeClr val="accent1">
-                <a:shade val="50000"/>
-              </a:schemeClr>
-            </a:lnRef>
-            <a:fillRef idx="1">
-              <a:schemeClr val="accent1"/>
-            </a:fillRef>
-            <a:effectRef idx="0">
-              <a:schemeClr val="accent1"/>
-            </a:effectRef>
-            <a:fontRef idx="minor">
-              <a:schemeClr val="lt1"/>
-            </a:fontRef>
-          </p:style>
-          <p:txBody>
-            <a:bodyPr rtlCol="0" anchor="ctr"/>
-            <a:lstStyle/>
-            <a:p>
-              <a:pPr algn="ctr"/>
-              <a:endParaRPr lang="ko-KR" altLang="en-US">
-                <a:solidFill>
-                  <a:prstClr val="white"/>
-                </a:solidFill>
-              </a:endParaRPr>
-            </a:p>
-          </p:txBody>
-        </p:sp>
-      </p:grpSp>
       <p:sp>
         <p:nvSpPr>
           <p:cNvPr id="40" name="직사각형 39">
@@ -6340,371 +5843,7 @@
         </p:nvSpPr>
         <p:spPr>
           <a:xfrm>
-            <a:off x="4850651" y="4167905"/>
-            <a:ext cx="2515075" cy="1246495"/>
-          </a:xfrm>
-          <a:prstGeom prst="rect">
-            <a:avLst/>
-          </a:prstGeom>
-        </p:spPr>
-        <p:txBody>
-          <a:bodyPr wrap="square">
-            <a:spAutoFit/>
-          </a:bodyPr>
-          <a:lstStyle/>
-          <a:p>
-            <a:pPr algn="ctr">
-              <a:lnSpc>
-                <a:spcPct val="150000"/>
-              </a:lnSpc>
-            </a:pPr>
-            <a:r>
-              <a:rPr lang="en-US" altLang="ko-KR" sz="1600" b="1" dirty="0">
-                <a:solidFill>
-                  <a:prstClr val="white"/>
-                </a:solidFill>
-              </a:rPr>
-              <a:t>CONTENTS A</a:t>
-            </a:r>
-          </a:p>
-          <a:p>
-            <a:pPr algn="ctr">
-              <a:lnSpc>
-                <a:spcPct val="150000"/>
-              </a:lnSpc>
-            </a:pPr>
-            <a:r>
-              <a:rPr lang="ko-KR" altLang="en-US" sz="1400" dirty="0">
-                <a:solidFill>
-                  <a:prstClr val="white"/>
-                </a:solidFill>
-              </a:rPr>
-              <a:t>컨텐츠에 대한 내용을 적어요</a:t>
-            </a:r>
-            <a:endParaRPr lang="en-US" altLang="ko-KR" sz="1400" dirty="0">
-              <a:solidFill>
-                <a:prstClr val="white"/>
-              </a:solidFill>
-            </a:endParaRPr>
-          </a:p>
-          <a:p>
-            <a:pPr algn="ctr">
-              <a:lnSpc>
-                <a:spcPct val="150000"/>
-              </a:lnSpc>
-            </a:pPr>
-            <a:r>
-              <a:rPr lang="ko-KR" altLang="en-US" sz="1000" dirty="0">
-                <a:solidFill>
-                  <a:prstClr val="white"/>
-                </a:solidFill>
-              </a:rPr>
-              <a:t>Enjoy your stylish business and campus life with BIZCAM </a:t>
-            </a:r>
-          </a:p>
-        </p:txBody>
-      </p:sp>
-      <p:sp>
-        <p:nvSpPr>
-          <p:cNvPr id="41" name="원호 40">
-            <a:extLst>
-              <a:ext uri="{FF2B5EF4-FFF2-40B4-BE49-F238E27FC236}">
-                <a16:creationId xmlns:a16="http://schemas.microsoft.com/office/drawing/2014/main" id="{74026C2D-85B2-097A-7BE8-A419DD1DD8FE}"/>
-              </a:ext>
-            </a:extLst>
-          </p:cNvPr>
-          <p:cNvSpPr/>
-          <p:nvPr/>
-        </p:nvSpPr>
-        <p:spPr>
-          <a:xfrm>
-            <a:off x="8400539" y="2090227"/>
-            <a:ext cx="2019300" cy="2019300"/>
-          </a:xfrm>
-          <a:prstGeom prst="arc">
-            <a:avLst>
-              <a:gd name="adj1" fmla="val 7470511"/>
-              <a:gd name="adj2" fmla="val 2947488"/>
-            </a:avLst>
-          </a:prstGeom>
-          <a:ln w="50800" cap="rnd">
-            <a:solidFill>
-              <a:schemeClr val="bg1">
-                <a:alpha val="10000"/>
-              </a:schemeClr>
-            </a:solidFill>
-          </a:ln>
-        </p:spPr>
-        <p:style>
-          <a:lnRef idx="1">
-            <a:schemeClr val="accent1"/>
-          </a:lnRef>
-          <a:fillRef idx="0">
-            <a:schemeClr val="accent1"/>
-          </a:fillRef>
-          <a:effectRef idx="0">
-            <a:schemeClr val="accent1"/>
-          </a:effectRef>
-          <a:fontRef idx="minor">
-            <a:schemeClr val="tx1"/>
-          </a:fontRef>
-        </p:style>
-        <p:txBody>
-          <a:bodyPr rtlCol="0" anchor="ctr"/>
-          <a:lstStyle/>
-          <a:p>
-            <a:pPr algn="ctr">
-              <a:defRPr/>
-            </a:pPr>
-            <a:r>
-              <a:rPr lang="en-US" altLang="ko-KR" sz="800" dirty="0">
-                <a:solidFill>
-                  <a:prstClr val="white"/>
-                </a:solidFill>
-                <a:cs typeface="Aharoni" panose="02010803020104030203" pitchFamily="2" charset="-79"/>
-              </a:rPr>
-              <a:t>CONTENTS A</a:t>
-            </a:r>
-          </a:p>
-          <a:p>
-            <a:pPr algn="ctr">
-              <a:defRPr/>
-            </a:pPr>
-            <a:r>
-              <a:rPr lang="en-US" altLang="ko-KR" sz="3200" b="1" dirty="0">
-                <a:solidFill>
-                  <a:prstClr val="white"/>
-                </a:solidFill>
-                <a:cs typeface="Aharoni" panose="02010803020104030203" pitchFamily="2" charset="-79"/>
-              </a:rPr>
-              <a:t>75</a:t>
-            </a:r>
-            <a:r>
-              <a:rPr lang="en-US" altLang="ko-KR" sz="1400" dirty="0">
-                <a:solidFill>
-                  <a:prstClr val="white"/>
-                </a:solidFill>
-                <a:cs typeface="Aharoni" panose="02010803020104030203" pitchFamily="2" charset="-79"/>
-              </a:rPr>
-              <a:t>%</a:t>
-            </a:r>
-            <a:endParaRPr lang="en-US" altLang="ko-KR" sz="500" b="1" dirty="0">
-              <a:solidFill>
-                <a:prstClr val="white"/>
-              </a:solidFill>
-              <a:cs typeface="Aharoni" panose="02010803020104030203" pitchFamily="2" charset="-79"/>
-            </a:endParaRPr>
-          </a:p>
-        </p:txBody>
-      </p:sp>
-      <p:sp>
-        <p:nvSpPr>
-          <p:cNvPr id="42" name="원호 41">
-            <a:extLst>
-              <a:ext uri="{FF2B5EF4-FFF2-40B4-BE49-F238E27FC236}">
-                <a16:creationId xmlns:a16="http://schemas.microsoft.com/office/drawing/2014/main" id="{A79754CF-6A05-A271-AD26-0F6CB182EE03}"/>
-              </a:ext>
-            </a:extLst>
-          </p:cNvPr>
-          <p:cNvSpPr/>
-          <p:nvPr/>
-        </p:nvSpPr>
-        <p:spPr>
-          <a:xfrm>
-            <a:off x="8400539" y="2090227"/>
-            <a:ext cx="2019300" cy="2019300"/>
-          </a:xfrm>
-          <a:prstGeom prst="arc">
-            <a:avLst>
-              <a:gd name="adj1" fmla="val 7470511"/>
-              <a:gd name="adj2" fmla="val 6893"/>
-            </a:avLst>
-          </a:prstGeom>
-          <a:ln w="50800" cap="rnd">
-            <a:solidFill>
-              <a:srgbClr val="2CE2E2"/>
-            </a:solidFill>
-          </a:ln>
-        </p:spPr>
-        <p:style>
-          <a:lnRef idx="1">
-            <a:schemeClr val="accent1"/>
-          </a:lnRef>
-          <a:fillRef idx="0">
-            <a:schemeClr val="accent1"/>
-          </a:fillRef>
-          <a:effectRef idx="0">
-            <a:schemeClr val="accent1"/>
-          </a:effectRef>
-          <a:fontRef idx="minor">
-            <a:schemeClr val="tx1"/>
-          </a:fontRef>
-        </p:style>
-        <p:txBody>
-          <a:bodyPr rtlCol="0" anchor="ctr"/>
-          <a:lstStyle/>
-          <a:p>
-            <a:pPr algn="ctr"/>
-            <a:endParaRPr lang="ko-KR" altLang="en-US">
-              <a:solidFill>
-                <a:prstClr val="white"/>
-              </a:solidFill>
-            </a:endParaRPr>
-          </a:p>
-        </p:txBody>
-      </p:sp>
-      <p:grpSp>
-        <p:nvGrpSpPr>
-          <p:cNvPr id="43" name="그룹 42">
-            <a:extLst>
-              <a:ext uri="{FF2B5EF4-FFF2-40B4-BE49-F238E27FC236}">
-                <a16:creationId xmlns:a16="http://schemas.microsoft.com/office/drawing/2014/main" id="{EB111622-A84D-38E5-E7E3-057CF008E23E}"/>
-              </a:ext>
-            </a:extLst>
-          </p:cNvPr>
-          <p:cNvGrpSpPr/>
-          <p:nvPr/>
-        </p:nvGrpSpPr>
-        <p:grpSpPr>
-          <a:xfrm>
-            <a:off x="10303612" y="2999353"/>
-            <a:ext cx="219075" cy="219075"/>
-            <a:chOff x="8105775" y="1819275"/>
-            <a:chExt cx="219075" cy="219075"/>
-          </a:xfrm>
-        </p:grpSpPr>
-        <p:sp>
-          <p:nvSpPr>
-            <p:cNvPr id="44" name="타원 43">
-              <a:extLst>
-                <a:ext uri="{FF2B5EF4-FFF2-40B4-BE49-F238E27FC236}">
-                  <a16:creationId xmlns:a16="http://schemas.microsoft.com/office/drawing/2014/main" id="{B37D670B-33FA-0510-F2B4-29FDA0219EE9}"/>
-                </a:ext>
-              </a:extLst>
-            </p:cNvPr>
-            <p:cNvSpPr/>
-            <p:nvPr/>
-          </p:nvSpPr>
-          <p:spPr>
-            <a:xfrm>
-              <a:off x="8105775" y="1819275"/>
-              <a:ext cx="219075" cy="219075"/>
-            </a:xfrm>
-            <a:prstGeom prst="ellipse">
-              <a:avLst/>
-            </a:prstGeom>
-            <a:solidFill>
-              <a:schemeClr val="bg1"/>
-            </a:solidFill>
-            <a:ln w="6350">
-              <a:solidFill>
-                <a:srgbClr val="2CE2E2"/>
-              </a:solidFill>
-            </a:ln>
-          </p:spPr>
-          <p:style>
-            <a:lnRef idx="2">
-              <a:schemeClr val="accent1">
-                <a:shade val="50000"/>
-              </a:schemeClr>
-            </a:lnRef>
-            <a:fillRef idx="1">
-              <a:schemeClr val="accent1"/>
-            </a:fillRef>
-            <a:effectRef idx="0">
-              <a:schemeClr val="accent1"/>
-            </a:effectRef>
-            <a:fontRef idx="minor">
-              <a:schemeClr val="lt1"/>
-            </a:fontRef>
-          </p:style>
-          <p:txBody>
-            <a:bodyPr rtlCol="0" anchor="ctr"/>
-            <a:lstStyle/>
-            <a:p>
-              <a:pPr algn="ctr"/>
-              <a:endParaRPr lang="ko-KR" altLang="en-US">
-                <a:solidFill>
-                  <a:prstClr val="white"/>
-                </a:solidFill>
-              </a:endParaRPr>
-            </a:p>
-          </p:txBody>
-        </p:sp>
-        <p:sp>
-          <p:nvSpPr>
-            <p:cNvPr id="45" name="타원 44">
-              <a:extLst>
-                <a:ext uri="{FF2B5EF4-FFF2-40B4-BE49-F238E27FC236}">
-                  <a16:creationId xmlns:a16="http://schemas.microsoft.com/office/drawing/2014/main" id="{48DCB364-FEC2-43F3-8FFE-FD6CF8CB5A12}"/>
-                </a:ext>
-              </a:extLst>
-            </p:cNvPr>
-            <p:cNvSpPr/>
-            <p:nvPr/>
-          </p:nvSpPr>
-          <p:spPr>
-            <a:xfrm>
-              <a:off x="8161312" y="1874812"/>
-              <a:ext cx="108000" cy="108000"/>
-            </a:xfrm>
-            <a:prstGeom prst="ellipse">
-              <a:avLst/>
-            </a:prstGeom>
-            <a:solidFill>
-              <a:srgbClr val="2CE2E2"/>
-            </a:solidFill>
-            <a:ln w="6350">
-              <a:solidFill>
-                <a:srgbClr val="2CE2E2"/>
-              </a:solidFill>
-            </a:ln>
-          </p:spPr>
-          <p:style>
-            <a:lnRef idx="2">
-              <a:schemeClr val="accent1">
-                <a:shade val="50000"/>
-              </a:schemeClr>
-            </a:lnRef>
-            <a:fillRef idx="1">
-              <a:schemeClr val="accent1"/>
-            </a:fillRef>
-            <a:effectRef idx="0">
-              <a:schemeClr val="accent1"/>
-            </a:effectRef>
-            <a:fontRef idx="minor">
-              <a:schemeClr val="lt1"/>
-            </a:fontRef>
-          </p:style>
-          <p:txBody>
-            <a:bodyPr rtlCol="0" anchor="ctr"/>
-            <a:lstStyle/>
-            <a:p>
-              <a:pPr algn="ctr"/>
-              <a:endParaRPr lang="ko-KR" altLang="en-US">
-                <a:solidFill>
-                  <a:prstClr val="white"/>
-                </a:solidFill>
-              </a:endParaRPr>
-            </a:p>
-          </p:txBody>
-        </p:sp>
-      </p:grpSp>
-      <p:sp>
-        <p:nvSpPr>
-          <p:cNvPr id="46" name="직사각형 45">
-            <a:extLst>
-              <a:ext uri="{FF2B5EF4-FFF2-40B4-BE49-F238E27FC236}">
-                <a16:creationId xmlns:a16="http://schemas.microsoft.com/office/drawing/2014/main" id="{648AF600-2133-C7AC-CA43-797166C53D94}"/>
-              </a:ext>
-            </a:extLst>
-          </p:cNvPr>
-          <p:cNvSpPr/>
-          <p:nvPr/>
-        </p:nvSpPr>
-        <p:spPr>
-          <a:xfrm>
-            <a:off x="8152651" y="4167905"/>
+            <a:off x="7619730" y="1570680"/>
             <a:ext cx="2515075" cy="1246495"/>
           </a:xfrm>
           <a:prstGeom prst="rect">
@@ -6814,10 +5953,10 @@
         </p:nvGrpSpPr>
         <p:grpSpPr>
           <a:xfrm>
-            <a:off x="136073" y="124874"/>
-            <a:ext cx="11809768" cy="6616529"/>
-            <a:chOff x="136073" y="124874"/>
-            <a:chExt cx="11809768" cy="6616529"/>
+            <a:off x="136073" y="166008"/>
+            <a:ext cx="11809768" cy="6575395"/>
+            <a:chOff x="136073" y="166008"/>
+            <a:chExt cx="11809768" cy="6575395"/>
           </a:xfrm>
         </p:grpSpPr>
         <p:cxnSp>
@@ -7215,90 +6354,6 @@
             </p:txBody>
           </p:sp>
         </p:grpSp>
-        <p:sp>
-          <p:nvSpPr>
-            <p:cNvPr id="10" name="모서리가 둥근 직사각형 9"/>
-            <p:cNvSpPr/>
-            <p:nvPr/>
-          </p:nvSpPr>
-          <p:spPr>
-            <a:xfrm>
-              <a:off x="1016258" y="124874"/>
-              <a:ext cx="6176865" cy="600837"/>
-            </a:xfrm>
-            <a:prstGeom prst="roundRect">
-              <a:avLst/>
-            </a:prstGeom>
-            <a:solidFill>
-              <a:srgbClr val="232C4B"/>
-            </a:solidFill>
-            <a:ln>
-              <a:noFill/>
-            </a:ln>
-            <a:effectLst>
-              <a:outerShdw blurRad="381000" dist="63500" dir="2700000" algn="tl" rotWithShape="0">
-                <a:prstClr val="black">
-                  <a:alpha val="15000"/>
-                </a:prstClr>
-              </a:outerShdw>
-            </a:effectLst>
-          </p:spPr>
-          <p:style>
-            <a:lnRef idx="2">
-              <a:schemeClr val="accent1">
-                <a:shade val="50000"/>
-              </a:schemeClr>
-            </a:lnRef>
-            <a:fillRef idx="1">
-              <a:schemeClr val="accent1"/>
-            </a:fillRef>
-            <a:effectRef idx="0">
-              <a:schemeClr val="accent1"/>
-            </a:effectRef>
-            <a:fontRef idx="minor">
-              <a:schemeClr val="lt1"/>
-            </a:fontRef>
-          </p:style>
-          <p:txBody>
-            <a:bodyPr rtlCol="0" anchor="ctr"/>
-            <a:lstStyle/>
-            <a:p>
-              <a:pPr marL="176213" latinLnBrk="0">
-                <a:tabLst>
-                  <a:tab pos="1076325" algn="l"/>
-                  <a:tab pos="1162050" algn="l"/>
-                </a:tabLst>
-                <a:defRPr/>
-              </a:pPr>
-              <a:r>
-                <a:rPr lang="en-US" altLang="ko-KR" sz="2000" i="1" kern="0" dirty="0">
-                  <a:ln w="9525">
-                    <a:noFill/>
-                  </a:ln>
-                  <a:solidFill>
-                    <a:prstClr val="white"/>
-                  </a:solidFill>
-                  <a:latin typeface="Tmon몬소리 Black" panose="02000A03000000000000" pitchFamily="2" charset="-127"/>
-                  <a:ea typeface="Tmon몬소리 Black" panose="02000A03000000000000" pitchFamily="2" charset="-127"/>
-                </a:rPr>
-                <a:t>PPT PRESENTATION </a:t>
-              </a:r>
-              <a:r>
-                <a:rPr lang="en-US" altLang="ko-KR" sz="700" kern="0" dirty="0">
-                  <a:solidFill>
-                    <a:prstClr val="white"/>
-                  </a:solidFill>
-                </a:rPr>
-                <a:t>Enjoy your stylish business and campus life with BIZCAM</a:t>
-              </a:r>
-              <a:endParaRPr lang="ko-KR" altLang="en-US" sz="1600" kern="0" dirty="0">
-                <a:solidFill>
-                  <a:prstClr val="white"/>
-                </a:solidFill>
-              </a:endParaRPr>
-            </a:p>
-          </p:txBody>
-        </p:sp>
         <p:sp>
           <p:nvSpPr>
             <p:cNvPr id="11" name="모서리가 둥근 직사각형 10"/>
@@ -7814,390 +6869,6 @@
           </a:p>
         </p:txBody>
       </p:sp>
-      <p:cxnSp>
-        <p:nvCxnSpPr>
-          <p:cNvPr id="48" name="직선 연결선 47">
-            <a:extLst>
-              <a:ext uri="{FF2B5EF4-FFF2-40B4-BE49-F238E27FC236}">
-                <a16:creationId xmlns:a16="http://schemas.microsoft.com/office/drawing/2014/main" id="{FE0EE706-ABB4-F88A-75A8-75BEDAA04402}"/>
-              </a:ext>
-            </a:extLst>
-          </p:cNvPr>
-          <p:cNvCxnSpPr>
-            <a:cxnSpLocks/>
-          </p:cNvCxnSpPr>
-          <p:nvPr/>
-        </p:nvCxnSpPr>
-        <p:spPr>
-          <a:xfrm>
-            <a:off x="4161027" y="2441120"/>
-            <a:ext cx="3600000" cy="0"/>
-          </a:xfrm>
-          <a:prstGeom prst="line">
-            <a:avLst/>
-          </a:prstGeom>
-          <a:ln w="69850" cap="rnd">
-            <a:solidFill>
-              <a:schemeClr val="bg1">
-                <a:alpha val="20000"/>
-              </a:schemeClr>
-            </a:solidFill>
-          </a:ln>
-        </p:spPr>
-        <p:style>
-          <a:lnRef idx="1">
-            <a:schemeClr val="accent1"/>
-          </a:lnRef>
-          <a:fillRef idx="0">
-            <a:schemeClr val="accent1"/>
-          </a:fillRef>
-          <a:effectRef idx="0">
-            <a:schemeClr val="accent1"/>
-          </a:effectRef>
-          <a:fontRef idx="minor">
-            <a:schemeClr val="tx1"/>
-          </a:fontRef>
-        </p:style>
-      </p:cxnSp>
-      <p:cxnSp>
-        <p:nvCxnSpPr>
-          <p:cNvPr id="49" name="직선 연결선 48">
-            <a:extLst>
-              <a:ext uri="{FF2B5EF4-FFF2-40B4-BE49-F238E27FC236}">
-                <a16:creationId xmlns:a16="http://schemas.microsoft.com/office/drawing/2014/main" id="{38544FE8-FDD2-AB3D-E15C-11CD439143B4}"/>
-              </a:ext>
-            </a:extLst>
-          </p:cNvPr>
-          <p:cNvCxnSpPr>
-            <a:cxnSpLocks/>
-          </p:cNvCxnSpPr>
-          <p:nvPr/>
-        </p:nvCxnSpPr>
-        <p:spPr>
-          <a:xfrm>
-            <a:off x="4163629" y="2441120"/>
-            <a:ext cx="2088000" cy="0"/>
-          </a:xfrm>
-          <a:prstGeom prst="line">
-            <a:avLst/>
-          </a:prstGeom>
-          <a:ln w="69850" cap="rnd">
-            <a:solidFill>
-              <a:srgbClr val="2CE2E2"/>
-            </a:solidFill>
-          </a:ln>
-        </p:spPr>
-        <p:style>
-          <a:lnRef idx="1">
-            <a:schemeClr val="accent1"/>
-          </a:lnRef>
-          <a:fillRef idx="0">
-            <a:schemeClr val="accent1"/>
-          </a:fillRef>
-          <a:effectRef idx="0">
-            <a:schemeClr val="accent1"/>
-          </a:effectRef>
-          <a:fontRef idx="minor">
-            <a:schemeClr val="tx1"/>
-          </a:fontRef>
-        </p:style>
-      </p:cxnSp>
-      <p:sp>
-        <p:nvSpPr>
-          <p:cNvPr id="50" name="타원 49">
-            <a:extLst>
-              <a:ext uri="{FF2B5EF4-FFF2-40B4-BE49-F238E27FC236}">
-                <a16:creationId xmlns:a16="http://schemas.microsoft.com/office/drawing/2014/main" id="{CBD8545E-5D54-DAF1-B66A-6762BCC604B4}"/>
-              </a:ext>
-            </a:extLst>
-          </p:cNvPr>
-          <p:cNvSpPr/>
-          <p:nvPr/>
-        </p:nvSpPr>
-        <p:spPr>
-          <a:xfrm flipH="1">
-            <a:off x="6267907" y="2342797"/>
-            <a:ext cx="196646" cy="196646"/>
-          </a:xfrm>
-          <a:prstGeom prst="ellipse">
-            <a:avLst/>
-          </a:prstGeom>
-          <a:solidFill>
-            <a:schemeClr val="bg1"/>
-          </a:solidFill>
-          <a:ln w="6350">
-            <a:solidFill>
-              <a:srgbClr val="2CE2E2"/>
-            </a:solidFill>
-          </a:ln>
-          <a:effectLst>
-            <a:outerShdw dist="12700" dir="8100000" algn="tr" rotWithShape="0">
-              <a:prstClr val="black">
-                <a:alpha val="20000"/>
-              </a:prstClr>
-            </a:outerShdw>
-          </a:effectLst>
-        </p:spPr>
-        <p:style>
-          <a:lnRef idx="2">
-            <a:schemeClr val="accent1">
-              <a:shade val="50000"/>
-            </a:schemeClr>
-          </a:lnRef>
-          <a:fillRef idx="1">
-            <a:schemeClr val="accent1"/>
-          </a:fillRef>
-          <a:effectRef idx="0">
-            <a:schemeClr val="accent1"/>
-          </a:effectRef>
-          <a:fontRef idx="minor">
-            <a:schemeClr val="lt1"/>
-          </a:fontRef>
-        </p:style>
-        <p:txBody>
-          <a:bodyPr rtlCol="0" anchor="ctr"/>
-          <a:lstStyle/>
-          <a:p>
-            <a:pPr algn="ctr"/>
-            <a:endParaRPr lang="ko-KR" altLang="en-US">
-              <a:solidFill>
-                <a:prstClr val="white"/>
-              </a:solidFill>
-            </a:endParaRPr>
-          </a:p>
-        </p:txBody>
-      </p:sp>
-      <p:sp>
-        <p:nvSpPr>
-          <p:cNvPr id="51" name="직사각형 50">
-            <a:extLst>
-              <a:ext uri="{FF2B5EF4-FFF2-40B4-BE49-F238E27FC236}">
-                <a16:creationId xmlns:a16="http://schemas.microsoft.com/office/drawing/2014/main" id="{2D3C6E0F-D4AD-6558-D433-5A3AA3C01E52}"/>
-              </a:ext>
-            </a:extLst>
-          </p:cNvPr>
-          <p:cNvSpPr/>
-          <p:nvPr/>
-        </p:nvSpPr>
-        <p:spPr>
-          <a:xfrm>
-            <a:off x="7955305" y="2746049"/>
-            <a:ext cx="2515075" cy="1246495"/>
-          </a:xfrm>
-          <a:prstGeom prst="rect">
-            <a:avLst/>
-          </a:prstGeom>
-        </p:spPr>
-        <p:txBody>
-          <a:bodyPr wrap="square">
-            <a:spAutoFit/>
-          </a:bodyPr>
-          <a:lstStyle/>
-          <a:p>
-            <a:pPr algn="ctr">
-              <a:lnSpc>
-                <a:spcPct val="150000"/>
-              </a:lnSpc>
-            </a:pPr>
-            <a:r>
-              <a:rPr lang="en-US" altLang="ko-KR" sz="1600" b="1" dirty="0">
-                <a:solidFill>
-                  <a:prstClr val="white"/>
-                </a:solidFill>
-              </a:rPr>
-              <a:t>CONTENTS 47%</a:t>
-            </a:r>
-          </a:p>
-          <a:p>
-            <a:pPr algn="ctr">
-              <a:lnSpc>
-                <a:spcPct val="150000"/>
-              </a:lnSpc>
-            </a:pPr>
-            <a:r>
-              <a:rPr lang="ko-KR" altLang="en-US" sz="1400" dirty="0">
-                <a:solidFill>
-                  <a:prstClr val="white"/>
-                </a:solidFill>
-              </a:rPr>
-              <a:t>컨텐츠에 대한 내용을 적어요</a:t>
-            </a:r>
-            <a:endParaRPr lang="en-US" altLang="ko-KR" sz="1400" dirty="0">
-              <a:solidFill>
-                <a:prstClr val="white"/>
-              </a:solidFill>
-            </a:endParaRPr>
-          </a:p>
-          <a:p>
-            <a:pPr algn="ctr">
-              <a:lnSpc>
-                <a:spcPct val="150000"/>
-              </a:lnSpc>
-            </a:pPr>
-            <a:r>
-              <a:rPr lang="ko-KR" altLang="en-US" sz="1000" dirty="0">
-                <a:solidFill>
-                  <a:prstClr val="white"/>
-                </a:solidFill>
-              </a:rPr>
-              <a:t>Enjoy your stylish business and campus life with BIZCAM </a:t>
-            </a:r>
-          </a:p>
-        </p:txBody>
-      </p:sp>
-      <p:cxnSp>
-        <p:nvCxnSpPr>
-          <p:cNvPr id="52" name="직선 연결선 51">
-            <a:extLst>
-              <a:ext uri="{FF2B5EF4-FFF2-40B4-BE49-F238E27FC236}">
-                <a16:creationId xmlns:a16="http://schemas.microsoft.com/office/drawing/2014/main" id="{106A771D-CABB-437A-7AEE-3E341071E428}"/>
-              </a:ext>
-            </a:extLst>
-          </p:cNvPr>
-          <p:cNvCxnSpPr>
-            <a:cxnSpLocks/>
-          </p:cNvCxnSpPr>
-          <p:nvPr/>
-        </p:nvCxnSpPr>
-        <p:spPr>
-          <a:xfrm>
-            <a:off x="4161027" y="3354421"/>
-            <a:ext cx="3600000" cy="0"/>
-          </a:xfrm>
-          <a:prstGeom prst="line">
-            <a:avLst/>
-          </a:prstGeom>
-          <a:ln w="69850" cap="rnd">
-            <a:solidFill>
-              <a:schemeClr val="bg1">
-                <a:alpha val="20000"/>
-              </a:schemeClr>
-            </a:solidFill>
-          </a:ln>
-        </p:spPr>
-        <p:style>
-          <a:lnRef idx="1">
-            <a:schemeClr val="accent1"/>
-          </a:lnRef>
-          <a:fillRef idx="0">
-            <a:schemeClr val="accent1"/>
-          </a:fillRef>
-          <a:effectRef idx="0">
-            <a:schemeClr val="accent1"/>
-          </a:effectRef>
-          <a:fontRef idx="minor">
-            <a:schemeClr val="tx1"/>
-          </a:fontRef>
-        </p:style>
-      </p:cxnSp>
-      <p:cxnSp>
-        <p:nvCxnSpPr>
-          <p:cNvPr id="53" name="직선 연결선 52">
-            <a:extLst>
-              <a:ext uri="{FF2B5EF4-FFF2-40B4-BE49-F238E27FC236}">
-                <a16:creationId xmlns:a16="http://schemas.microsoft.com/office/drawing/2014/main" id="{7495C850-B48A-43E0-3E31-2EFEBC21FAB4}"/>
-              </a:ext>
-            </a:extLst>
-          </p:cNvPr>
-          <p:cNvCxnSpPr>
-            <a:cxnSpLocks/>
-          </p:cNvCxnSpPr>
-          <p:nvPr/>
-        </p:nvCxnSpPr>
-        <p:spPr>
-          <a:xfrm>
-            <a:off x="4163629" y="3354421"/>
-            <a:ext cx="1692000" cy="0"/>
-          </a:xfrm>
-          <a:prstGeom prst="line">
-            <a:avLst/>
-          </a:prstGeom>
-          <a:ln w="69850" cap="rnd">
-            <a:solidFill>
-              <a:srgbClr val="2CE2E2"/>
-            </a:solidFill>
-          </a:ln>
-        </p:spPr>
-        <p:style>
-          <a:lnRef idx="1">
-            <a:schemeClr val="accent1"/>
-          </a:lnRef>
-          <a:fillRef idx="0">
-            <a:schemeClr val="accent1"/>
-          </a:fillRef>
-          <a:effectRef idx="0">
-            <a:schemeClr val="accent1"/>
-          </a:effectRef>
-          <a:fontRef idx="minor">
-            <a:schemeClr val="tx1"/>
-          </a:fontRef>
-        </p:style>
-      </p:cxnSp>
-      <p:sp>
-        <p:nvSpPr>
-          <p:cNvPr id="54" name="타원 53">
-            <a:extLst>
-              <a:ext uri="{FF2B5EF4-FFF2-40B4-BE49-F238E27FC236}">
-                <a16:creationId xmlns:a16="http://schemas.microsoft.com/office/drawing/2014/main" id="{90DF7945-ACBF-3CBE-08B1-8A3A1B835E64}"/>
-              </a:ext>
-            </a:extLst>
-          </p:cNvPr>
-          <p:cNvSpPr/>
-          <p:nvPr/>
-        </p:nvSpPr>
-        <p:spPr>
-          <a:xfrm flipH="1">
-            <a:off x="5866587" y="3256098"/>
-            <a:ext cx="196646" cy="196646"/>
-          </a:xfrm>
-          <a:prstGeom prst="ellipse">
-            <a:avLst/>
-          </a:prstGeom>
-          <a:solidFill>
-            <a:schemeClr val="bg1"/>
-          </a:solidFill>
-          <a:ln w="6350">
-            <a:solidFill>
-              <a:srgbClr val="2CE2E2"/>
-            </a:solidFill>
-          </a:ln>
-          <a:effectLst>
-            <a:outerShdw dist="12700" dir="8100000" algn="tr" rotWithShape="0">
-              <a:prstClr val="black">
-                <a:alpha val="20000"/>
-              </a:prstClr>
-            </a:outerShdw>
-          </a:effectLst>
-        </p:spPr>
-        <p:style>
-          <a:lnRef idx="2">
-            <a:schemeClr val="accent1">
-              <a:shade val="50000"/>
-            </a:schemeClr>
-          </a:lnRef>
-          <a:fillRef idx="1">
-            <a:schemeClr val="accent1"/>
-          </a:fillRef>
-          <a:effectRef idx="0">
-            <a:schemeClr val="accent1"/>
-          </a:effectRef>
-          <a:fontRef idx="minor">
-            <a:schemeClr val="lt1"/>
-          </a:fontRef>
-        </p:style>
-        <p:txBody>
-          <a:bodyPr rtlCol="0" anchor="ctr"/>
-          <a:lstStyle/>
-          <a:p>
-            <a:pPr algn="ctr"/>
-            <a:endParaRPr lang="ko-KR" altLang="en-US">
-              <a:solidFill>
-                <a:prstClr val="white"/>
-              </a:solidFill>
-            </a:endParaRPr>
-          </a:p>
-        </p:txBody>
-      </p:sp>
       <p:sp>
         <p:nvSpPr>
           <p:cNvPr id="55" name="직사각형 54">
@@ -8276,100 +6947,12 @@
           </a:p>
         </p:txBody>
       </p:sp>
-      <p:cxnSp>
-        <p:nvCxnSpPr>
-          <p:cNvPr id="56" name="직선 연결선 55">
+      <p:sp>
+        <p:nvSpPr>
+          <p:cNvPr id="2" name="모서리가 둥근 직사각형 9">
             <a:extLst>
               <a:ext uri="{FF2B5EF4-FFF2-40B4-BE49-F238E27FC236}">
-                <a16:creationId xmlns:a16="http://schemas.microsoft.com/office/drawing/2014/main" id="{6EAD1E7F-B716-CC4B-EDDB-3B1DC9DAF9CA}"/>
-              </a:ext>
-            </a:extLst>
-          </p:cNvPr>
-          <p:cNvCxnSpPr>
-            <a:cxnSpLocks/>
-          </p:cNvCxnSpPr>
-          <p:nvPr/>
-        </p:nvCxnSpPr>
-        <p:spPr>
-          <a:xfrm>
-            <a:off x="4161027" y="4267722"/>
-            <a:ext cx="3600000" cy="0"/>
-          </a:xfrm>
-          <a:prstGeom prst="line">
-            <a:avLst/>
-          </a:prstGeom>
-          <a:ln w="69850" cap="rnd">
-            <a:solidFill>
-              <a:schemeClr val="bg1">
-                <a:alpha val="20000"/>
-              </a:schemeClr>
-            </a:solidFill>
-          </a:ln>
-        </p:spPr>
-        <p:style>
-          <a:lnRef idx="1">
-            <a:schemeClr val="accent1"/>
-          </a:lnRef>
-          <a:fillRef idx="0">
-            <a:schemeClr val="accent1"/>
-          </a:fillRef>
-          <a:effectRef idx="0">
-            <a:schemeClr val="accent1"/>
-          </a:effectRef>
-          <a:fontRef idx="minor">
-            <a:schemeClr val="tx1"/>
-          </a:fontRef>
-        </p:style>
-      </p:cxnSp>
-      <p:cxnSp>
-        <p:nvCxnSpPr>
-          <p:cNvPr id="57" name="직선 연결선 56">
-            <a:extLst>
-              <a:ext uri="{FF2B5EF4-FFF2-40B4-BE49-F238E27FC236}">
-                <a16:creationId xmlns:a16="http://schemas.microsoft.com/office/drawing/2014/main" id="{2C3578C5-C5AE-6B9F-91D8-33AB0F403046}"/>
-              </a:ext>
-            </a:extLst>
-          </p:cNvPr>
-          <p:cNvCxnSpPr>
-            <a:cxnSpLocks/>
-          </p:cNvCxnSpPr>
-          <p:nvPr/>
-        </p:nvCxnSpPr>
-        <p:spPr>
-          <a:xfrm>
-            <a:off x="4163629" y="4267722"/>
-            <a:ext cx="2592000" cy="0"/>
-          </a:xfrm>
-          <a:prstGeom prst="line">
-            <a:avLst/>
-          </a:prstGeom>
-          <a:ln w="69850" cap="rnd">
-            <a:solidFill>
-              <a:srgbClr val="2CE2E2"/>
-            </a:solidFill>
-          </a:ln>
-        </p:spPr>
-        <p:style>
-          <a:lnRef idx="1">
-            <a:schemeClr val="accent1"/>
-          </a:lnRef>
-          <a:fillRef idx="0">
-            <a:schemeClr val="accent1"/>
-          </a:fillRef>
-          <a:effectRef idx="0">
-            <a:schemeClr val="accent1"/>
-          </a:effectRef>
-          <a:fontRef idx="minor">
-            <a:schemeClr val="tx1"/>
-          </a:fontRef>
-        </p:style>
-      </p:cxnSp>
-      <p:sp>
-        <p:nvSpPr>
-          <p:cNvPr id="58" name="타원 57">
-            <a:extLst>
-              <a:ext uri="{FF2B5EF4-FFF2-40B4-BE49-F238E27FC236}">
-                <a16:creationId xmlns:a16="http://schemas.microsoft.com/office/drawing/2014/main" id="{79326511-0E71-4D4E-9117-5CCAFAF494ED}"/>
+                <a16:creationId xmlns:a16="http://schemas.microsoft.com/office/drawing/2014/main" id="{6A556C60-4AC1-BCCD-BBCC-82E6A8227D26}"/>
               </a:ext>
             </a:extLst>
           </p:cNvPr>
@@ -8377,25 +6960,23 @@
           <p:nvPr/>
         </p:nvSpPr>
         <p:spPr>
-          <a:xfrm flipH="1">
-            <a:off x="6765747" y="4169399"/>
-            <a:ext cx="196646" cy="196646"/>
+          <a:xfrm>
+            <a:off x="1016259" y="124874"/>
+            <a:ext cx="4326418" cy="600837"/>
           </a:xfrm>
-          <a:prstGeom prst="ellipse">
+          <a:prstGeom prst="roundRect">
             <a:avLst/>
           </a:prstGeom>
           <a:solidFill>
-            <a:schemeClr val="bg1"/>
+            <a:srgbClr val="232C4B"/>
           </a:solidFill>
-          <a:ln w="6350">
-            <a:solidFill>
-              <a:srgbClr val="2CE2E2"/>
-            </a:solidFill>
+          <a:ln>
+            <a:noFill/>
           </a:ln>
           <a:effectLst>
-            <a:outerShdw dist="12700" dir="8100000" algn="tr" rotWithShape="0">
+            <a:outerShdw blurRad="381000" dist="63500" dir="2700000" algn="tl" rotWithShape="0">
               <a:prstClr val="black">
-                <a:alpha val="20000"/>
+                <a:alpha val="15000"/>
               </a:prstClr>
             </a:outerShdw>
           </a:effectLst>
@@ -8420,242 +7001,90 @@
           <a:bodyPr rtlCol="0" anchor="ctr"/>
           <a:lstStyle/>
           <a:p>
-            <a:pPr algn="ctr"/>
-            <a:endParaRPr lang="ko-KR" altLang="en-US">
+            <a:pPr marL="176213" marR="0" lvl="0" indent="0" algn="l" defTabSz="914400" rtl="0" eaLnBrk="1" fontAlgn="auto" latinLnBrk="0" hangingPunct="1">
+              <a:lnSpc>
+                <a:spcPct val="100000"/>
+              </a:lnSpc>
+              <a:spcBef>
+                <a:spcPts val="0"/>
+              </a:spcBef>
+              <a:spcAft>
+                <a:spcPts val="0"/>
+              </a:spcAft>
+              <a:buClrTx/>
+              <a:buSzTx/>
+              <a:buFontTx/>
+              <a:buNone/>
+              <a:tabLst>
+                <a:tab pos="1076325" algn="l"/>
+                <a:tab pos="1162050" algn="l"/>
+              </a:tabLst>
+              <a:defRPr/>
+            </a:pPr>
+            <a:r>
+              <a:rPr kumimoji="0" lang="en-US" altLang="ko-KR" sz="2400" b="0" i="1" u="none" strike="noStrike" kern="0" cap="none" spc="0" normalizeH="0" baseline="0" noProof="0">
+                <a:ln w="9525">
+                  <a:noFill/>
+                </a:ln>
+                <a:solidFill>
+                  <a:prstClr val="white"/>
+                </a:solidFill>
+                <a:effectLst/>
+                <a:uLnTx/>
+                <a:uFillTx/>
+                <a:latin typeface="Tmon몬소리 Black" panose="02000A03000000000000" pitchFamily="2" charset="-127"/>
+                <a:ea typeface="Tmon몬소리 Black" panose="02000A03000000000000" pitchFamily="2" charset="-127"/>
+                <a:cs typeface="+mn-cs"/>
+              </a:rPr>
+              <a:t>AI</a:t>
+            </a:r>
+            <a:r>
+              <a:rPr kumimoji="0" lang="ko-KR" altLang="en-US" sz="2400" b="0" i="1" u="none" strike="noStrike" kern="0" cap="none" spc="0" normalizeH="0" baseline="0" noProof="0">
+                <a:ln w="9525">
+                  <a:noFill/>
+                </a:ln>
+                <a:solidFill>
+                  <a:prstClr val="white"/>
+                </a:solidFill>
+                <a:effectLst/>
+                <a:uLnTx/>
+                <a:uFillTx/>
+                <a:latin typeface="Tmon몬소리 Black" panose="02000A03000000000000" pitchFamily="2" charset="-127"/>
+                <a:ea typeface="Tmon몬소리 Black" panose="02000A03000000000000" pitchFamily="2" charset="-127"/>
+                <a:cs typeface="+mn-cs"/>
+              </a:rPr>
+              <a:t>비전응용 </a:t>
+            </a:r>
+            <a:r>
+              <a:rPr kumimoji="0" lang="en-US" altLang="ko-KR" sz="1100" b="0" i="0" u="none" strike="noStrike" kern="0" cap="none" spc="0" normalizeH="0" baseline="0" noProof="0">
+                <a:ln>
+                  <a:noFill/>
+                </a:ln>
+                <a:solidFill>
+                  <a:prstClr val="white"/>
+                </a:solidFill>
+                <a:effectLst/>
+                <a:uLnTx/>
+                <a:uFillTx/>
+                <a:latin typeface="맑은 고딕" panose="020F0502020204030204"/>
+                <a:ea typeface="맑은 고딕" panose="020B0503020000020004" pitchFamily="50" charset="-127"/>
+                <a:cs typeface="+mn-cs"/>
+              </a:rPr>
+              <a:t>Team meeting with processor</a:t>
+            </a:r>
+            <a:endParaRPr kumimoji="0" lang="ko-KR" altLang="en-US" sz="3200" b="0" i="0" u="none" strike="noStrike" kern="0" cap="none" spc="0" normalizeH="0" baseline="0" noProof="0" dirty="0">
+              <a:ln>
+                <a:noFill/>
+              </a:ln>
               <a:solidFill>
                 <a:prstClr val="white"/>
               </a:solidFill>
-            </a:endParaRPr>
-          </a:p>
-        </p:txBody>
-      </p:sp>
-      <p:sp>
-        <p:nvSpPr>
-          <p:cNvPr id="59" name="직사각형 58">
-            <a:extLst>
-              <a:ext uri="{FF2B5EF4-FFF2-40B4-BE49-F238E27FC236}">
-                <a16:creationId xmlns:a16="http://schemas.microsoft.com/office/drawing/2014/main" id="{08C26EBB-29C9-9672-E775-DC5D9F3AEDA1}"/>
-              </a:ext>
-            </a:extLst>
-          </p:cNvPr>
-          <p:cNvSpPr/>
-          <p:nvPr/>
-        </p:nvSpPr>
-        <p:spPr>
-          <a:xfrm>
-            <a:off x="7955305" y="4572651"/>
-            <a:ext cx="2515075" cy="1246495"/>
-          </a:xfrm>
-          <a:prstGeom prst="rect">
-            <a:avLst/>
-          </a:prstGeom>
-        </p:spPr>
-        <p:txBody>
-          <a:bodyPr wrap="square">
-            <a:spAutoFit/>
-          </a:bodyPr>
-          <a:lstStyle/>
-          <a:p>
-            <a:pPr algn="ctr">
-              <a:lnSpc>
-                <a:spcPct val="150000"/>
-              </a:lnSpc>
-            </a:pPr>
-            <a:r>
-              <a:rPr lang="en-US" altLang="ko-KR" sz="1600" b="1" dirty="0">
-                <a:solidFill>
-                  <a:prstClr val="white"/>
-                </a:solidFill>
-              </a:rPr>
-              <a:t>CONTENTS 31%</a:t>
-            </a:r>
-          </a:p>
-          <a:p>
-            <a:pPr algn="ctr">
-              <a:lnSpc>
-                <a:spcPct val="150000"/>
-              </a:lnSpc>
-            </a:pPr>
-            <a:r>
-              <a:rPr lang="ko-KR" altLang="en-US" sz="1400" dirty="0">
-                <a:solidFill>
-                  <a:prstClr val="white"/>
-                </a:solidFill>
-              </a:rPr>
-              <a:t>컨텐츠에 대한 내용을 적어요</a:t>
-            </a:r>
-            <a:endParaRPr lang="en-US" altLang="ko-KR" sz="1400" dirty="0">
-              <a:solidFill>
-                <a:prstClr val="white"/>
-              </a:solidFill>
-            </a:endParaRPr>
-          </a:p>
-          <a:p>
-            <a:pPr algn="ctr">
-              <a:lnSpc>
-                <a:spcPct val="150000"/>
-              </a:lnSpc>
-            </a:pPr>
-            <a:r>
-              <a:rPr lang="ko-KR" altLang="en-US" sz="1000" dirty="0">
-                <a:solidFill>
-                  <a:prstClr val="white"/>
-                </a:solidFill>
-              </a:rPr>
-              <a:t>Enjoy your stylish business and campus life with BIZCAM </a:t>
-            </a:r>
-          </a:p>
-        </p:txBody>
-      </p:sp>
-      <p:cxnSp>
-        <p:nvCxnSpPr>
-          <p:cNvPr id="60" name="직선 연결선 59">
-            <a:extLst>
-              <a:ext uri="{FF2B5EF4-FFF2-40B4-BE49-F238E27FC236}">
-                <a16:creationId xmlns:a16="http://schemas.microsoft.com/office/drawing/2014/main" id="{7D12D098-8BE9-E3E4-3E8E-5BD4257E75FC}"/>
-              </a:ext>
-            </a:extLst>
-          </p:cNvPr>
-          <p:cNvCxnSpPr>
-            <a:cxnSpLocks/>
-          </p:cNvCxnSpPr>
-          <p:nvPr/>
-        </p:nvCxnSpPr>
-        <p:spPr>
-          <a:xfrm>
-            <a:off x="4161027" y="5181023"/>
-            <a:ext cx="3600000" cy="0"/>
-          </a:xfrm>
-          <a:prstGeom prst="line">
-            <a:avLst/>
-          </a:prstGeom>
-          <a:ln w="69850" cap="rnd">
-            <a:solidFill>
-              <a:schemeClr val="bg1">
-                <a:alpha val="20000"/>
-              </a:schemeClr>
-            </a:solidFill>
-          </a:ln>
-        </p:spPr>
-        <p:style>
-          <a:lnRef idx="1">
-            <a:schemeClr val="accent1"/>
-          </a:lnRef>
-          <a:fillRef idx="0">
-            <a:schemeClr val="accent1"/>
-          </a:fillRef>
-          <a:effectRef idx="0">
-            <a:schemeClr val="accent1"/>
-          </a:effectRef>
-          <a:fontRef idx="minor">
-            <a:schemeClr val="tx1"/>
-          </a:fontRef>
-        </p:style>
-      </p:cxnSp>
-      <p:cxnSp>
-        <p:nvCxnSpPr>
-          <p:cNvPr id="61" name="직선 연결선 60">
-            <a:extLst>
-              <a:ext uri="{FF2B5EF4-FFF2-40B4-BE49-F238E27FC236}">
-                <a16:creationId xmlns:a16="http://schemas.microsoft.com/office/drawing/2014/main" id="{EEEAD37D-897E-8FCA-EF0C-4111C87DAAA2}"/>
-              </a:ext>
-            </a:extLst>
-          </p:cNvPr>
-          <p:cNvCxnSpPr>
-            <a:cxnSpLocks/>
-          </p:cNvCxnSpPr>
-          <p:nvPr/>
-        </p:nvCxnSpPr>
-        <p:spPr>
-          <a:xfrm>
-            <a:off x="4163629" y="5181023"/>
-            <a:ext cx="1116000" cy="0"/>
-          </a:xfrm>
-          <a:prstGeom prst="line">
-            <a:avLst/>
-          </a:prstGeom>
-          <a:ln w="69850" cap="rnd">
-            <a:solidFill>
-              <a:srgbClr val="2CE2E2"/>
-            </a:solidFill>
-          </a:ln>
-        </p:spPr>
-        <p:style>
-          <a:lnRef idx="1">
-            <a:schemeClr val="accent1"/>
-          </a:lnRef>
-          <a:fillRef idx="0">
-            <a:schemeClr val="accent1"/>
-          </a:fillRef>
-          <a:effectRef idx="0">
-            <a:schemeClr val="accent1"/>
-          </a:effectRef>
-          <a:fontRef idx="minor">
-            <a:schemeClr val="tx1"/>
-          </a:fontRef>
-        </p:style>
-      </p:cxnSp>
-      <p:sp>
-        <p:nvSpPr>
-          <p:cNvPr id="62" name="타원 61">
-            <a:extLst>
-              <a:ext uri="{FF2B5EF4-FFF2-40B4-BE49-F238E27FC236}">
-                <a16:creationId xmlns:a16="http://schemas.microsoft.com/office/drawing/2014/main" id="{8F1A06C9-4124-FBC0-7230-0DBED7408397}"/>
-              </a:ext>
-            </a:extLst>
-          </p:cNvPr>
-          <p:cNvSpPr/>
-          <p:nvPr/>
-        </p:nvSpPr>
-        <p:spPr>
-          <a:xfrm flipH="1">
-            <a:off x="5272227" y="5082700"/>
-            <a:ext cx="196646" cy="196646"/>
-          </a:xfrm>
-          <a:prstGeom prst="ellipse">
-            <a:avLst/>
-          </a:prstGeom>
-          <a:solidFill>
-            <a:schemeClr val="bg1"/>
-          </a:solidFill>
-          <a:ln w="6350">
-            <a:solidFill>
-              <a:srgbClr val="2CE2E2"/>
-            </a:solidFill>
-          </a:ln>
-          <a:effectLst>
-            <a:outerShdw dist="12700" dir="8100000" algn="tr" rotWithShape="0">
-              <a:prstClr val="black">
-                <a:alpha val="20000"/>
-              </a:prstClr>
-            </a:outerShdw>
-          </a:effectLst>
-        </p:spPr>
-        <p:style>
-          <a:lnRef idx="2">
-            <a:schemeClr val="accent1">
-              <a:shade val="50000"/>
-            </a:schemeClr>
-          </a:lnRef>
-          <a:fillRef idx="1">
-            <a:schemeClr val="accent1"/>
-          </a:fillRef>
-          <a:effectRef idx="0">
-            <a:schemeClr val="accent1"/>
-          </a:effectRef>
-          <a:fontRef idx="minor">
-            <a:schemeClr val="lt1"/>
-          </a:fontRef>
-        </p:style>
-        <p:txBody>
-          <a:bodyPr rtlCol="0" anchor="ctr"/>
-          <a:lstStyle/>
-          <a:p>
-            <a:pPr algn="ctr"/>
-            <a:endParaRPr lang="ko-KR" altLang="en-US">
-              <a:solidFill>
-                <a:prstClr val="white"/>
-              </a:solidFill>
+              <a:effectLst/>
+              <a:uLnTx/>
+              <a:uFillTx/>
+              <a:latin typeface="맑은 고딕" panose="020F0502020204030204"/>
+              <a:ea typeface="맑은 고딕" panose="020B0503020000020004" pitchFamily="50" charset="-127"/>
+              <a:cs typeface="+mn-cs"/>
             </a:endParaRPr>
           </a:p>
         </p:txBody>
@@ -8706,10 +7135,10 @@
         </p:nvGrpSpPr>
         <p:grpSpPr>
           <a:xfrm>
-            <a:off x="136073" y="124874"/>
-            <a:ext cx="11809768" cy="6616529"/>
-            <a:chOff x="136073" y="124874"/>
-            <a:chExt cx="11809768" cy="6616529"/>
+            <a:off x="136073" y="166008"/>
+            <a:ext cx="11809768" cy="6575395"/>
+            <a:chOff x="136073" y="166008"/>
+            <a:chExt cx="11809768" cy="6575395"/>
           </a:xfrm>
         </p:grpSpPr>
         <p:cxnSp>
@@ -9107,90 +7536,6 @@
             </p:txBody>
           </p:sp>
         </p:grpSp>
-        <p:sp>
-          <p:nvSpPr>
-            <p:cNvPr id="10" name="모서리가 둥근 직사각형 9"/>
-            <p:cNvSpPr/>
-            <p:nvPr/>
-          </p:nvSpPr>
-          <p:spPr>
-            <a:xfrm>
-              <a:off x="1016258" y="124874"/>
-              <a:ext cx="6176865" cy="600837"/>
-            </a:xfrm>
-            <a:prstGeom prst="roundRect">
-              <a:avLst/>
-            </a:prstGeom>
-            <a:solidFill>
-              <a:srgbClr val="232C4B"/>
-            </a:solidFill>
-            <a:ln>
-              <a:noFill/>
-            </a:ln>
-            <a:effectLst>
-              <a:outerShdw blurRad="381000" dist="63500" dir="2700000" algn="tl" rotWithShape="0">
-                <a:prstClr val="black">
-                  <a:alpha val="15000"/>
-                </a:prstClr>
-              </a:outerShdw>
-            </a:effectLst>
-          </p:spPr>
-          <p:style>
-            <a:lnRef idx="2">
-              <a:schemeClr val="accent1">
-                <a:shade val="50000"/>
-              </a:schemeClr>
-            </a:lnRef>
-            <a:fillRef idx="1">
-              <a:schemeClr val="accent1"/>
-            </a:fillRef>
-            <a:effectRef idx="0">
-              <a:schemeClr val="accent1"/>
-            </a:effectRef>
-            <a:fontRef idx="minor">
-              <a:schemeClr val="lt1"/>
-            </a:fontRef>
-          </p:style>
-          <p:txBody>
-            <a:bodyPr rtlCol="0" anchor="ctr"/>
-            <a:lstStyle/>
-            <a:p>
-              <a:pPr marL="176213" latinLnBrk="0">
-                <a:tabLst>
-                  <a:tab pos="1076325" algn="l"/>
-                  <a:tab pos="1162050" algn="l"/>
-                </a:tabLst>
-                <a:defRPr/>
-              </a:pPr>
-              <a:r>
-                <a:rPr lang="en-US" altLang="ko-KR" sz="2000" i="1" kern="0" dirty="0">
-                  <a:ln w="9525">
-                    <a:noFill/>
-                  </a:ln>
-                  <a:solidFill>
-                    <a:prstClr val="white"/>
-                  </a:solidFill>
-                  <a:latin typeface="Tmon몬소리 Black" panose="02000A03000000000000" pitchFamily="2" charset="-127"/>
-                  <a:ea typeface="Tmon몬소리 Black" panose="02000A03000000000000" pitchFamily="2" charset="-127"/>
-                </a:rPr>
-                <a:t>PPT PRESENTATION </a:t>
-              </a:r>
-              <a:r>
-                <a:rPr lang="en-US" altLang="ko-KR" sz="700" kern="0" dirty="0">
-                  <a:solidFill>
-                    <a:prstClr val="white"/>
-                  </a:solidFill>
-                </a:rPr>
-                <a:t>Enjoy your stylish business and campus life with BIZCAM</a:t>
-              </a:r>
-              <a:endParaRPr lang="ko-KR" altLang="en-US" sz="1600" kern="0" dirty="0">
-                <a:solidFill>
-                  <a:prstClr val="white"/>
-                </a:solidFill>
-              </a:endParaRPr>
-            </a:p>
-          </p:txBody>
-        </p:sp>
         <p:sp>
           <p:nvSpPr>
             <p:cNvPr id="11" name="모서리가 둥근 직사각형 10"/>
@@ -11087,6 +9432,148 @@
               </a:rPr>
               <a:t>Enjoy your stylish business and campus life with BIZCAM </a:t>
             </a:r>
+          </a:p>
+        </p:txBody>
+      </p:sp>
+      <p:sp>
+        <p:nvSpPr>
+          <p:cNvPr id="2" name="모서리가 둥근 직사각형 9">
+            <a:extLst>
+              <a:ext uri="{FF2B5EF4-FFF2-40B4-BE49-F238E27FC236}">
+                <a16:creationId xmlns:a16="http://schemas.microsoft.com/office/drawing/2014/main" id="{5D5648F0-DC2B-75B7-115B-76307920D504}"/>
+              </a:ext>
+            </a:extLst>
+          </p:cNvPr>
+          <p:cNvSpPr/>
+          <p:nvPr/>
+        </p:nvSpPr>
+        <p:spPr>
+          <a:xfrm>
+            <a:off x="1016259" y="124874"/>
+            <a:ext cx="4326418" cy="600837"/>
+          </a:xfrm>
+          <a:prstGeom prst="roundRect">
+            <a:avLst/>
+          </a:prstGeom>
+          <a:solidFill>
+            <a:srgbClr val="232C4B"/>
+          </a:solidFill>
+          <a:ln>
+            <a:noFill/>
+          </a:ln>
+          <a:effectLst>
+            <a:outerShdw blurRad="381000" dist="63500" dir="2700000" algn="tl" rotWithShape="0">
+              <a:prstClr val="black">
+                <a:alpha val="15000"/>
+              </a:prstClr>
+            </a:outerShdw>
+          </a:effectLst>
+        </p:spPr>
+        <p:style>
+          <a:lnRef idx="2">
+            <a:schemeClr val="accent1">
+              <a:shade val="50000"/>
+            </a:schemeClr>
+          </a:lnRef>
+          <a:fillRef idx="1">
+            <a:schemeClr val="accent1"/>
+          </a:fillRef>
+          <a:effectRef idx="0">
+            <a:schemeClr val="accent1"/>
+          </a:effectRef>
+          <a:fontRef idx="minor">
+            <a:schemeClr val="lt1"/>
+          </a:fontRef>
+        </p:style>
+        <p:txBody>
+          <a:bodyPr rtlCol="0" anchor="ctr"/>
+          <a:lstStyle/>
+          <a:p>
+            <a:pPr marL="176213" marR="0" lvl="0" indent="0" algn="l" defTabSz="914400" rtl="0" eaLnBrk="1" fontAlgn="auto" latinLnBrk="0" hangingPunct="1">
+              <a:lnSpc>
+                <a:spcPct val="100000"/>
+              </a:lnSpc>
+              <a:spcBef>
+                <a:spcPts val="0"/>
+              </a:spcBef>
+              <a:spcAft>
+                <a:spcPts val="0"/>
+              </a:spcAft>
+              <a:buClrTx/>
+              <a:buSzTx/>
+              <a:buFontTx/>
+              <a:buNone/>
+              <a:tabLst>
+                <a:tab pos="1076325" algn="l"/>
+                <a:tab pos="1162050" algn="l"/>
+              </a:tabLst>
+              <a:defRPr/>
+            </a:pPr>
+            <a:r>
+              <a:rPr kumimoji="0" lang="en-US" altLang="ko-KR" sz="2400" b="0" i="1" u="none" strike="noStrike" kern="0" cap="none" spc="0" normalizeH="0" baseline="0" noProof="0">
+                <a:ln w="9525">
+                  <a:noFill/>
+                </a:ln>
+                <a:solidFill>
+                  <a:prstClr val="white"/>
+                </a:solidFill>
+                <a:effectLst/>
+                <a:uLnTx/>
+                <a:uFillTx/>
+                <a:latin typeface="Tmon몬소리 Black" panose="02000A03000000000000" pitchFamily="2" charset="-127"/>
+                <a:ea typeface="Tmon몬소리 Black" panose="02000A03000000000000" pitchFamily="2" charset="-127"/>
+                <a:cs typeface="+mn-cs"/>
+              </a:rPr>
+              <a:t>AI</a:t>
+            </a:r>
+            <a:r>
+              <a:rPr kumimoji="0" lang="ko-KR" altLang="en-US" sz="2400" b="0" i="1" u="none" strike="noStrike" kern="0" cap="none" spc="0" normalizeH="0" baseline="0" noProof="0">
+                <a:ln w="9525">
+                  <a:noFill/>
+                </a:ln>
+                <a:solidFill>
+                  <a:prstClr val="white"/>
+                </a:solidFill>
+                <a:effectLst/>
+                <a:uLnTx/>
+                <a:uFillTx/>
+                <a:latin typeface="Tmon몬소리 Black" panose="02000A03000000000000" pitchFamily="2" charset="-127"/>
+                <a:ea typeface="Tmon몬소리 Black" panose="02000A03000000000000" pitchFamily="2" charset="-127"/>
+                <a:cs typeface="+mn-cs"/>
+              </a:rPr>
+              <a:t>비전응용 </a:t>
+            </a:r>
+            <a:r>
+              <a:rPr kumimoji="0" lang="en-US" altLang="ko-KR" sz="1100" b="0" i="0" u="none" strike="noStrike" kern="0" cap="none" spc="0" normalizeH="0" baseline="0" noProof="0">
+                <a:ln>
+                  <a:noFill/>
+                </a:ln>
+                <a:solidFill>
+                  <a:prstClr val="white"/>
+                </a:solidFill>
+                <a:effectLst/>
+                <a:uLnTx/>
+                <a:uFillTx/>
+                <a:latin typeface="맑은 고딕" panose="020F0502020204030204"/>
+                <a:ea typeface="맑은 고딕" panose="020B0503020000020004" pitchFamily="50" charset="-127"/>
+                <a:cs typeface="+mn-cs"/>
+              </a:rPr>
+              <a:t>Team meeting with processor</a:t>
+            </a:r>
+            <a:endParaRPr kumimoji="0" lang="ko-KR" altLang="en-US" sz="3200" b="0" i="0" u="none" strike="noStrike" kern="0" cap="none" spc="0" normalizeH="0" baseline="0" noProof="0" dirty="0">
+              <a:ln>
+                <a:noFill/>
+              </a:ln>
+              <a:solidFill>
+                <a:prstClr val="white"/>
+              </a:solidFill>
+              <a:effectLst/>
+              <a:uLnTx/>
+              <a:uFillTx/>
+              <a:latin typeface="맑은 고딕" panose="020F0502020204030204"/>
+              <a:ea typeface="맑은 고딕" panose="020B0503020000020004" pitchFamily="50" charset="-127"/>
+              <a:cs typeface="+mn-cs"/>
+            </a:endParaRPr>
           </a:p>
         </p:txBody>
       </p:sp>

--- a/팀플/9월27일발표ppt.pptx
+++ b/팀플/9월27일발표ppt.pptx
@@ -7,9 +7,13 @@
   <p:sldIdLst>
     <p:sldId id="257" r:id="rId2"/>
     <p:sldId id="259" r:id="rId3"/>
-    <p:sldId id="260" r:id="rId4"/>
-    <p:sldId id="261" r:id="rId5"/>
-    <p:sldId id="265" r:id="rId6"/>
+    <p:sldId id="262" r:id="rId4"/>
+    <p:sldId id="263" r:id="rId5"/>
+    <p:sldId id="260" r:id="rId6"/>
+    <p:sldId id="264" r:id="rId7"/>
+    <p:sldId id="265" r:id="rId8"/>
+    <p:sldId id="266" r:id="rId9"/>
+    <p:sldId id="261" r:id="rId10"/>
   </p:sldIdLst>
   <p:sldSz cx="12192000" cy="6858000"/>
   <p:notesSz cx="6858000" cy="9144000"/>
@@ -3733,8 +3737,8 @@
         </p:nvCxnSpPr>
         <p:spPr>
           <a:xfrm flipH="1">
-            <a:off x="7556602" y="2004326"/>
-            <a:ext cx="1909629" cy="3115353"/>
+            <a:off x="7556602" y="2148237"/>
+            <a:ext cx="2114367" cy="2971442"/>
           </a:xfrm>
           <a:prstGeom prst="line">
             <a:avLst/>
@@ -4174,7 +4178,7 @@
               <a:defRPr/>
             </a:pPr>
             <a:r>
-              <a:rPr lang="en-US" altLang="ko-KR" sz="4000" i="1" kern="0">
+              <a:rPr lang="en-US" altLang="ko-KR" sz="4400" i="1" kern="0">
                 <a:ln w="9525">
                   <a:noFill/>
                 </a:ln>
@@ -4187,7 +4191,7 @@
               <a:t>AI</a:t>
             </a:r>
             <a:r>
-              <a:rPr lang="ko-KR" altLang="en-US" sz="4000" i="1" kern="0">
+              <a:rPr lang="ko-KR" altLang="en-US" sz="4400" i="1" kern="0">
                 <a:ln w="9525">
                   <a:noFill/>
                 </a:ln>
@@ -4199,7 +4203,7 @@
               </a:rPr>
               <a:t>비전응용</a:t>
             </a:r>
-            <a:endParaRPr lang="en-US" altLang="ko-KR" sz="4000" i="1" kern="0">
+            <a:endParaRPr lang="en-US" altLang="ko-KR" sz="4400" i="1" kern="0">
               <a:ln w="9525">
                 <a:noFill/>
               </a:ln>
@@ -4219,14 +4223,14 @@
               <a:defRPr/>
             </a:pPr>
             <a:r>
-              <a:rPr lang="en-US" altLang="ko-KR" sz="1100" kern="0">
+              <a:rPr lang="en-US" altLang="ko-KR" sz="1200" kern="0">
                 <a:solidFill>
                   <a:prstClr val="white"/>
                 </a:solidFill>
               </a:rPr>
               <a:t>Team meeting with processor</a:t>
             </a:r>
-            <a:endParaRPr lang="ko-KR" altLang="en-US" sz="3200" kern="0" dirty="0">
+            <a:endParaRPr lang="ko-KR" altLang="en-US" sz="3600" kern="0" dirty="0">
               <a:solidFill>
                 <a:prstClr val="white"/>
               </a:solidFill>
@@ -4655,8 +4659,8 @@
         </p:nvSpPr>
         <p:spPr>
           <a:xfrm>
-            <a:off x="6811337" y="1819660"/>
-            <a:ext cx="2654894" cy="369332"/>
+            <a:off x="6807685" y="1978960"/>
+            <a:ext cx="2863284" cy="338554"/>
           </a:xfrm>
           <a:prstGeom prst="rect">
             <a:avLst/>
@@ -4669,58 +4673,83 @@
           <a:lstStyle/>
           <a:p>
             <a:r>
-              <a:rPr lang="ko-KR" altLang="en-US" i="1" kern="0" dirty="0">
-                <a:ln w="3175">
-                  <a:solidFill>
-                    <a:srgbClr val="2CE2E2"/>
-                  </a:solidFill>
+              <a:rPr lang="ko-KR" altLang="en-US" sz="1600" i="1" kern="0">
+                <a:ln w="9525">
+                  <a:noFill/>
                 </a:ln>
-                <a:noFill/>
+                <a:solidFill>
+                  <a:srgbClr val="2CE2E2"/>
+                </a:solidFill>
                 <a:latin typeface="Tmon몬소리 Black" panose="02000A03000000000000" pitchFamily="2" charset="-127"/>
                 <a:ea typeface="Tmon몬소리 Black" panose="02000A03000000000000" pitchFamily="2" charset="-127"/>
               </a:rPr>
-              <a:t>온라인 </a:t>
+              <a:t>안승찬 신동근 이건희 최세영</a:t>
             </a:r>
+            <a:endParaRPr lang="ko-KR" altLang="en-US" sz="1600" dirty="0">
+              <a:ln w="9525">
+                <a:noFill/>
+              </a:ln>
+              <a:solidFill>
+                <a:srgbClr val="2CE2E2"/>
+              </a:solidFill>
+            </a:endParaRPr>
+          </a:p>
+        </p:txBody>
+      </p:sp>
+      <p:sp>
+        <p:nvSpPr>
+          <p:cNvPr id="7" name="직사각형 6">
+            <a:extLst>
+              <a:ext uri="{FF2B5EF4-FFF2-40B4-BE49-F238E27FC236}">
+                <a16:creationId xmlns:a16="http://schemas.microsoft.com/office/drawing/2014/main" id="{D547EAC5-A91F-4632-52EB-AB865C95F210}"/>
+              </a:ext>
+            </a:extLst>
+          </p:cNvPr>
+          <p:cNvSpPr/>
+          <p:nvPr/>
+        </p:nvSpPr>
+        <p:spPr>
+          <a:xfrm>
+            <a:off x="9167305" y="1698171"/>
+            <a:ext cx="503664" cy="338554"/>
+          </a:xfrm>
+          <a:prstGeom prst="rect">
+            <a:avLst/>
+          </a:prstGeom>
+        </p:spPr>
+        <p:txBody>
+          <a:bodyPr wrap="none">
+            <a:spAutoFit/>
+          </a:bodyPr>
+          <a:lstStyle/>
+          <a:p>
             <a:r>
-              <a:rPr lang="ko-KR" altLang="en-US" i="1" kern="0" dirty="0" err="1">
-                <a:ln w="3175">
-                  <a:solidFill>
-                    <a:srgbClr val="2CE2E2"/>
-                  </a:solidFill>
+              <a:rPr lang="en-US" altLang="ko-KR" sz="1600" i="1" kern="0">
+                <a:ln w="9525">
+                  <a:noFill/>
                 </a:ln>
-                <a:noFill/>
+                <a:solidFill>
+                  <a:srgbClr val="2CE2E2"/>
+                </a:solidFill>
                 <a:latin typeface="Tmon몬소리 Black" panose="02000A03000000000000" pitchFamily="2" charset="-127"/>
                 <a:ea typeface="Tmon몬소리 Black" panose="02000A03000000000000" pitchFamily="2" charset="-127"/>
               </a:rPr>
-              <a:t>홍보팀</a:t>
+              <a:t>3</a:t>
             </a:r>
             <a:r>
-              <a:rPr lang="ko-KR" altLang="en-US" i="1" kern="0" dirty="0">
-                <a:ln w="3175">
-                  <a:solidFill>
-                    <a:srgbClr val="2CE2E2"/>
-                  </a:solidFill>
+              <a:rPr lang="ko-KR" altLang="en-US" sz="1600" i="1" kern="0">
+                <a:ln w="9525">
+                  <a:noFill/>
                 </a:ln>
-                <a:noFill/>
+                <a:solidFill>
+                  <a:srgbClr val="2CE2E2"/>
+                </a:solidFill>
                 <a:latin typeface="Tmon몬소리 Black" panose="02000A03000000000000" pitchFamily="2" charset="-127"/>
                 <a:ea typeface="Tmon몬소리 Black" panose="02000A03000000000000" pitchFamily="2" charset="-127"/>
               </a:rPr>
-              <a:t> 사원 </a:t>
+              <a:t>조</a:t>
             </a:r>
-            <a:r>
-              <a:rPr lang="ko-KR" altLang="en-US" i="1" kern="0" dirty="0">
-                <a:ln w="9525">
-                  <a:noFill/>
-                </a:ln>
-                <a:solidFill>
-                  <a:srgbClr val="2CE2E2"/>
-                </a:solidFill>
-                <a:latin typeface="Tmon몬소리 Black" panose="02000A03000000000000" pitchFamily="2" charset="-127"/>
-                <a:ea typeface="Tmon몬소리 Black" panose="02000A03000000000000" pitchFamily="2" charset="-127"/>
-              </a:rPr>
-              <a:t>조현석</a:t>
-            </a:r>
-            <a:endParaRPr lang="ko-KR" altLang="en-US" dirty="0">
+            <a:endParaRPr lang="ko-KR" altLang="en-US" sz="1600" dirty="0">
               <a:ln w="9525">
                 <a:noFill/>
               </a:ln>
@@ -5751,162 +5780,36 @@
           </p:sp>
         </p:grpSp>
       </p:grpSp>
-      <p:sp>
-        <p:nvSpPr>
-          <p:cNvPr id="32" name="직사각형 31">
+      <p:pic>
+        <p:nvPicPr>
+          <p:cNvPr id="9" name="그림 8">
             <a:extLst>
               <a:ext uri="{FF2B5EF4-FFF2-40B4-BE49-F238E27FC236}">
-                <a16:creationId xmlns:a16="http://schemas.microsoft.com/office/drawing/2014/main" id="{EBE08B62-540C-C6CC-889D-76B8525F5562}"/>
+                <a16:creationId xmlns:a16="http://schemas.microsoft.com/office/drawing/2014/main" id="{246E4C92-A29E-913E-6B17-EE6A38392877}"/>
               </a:ext>
             </a:extLst>
           </p:cNvPr>
-          <p:cNvSpPr/>
+          <p:cNvPicPr>
+            <a:picLocks noChangeAspect="1"/>
+          </p:cNvPicPr>
           <p:nvPr/>
-        </p:nvSpPr>
+        </p:nvPicPr>
+        <p:blipFill>
+          <a:blip r:embed="rId2"/>
+          <a:stretch>
+            <a:fillRect/>
+          </a:stretch>
+        </p:blipFill>
         <p:spPr>
           <a:xfrm>
-            <a:off x="7619730" y="3511391"/>
-            <a:ext cx="2515075" cy="1246495"/>
+            <a:off x="658586" y="775367"/>
+            <a:ext cx="7408069" cy="5735279"/>
           </a:xfrm>
           <a:prstGeom prst="rect">
             <a:avLst/>
           </a:prstGeom>
         </p:spPr>
-        <p:txBody>
-          <a:bodyPr wrap="square">
-            <a:spAutoFit/>
-          </a:bodyPr>
-          <a:lstStyle/>
-          <a:p>
-            <a:pPr algn="ctr">
-              <a:lnSpc>
-                <a:spcPct val="150000"/>
-              </a:lnSpc>
-            </a:pPr>
-            <a:r>
-              <a:rPr lang="en-US" altLang="ko-KR" sz="1600" b="1" dirty="0">
-                <a:solidFill>
-                  <a:prstClr val="white"/>
-                </a:solidFill>
-              </a:rPr>
-              <a:t>CONTENTS A</a:t>
-            </a:r>
-          </a:p>
-          <a:p>
-            <a:pPr algn="ctr">
-              <a:lnSpc>
-                <a:spcPct val="150000"/>
-              </a:lnSpc>
-            </a:pPr>
-            <a:r>
-              <a:rPr lang="ko-KR" altLang="en-US" sz="1400" dirty="0">
-                <a:solidFill>
-                  <a:prstClr val="white"/>
-                </a:solidFill>
-              </a:rPr>
-              <a:t>컨텐츠에 대한 내용을 적어요</a:t>
-            </a:r>
-            <a:endParaRPr lang="en-US" altLang="ko-KR" sz="1400" dirty="0">
-              <a:solidFill>
-                <a:prstClr val="white"/>
-              </a:solidFill>
-            </a:endParaRPr>
-          </a:p>
-          <a:p>
-            <a:pPr algn="ctr">
-              <a:lnSpc>
-                <a:spcPct val="150000"/>
-              </a:lnSpc>
-            </a:pPr>
-            <a:r>
-              <a:rPr lang="ko-KR" altLang="en-US" sz="1000" dirty="0">
-                <a:solidFill>
-                  <a:prstClr val="white"/>
-                </a:solidFill>
-              </a:rPr>
-              <a:t>Enjoy your stylish business and campus life with BIZCAM </a:t>
-            </a:r>
-          </a:p>
-        </p:txBody>
-      </p:sp>
-      <p:sp>
-        <p:nvSpPr>
-          <p:cNvPr id="40" name="직사각형 39">
-            <a:extLst>
-              <a:ext uri="{FF2B5EF4-FFF2-40B4-BE49-F238E27FC236}">
-                <a16:creationId xmlns:a16="http://schemas.microsoft.com/office/drawing/2014/main" id="{62C3F7C3-E55C-7E5F-87C6-0852481806BE}"/>
-              </a:ext>
-            </a:extLst>
-          </p:cNvPr>
-          <p:cNvSpPr/>
-          <p:nvPr/>
-        </p:nvSpPr>
-        <p:spPr>
-          <a:xfrm>
-            <a:off x="7619730" y="1570680"/>
-            <a:ext cx="2515075" cy="1246495"/>
-          </a:xfrm>
-          <a:prstGeom prst="rect">
-            <a:avLst/>
-          </a:prstGeom>
-        </p:spPr>
-        <p:txBody>
-          <a:bodyPr wrap="square">
-            <a:spAutoFit/>
-          </a:bodyPr>
-          <a:lstStyle/>
-          <a:p>
-            <a:pPr algn="ctr">
-              <a:lnSpc>
-                <a:spcPct val="150000"/>
-              </a:lnSpc>
-            </a:pPr>
-            <a:r>
-              <a:rPr lang="en-US" altLang="ko-KR" sz="1600" b="1" dirty="0">
-                <a:solidFill>
-                  <a:prstClr val="white"/>
-                </a:solidFill>
-              </a:rPr>
-              <a:t>CONTENTS A</a:t>
-            </a:r>
-          </a:p>
-          <a:p>
-            <a:pPr algn="ctr">
-              <a:lnSpc>
-                <a:spcPct val="150000"/>
-              </a:lnSpc>
-            </a:pPr>
-            <a:r>
-              <a:rPr lang="ko-KR" altLang="en-US" sz="1400" dirty="0">
-                <a:solidFill>
-                  <a:prstClr val="white"/>
-                </a:solidFill>
-              </a:rPr>
-              <a:t>컨텐츠에 대한 내용을 적어요</a:t>
-            </a:r>
-            <a:endParaRPr lang="en-US" altLang="ko-KR" sz="1400" dirty="0">
-              <a:solidFill>
-                <a:prstClr val="white"/>
-              </a:solidFill>
-            </a:endParaRPr>
-          </a:p>
-          <a:p>
-            <a:pPr algn="ctr">
-              <a:lnSpc>
-                <a:spcPct val="150000"/>
-              </a:lnSpc>
-            </a:pPr>
-            <a:r>
-              <a:rPr lang="ko-KR" altLang="en-US" sz="1000" dirty="0">
-                <a:solidFill>
-                  <a:prstClr val="white"/>
-                </a:solidFill>
-              </a:rPr>
-              <a:t>Enjoy your stylish business and campus life with BIZCAM </a:t>
-            </a:r>
-          </a:p>
-        </p:txBody>
-      </p:sp>
+      </p:pic>
     </p:spTree>
     <p:extLst>
       <p:ext uri="{BB962C8B-B14F-4D97-AF65-F5344CB8AC3E}">
@@ -5921,6 +5824,2106 @@
 </file>
 
 <file path=ppt/slides/slide3.xml><?xml version="1.0" encoding="utf-8"?>
+<p:sld xmlns:a="http://schemas.openxmlformats.org/drawingml/2006/main" xmlns:r="http://schemas.openxmlformats.org/officeDocument/2006/relationships" xmlns:p="http://schemas.openxmlformats.org/presentationml/2006/main">
+  <p:cSld>
+    <p:bg>
+      <p:bgPr>
+        <a:solidFill>
+          <a:srgbClr val="1B2540"/>
+        </a:solidFill>
+        <a:effectLst/>
+      </p:bgPr>
+    </p:bg>
+    <p:spTree>
+      <p:nvGrpSpPr>
+        <p:cNvPr id="1" name=""/>
+        <p:cNvGrpSpPr/>
+        <p:nvPr/>
+      </p:nvGrpSpPr>
+      <p:grpSpPr>
+        <a:xfrm>
+          <a:off x="0" y="0"/>
+          <a:ext cx="0" cy="0"/>
+          <a:chOff x="0" y="0"/>
+          <a:chExt cx="0" cy="0"/>
+        </a:xfrm>
+      </p:grpSpPr>
+      <p:grpSp>
+        <p:nvGrpSpPr>
+          <p:cNvPr id="7" name="그룹 6"/>
+          <p:cNvGrpSpPr/>
+          <p:nvPr/>
+        </p:nvGrpSpPr>
+        <p:grpSpPr>
+          <a:xfrm>
+            <a:off x="136073" y="124874"/>
+            <a:ext cx="11809768" cy="6616529"/>
+            <a:chOff x="136073" y="124874"/>
+            <a:chExt cx="11809768" cy="6616529"/>
+          </a:xfrm>
+        </p:grpSpPr>
+        <p:cxnSp>
+          <p:nvCxnSpPr>
+            <p:cNvPr id="39" name="직선 연결선 38"/>
+            <p:cNvCxnSpPr>
+              <a:stCxn id="3" idx="6"/>
+              <a:endCxn id="16" idx="2"/>
+            </p:cNvCxnSpPr>
+            <p:nvPr/>
+          </p:nvCxnSpPr>
+          <p:spPr>
+            <a:xfrm flipV="1">
+              <a:off x="658587" y="425291"/>
+              <a:ext cx="11110942" cy="1974"/>
+            </a:xfrm>
+            <a:prstGeom prst="line">
+              <a:avLst/>
+            </a:prstGeom>
+            <a:ln>
+              <a:solidFill>
+                <a:srgbClr val="2CE2E2">
+                  <a:alpha val="50000"/>
+                </a:srgbClr>
+              </a:solidFill>
+            </a:ln>
+          </p:spPr>
+          <p:style>
+            <a:lnRef idx="1">
+              <a:schemeClr val="accent1"/>
+            </a:lnRef>
+            <a:fillRef idx="0">
+              <a:schemeClr val="accent1"/>
+            </a:fillRef>
+            <a:effectRef idx="0">
+              <a:schemeClr val="accent1"/>
+            </a:effectRef>
+            <a:fontRef idx="minor">
+              <a:schemeClr val="tx1"/>
+            </a:fontRef>
+          </p:style>
+        </p:cxnSp>
+        <p:cxnSp>
+          <p:nvCxnSpPr>
+            <p:cNvPr id="34" name="직선 연결선 33"/>
+            <p:cNvCxnSpPr>
+              <a:stCxn id="3" idx="4"/>
+              <a:endCxn id="24" idx="0"/>
+            </p:cNvCxnSpPr>
+            <p:nvPr/>
+          </p:nvCxnSpPr>
+          <p:spPr>
+            <a:xfrm flipH="1">
+              <a:off x="397329" y="688522"/>
+              <a:ext cx="1" cy="5876569"/>
+            </a:xfrm>
+            <a:prstGeom prst="line">
+              <a:avLst/>
+            </a:prstGeom>
+            <a:ln>
+              <a:solidFill>
+                <a:srgbClr val="2CE2E2">
+                  <a:alpha val="49804"/>
+                </a:srgbClr>
+              </a:solidFill>
+            </a:ln>
+          </p:spPr>
+          <p:style>
+            <a:lnRef idx="1">
+              <a:schemeClr val="accent1"/>
+            </a:lnRef>
+            <a:fillRef idx="0">
+              <a:schemeClr val="accent1"/>
+            </a:fillRef>
+            <a:effectRef idx="0">
+              <a:schemeClr val="accent1"/>
+            </a:effectRef>
+            <a:fontRef idx="minor">
+              <a:schemeClr val="tx1"/>
+            </a:fontRef>
+          </p:style>
+        </p:cxnSp>
+        <p:cxnSp>
+          <p:nvCxnSpPr>
+            <p:cNvPr id="29" name="직선 연결선 28"/>
+            <p:cNvCxnSpPr>
+              <a:stCxn id="24" idx="6"/>
+              <a:endCxn id="21" idx="2"/>
+            </p:cNvCxnSpPr>
+            <p:nvPr/>
+          </p:nvCxnSpPr>
+          <p:spPr>
+            <a:xfrm>
+              <a:off x="429729" y="6597491"/>
+              <a:ext cx="11339800" cy="0"/>
+            </a:xfrm>
+            <a:prstGeom prst="line">
+              <a:avLst/>
+            </a:prstGeom>
+            <a:ln>
+              <a:solidFill>
+                <a:srgbClr val="2CE2E2">
+                  <a:alpha val="50000"/>
+                </a:srgbClr>
+              </a:solidFill>
+            </a:ln>
+          </p:spPr>
+          <p:style>
+            <a:lnRef idx="1">
+              <a:schemeClr val="accent1"/>
+            </a:lnRef>
+            <a:fillRef idx="0">
+              <a:schemeClr val="accent1"/>
+            </a:fillRef>
+            <a:effectRef idx="0">
+              <a:schemeClr val="accent1"/>
+            </a:effectRef>
+            <a:fontRef idx="minor">
+              <a:schemeClr val="tx1"/>
+            </a:fontRef>
+          </p:style>
+        </p:cxnSp>
+        <p:cxnSp>
+          <p:nvCxnSpPr>
+            <p:cNvPr id="26" name="직선 연결선 25"/>
+            <p:cNvCxnSpPr>
+              <a:stCxn id="16" idx="4"/>
+              <a:endCxn id="21" idx="0"/>
+            </p:cNvCxnSpPr>
+            <p:nvPr/>
+          </p:nvCxnSpPr>
+          <p:spPr>
+            <a:xfrm>
+              <a:off x="11801929" y="457691"/>
+              <a:ext cx="0" cy="6107400"/>
+            </a:xfrm>
+            <a:prstGeom prst="line">
+              <a:avLst/>
+            </a:prstGeom>
+            <a:ln>
+              <a:solidFill>
+                <a:srgbClr val="2CE2E2">
+                  <a:alpha val="50000"/>
+                </a:srgbClr>
+              </a:solidFill>
+            </a:ln>
+          </p:spPr>
+          <p:style>
+            <a:lnRef idx="1">
+              <a:schemeClr val="accent1"/>
+            </a:lnRef>
+            <a:fillRef idx="0">
+              <a:schemeClr val="accent1"/>
+            </a:fillRef>
+            <a:effectRef idx="0">
+              <a:schemeClr val="accent1"/>
+            </a:effectRef>
+            <a:fontRef idx="minor">
+              <a:schemeClr val="tx1"/>
+            </a:fontRef>
+          </p:style>
+        </p:cxnSp>
+        <p:grpSp>
+          <p:nvGrpSpPr>
+            <p:cNvPr id="8" name="그룹 7"/>
+            <p:cNvGrpSpPr/>
+            <p:nvPr/>
+          </p:nvGrpSpPr>
+          <p:grpSpPr>
+            <a:xfrm>
+              <a:off x="136073" y="166008"/>
+              <a:ext cx="522514" cy="522514"/>
+              <a:chOff x="326573" y="261258"/>
+              <a:chExt cx="522514" cy="522514"/>
+            </a:xfrm>
+          </p:grpSpPr>
+          <p:sp>
+            <p:nvSpPr>
+              <p:cNvPr id="3" name="타원 2"/>
+              <p:cNvSpPr/>
+              <p:nvPr/>
+            </p:nvSpPr>
+            <p:spPr>
+              <a:xfrm>
+                <a:off x="326573" y="261258"/>
+                <a:ext cx="522514" cy="522514"/>
+              </a:xfrm>
+              <a:prstGeom prst="ellipse">
+                <a:avLst/>
+              </a:prstGeom>
+              <a:solidFill>
+                <a:srgbClr val="2CE1B3">
+                  <a:alpha val="10000"/>
+                </a:srgbClr>
+              </a:solidFill>
+              <a:ln>
+                <a:solidFill>
+                  <a:srgbClr val="2CE1B3">
+                    <a:alpha val="30000"/>
+                  </a:srgbClr>
+                </a:solidFill>
+              </a:ln>
+            </p:spPr>
+            <p:style>
+              <a:lnRef idx="2">
+                <a:schemeClr val="accent1">
+                  <a:shade val="50000"/>
+                </a:schemeClr>
+              </a:lnRef>
+              <a:fillRef idx="1">
+                <a:schemeClr val="accent1"/>
+              </a:fillRef>
+              <a:effectRef idx="0">
+                <a:schemeClr val="accent1"/>
+              </a:effectRef>
+              <a:fontRef idx="minor">
+                <a:schemeClr val="lt1"/>
+              </a:fontRef>
+            </p:style>
+            <p:txBody>
+              <a:bodyPr rtlCol="0" anchor="ctr"/>
+              <a:lstStyle/>
+              <a:p>
+                <a:pPr algn="ctr"/>
+                <a:endParaRPr lang="ko-KR" altLang="en-US">
+                  <a:solidFill>
+                    <a:prstClr val="white"/>
+                  </a:solidFill>
+                </a:endParaRPr>
+              </a:p>
+            </p:txBody>
+          </p:sp>
+          <p:sp>
+            <p:nvSpPr>
+              <p:cNvPr id="4" name="타원 3"/>
+              <p:cNvSpPr/>
+              <p:nvPr/>
+            </p:nvSpPr>
+            <p:spPr>
+              <a:xfrm>
+                <a:off x="407259" y="341944"/>
+                <a:ext cx="361143" cy="361143"/>
+              </a:xfrm>
+              <a:prstGeom prst="ellipse">
+                <a:avLst/>
+              </a:prstGeom>
+              <a:solidFill>
+                <a:srgbClr val="2CE1B3">
+                  <a:alpha val="10000"/>
+                </a:srgbClr>
+              </a:solidFill>
+              <a:ln>
+                <a:solidFill>
+                  <a:srgbClr val="2CE1B3">
+                    <a:alpha val="30000"/>
+                  </a:srgbClr>
+                </a:solidFill>
+              </a:ln>
+            </p:spPr>
+            <p:style>
+              <a:lnRef idx="2">
+                <a:schemeClr val="accent1">
+                  <a:shade val="50000"/>
+                </a:schemeClr>
+              </a:lnRef>
+              <a:fillRef idx="1">
+                <a:schemeClr val="accent1"/>
+              </a:fillRef>
+              <a:effectRef idx="0">
+                <a:schemeClr val="accent1"/>
+              </a:effectRef>
+              <a:fontRef idx="minor">
+                <a:schemeClr val="lt1"/>
+              </a:fontRef>
+            </p:style>
+            <p:txBody>
+              <a:bodyPr rtlCol="0" anchor="ctr"/>
+              <a:lstStyle/>
+              <a:p>
+                <a:pPr algn="ctr"/>
+                <a:endParaRPr lang="ko-KR" altLang="en-US">
+                  <a:solidFill>
+                    <a:prstClr val="white"/>
+                  </a:solidFill>
+                </a:endParaRPr>
+              </a:p>
+            </p:txBody>
+          </p:sp>
+          <p:sp>
+            <p:nvSpPr>
+              <p:cNvPr id="5" name="타원 4"/>
+              <p:cNvSpPr/>
+              <p:nvPr/>
+            </p:nvSpPr>
+            <p:spPr>
+              <a:xfrm>
+                <a:off x="484521" y="419206"/>
+                <a:ext cx="206618" cy="206618"/>
+              </a:xfrm>
+              <a:prstGeom prst="ellipse">
+                <a:avLst/>
+              </a:prstGeom>
+              <a:solidFill>
+                <a:srgbClr val="2CE1B3">
+                  <a:alpha val="10000"/>
+                </a:srgbClr>
+              </a:solidFill>
+              <a:ln>
+                <a:solidFill>
+                  <a:srgbClr val="2CE1B3">
+                    <a:alpha val="30000"/>
+                  </a:srgbClr>
+                </a:solidFill>
+              </a:ln>
+            </p:spPr>
+            <p:style>
+              <a:lnRef idx="2">
+                <a:schemeClr val="accent1">
+                  <a:shade val="50000"/>
+                </a:schemeClr>
+              </a:lnRef>
+              <a:fillRef idx="1">
+                <a:schemeClr val="accent1"/>
+              </a:fillRef>
+              <a:effectRef idx="0">
+                <a:schemeClr val="accent1"/>
+              </a:effectRef>
+              <a:fontRef idx="minor">
+                <a:schemeClr val="lt1"/>
+              </a:fontRef>
+            </p:style>
+            <p:txBody>
+              <a:bodyPr rtlCol="0" anchor="ctr"/>
+              <a:lstStyle/>
+              <a:p>
+                <a:pPr algn="ctr"/>
+                <a:endParaRPr lang="ko-KR" altLang="en-US">
+                  <a:solidFill>
+                    <a:prstClr val="white"/>
+                  </a:solidFill>
+                </a:endParaRPr>
+              </a:p>
+            </p:txBody>
+          </p:sp>
+          <p:sp>
+            <p:nvSpPr>
+              <p:cNvPr id="6" name="타원 5"/>
+              <p:cNvSpPr/>
+              <p:nvPr/>
+            </p:nvSpPr>
+            <p:spPr>
+              <a:xfrm>
+                <a:off x="555825" y="490510"/>
+                <a:ext cx="64010" cy="64010"/>
+              </a:xfrm>
+              <a:prstGeom prst="ellipse">
+                <a:avLst/>
+              </a:prstGeom>
+              <a:solidFill>
+                <a:srgbClr val="2CE1B3"/>
+              </a:solidFill>
+              <a:ln w="15875">
+                <a:solidFill>
+                  <a:schemeClr val="bg1"/>
+                </a:solidFill>
+              </a:ln>
+            </p:spPr>
+            <p:style>
+              <a:lnRef idx="2">
+                <a:schemeClr val="accent1">
+                  <a:shade val="50000"/>
+                </a:schemeClr>
+              </a:lnRef>
+              <a:fillRef idx="1">
+                <a:schemeClr val="accent1"/>
+              </a:fillRef>
+              <a:effectRef idx="0">
+                <a:schemeClr val="accent1"/>
+              </a:effectRef>
+              <a:fontRef idx="minor">
+                <a:schemeClr val="lt1"/>
+              </a:fontRef>
+            </p:style>
+            <p:txBody>
+              <a:bodyPr rtlCol="0" anchor="ctr"/>
+              <a:lstStyle/>
+              <a:p>
+                <a:pPr algn="ctr"/>
+                <a:endParaRPr lang="ko-KR" altLang="en-US">
+                  <a:solidFill>
+                    <a:prstClr val="white"/>
+                  </a:solidFill>
+                </a:endParaRPr>
+              </a:p>
+            </p:txBody>
+          </p:sp>
+        </p:grpSp>
+        <p:sp>
+          <p:nvSpPr>
+            <p:cNvPr id="10" name="모서리가 둥근 직사각형 9"/>
+            <p:cNvSpPr/>
+            <p:nvPr/>
+          </p:nvSpPr>
+          <p:spPr>
+            <a:xfrm>
+              <a:off x="1016259" y="124874"/>
+              <a:ext cx="4326418" cy="600837"/>
+            </a:xfrm>
+            <a:prstGeom prst="roundRect">
+              <a:avLst/>
+            </a:prstGeom>
+            <a:solidFill>
+              <a:srgbClr val="232C4B"/>
+            </a:solidFill>
+            <a:ln>
+              <a:noFill/>
+            </a:ln>
+            <a:effectLst>
+              <a:outerShdw blurRad="381000" dist="63500" dir="2700000" algn="tl" rotWithShape="0">
+                <a:prstClr val="black">
+                  <a:alpha val="15000"/>
+                </a:prstClr>
+              </a:outerShdw>
+            </a:effectLst>
+          </p:spPr>
+          <p:style>
+            <a:lnRef idx="2">
+              <a:schemeClr val="accent1">
+                <a:shade val="50000"/>
+              </a:schemeClr>
+            </a:lnRef>
+            <a:fillRef idx="1">
+              <a:schemeClr val="accent1"/>
+            </a:fillRef>
+            <a:effectRef idx="0">
+              <a:schemeClr val="accent1"/>
+            </a:effectRef>
+            <a:fontRef idx="minor">
+              <a:schemeClr val="lt1"/>
+            </a:fontRef>
+          </p:style>
+          <p:txBody>
+            <a:bodyPr rtlCol="0" anchor="ctr"/>
+            <a:lstStyle/>
+            <a:p>
+              <a:pPr marL="176213" marR="0" lvl="0" indent="0" algn="l" defTabSz="914400" rtl="0" eaLnBrk="1" fontAlgn="auto" latinLnBrk="0" hangingPunct="1">
+                <a:lnSpc>
+                  <a:spcPct val="100000"/>
+                </a:lnSpc>
+                <a:spcBef>
+                  <a:spcPts val="0"/>
+                </a:spcBef>
+                <a:spcAft>
+                  <a:spcPts val="0"/>
+                </a:spcAft>
+                <a:buClrTx/>
+                <a:buSzTx/>
+                <a:buFontTx/>
+                <a:buNone/>
+                <a:tabLst>
+                  <a:tab pos="1076325" algn="l"/>
+                  <a:tab pos="1162050" algn="l"/>
+                </a:tabLst>
+                <a:defRPr/>
+              </a:pPr>
+              <a:r>
+                <a:rPr kumimoji="0" lang="en-US" altLang="ko-KR" sz="2400" b="0" i="1" u="none" strike="noStrike" kern="0" cap="none" spc="0" normalizeH="0" baseline="0" noProof="0">
+                  <a:ln w="9525">
+                    <a:noFill/>
+                  </a:ln>
+                  <a:solidFill>
+                    <a:prstClr val="white"/>
+                  </a:solidFill>
+                  <a:effectLst/>
+                  <a:uLnTx/>
+                  <a:uFillTx/>
+                  <a:latin typeface="Tmon몬소리 Black" panose="02000A03000000000000" pitchFamily="2" charset="-127"/>
+                  <a:ea typeface="Tmon몬소리 Black" panose="02000A03000000000000" pitchFamily="2" charset="-127"/>
+                  <a:cs typeface="+mn-cs"/>
+                </a:rPr>
+                <a:t>AI</a:t>
+              </a:r>
+              <a:r>
+                <a:rPr kumimoji="0" lang="ko-KR" altLang="en-US" sz="2400" b="0" i="1" u="none" strike="noStrike" kern="0" cap="none" spc="0" normalizeH="0" baseline="0" noProof="0">
+                  <a:ln w="9525">
+                    <a:noFill/>
+                  </a:ln>
+                  <a:solidFill>
+                    <a:prstClr val="white"/>
+                  </a:solidFill>
+                  <a:effectLst/>
+                  <a:uLnTx/>
+                  <a:uFillTx/>
+                  <a:latin typeface="Tmon몬소리 Black" panose="02000A03000000000000" pitchFamily="2" charset="-127"/>
+                  <a:ea typeface="Tmon몬소리 Black" panose="02000A03000000000000" pitchFamily="2" charset="-127"/>
+                  <a:cs typeface="+mn-cs"/>
+                </a:rPr>
+                <a:t>비전응용 </a:t>
+              </a:r>
+              <a:r>
+                <a:rPr kumimoji="0" lang="en-US" altLang="ko-KR" sz="1100" b="0" i="0" u="none" strike="noStrike" kern="0" cap="none" spc="0" normalizeH="0" baseline="0" noProof="0">
+                  <a:ln>
+                    <a:noFill/>
+                  </a:ln>
+                  <a:solidFill>
+                    <a:prstClr val="white"/>
+                  </a:solidFill>
+                  <a:effectLst/>
+                  <a:uLnTx/>
+                  <a:uFillTx/>
+                  <a:latin typeface="맑은 고딕" panose="020F0502020204030204"/>
+                  <a:ea typeface="맑은 고딕" panose="020B0503020000020004" pitchFamily="50" charset="-127"/>
+                  <a:cs typeface="+mn-cs"/>
+                </a:rPr>
+                <a:t>Team meeting with processor</a:t>
+              </a:r>
+              <a:endParaRPr kumimoji="0" lang="ko-KR" altLang="en-US" sz="3200" b="0" i="0" u="none" strike="noStrike" kern="0" cap="none" spc="0" normalizeH="0" baseline="0" noProof="0" dirty="0">
+                <a:ln>
+                  <a:noFill/>
+                </a:ln>
+                <a:solidFill>
+                  <a:prstClr val="white"/>
+                </a:solidFill>
+                <a:effectLst/>
+                <a:uLnTx/>
+                <a:uFillTx/>
+                <a:latin typeface="맑은 고딕" panose="020F0502020204030204"/>
+                <a:ea typeface="맑은 고딕" panose="020B0503020000020004" pitchFamily="50" charset="-127"/>
+                <a:cs typeface="+mn-cs"/>
+              </a:endParaRPr>
+            </a:p>
+          </p:txBody>
+        </p:sp>
+        <p:sp>
+          <p:nvSpPr>
+            <p:cNvPr id="11" name="모서리가 둥근 직사각형 10"/>
+            <p:cNvSpPr/>
+            <p:nvPr/>
+          </p:nvSpPr>
+          <p:spPr>
+            <a:xfrm rot="18900000">
+              <a:off x="941814" y="350849"/>
+              <a:ext cx="148889" cy="148889"/>
+            </a:xfrm>
+            <a:prstGeom prst="roundRect">
+              <a:avLst/>
+            </a:prstGeom>
+            <a:solidFill>
+              <a:srgbClr val="232C4B"/>
+            </a:solidFill>
+            <a:ln>
+              <a:noFill/>
+            </a:ln>
+            <a:effectLst>
+              <a:outerShdw blurRad="381000" dist="63500" dir="18000000" algn="tl" rotWithShape="0">
+                <a:prstClr val="black">
+                  <a:alpha val="15000"/>
+                </a:prstClr>
+              </a:outerShdw>
+            </a:effectLst>
+          </p:spPr>
+          <p:style>
+            <a:lnRef idx="2">
+              <a:schemeClr val="accent1">
+                <a:shade val="50000"/>
+              </a:schemeClr>
+            </a:lnRef>
+            <a:fillRef idx="1">
+              <a:schemeClr val="accent1"/>
+            </a:fillRef>
+            <a:effectRef idx="0">
+              <a:schemeClr val="accent1"/>
+            </a:effectRef>
+            <a:fontRef idx="minor">
+              <a:schemeClr val="lt1"/>
+            </a:fontRef>
+          </p:style>
+          <p:txBody>
+            <a:bodyPr rtlCol="0" anchor="ctr"/>
+            <a:lstStyle/>
+            <a:p>
+              <a:pPr marL="176213" latinLnBrk="0">
+                <a:tabLst>
+                  <a:tab pos="1076325" algn="l"/>
+                  <a:tab pos="1162050" algn="l"/>
+                </a:tabLst>
+                <a:defRPr/>
+              </a:pPr>
+              <a:endParaRPr lang="ko-KR" altLang="en-US" sz="1600" kern="0" dirty="0">
+                <a:solidFill>
+                  <a:prstClr val="white"/>
+                </a:solidFill>
+              </a:endParaRPr>
+            </a:p>
+          </p:txBody>
+        </p:sp>
+        <p:grpSp>
+          <p:nvGrpSpPr>
+            <p:cNvPr id="18" name="그룹 17"/>
+            <p:cNvGrpSpPr/>
+            <p:nvPr/>
+          </p:nvGrpSpPr>
+          <p:grpSpPr>
+            <a:xfrm>
+              <a:off x="11658018" y="281380"/>
+              <a:ext cx="287823" cy="287823"/>
+              <a:chOff x="949078" y="1186255"/>
+              <a:chExt cx="287823" cy="287823"/>
+            </a:xfrm>
+          </p:grpSpPr>
+          <p:sp>
+            <p:nvSpPr>
+              <p:cNvPr id="14" name="타원 13"/>
+              <p:cNvSpPr/>
+              <p:nvPr/>
+            </p:nvSpPr>
+            <p:spPr>
+              <a:xfrm>
+                <a:off x="949078" y="1186255"/>
+                <a:ext cx="287823" cy="287823"/>
+              </a:xfrm>
+              <a:prstGeom prst="ellipse">
+                <a:avLst/>
+              </a:prstGeom>
+              <a:solidFill>
+                <a:srgbClr val="2CE1B3">
+                  <a:alpha val="5000"/>
+                </a:srgbClr>
+              </a:solidFill>
+              <a:ln>
+                <a:solidFill>
+                  <a:srgbClr val="2CE1B3">
+                    <a:alpha val="30000"/>
+                  </a:srgbClr>
+                </a:solidFill>
+              </a:ln>
+            </p:spPr>
+            <p:style>
+              <a:lnRef idx="2">
+                <a:schemeClr val="accent1">
+                  <a:shade val="50000"/>
+                </a:schemeClr>
+              </a:lnRef>
+              <a:fillRef idx="1">
+                <a:schemeClr val="accent1"/>
+              </a:fillRef>
+              <a:effectRef idx="0">
+                <a:schemeClr val="accent1"/>
+              </a:effectRef>
+              <a:fontRef idx="minor">
+                <a:schemeClr val="lt1"/>
+              </a:fontRef>
+            </p:style>
+            <p:txBody>
+              <a:bodyPr rtlCol="0" anchor="ctr"/>
+              <a:lstStyle/>
+              <a:p>
+                <a:pPr algn="ctr"/>
+                <a:endParaRPr lang="ko-KR" altLang="en-US">
+                  <a:solidFill>
+                    <a:prstClr val="white"/>
+                  </a:solidFill>
+                </a:endParaRPr>
+              </a:p>
+            </p:txBody>
+          </p:sp>
+          <p:sp>
+            <p:nvSpPr>
+              <p:cNvPr id="16" name="타원 15"/>
+              <p:cNvSpPr/>
+              <p:nvPr/>
+            </p:nvSpPr>
+            <p:spPr>
+              <a:xfrm>
+                <a:off x="1060589" y="1297766"/>
+                <a:ext cx="64800" cy="64800"/>
+              </a:xfrm>
+              <a:prstGeom prst="ellipse">
+                <a:avLst/>
+              </a:prstGeom>
+              <a:solidFill>
+                <a:srgbClr val="FF0000"/>
+              </a:solidFill>
+              <a:ln w="12700">
+                <a:solidFill>
+                  <a:schemeClr val="bg1"/>
+                </a:solidFill>
+              </a:ln>
+            </p:spPr>
+            <p:style>
+              <a:lnRef idx="2">
+                <a:schemeClr val="accent1">
+                  <a:shade val="50000"/>
+                </a:schemeClr>
+              </a:lnRef>
+              <a:fillRef idx="1">
+                <a:schemeClr val="accent1"/>
+              </a:fillRef>
+              <a:effectRef idx="0">
+                <a:schemeClr val="accent1"/>
+              </a:effectRef>
+              <a:fontRef idx="minor">
+                <a:schemeClr val="lt1"/>
+              </a:fontRef>
+            </p:style>
+            <p:txBody>
+              <a:bodyPr rtlCol="0" anchor="ctr"/>
+              <a:lstStyle/>
+              <a:p>
+                <a:pPr algn="ctr"/>
+                <a:endParaRPr lang="ko-KR" altLang="en-US">
+                  <a:solidFill>
+                    <a:prstClr val="white"/>
+                  </a:solidFill>
+                </a:endParaRPr>
+              </a:p>
+            </p:txBody>
+          </p:sp>
+        </p:grpSp>
+        <p:grpSp>
+          <p:nvGrpSpPr>
+            <p:cNvPr id="19" name="그룹 18"/>
+            <p:cNvGrpSpPr/>
+            <p:nvPr/>
+          </p:nvGrpSpPr>
+          <p:grpSpPr>
+            <a:xfrm>
+              <a:off x="11658018" y="6453580"/>
+              <a:ext cx="287823" cy="287823"/>
+              <a:chOff x="949078" y="1186255"/>
+              <a:chExt cx="287823" cy="287823"/>
+            </a:xfrm>
+          </p:grpSpPr>
+          <p:sp>
+            <p:nvSpPr>
+              <p:cNvPr id="20" name="타원 19"/>
+              <p:cNvSpPr/>
+              <p:nvPr/>
+            </p:nvSpPr>
+            <p:spPr>
+              <a:xfrm>
+                <a:off x="949078" y="1186255"/>
+                <a:ext cx="287823" cy="287823"/>
+              </a:xfrm>
+              <a:prstGeom prst="ellipse">
+                <a:avLst/>
+              </a:prstGeom>
+              <a:solidFill>
+                <a:srgbClr val="2CE1B3">
+                  <a:alpha val="5000"/>
+                </a:srgbClr>
+              </a:solidFill>
+              <a:ln>
+                <a:solidFill>
+                  <a:srgbClr val="2CE1B3">
+                    <a:alpha val="30000"/>
+                  </a:srgbClr>
+                </a:solidFill>
+              </a:ln>
+            </p:spPr>
+            <p:style>
+              <a:lnRef idx="2">
+                <a:schemeClr val="accent1">
+                  <a:shade val="50000"/>
+                </a:schemeClr>
+              </a:lnRef>
+              <a:fillRef idx="1">
+                <a:schemeClr val="accent1"/>
+              </a:fillRef>
+              <a:effectRef idx="0">
+                <a:schemeClr val="accent1"/>
+              </a:effectRef>
+              <a:fontRef idx="minor">
+                <a:schemeClr val="lt1"/>
+              </a:fontRef>
+            </p:style>
+            <p:txBody>
+              <a:bodyPr rtlCol="0" anchor="ctr"/>
+              <a:lstStyle/>
+              <a:p>
+                <a:pPr algn="ctr"/>
+                <a:endParaRPr lang="ko-KR" altLang="en-US">
+                  <a:solidFill>
+                    <a:prstClr val="white"/>
+                  </a:solidFill>
+                </a:endParaRPr>
+              </a:p>
+            </p:txBody>
+          </p:sp>
+          <p:sp>
+            <p:nvSpPr>
+              <p:cNvPr id="21" name="타원 20"/>
+              <p:cNvSpPr/>
+              <p:nvPr/>
+            </p:nvSpPr>
+            <p:spPr>
+              <a:xfrm>
+                <a:off x="1060589" y="1297766"/>
+                <a:ext cx="64800" cy="64800"/>
+              </a:xfrm>
+              <a:prstGeom prst="ellipse">
+                <a:avLst/>
+              </a:prstGeom>
+              <a:solidFill>
+                <a:schemeClr val="bg2">
+                  <a:lumMod val="50000"/>
+                </a:schemeClr>
+              </a:solidFill>
+              <a:ln w="12700">
+                <a:solidFill>
+                  <a:schemeClr val="bg1"/>
+                </a:solidFill>
+              </a:ln>
+            </p:spPr>
+            <p:style>
+              <a:lnRef idx="2">
+                <a:schemeClr val="accent1">
+                  <a:shade val="50000"/>
+                </a:schemeClr>
+              </a:lnRef>
+              <a:fillRef idx="1">
+                <a:schemeClr val="accent1"/>
+              </a:fillRef>
+              <a:effectRef idx="0">
+                <a:schemeClr val="accent1"/>
+              </a:effectRef>
+              <a:fontRef idx="minor">
+                <a:schemeClr val="lt1"/>
+              </a:fontRef>
+            </p:style>
+            <p:txBody>
+              <a:bodyPr rtlCol="0" anchor="ctr"/>
+              <a:lstStyle/>
+              <a:p>
+                <a:pPr algn="ctr"/>
+                <a:endParaRPr lang="ko-KR" altLang="en-US">
+                  <a:solidFill>
+                    <a:prstClr val="white"/>
+                  </a:solidFill>
+                </a:endParaRPr>
+              </a:p>
+            </p:txBody>
+          </p:sp>
+        </p:grpSp>
+        <p:grpSp>
+          <p:nvGrpSpPr>
+            <p:cNvPr id="22" name="그룹 21"/>
+            <p:cNvGrpSpPr/>
+            <p:nvPr/>
+          </p:nvGrpSpPr>
+          <p:grpSpPr>
+            <a:xfrm>
+              <a:off x="253418" y="6453580"/>
+              <a:ext cx="287823" cy="287823"/>
+              <a:chOff x="949078" y="1186255"/>
+              <a:chExt cx="287823" cy="287823"/>
+            </a:xfrm>
+          </p:grpSpPr>
+          <p:sp>
+            <p:nvSpPr>
+              <p:cNvPr id="23" name="타원 22"/>
+              <p:cNvSpPr/>
+              <p:nvPr/>
+            </p:nvSpPr>
+            <p:spPr>
+              <a:xfrm>
+                <a:off x="949078" y="1186255"/>
+                <a:ext cx="287823" cy="287823"/>
+              </a:xfrm>
+              <a:prstGeom prst="ellipse">
+                <a:avLst/>
+              </a:prstGeom>
+              <a:solidFill>
+                <a:srgbClr val="2CE1B3">
+                  <a:alpha val="5000"/>
+                </a:srgbClr>
+              </a:solidFill>
+              <a:ln>
+                <a:solidFill>
+                  <a:srgbClr val="2CE1B3">
+                    <a:alpha val="30000"/>
+                  </a:srgbClr>
+                </a:solidFill>
+              </a:ln>
+            </p:spPr>
+            <p:style>
+              <a:lnRef idx="2">
+                <a:schemeClr val="accent1">
+                  <a:shade val="50000"/>
+                </a:schemeClr>
+              </a:lnRef>
+              <a:fillRef idx="1">
+                <a:schemeClr val="accent1"/>
+              </a:fillRef>
+              <a:effectRef idx="0">
+                <a:schemeClr val="accent1"/>
+              </a:effectRef>
+              <a:fontRef idx="minor">
+                <a:schemeClr val="lt1"/>
+              </a:fontRef>
+            </p:style>
+            <p:txBody>
+              <a:bodyPr rtlCol="0" anchor="ctr"/>
+              <a:lstStyle/>
+              <a:p>
+                <a:pPr algn="ctr"/>
+                <a:endParaRPr lang="ko-KR" altLang="en-US">
+                  <a:solidFill>
+                    <a:prstClr val="white"/>
+                  </a:solidFill>
+                </a:endParaRPr>
+              </a:p>
+            </p:txBody>
+          </p:sp>
+          <p:sp>
+            <p:nvSpPr>
+              <p:cNvPr id="24" name="타원 23"/>
+              <p:cNvSpPr/>
+              <p:nvPr/>
+            </p:nvSpPr>
+            <p:spPr>
+              <a:xfrm>
+                <a:off x="1060589" y="1297766"/>
+                <a:ext cx="64800" cy="64800"/>
+              </a:xfrm>
+              <a:prstGeom prst="ellipse">
+                <a:avLst/>
+              </a:prstGeom>
+              <a:solidFill>
+                <a:schemeClr val="bg2">
+                  <a:lumMod val="50000"/>
+                </a:schemeClr>
+              </a:solidFill>
+              <a:ln w="12700">
+                <a:solidFill>
+                  <a:schemeClr val="bg1"/>
+                </a:solidFill>
+              </a:ln>
+            </p:spPr>
+            <p:style>
+              <a:lnRef idx="2">
+                <a:schemeClr val="accent1">
+                  <a:shade val="50000"/>
+                </a:schemeClr>
+              </a:lnRef>
+              <a:fillRef idx="1">
+                <a:schemeClr val="accent1"/>
+              </a:fillRef>
+              <a:effectRef idx="0">
+                <a:schemeClr val="accent1"/>
+              </a:effectRef>
+              <a:fontRef idx="minor">
+                <a:schemeClr val="lt1"/>
+              </a:fontRef>
+            </p:style>
+            <p:txBody>
+              <a:bodyPr rtlCol="0" anchor="ctr"/>
+              <a:lstStyle/>
+              <a:p>
+                <a:pPr algn="ctr"/>
+                <a:endParaRPr lang="ko-KR" altLang="en-US">
+                  <a:solidFill>
+                    <a:prstClr val="white"/>
+                  </a:solidFill>
+                </a:endParaRPr>
+              </a:p>
+            </p:txBody>
+          </p:sp>
+        </p:grpSp>
+      </p:grpSp>
+      <p:pic>
+        <p:nvPicPr>
+          <p:cNvPr id="9" name="그림 8">
+            <a:extLst>
+              <a:ext uri="{FF2B5EF4-FFF2-40B4-BE49-F238E27FC236}">
+                <a16:creationId xmlns:a16="http://schemas.microsoft.com/office/drawing/2014/main" id="{A973651A-698A-4C1A-3965-DAA9E9FA075A}"/>
+              </a:ext>
+            </a:extLst>
+          </p:cNvPr>
+          <p:cNvPicPr>
+            <a:picLocks noChangeAspect="1"/>
+          </p:cNvPicPr>
+          <p:nvPr/>
+        </p:nvPicPr>
+        <p:blipFill>
+          <a:blip r:embed="rId2"/>
+          <a:stretch>
+            <a:fillRect/>
+          </a:stretch>
+        </p:blipFill>
+        <p:spPr>
+          <a:xfrm>
+            <a:off x="500639" y="2206913"/>
+            <a:ext cx="7251648" cy="2323109"/>
+          </a:xfrm>
+          <a:prstGeom prst="rect">
+            <a:avLst/>
+          </a:prstGeom>
+        </p:spPr>
+      </p:pic>
+    </p:spTree>
+    <p:extLst>
+      <p:ext uri="{BB962C8B-B14F-4D97-AF65-F5344CB8AC3E}">
+        <p14:creationId xmlns:p14="http://schemas.microsoft.com/office/powerpoint/2010/main" val="700327442"/>
+      </p:ext>
+    </p:extLst>
+  </p:cSld>
+  <p:clrMapOvr>
+    <a:masterClrMapping/>
+  </p:clrMapOvr>
+</p:sld>
+</file>
+
+<file path=ppt/slides/slide4.xml><?xml version="1.0" encoding="utf-8"?>
+<p:sld xmlns:a="http://schemas.openxmlformats.org/drawingml/2006/main" xmlns:r="http://schemas.openxmlformats.org/officeDocument/2006/relationships" xmlns:p="http://schemas.openxmlformats.org/presentationml/2006/main">
+  <p:cSld>
+    <p:bg>
+      <p:bgPr>
+        <a:solidFill>
+          <a:srgbClr val="1B2540"/>
+        </a:solidFill>
+        <a:effectLst/>
+      </p:bgPr>
+    </p:bg>
+    <p:spTree>
+      <p:nvGrpSpPr>
+        <p:cNvPr id="1" name=""/>
+        <p:cNvGrpSpPr/>
+        <p:nvPr/>
+      </p:nvGrpSpPr>
+      <p:grpSpPr>
+        <a:xfrm>
+          <a:off x="0" y="0"/>
+          <a:ext cx="0" cy="0"/>
+          <a:chOff x="0" y="0"/>
+          <a:chExt cx="0" cy="0"/>
+        </a:xfrm>
+      </p:grpSpPr>
+      <p:grpSp>
+        <p:nvGrpSpPr>
+          <p:cNvPr id="7" name="그룹 6"/>
+          <p:cNvGrpSpPr/>
+          <p:nvPr/>
+        </p:nvGrpSpPr>
+        <p:grpSpPr>
+          <a:xfrm>
+            <a:off x="136073" y="124874"/>
+            <a:ext cx="11809768" cy="6616529"/>
+            <a:chOff x="136073" y="124874"/>
+            <a:chExt cx="11809768" cy="6616529"/>
+          </a:xfrm>
+        </p:grpSpPr>
+        <p:cxnSp>
+          <p:nvCxnSpPr>
+            <p:cNvPr id="39" name="직선 연결선 38"/>
+            <p:cNvCxnSpPr>
+              <a:stCxn id="3" idx="6"/>
+              <a:endCxn id="16" idx="2"/>
+            </p:cNvCxnSpPr>
+            <p:nvPr/>
+          </p:nvCxnSpPr>
+          <p:spPr>
+            <a:xfrm flipV="1">
+              <a:off x="658587" y="425291"/>
+              <a:ext cx="11110942" cy="1974"/>
+            </a:xfrm>
+            <a:prstGeom prst="line">
+              <a:avLst/>
+            </a:prstGeom>
+            <a:ln>
+              <a:solidFill>
+                <a:srgbClr val="2CE2E2">
+                  <a:alpha val="50000"/>
+                </a:srgbClr>
+              </a:solidFill>
+            </a:ln>
+          </p:spPr>
+          <p:style>
+            <a:lnRef idx="1">
+              <a:schemeClr val="accent1"/>
+            </a:lnRef>
+            <a:fillRef idx="0">
+              <a:schemeClr val="accent1"/>
+            </a:fillRef>
+            <a:effectRef idx="0">
+              <a:schemeClr val="accent1"/>
+            </a:effectRef>
+            <a:fontRef idx="minor">
+              <a:schemeClr val="tx1"/>
+            </a:fontRef>
+          </p:style>
+        </p:cxnSp>
+        <p:cxnSp>
+          <p:nvCxnSpPr>
+            <p:cNvPr id="34" name="직선 연결선 33"/>
+            <p:cNvCxnSpPr>
+              <a:stCxn id="3" idx="4"/>
+              <a:endCxn id="24" idx="0"/>
+            </p:cNvCxnSpPr>
+            <p:nvPr/>
+          </p:nvCxnSpPr>
+          <p:spPr>
+            <a:xfrm flipH="1">
+              <a:off x="397329" y="688522"/>
+              <a:ext cx="1" cy="5876569"/>
+            </a:xfrm>
+            <a:prstGeom prst="line">
+              <a:avLst/>
+            </a:prstGeom>
+            <a:ln>
+              <a:solidFill>
+                <a:srgbClr val="2CE2E2">
+                  <a:alpha val="49804"/>
+                </a:srgbClr>
+              </a:solidFill>
+            </a:ln>
+          </p:spPr>
+          <p:style>
+            <a:lnRef idx="1">
+              <a:schemeClr val="accent1"/>
+            </a:lnRef>
+            <a:fillRef idx="0">
+              <a:schemeClr val="accent1"/>
+            </a:fillRef>
+            <a:effectRef idx="0">
+              <a:schemeClr val="accent1"/>
+            </a:effectRef>
+            <a:fontRef idx="minor">
+              <a:schemeClr val="tx1"/>
+            </a:fontRef>
+          </p:style>
+        </p:cxnSp>
+        <p:cxnSp>
+          <p:nvCxnSpPr>
+            <p:cNvPr id="29" name="직선 연결선 28"/>
+            <p:cNvCxnSpPr>
+              <a:stCxn id="24" idx="6"/>
+              <a:endCxn id="21" idx="2"/>
+            </p:cNvCxnSpPr>
+            <p:nvPr/>
+          </p:nvCxnSpPr>
+          <p:spPr>
+            <a:xfrm>
+              <a:off x="429729" y="6597491"/>
+              <a:ext cx="11339800" cy="0"/>
+            </a:xfrm>
+            <a:prstGeom prst="line">
+              <a:avLst/>
+            </a:prstGeom>
+            <a:ln>
+              <a:solidFill>
+                <a:srgbClr val="2CE2E2">
+                  <a:alpha val="50000"/>
+                </a:srgbClr>
+              </a:solidFill>
+            </a:ln>
+          </p:spPr>
+          <p:style>
+            <a:lnRef idx="1">
+              <a:schemeClr val="accent1"/>
+            </a:lnRef>
+            <a:fillRef idx="0">
+              <a:schemeClr val="accent1"/>
+            </a:fillRef>
+            <a:effectRef idx="0">
+              <a:schemeClr val="accent1"/>
+            </a:effectRef>
+            <a:fontRef idx="minor">
+              <a:schemeClr val="tx1"/>
+            </a:fontRef>
+          </p:style>
+        </p:cxnSp>
+        <p:cxnSp>
+          <p:nvCxnSpPr>
+            <p:cNvPr id="26" name="직선 연결선 25"/>
+            <p:cNvCxnSpPr>
+              <a:stCxn id="16" idx="4"/>
+              <a:endCxn id="21" idx="0"/>
+            </p:cNvCxnSpPr>
+            <p:nvPr/>
+          </p:nvCxnSpPr>
+          <p:spPr>
+            <a:xfrm>
+              <a:off x="11801929" y="457691"/>
+              <a:ext cx="0" cy="6107400"/>
+            </a:xfrm>
+            <a:prstGeom prst="line">
+              <a:avLst/>
+            </a:prstGeom>
+            <a:ln>
+              <a:solidFill>
+                <a:srgbClr val="2CE2E2">
+                  <a:alpha val="50000"/>
+                </a:srgbClr>
+              </a:solidFill>
+            </a:ln>
+          </p:spPr>
+          <p:style>
+            <a:lnRef idx="1">
+              <a:schemeClr val="accent1"/>
+            </a:lnRef>
+            <a:fillRef idx="0">
+              <a:schemeClr val="accent1"/>
+            </a:fillRef>
+            <a:effectRef idx="0">
+              <a:schemeClr val="accent1"/>
+            </a:effectRef>
+            <a:fontRef idx="minor">
+              <a:schemeClr val="tx1"/>
+            </a:fontRef>
+          </p:style>
+        </p:cxnSp>
+        <p:grpSp>
+          <p:nvGrpSpPr>
+            <p:cNvPr id="8" name="그룹 7"/>
+            <p:cNvGrpSpPr/>
+            <p:nvPr/>
+          </p:nvGrpSpPr>
+          <p:grpSpPr>
+            <a:xfrm>
+              <a:off x="136073" y="166008"/>
+              <a:ext cx="522514" cy="522514"/>
+              <a:chOff x="326573" y="261258"/>
+              <a:chExt cx="522514" cy="522514"/>
+            </a:xfrm>
+          </p:grpSpPr>
+          <p:sp>
+            <p:nvSpPr>
+              <p:cNvPr id="3" name="타원 2"/>
+              <p:cNvSpPr/>
+              <p:nvPr/>
+            </p:nvSpPr>
+            <p:spPr>
+              <a:xfrm>
+                <a:off x="326573" y="261258"/>
+                <a:ext cx="522514" cy="522514"/>
+              </a:xfrm>
+              <a:prstGeom prst="ellipse">
+                <a:avLst/>
+              </a:prstGeom>
+              <a:solidFill>
+                <a:srgbClr val="2CE1B3">
+                  <a:alpha val="10000"/>
+                </a:srgbClr>
+              </a:solidFill>
+              <a:ln>
+                <a:solidFill>
+                  <a:srgbClr val="2CE1B3">
+                    <a:alpha val="30000"/>
+                  </a:srgbClr>
+                </a:solidFill>
+              </a:ln>
+            </p:spPr>
+            <p:style>
+              <a:lnRef idx="2">
+                <a:schemeClr val="accent1">
+                  <a:shade val="50000"/>
+                </a:schemeClr>
+              </a:lnRef>
+              <a:fillRef idx="1">
+                <a:schemeClr val="accent1"/>
+              </a:fillRef>
+              <a:effectRef idx="0">
+                <a:schemeClr val="accent1"/>
+              </a:effectRef>
+              <a:fontRef idx="minor">
+                <a:schemeClr val="lt1"/>
+              </a:fontRef>
+            </p:style>
+            <p:txBody>
+              <a:bodyPr rtlCol="0" anchor="ctr"/>
+              <a:lstStyle/>
+              <a:p>
+                <a:pPr algn="ctr"/>
+                <a:endParaRPr lang="ko-KR" altLang="en-US">
+                  <a:solidFill>
+                    <a:prstClr val="white"/>
+                  </a:solidFill>
+                </a:endParaRPr>
+              </a:p>
+            </p:txBody>
+          </p:sp>
+          <p:sp>
+            <p:nvSpPr>
+              <p:cNvPr id="4" name="타원 3"/>
+              <p:cNvSpPr/>
+              <p:nvPr/>
+            </p:nvSpPr>
+            <p:spPr>
+              <a:xfrm>
+                <a:off x="407259" y="341944"/>
+                <a:ext cx="361143" cy="361143"/>
+              </a:xfrm>
+              <a:prstGeom prst="ellipse">
+                <a:avLst/>
+              </a:prstGeom>
+              <a:solidFill>
+                <a:srgbClr val="2CE1B3">
+                  <a:alpha val="10000"/>
+                </a:srgbClr>
+              </a:solidFill>
+              <a:ln>
+                <a:solidFill>
+                  <a:srgbClr val="2CE1B3">
+                    <a:alpha val="30000"/>
+                  </a:srgbClr>
+                </a:solidFill>
+              </a:ln>
+            </p:spPr>
+            <p:style>
+              <a:lnRef idx="2">
+                <a:schemeClr val="accent1">
+                  <a:shade val="50000"/>
+                </a:schemeClr>
+              </a:lnRef>
+              <a:fillRef idx="1">
+                <a:schemeClr val="accent1"/>
+              </a:fillRef>
+              <a:effectRef idx="0">
+                <a:schemeClr val="accent1"/>
+              </a:effectRef>
+              <a:fontRef idx="minor">
+                <a:schemeClr val="lt1"/>
+              </a:fontRef>
+            </p:style>
+            <p:txBody>
+              <a:bodyPr rtlCol="0" anchor="ctr"/>
+              <a:lstStyle/>
+              <a:p>
+                <a:pPr algn="ctr"/>
+                <a:endParaRPr lang="ko-KR" altLang="en-US">
+                  <a:solidFill>
+                    <a:prstClr val="white"/>
+                  </a:solidFill>
+                </a:endParaRPr>
+              </a:p>
+            </p:txBody>
+          </p:sp>
+          <p:sp>
+            <p:nvSpPr>
+              <p:cNvPr id="5" name="타원 4"/>
+              <p:cNvSpPr/>
+              <p:nvPr/>
+            </p:nvSpPr>
+            <p:spPr>
+              <a:xfrm>
+                <a:off x="484521" y="419206"/>
+                <a:ext cx="206618" cy="206618"/>
+              </a:xfrm>
+              <a:prstGeom prst="ellipse">
+                <a:avLst/>
+              </a:prstGeom>
+              <a:solidFill>
+                <a:srgbClr val="2CE1B3">
+                  <a:alpha val="10000"/>
+                </a:srgbClr>
+              </a:solidFill>
+              <a:ln>
+                <a:solidFill>
+                  <a:srgbClr val="2CE1B3">
+                    <a:alpha val="30000"/>
+                  </a:srgbClr>
+                </a:solidFill>
+              </a:ln>
+            </p:spPr>
+            <p:style>
+              <a:lnRef idx="2">
+                <a:schemeClr val="accent1">
+                  <a:shade val="50000"/>
+                </a:schemeClr>
+              </a:lnRef>
+              <a:fillRef idx="1">
+                <a:schemeClr val="accent1"/>
+              </a:fillRef>
+              <a:effectRef idx="0">
+                <a:schemeClr val="accent1"/>
+              </a:effectRef>
+              <a:fontRef idx="minor">
+                <a:schemeClr val="lt1"/>
+              </a:fontRef>
+            </p:style>
+            <p:txBody>
+              <a:bodyPr rtlCol="0" anchor="ctr"/>
+              <a:lstStyle/>
+              <a:p>
+                <a:pPr algn="ctr"/>
+                <a:endParaRPr lang="ko-KR" altLang="en-US">
+                  <a:solidFill>
+                    <a:prstClr val="white"/>
+                  </a:solidFill>
+                </a:endParaRPr>
+              </a:p>
+            </p:txBody>
+          </p:sp>
+          <p:sp>
+            <p:nvSpPr>
+              <p:cNvPr id="6" name="타원 5"/>
+              <p:cNvSpPr/>
+              <p:nvPr/>
+            </p:nvSpPr>
+            <p:spPr>
+              <a:xfrm>
+                <a:off x="555825" y="490510"/>
+                <a:ext cx="64010" cy="64010"/>
+              </a:xfrm>
+              <a:prstGeom prst="ellipse">
+                <a:avLst/>
+              </a:prstGeom>
+              <a:solidFill>
+                <a:srgbClr val="2CE1B3"/>
+              </a:solidFill>
+              <a:ln w="15875">
+                <a:solidFill>
+                  <a:schemeClr val="bg1"/>
+                </a:solidFill>
+              </a:ln>
+            </p:spPr>
+            <p:style>
+              <a:lnRef idx="2">
+                <a:schemeClr val="accent1">
+                  <a:shade val="50000"/>
+                </a:schemeClr>
+              </a:lnRef>
+              <a:fillRef idx="1">
+                <a:schemeClr val="accent1"/>
+              </a:fillRef>
+              <a:effectRef idx="0">
+                <a:schemeClr val="accent1"/>
+              </a:effectRef>
+              <a:fontRef idx="minor">
+                <a:schemeClr val="lt1"/>
+              </a:fontRef>
+            </p:style>
+            <p:txBody>
+              <a:bodyPr rtlCol="0" anchor="ctr"/>
+              <a:lstStyle/>
+              <a:p>
+                <a:pPr algn="ctr"/>
+                <a:endParaRPr lang="ko-KR" altLang="en-US">
+                  <a:solidFill>
+                    <a:prstClr val="white"/>
+                  </a:solidFill>
+                </a:endParaRPr>
+              </a:p>
+            </p:txBody>
+          </p:sp>
+        </p:grpSp>
+        <p:sp>
+          <p:nvSpPr>
+            <p:cNvPr id="10" name="모서리가 둥근 직사각형 9"/>
+            <p:cNvSpPr/>
+            <p:nvPr/>
+          </p:nvSpPr>
+          <p:spPr>
+            <a:xfrm>
+              <a:off x="1016259" y="124874"/>
+              <a:ext cx="4326418" cy="600837"/>
+            </a:xfrm>
+            <a:prstGeom prst="roundRect">
+              <a:avLst/>
+            </a:prstGeom>
+            <a:solidFill>
+              <a:srgbClr val="232C4B"/>
+            </a:solidFill>
+            <a:ln>
+              <a:noFill/>
+            </a:ln>
+            <a:effectLst>
+              <a:outerShdw blurRad="381000" dist="63500" dir="2700000" algn="tl" rotWithShape="0">
+                <a:prstClr val="black">
+                  <a:alpha val="15000"/>
+                </a:prstClr>
+              </a:outerShdw>
+            </a:effectLst>
+          </p:spPr>
+          <p:style>
+            <a:lnRef idx="2">
+              <a:schemeClr val="accent1">
+                <a:shade val="50000"/>
+              </a:schemeClr>
+            </a:lnRef>
+            <a:fillRef idx="1">
+              <a:schemeClr val="accent1"/>
+            </a:fillRef>
+            <a:effectRef idx="0">
+              <a:schemeClr val="accent1"/>
+            </a:effectRef>
+            <a:fontRef idx="minor">
+              <a:schemeClr val="lt1"/>
+            </a:fontRef>
+          </p:style>
+          <p:txBody>
+            <a:bodyPr rtlCol="0" anchor="ctr"/>
+            <a:lstStyle/>
+            <a:p>
+              <a:pPr marL="176213" marR="0" lvl="0" indent="0" algn="l" defTabSz="914400" rtl="0" eaLnBrk="1" fontAlgn="auto" latinLnBrk="0" hangingPunct="1">
+                <a:lnSpc>
+                  <a:spcPct val="100000"/>
+                </a:lnSpc>
+                <a:spcBef>
+                  <a:spcPts val="0"/>
+                </a:spcBef>
+                <a:spcAft>
+                  <a:spcPts val="0"/>
+                </a:spcAft>
+                <a:buClrTx/>
+                <a:buSzTx/>
+                <a:buFontTx/>
+                <a:buNone/>
+                <a:tabLst>
+                  <a:tab pos="1076325" algn="l"/>
+                  <a:tab pos="1162050" algn="l"/>
+                </a:tabLst>
+                <a:defRPr/>
+              </a:pPr>
+              <a:r>
+                <a:rPr kumimoji="0" lang="en-US" altLang="ko-KR" sz="2400" b="0" i="1" u="none" strike="noStrike" kern="0" cap="none" spc="0" normalizeH="0" baseline="0" noProof="0">
+                  <a:ln w="9525">
+                    <a:noFill/>
+                  </a:ln>
+                  <a:solidFill>
+                    <a:prstClr val="white"/>
+                  </a:solidFill>
+                  <a:effectLst/>
+                  <a:uLnTx/>
+                  <a:uFillTx/>
+                  <a:latin typeface="Tmon몬소리 Black" panose="02000A03000000000000" pitchFamily="2" charset="-127"/>
+                  <a:ea typeface="Tmon몬소리 Black" panose="02000A03000000000000" pitchFamily="2" charset="-127"/>
+                  <a:cs typeface="+mn-cs"/>
+                </a:rPr>
+                <a:t>AI</a:t>
+              </a:r>
+              <a:r>
+                <a:rPr kumimoji="0" lang="ko-KR" altLang="en-US" sz="2400" b="0" i="1" u="none" strike="noStrike" kern="0" cap="none" spc="0" normalizeH="0" baseline="0" noProof="0">
+                  <a:ln w="9525">
+                    <a:noFill/>
+                  </a:ln>
+                  <a:solidFill>
+                    <a:prstClr val="white"/>
+                  </a:solidFill>
+                  <a:effectLst/>
+                  <a:uLnTx/>
+                  <a:uFillTx/>
+                  <a:latin typeface="Tmon몬소리 Black" panose="02000A03000000000000" pitchFamily="2" charset="-127"/>
+                  <a:ea typeface="Tmon몬소리 Black" panose="02000A03000000000000" pitchFamily="2" charset="-127"/>
+                  <a:cs typeface="+mn-cs"/>
+                </a:rPr>
+                <a:t>비전응용 </a:t>
+              </a:r>
+              <a:r>
+                <a:rPr kumimoji="0" lang="en-US" altLang="ko-KR" sz="1100" b="0" i="0" u="none" strike="noStrike" kern="0" cap="none" spc="0" normalizeH="0" baseline="0" noProof="0">
+                  <a:ln>
+                    <a:noFill/>
+                  </a:ln>
+                  <a:solidFill>
+                    <a:prstClr val="white"/>
+                  </a:solidFill>
+                  <a:effectLst/>
+                  <a:uLnTx/>
+                  <a:uFillTx/>
+                  <a:latin typeface="맑은 고딕" panose="020F0502020204030204"/>
+                  <a:ea typeface="맑은 고딕" panose="020B0503020000020004" pitchFamily="50" charset="-127"/>
+                  <a:cs typeface="+mn-cs"/>
+                </a:rPr>
+                <a:t>Team meeting with processor</a:t>
+              </a:r>
+              <a:endParaRPr kumimoji="0" lang="ko-KR" altLang="en-US" sz="3200" b="0" i="0" u="none" strike="noStrike" kern="0" cap="none" spc="0" normalizeH="0" baseline="0" noProof="0" dirty="0">
+                <a:ln>
+                  <a:noFill/>
+                </a:ln>
+                <a:solidFill>
+                  <a:prstClr val="white"/>
+                </a:solidFill>
+                <a:effectLst/>
+                <a:uLnTx/>
+                <a:uFillTx/>
+                <a:latin typeface="맑은 고딕" panose="020F0502020204030204"/>
+                <a:ea typeface="맑은 고딕" panose="020B0503020000020004" pitchFamily="50" charset="-127"/>
+                <a:cs typeface="+mn-cs"/>
+              </a:endParaRPr>
+            </a:p>
+          </p:txBody>
+        </p:sp>
+        <p:sp>
+          <p:nvSpPr>
+            <p:cNvPr id="11" name="모서리가 둥근 직사각형 10"/>
+            <p:cNvSpPr/>
+            <p:nvPr/>
+          </p:nvSpPr>
+          <p:spPr>
+            <a:xfrm rot="18900000">
+              <a:off x="941814" y="350849"/>
+              <a:ext cx="148889" cy="148889"/>
+            </a:xfrm>
+            <a:prstGeom prst="roundRect">
+              <a:avLst/>
+            </a:prstGeom>
+            <a:solidFill>
+              <a:srgbClr val="232C4B"/>
+            </a:solidFill>
+            <a:ln>
+              <a:noFill/>
+            </a:ln>
+            <a:effectLst>
+              <a:outerShdw blurRad="381000" dist="63500" dir="18000000" algn="tl" rotWithShape="0">
+                <a:prstClr val="black">
+                  <a:alpha val="15000"/>
+                </a:prstClr>
+              </a:outerShdw>
+            </a:effectLst>
+          </p:spPr>
+          <p:style>
+            <a:lnRef idx="2">
+              <a:schemeClr val="accent1">
+                <a:shade val="50000"/>
+              </a:schemeClr>
+            </a:lnRef>
+            <a:fillRef idx="1">
+              <a:schemeClr val="accent1"/>
+            </a:fillRef>
+            <a:effectRef idx="0">
+              <a:schemeClr val="accent1"/>
+            </a:effectRef>
+            <a:fontRef idx="minor">
+              <a:schemeClr val="lt1"/>
+            </a:fontRef>
+          </p:style>
+          <p:txBody>
+            <a:bodyPr rtlCol="0" anchor="ctr"/>
+            <a:lstStyle/>
+            <a:p>
+              <a:pPr marL="176213" latinLnBrk="0">
+                <a:tabLst>
+                  <a:tab pos="1076325" algn="l"/>
+                  <a:tab pos="1162050" algn="l"/>
+                </a:tabLst>
+                <a:defRPr/>
+              </a:pPr>
+              <a:endParaRPr lang="ko-KR" altLang="en-US" sz="1600" kern="0" dirty="0">
+                <a:solidFill>
+                  <a:prstClr val="white"/>
+                </a:solidFill>
+              </a:endParaRPr>
+            </a:p>
+          </p:txBody>
+        </p:sp>
+        <p:grpSp>
+          <p:nvGrpSpPr>
+            <p:cNvPr id="18" name="그룹 17"/>
+            <p:cNvGrpSpPr/>
+            <p:nvPr/>
+          </p:nvGrpSpPr>
+          <p:grpSpPr>
+            <a:xfrm>
+              <a:off x="11658018" y="281380"/>
+              <a:ext cx="287823" cy="287823"/>
+              <a:chOff x="949078" y="1186255"/>
+              <a:chExt cx="287823" cy="287823"/>
+            </a:xfrm>
+          </p:grpSpPr>
+          <p:sp>
+            <p:nvSpPr>
+              <p:cNvPr id="14" name="타원 13"/>
+              <p:cNvSpPr/>
+              <p:nvPr/>
+            </p:nvSpPr>
+            <p:spPr>
+              <a:xfrm>
+                <a:off x="949078" y="1186255"/>
+                <a:ext cx="287823" cy="287823"/>
+              </a:xfrm>
+              <a:prstGeom prst="ellipse">
+                <a:avLst/>
+              </a:prstGeom>
+              <a:solidFill>
+                <a:srgbClr val="2CE1B3">
+                  <a:alpha val="5000"/>
+                </a:srgbClr>
+              </a:solidFill>
+              <a:ln>
+                <a:solidFill>
+                  <a:srgbClr val="2CE1B3">
+                    <a:alpha val="30000"/>
+                  </a:srgbClr>
+                </a:solidFill>
+              </a:ln>
+            </p:spPr>
+            <p:style>
+              <a:lnRef idx="2">
+                <a:schemeClr val="accent1">
+                  <a:shade val="50000"/>
+                </a:schemeClr>
+              </a:lnRef>
+              <a:fillRef idx="1">
+                <a:schemeClr val="accent1"/>
+              </a:fillRef>
+              <a:effectRef idx="0">
+                <a:schemeClr val="accent1"/>
+              </a:effectRef>
+              <a:fontRef idx="minor">
+                <a:schemeClr val="lt1"/>
+              </a:fontRef>
+            </p:style>
+            <p:txBody>
+              <a:bodyPr rtlCol="0" anchor="ctr"/>
+              <a:lstStyle/>
+              <a:p>
+                <a:pPr algn="ctr"/>
+                <a:endParaRPr lang="ko-KR" altLang="en-US">
+                  <a:solidFill>
+                    <a:prstClr val="white"/>
+                  </a:solidFill>
+                </a:endParaRPr>
+              </a:p>
+            </p:txBody>
+          </p:sp>
+          <p:sp>
+            <p:nvSpPr>
+              <p:cNvPr id="16" name="타원 15"/>
+              <p:cNvSpPr/>
+              <p:nvPr/>
+            </p:nvSpPr>
+            <p:spPr>
+              <a:xfrm>
+                <a:off x="1060589" y="1297766"/>
+                <a:ext cx="64800" cy="64800"/>
+              </a:xfrm>
+              <a:prstGeom prst="ellipse">
+                <a:avLst/>
+              </a:prstGeom>
+              <a:solidFill>
+                <a:srgbClr val="FF0000"/>
+              </a:solidFill>
+              <a:ln w="12700">
+                <a:solidFill>
+                  <a:schemeClr val="bg1"/>
+                </a:solidFill>
+              </a:ln>
+            </p:spPr>
+            <p:style>
+              <a:lnRef idx="2">
+                <a:schemeClr val="accent1">
+                  <a:shade val="50000"/>
+                </a:schemeClr>
+              </a:lnRef>
+              <a:fillRef idx="1">
+                <a:schemeClr val="accent1"/>
+              </a:fillRef>
+              <a:effectRef idx="0">
+                <a:schemeClr val="accent1"/>
+              </a:effectRef>
+              <a:fontRef idx="minor">
+                <a:schemeClr val="lt1"/>
+              </a:fontRef>
+            </p:style>
+            <p:txBody>
+              <a:bodyPr rtlCol="0" anchor="ctr"/>
+              <a:lstStyle/>
+              <a:p>
+                <a:pPr algn="ctr"/>
+                <a:endParaRPr lang="ko-KR" altLang="en-US">
+                  <a:solidFill>
+                    <a:prstClr val="white"/>
+                  </a:solidFill>
+                </a:endParaRPr>
+              </a:p>
+            </p:txBody>
+          </p:sp>
+        </p:grpSp>
+        <p:grpSp>
+          <p:nvGrpSpPr>
+            <p:cNvPr id="19" name="그룹 18"/>
+            <p:cNvGrpSpPr/>
+            <p:nvPr/>
+          </p:nvGrpSpPr>
+          <p:grpSpPr>
+            <a:xfrm>
+              <a:off x="11658018" y="6453580"/>
+              <a:ext cx="287823" cy="287823"/>
+              <a:chOff x="949078" y="1186255"/>
+              <a:chExt cx="287823" cy="287823"/>
+            </a:xfrm>
+          </p:grpSpPr>
+          <p:sp>
+            <p:nvSpPr>
+              <p:cNvPr id="20" name="타원 19"/>
+              <p:cNvSpPr/>
+              <p:nvPr/>
+            </p:nvSpPr>
+            <p:spPr>
+              <a:xfrm>
+                <a:off x="949078" y="1186255"/>
+                <a:ext cx="287823" cy="287823"/>
+              </a:xfrm>
+              <a:prstGeom prst="ellipse">
+                <a:avLst/>
+              </a:prstGeom>
+              <a:solidFill>
+                <a:srgbClr val="2CE1B3">
+                  <a:alpha val="5000"/>
+                </a:srgbClr>
+              </a:solidFill>
+              <a:ln>
+                <a:solidFill>
+                  <a:srgbClr val="2CE1B3">
+                    <a:alpha val="30000"/>
+                  </a:srgbClr>
+                </a:solidFill>
+              </a:ln>
+            </p:spPr>
+            <p:style>
+              <a:lnRef idx="2">
+                <a:schemeClr val="accent1">
+                  <a:shade val="50000"/>
+                </a:schemeClr>
+              </a:lnRef>
+              <a:fillRef idx="1">
+                <a:schemeClr val="accent1"/>
+              </a:fillRef>
+              <a:effectRef idx="0">
+                <a:schemeClr val="accent1"/>
+              </a:effectRef>
+              <a:fontRef idx="minor">
+                <a:schemeClr val="lt1"/>
+              </a:fontRef>
+            </p:style>
+            <p:txBody>
+              <a:bodyPr rtlCol="0" anchor="ctr"/>
+              <a:lstStyle/>
+              <a:p>
+                <a:pPr algn="ctr"/>
+                <a:endParaRPr lang="ko-KR" altLang="en-US">
+                  <a:solidFill>
+                    <a:prstClr val="white"/>
+                  </a:solidFill>
+                </a:endParaRPr>
+              </a:p>
+            </p:txBody>
+          </p:sp>
+          <p:sp>
+            <p:nvSpPr>
+              <p:cNvPr id="21" name="타원 20"/>
+              <p:cNvSpPr/>
+              <p:nvPr/>
+            </p:nvSpPr>
+            <p:spPr>
+              <a:xfrm>
+                <a:off x="1060589" y="1297766"/>
+                <a:ext cx="64800" cy="64800"/>
+              </a:xfrm>
+              <a:prstGeom prst="ellipse">
+                <a:avLst/>
+              </a:prstGeom>
+              <a:solidFill>
+                <a:schemeClr val="bg2">
+                  <a:lumMod val="50000"/>
+                </a:schemeClr>
+              </a:solidFill>
+              <a:ln w="12700">
+                <a:solidFill>
+                  <a:schemeClr val="bg1"/>
+                </a:solidFill>
+              </a:ln>
+            </p:spPr>
+            <p:style>
+              <a:lnRef idx="2">
+                <a:schemeClr val="accent1">
+                  <a:shade val="50000"/>
+                </a:schemeClr>
+              </a:lnRef>
+              <a:fillRef idx="1">
+                <a:schemeClr val="accent1"/>
+              </a:fillRef>
+              <a:effectRef idx="0">
+                <a:schemeClr val="accent1"/>
+              </a:effectRef>
+              <a:fontRef idx="minor">
+                <a:schemeClr val="lt1"/>
+              </a:fontRef>
+            </p:style>
+            <p:txBody>
+              <a:bodyPr rtlCol="0" anchor="ctr"/>
+              <a:lstStyle/>
+              <a:p>
+                <a:pPr algn="ctr"/>
+                <a:endParaRPr lang="ko-KR" altLang="en-US">
+                  <a:solidFill>
+                    <a:prstClr val="white"/>
+                  </a:solidFill>
+                </a:endParaRPr>
+              </a:p>
+            </p:txBody>
+          </p:sp>
+        </p:grpSp>
+        <p:grpSp>
+          <p:nvGrpSpPr>
+            <p:cNvPr id="22" name="그룹 21"/>
+            <p:cNvGrpSpPr/>
+            <p:nvPr/>
+          </p:nvGrpSpPr>
+          <p:grpSpPr>
+            <a:xfrm>
+              <a:off x="253418" y="6453580"/>
+              <a:ext cx="287823" cy="287823"/>
+              <a:chOff x="949078" y="1186255"/>
+              <a:chExt cx="287823" cy="287823"/>
+            </a:xfrm>
+          </p:grpSpPr>
+          <p:sp>
+            <p:nvSpPr>
+              <p:cNvPr id="23" name="타원 22"/>
+              <p:cNvSpPr/>
+              <p:nvPr/>
+            </p:nvSpPr>
+            <p:spPr>
+              <a:xfrm>
+                <a:off x="949078" y="1186255"/>
+                <a:ext cx="287823" cy="287823"/>
+              </a:xfrm>
+              <a:prstGeom prst="ellipse">
+                <a:avLst/>
+              </a:prstGeom>
+              <a:solidFill>
+                <a:srgbClr val="2CE1B3">
+                  <a:alpha val="5000"/>
+                </a:srgbClr>
+              </a:solidFill>
+              <a:ln>
+                <a:solidFill>
+                  <a:srgbClr val="2CE1B3">
+                    <a:alpha val="30000"/>
+                  </a:srgbClr>
+                </a:solidFill>
+              </a:ln>
+            </p:spPr>
+            <p:style>
+              <a:lnRef idx="2">
+                <a:schemeClr val="accent1">
+                  <a:shade val="50000"/>
+                </a:schemeClr>
+              </a:lnRef>
+              <a:fillRef idx="1">
+                <a:schemeClr val="accent1"/>
+              </a:fillRef>
+              <a:effectRef idx="0">
+                <a:schemeClr val="accent1"/>
+              </a:effectRef>
+              <a:fontRef idx="minor">
+                <a:schemeClr val="lt1"/>
+              </a:fontRef>
+            </p:style>
+            <p:txBody>
+              <a:bodyPr rtlCol="0" anchor="ctr"/>
+              <a:lstStyle/>
+              <a:p>
+                <a:pPr algn="ctr"/>
+                <a:endParaRPr lang="ko-KR" altLang="en-US">
+                  <a:solidFill>
+                    <a:prstClr val="white"/>
+                  </a:solidFill>
+                </a:endParaRPr>
+              </a:p>
+            </p:txBody>
+          </p:sp>
+          <p:sp>
+            <p:nvSpPr>
+              <p:cNvPr id="24" name="타원 23"/>
+              <p:cNvSpPr/>
+              <p:nvPr/>
+            </p:nvSpPr>
+            <p:spPr>
+              <a:xfrm>
+                <a:off x="1060589" y="1297766"/>
+                <a:ext cx="64800" cy="64800"/>
+              </a:xfrm>
+              <a:prstGeom prst="ellipse">
+                <a:avLst/>
+              </a:prstGeom>
+              <a:solidFill>
+                <a:schemeClr val="bg2">
+                  <a:lumMod val="50000"/>
+                </a:schemeClr>
+              </a:solidFill>
+              <a:ln w="12700">
+                <a:solidFill>
+                  <a:schemeClr val="bg1"/>
+                </a:solidFill>
+              </a:ln>
+            </p:spPr>
+            <p:style>
+              <a:lnRef idx="2">
+                <a:schemeClr val="accent1">
+                  <a:shade val="50000"/>
+                </a:schemeClr>
+              </a:lnRef>
+              <a:fillRef idx="1">
+                <a:schemeClr val="accent1"/>
+              </a:fillRef>
+              <a:effectRef idx="0">
+                <a:schemeClr val="accent1"/>
+              </a:effectRef>
+              <a:fontRef idx="minor">
+                <a:schemeClr val="lt1"/>
+              </a:fontRef>
+            </p:style>
+            <p:txBody>
+              <a:bodyPr rtlCol="0" anchor="ctr"/>
+              <a:lstStyle/>
+              <a:p>
+                <a:pPr algn="ctr"/>
+                <a:endParaRPr lang="ko-KR" altLang="en-US">
+                  <a:solidFill>
+                    <a:prstClr val="white"/>
+                  </a:solidFill>
+                </a:endParaRPr>
+              </a:p>
+            </p:txBody>
+          </p:sp>
+        </p:grpSp>
+      </p:grpSp>
+      <p:pic>
+        <p:nvPicPr>
+          <p:cNvPr id="9" name="그림 8">
+            <a:extLst>
+              <a:ext uri="{FF2B5EF4-FFF2-40B4-BE49-F238E27FC236}">
+                <a16:creationId xmlns:a16="http://schemas.microsoft.com/office/drawing/2014/main" id="{6DDFA5A4-FCAA-F8DE-124F-C0BE579F2201}"/>
+              </a:ext>
+            </a:extLst>
+          </p:cNvPr>
+          <p:cNvPicPr>
+            <a:picLocks noChangeAspect="1"/>
+          </p:cNvPicPr>
+          <p:nvPr/>
+        </p:nvPicPr>
+        <p:blipFill>
+          <a:blip r:embed="rId2"/>
+          <a:stretch>
+            <a:fillRect/>
+          </a:stretch>
+        </p:blipFill>
+        <p:spPr>
+          <a:xfrm>
+            <a:off x="658586" y="783870"/>
+            <a:ext cx="7952018" cy="5598955"/>
+          </a:xfrm>
+          <a:prstGeom prst="rect">
+            <a:avLst/>
+          </a:prstGeom>
+        </p:spPr>
+      </p:pic>
+    </p:spTree>
+    <p:extLst>
+      <p:ext uri="{BB962C8B-B14F-4D97-AF65-F5344CB8AC3E}">
+        <p14:creationId xmlns:p14="http://schemas.microsoft.com/office/powerpoint/2010/main" val="1984403541"/>
+      </p:ext>
+    </p:extLst>
+  </p:cSld>
+  <p:clrMapOvr>
+    <a:masterClrMapping/>
+  </p:clrMapOvr>
+</p:sld>
+</file>
+
+<file path=ppt/slides/slide5.xml><?xml version="1.0" encoding="utf-8"?>
 <p:sld xmlns:a="http://schemas.openxmlformats.org/drawingml/2006/main" xmlns:r="http://schemas.openxmlformats.org/officeDocument/2006/relationships" xmlns:p="http://schemas.openxmlformats.org/presentationml/2006/main">
   <p:cSld>
     <p:bg>
@@ -6791,162 +8794,6 @@
           </p:sp>
         </p:grpSp>
       </p:grpSp>
-      <p:sp>
-        <p:nvSpPr>
-          <p:cNvPr id="47" name="직사각형 46">
-            <a:extLst>
-              <a:ext uri="{FF2B5EF4-FFF2-40B4-BE49-F238E27FC236}">
-                <a16:creationId xmlns:a16="http://schemas.microsoft.com/office/drawing/2014/main" id="{55C75D5A-55D1-7BBA-DF20-CA5FE66898D6}"/>
-              </a:ext>
-            </a:extLst>
-          </p:cNvPr>
-          <p:cNvSpPr/>
-          <p:nvPr/>
-        </p:nvSpPr>
-        <p:spPr>
-          <a:xfrm>
-            <a:off x="1414805" y="1832748"/>
-            <a:ext cx="2515075" cy="1246495"/>
-          </a:xfrm>
-          <a:prstGeom prst="rect">
-            <a:avLst/>
-          </a:prstGeom>
-        </p:spPr>
-        <p:txBody>
-          <a:bodyPr wrap="square">
-            <a:spAutoFit/>
-          </a:bodyPr>
-          <a:lstStyle/>
-          <a:p>
-            <a:pPr algn="ctr">
-              <a:lnSpc>
-                <a:spcPct val="150000"/>
-              </a:lnSpc>
-            </a:pPr>
-            <a:r>
-              <a:rPr lang="en-US" altLang="ko-KR" sz="1600" b="1" dirty="0">
-                <a:solidFill>
-                  <a:prstClr val="white"/>
-                </a:solidFill>
-              </a:rPr>
-              <a:t>CONTENTS 58%</a:t>
-            </a:r>
-          </a:p>
-          <a:p>
-            <a:pPr algn="ctr">
-              <a:lnSpc>
-                <a:spcPct val="150000"/>
-              </a:lnSpc>
-            </a:pPr>
-            <a:r>
-              <a:rPr lang="ko-KR" altLang="en-US" sz="1400" dirty="0">
-                <a:solidFill>
-                  <a:prstClr val="white"/>
-                </a:solidFill>
-              </a:rPr>
-              <a:t>컨텐츠에 대한 내용을 적어요</a:t>
-            </a:r>
-            <a:endParaRPr lang="en-US" altLang="ko-KR" sz="1400" dirty="0">
-              <a:solidFill>
-                <a:prstClr val="white"/>
-              </a:solidFill>
-            </a:endParaRPr>
-          </a:p>
-          <a:p>
-            <a:pPr algn="ctr">
-              <a:lnSpc>
-                <a:spcPct val="150000"/>
-              </a:lnSpc>
-            </a:pPr>
-            <a:r>
-              <a:rPr lang="ko-KR" altLang="en-US" sz="1000" dirty="0">
-                <a:solidFill>
-                  <a:prstClr val="white"/>
-                </a:solidFill>
-              </a:rPr>
-              <a:t>Enjoy your stylish business and campus life with BIZCAM </a:t>
-            </a:r>
-          </a:p>
-        </p:txBody>
-      </p:sp>
-      <p:sp>
-        <p:nvSpPr>
-          <p:cNvPr id="55" name="직사각형 54">
-            <a:extLst>
-              <a:ext uri="{FF2B5EF4-FFF2-40B4-BE49-F238E27FC236}">
-                <a16:creationId xmlns:a16="http://schemas.microsoft.com/office/drawing/2014/main" id="{AB838FDF-8459-F395-F6EA-B2F2285E7DEB}"/>
-              </a:ext>
-            </a:extLst>
-          </p:cNvPr>
-          <p:cNvSpPr/>
-          <p:nvPr/>
-        </p:nvSpPr>
-        <p:spPr>
-          <a:xfrm>
-            <a:off x="1414805" y="3659350"/>
-            <a:ext cx="2515075" cy="1246495"/>
-          </a:xfrm>
-          <a:prstGeom prst="rect">
-            <a:avLst/>
-          </a:prstGeom>
-        </p:spPr>
-        <p:txBody>
-          <a:bodyPr wrap="square">
-            <a:spAutoFit/>
-          </a:bodyPr>
-          <a:lstStyle/>
-          <a:p>
-            <a:pPr algn="ctr">
-              <a:lnSpc>
-                <a:spcPct val="150000"/>
-              </a:lnSpc>
-            </a:pPr>
-            <a:r>
-              <a:rPr lang="en-US" altLang="ko-KR" sz="1600" b="1" dirty="0">
-                <a:solidFill>
-                  <a:prstClr val="white"/>
-                </a:solidFill>
-              </a:rPr>
-              <a:t>CONTENTS 72%</a:t>
-            </a:r>
-          </a:p>
-          <a:p>
-            <a:pPr algn="ctr">
-              <a:lnSpc>
-                <a:spcPct val="150000"/>
-              </a:lnSpc>
-            </a:pPr>
-            <a:r>
-              <a:rPr lang="ko-KR" altLang="en-US" sz="1400" dirty="0">
-                <a:solidFill>
-                  <a:prstClr val="white"/>
-                </a:solidFill>
-              </a:rPr>
-              <a:t>컨텐츠에 대한 내용을 적어요</a:t>
-            </a:r>
-            <a:endParaRPr lang="en-US" altLang="ko-KR" sz="1400" dirty="0">
-              <a:solidFill>
-                <a:prstClr val="white"/>
-              </a:solidFill>
-            </a:endParaRPr>
-          </a:p>
-          <a:p>
-            <a:pPr algn="ctr">
-              <a:lnSpc>
-                <a:spcPct val="150000"/>
-              </a:lnSpc>
-            </a:pPr>
-            <a:r>
-              <a:rPr lang="ko-KR" altLang="en-US" sz="1000" dirty="0">
-                <a:solidFill>
-                  <a:prstClr val="white"/>
-                </a:solidFill>
-              </a:rPr>
-              <a:t>Enjoy your stylish business and campus life with BIZCAM </a:t>
-            </a:r>
-          </a:p>
-        </p:txBody>
-      </p:sp>
       <p:sp>
         <p:nvSpPr>
           <p:cNvPr id="2" name="모서리가 둥근 직사각형 9">
@@ -7089,6 +8936,36 @@
           </a:p>
         </p:txBody>
       </p:sp>
+      <p:pic>
+        <p:nvPicPr>
+          <p:cNvPr id="10" name="그림 9">
+            <a:extLst>
+              <a:ext uri="{FF2B5EF4-FFF2-40B4-BE49-F238E27FC236}">
+                <a16:creationId xmlns:a16="http://schemas.microsoft.com/office/drawing/2014/main" id="{73FE37A7-8C1A-157C-38F9-4B281FCDB6DB}"/>
+              </a:ext>
+            </a:extLst>
+          </p:cNvPr>
+          <p:cNvPicPr>
+            <a:picLocks noChangeAspect="1"/>
+          </p:cNvPicPr>
+          <p:nvPr/>
+        </p:nvPicPr>
+        <p:blipFill>
+          <a:blip r:embed="rId2"/>
+          <a:stretch>
+            <a:fillRect/>
+          </a:stretch>
+        </p:blipFill>
+        <p:spPr>
+          <a:xfrm>
+            <a:off x="739528" y="776022"/>
+            <a:ext cx="6549848" cy="5656687"/>
+          </a:xfrm>
+          <a:prstGeom prst="rect">
+            <a:avLst/>
+          </a:prstGeom>
+        </p:spPr>
+      </p:pic>
     </p:spTree>
     <p:extLst>
       <p:ext uri="{BB962C8B-B14F-4D97-AF65-F5344CB8AC3E}">
@@ -7102,7 +8979,7 @@
 </p:sld>
 </file>
 
-<file path=ppt/slides/slide4.xml><?xml version="1.0" encoding="utf-8"?>
+<file path=ppt/slides/slide6.xml><?xml version="1.0" encoding="utf-8"?>
 <p:sld xmlns:a="http://schemas.openxmlformats.org/drawingml/2006/main" xmlns:r="http://schemas.openxmlformats.org/officeDocument/2006/relationships" xmlns:p="http://schemas.openxmlformats.org/presentationml/2006/main">
   <p:cSld>
     <p:bg>
@@ -7975,10 +9852,10 @@
       </p:grpSp>
       <p:sp>
         <p:nvSpPr>
-          <p:cNvPr id="40" name="타원 39">
+          <p:cNvPr id="2" name="모서리가 둥근 직사각형 9">
             <a:extLst>
               <a:ext uri="{FF2B5EF4-FFF2-40B4-BE49-F238E27FC236}">
-                <a16:creationId xmlns:a16="http://schemas.microsoft.com/office/drawing/2014/main" id="{FB32B0B4-1692-EFA2-79E1-43835FF24997}"/>
+                <a16:creationId xmlns:a16="http://schemas.microsoft.com/office/drawing/2014/main" id="{6A556C60-4AC1-BCCD-BBCC-82E6A8227D26}"/>
               </a:ext>
             </a:extLst>
           </p:cNvPr>
@@ -7987,27 +9864,23 @@
         </p:nvSpPr>
         <p:spPr>
           <a:xfrm>
-            <a:off x="2573716" y="1954324"/>
-            <a:ext cx="2044282" cy="2044282"/>
+            <a:off x="1016259" y="124874"/>
+            <a:ext cx="4326418" cy="600837"/>
           </a:xfrm>
-          <a:prstGeom prst="ellipse">
+          <a:prstGeom prst="roundRect">
             <a:avLst/>
           </a:prstGeom>
           <a:solidFill>
-            <a:schemeClr val="bg1"/>
+            <a:srgbClr val="232C4B"/>
           </a:solidFill>
           <a:ln>
-            <a:solidFill>
-              <a:schemeClr val="bg1">
-                <a:lumMod val="95000"/>
-              </a:schemeClr>
-            </a:solidFill>
+            <a:noFill/>
           </a:ln>
           <a:effectLst>
-            <a:outerShdw blurRad="190500" dist="38100" dir="5400000" algn="t" rotWithShape="0">
-              <a:srgbClr val="5660FA">
+            <a:outerShdw blurRad="381000" dist="63500" dir="2700000" algn="tl" rotWithShape="0">
+              <a:prstClr val="black">
                 <a:alpha val="15000"/>
-              </a:srgbClr>
+              </a:prstClr>
             </a:outerShdw>
           </a:effectLst>
         </p:spPr>
@@ -8031,68 +9904,1014 @@
           <a:bodyPr rtlCol="0" anchor="ctr"/>
           <a:lstStyle/>
           <a:p>
-            <a:pPr algn="ctr">
+            <a:pPr marL="176213" marR="0" lvl="0" indent="0" algn="l" defTabSz="914400" rtl="0" eaLnBrk="1" fontAlgn="auto" latinLnBrk="0" hangingPunct="1">
+              <a:lnSpc>
+                <a:spcPct val="100000"/>
+              </a:lnSpc>
+              <a:spcBef>
+                <a:spcPts val="0"/>
+              </a:spcBef>
+              <a:spcAft>
+                <a:spcPts val="0"/>
+              </a:spcAft>
+              <a:buClrTx/>
+              <a:buSzTx/>
+              <a:buFontTx/>
+              <a:buNone/>
+              <a:tabLst>
+                <a:tab pos="1076325" algn="l"/>
+                <a:tab pos="1162050" algn="l"/>
+              </a:tabLst>
               <a:defRPr/>
             </a:pPr>
             <a:r>
-              <a:rPr lang="en-US" altLang="ko-KR" sz="800" dirty="0">
-                <a:solidFill>
-                  <a:prstClr val="black">
-                    <a:lumMod val="75000"/>
-                    <a:lumOff val="25000"/>
-                  </a:prstClr>
-                </a:solidFill>
-                <a:cs typeface="Aharoni" panose="02010803020104030203" pitchFamily="2" charset="-79"/>
+              <a:rPr kumimoji="0" lang="en-US" altLang="ko-KR" sz="2400" b="0" i="1" u="none" strike="noStrike" kern="0" cap="none" spc="0" normalizeH="0" baseline="0" noProof="0">
+                <a:ln w="9525">
+                  <a:noFill/>
+                </a:ln>
+                <a:solidFill>
+                  <a:prstClr val="white"/>
+                </a:solidFill>
+                <a:effectLst/>
+                <a:uLnTx/>
+                <a:uFillTx/>
+                <a:latin typeface="Tmon몬소리 Black" panose="02000A03000000000000" pitchFamily="2" charset="-127"/>
+                <a:ea typeface="Tmon몬소리 Black" panose="02000A03000000000000" pitchFamily="2" charset="-127"/>
+                <a:cs typeface="+mn-cs"/>
               </a:rPr>
-              <a:t>CONTENTS A</a:t>
-            </a:r>
-          </a:p>
-          <a:p>
-            <a:pPr algn="ctr">
-              <a:defRPr/>
-            </a:pPr>
-            <a:r>
-              <a:rPr lang="en-US" altLang="ko-KR" sz="3200" b="1" dirty="0">
-                <a:solidFill>
-                  <a:prstClr val="black">
-                    <a:lumMod val="75000"/>
-                    <a:lumOff val="25000"/>
-                  </a:prstClr>
-                </a:solidFill>
-                <a:cs typeface="Aharoni" panose="02010803020104030203" pitchFamily="2" charset="-79"/>
-              </a:rPr>
-              <a:t>25</a:t>
+              <a:t>AI</a:t>
             </a:r>
             <a:r>
-              <a:rPr lang="en-US" altLang="ko-KR" sz="1400" dirty="0">
-                <a:solidFill>
-                  <a:prstClr val="black">
-                    <a:lumMod val="75000"/>
-                    <a:lumOff val="25000"/>
-                  </a:prstClr>
-                </a:solidFill>
-                <a:cs typeface="Aharoni" panose="02010803020104030203" pitchFamily="2" charset="-79"/>
+              <a:rPr kumimoji="0" lang="ko-KR" altLang="en-US" sz="2400" b="0" i="1" u="none" strike="noStrike" kern="0" cap="none" spc="0" normalizeH="0" baseline="0" noProof="0">
+                <a:ln w="9525">
+                  <a:noFill/>
+                </a:ln>
+                <a:solidFill>
+                  <a:prstClr val="white"/>
+                </a:solidFill>
+                <a:effectLst/>
+                <a:uLnTx/>
+                <a:uFillTx/>
+                <a:latin typeface="Tmon몬소리 Black" panose="02000A03000000000000" pitchFamily="2" charset="-127"/>
+                <a:ea typeface="Tmon몬소리 Black" panose="02000A03000000000000" pitchFamily="2" charset="-127"/>
+                <a:cs typeface="+mn-cs"/>
               </a:rPr>
-              <a:t>%</a:t>
+              <a:t>비전응용 </a:t>
             </a:r>
-            <a:endParaRPr lang="en-US" altLang="ko-KR" sz="500" b="1" dirty="0">
-              <a:solidFill>
-                <a:prstClr val="black">
-                  <a:lumMod val="75000"/>
-                  <a:lumOff val="25000"/>
-                </a:prstClr>
-              </a:solidFill>
-              <a:cs typeface="Aharoni" panose="02010803020104030203" pitchFamily="2" charset="-79"/>
+            <a:r>
+              <a:rPr kumimoji="0" lang="en-US" altLang="ko-KR" sz="1100" b="0" i="0" u="none" strike="noStrike" kern="0" cap="none" spc="0" normalizeH="0" baseline="0" noProof="0">
+                <a:ln>
+                  <a:noFill/>
+                </a:ln>
+                <a:solidFill>
+                  <a:prstClr val="white"/>
+                </a:solidFill>
+                <a:effectLst/>
+                <a:uLnTx/>
+                <a:uFillTx/>
+                <a:latin typeface="맑은 고딕" panose="020F0502020204030204"/>
+                <a:ea typeface="맑은 고딕" panose="020B0503020000020004" pitchFamily="50" charset="-127"/>
+                <a:cs typeface="+mn-cs"/>
+              </a:rPr>
+              <a:t>Team meeting with processor</a:t>
+            </a:r>
+            <a:endParaRPr kumimoji="0" lang="ko-KR" altLang="en-US" sz="3200" b="0" i="0" u="none" strike="noStrike" kern="0" cap="none" spc="0" normalizeH="0" baseline="0" noProof="0" dirty="0">
+              <a:ln>
+                <a:noFill/>
+              </a:ln>
+              <a:solidFill>
+                <a:prstClr val="white"/>
+              </a:solidFill>
+              <a:effectLst/>
+              <a:uLnTx/>
+              <a:uFillTx/>
+              <a:latin typeface="맑은 고딕" panose="020F0502020204030204"/>
+              <a:ea typeface="맑은 고딕" panose="020B0503020000020004" pitchFamily="50" charset="-127"/>
+              <a:cs typeface="+mn-cs"/>
             </a:endParaRPr>
           </a:p>
         </p:txBody>
       </p:sp>
+      <p:pic>
+        <p:nvPicPr>
+          <p:cNvPr id="12" name="그림 11">
+            <a:extLst>
+              <a:ext uri="{FF2B5EF4-FFF2-40B4-BE49-F238E27FC236}">
+                <a16:creationId xmlns:a16="http://schemas.microsoft.com/office/drawing/2014/main" id="{27A433A3-8FAE-7A38-8C7A-3D17D43200E5}"/>
+              </a:ext>
+            </a:extLst>
+          </p:cNvPr>
+          <p:cNvPicPr>
+            <a:picLocks noChangeAspect="1"/>
+          </p:cNvPicPr>
+          <p:nvPr/>
+        </p:nvPicPr>
+        <p:blipFill>
+          <a:blip r:embed="rId2"/>
+          <a:stretch>
+            <a:fillRect/>
+          </a:stretch>
+        </p:blipFill>
+        <p:spPr>
+          <a:xfrm>
+            <a:off x="929740" y="0"/>
+            <a:ext cx="8825874" cy="6858000"/>
+          </a:xfrm>
+          <a:prstGeom prst="rect">
+            <a:avLst/>
+          </a:prstGeom>
+        </p:spPr>
+      </p:pic>
+    </p:spTree>
+    <p:extLst>
+      <p:ext uri="{BB962C8B-B14F-4D97-AF65-F5344CB8AC3E}">
+        <p14:creationId xmlns:p14="http://schemas.microsoft.com/office/powerpoint/2010/main" val="1081561365"/>
+      </p:ext>
+    </p:extLst>
+  </p:cSld>
+  <p:clrMapOvr>
+    <a:masterClrMapping/>
+  </p:clrMapOvr>
+</p:sld>
+</file>
+
+<file path=ppt/slides/slide7.xml><?xml version="1.0" encoding="utf-8"?>
+<p:sld xmlns:a="http://schemas.openxmlformats.org/drawingml/2006/main" xmlns:r="http://schemas.openxmlformats.org/officeDocument/2006/relationships" xmlns:p="http://schemas.openxmlformats.org/presentationml/2006/main">
+  <p:cSld>
+    <p:bg>
+      <p:bgPr>
+        <a:solidFill>
+          <a:srgbClr val="1B2540"/>
+        </a:solidFill>
+        <a:effectLst/>
+      </p:bgPr>
+    </p:bg>
+    <p:spTree>
+      <p:nvGrpSpPr>
+        <p:cNvPr id="1" name=""/>
+        <p:cNvGrpSpPr/>
+        <p:nvPr/>
+      </p:nvGrpSpPr>
+      <p:grpSpPr>
+        <a:xfrm>
+          <a:off x="0" y="0"/>
+          <a:ext cx="0" cy="0"/>
+          <a:chOff x="0" y="0"/>
+          <a:chExt cx="0" cy="0"/>
+        </a:xfrm>
+      </p:grpSpPr>
+      <p:grpSp>
+        <p:nvGrpSpPr>
+          <p:cNvPr id="7" name="그룹 6"/>
+          <p:cNvGrpSpPr/>
+          <p:nvPr/>
+        </p:nvGrpSpPr>
+        <p:grpSpPr>
+          <a:xfrm>
+            <a:off x="136073" y="166008"/>
+            <a:ext cx="11809768" cy="6575395"/>
+            <a:chOff x="136073" y="166008"/>
+            <a:chExt cx="11809768" cy="6575395"/>
+          </a:xfrm>
+        </p:grpSpPr>
+        <p:cxnSp>
+          <p:nvCxnSpPr>
+            <p:cNvPr id="39" name="직선 연결선 38"/>
+            <p:cNvCxnSpPr>
+              <a:stCxn id="3" idx="6"/>
+              <a:endCxn id="16" idx="2"/>
+            </p:cNvCxnSpPr>
+            <p:nvPr/>
+          </p:nvCxnSpPr>
+          <p:spPr>
+            <a:xfrm flipV="1">
+              <a:off x="658587" y="425291"/>
+              <a:ext cx="11110942" cy="1974"/>
+            </a:xfrm>
+            <a:prstGeom prst="line">
+              <a:avLst/>
+            </a:prstGeom>
+            <a:ln>
+              <a:solidFill>
+                <a:srgbClr val="2CE2E2">
+                  <a:alpha val="50000"/>
+                </a:srgbClr>
+              </a:solidFill>
+            </a:ln>
+          </p:spPr>
+          <p:style>
+            <a:lnRef idx="1">
+              <a:schemeClr val="accent1"/>
+            </a:lnRef>
+            <a:fillRef idx="0">
+              <a:schemeClr val="accent1"/>
+            </a:fillRef>
+            <a:effectRef idx="0">
+              <a:schemeClr val="accent1"/>
+            </a:effectRef>
+            <a:fontRef idx="minor">
+              <a:schemeClr val="tx1"/>
+            </a:fontRef>
+          </p:style>
+        </p:cxnSp>
+        <p:cxnSp>
+          <p:nvCxnSpPr>
+            <p:cNvPr id="34" name="직선 연결선 33"/>
+            <p:cNvCxnSpPr>
+              <a:stCxn id="3" idx="4"/>
+              <a:endCxn id="24" idx="0"/>
+            </p:cNvCxnSpPr>
+            <p:nvPr/>
+          </p:nvCxnSpPr>
+          <p:spPr>
+            <a:xfrm flipH="1">
+              <a:off x="397329" y="688522"/>
+              <a:ext cx="1" cy="5876569"/>
+            </a:xfrm>
+            <a:prstGeom prst="line">
+              <a:avLst/>
+            </a:prstGeom>
+            <a:ln>
+              <a:solidFill>
+                <a:srgbClr val="2CE2E2">
+                  <a:alpha val="49804"/>
+                </a:srgbClr>
+              </a:solidFill>
+            </a:ln>
+          </p:spPr>
+          <p:style>
+            <a:lnRef idx="1">
+              <a:schemeClr val="accent1"/>
+            </a:lnRef>
+            <a:fillRef idx="0">
+              <a:schemeClr val="accent1"/>
+            </a:fillRef>
+            <a:effectRef idx="0">
+              <a:schemeClr val="accent1"/>
+            </a:effectRef>
+            <a:fontRef idx="minor">
+              <a:schemeClr val="tx1"/>
+            </a:fontRef>
+          </p:style>
+        </p:cxnSp>
+        <p:cxnSp>
+          <p:nvCxnSpPr>
+            <p:cNvPr id="29" name="직선 연결선 28"/>
+            <p:cNvCxnSpPr>
+              <a:stCxn id="24" idx="6"/>
+              <a:endCxn id="21" idx="2"/>
+            </p:cNvCxnSpPr>
+            <p:nvPr/>
+          </p:nvCxnSpPr>
+          <p:spPr>
+            <a:xfrm>
+              <a:off x="429729" y="6597491"/>
+              <a:ext cx="11339800" cy="0"/>
+            </a:xfrm>
+            <a:prstGeom prst="line">
+              <a:avLst/>
+            </a:prstGeom>
+            <a:ln>
+              <a:solidFill>
+                <a:srgbClr val="2CE2E2">
+                  <a:alpha val="50000"/>
+                </a:srgbClr>
+              </a:solidFill>
+            </a:ln>
+          </p:spPr>
+          <p:style>
+            <a:lnRef idx="1">
+              <a:schemeClr val="accent1"/>
+            </a:lnRef>
+            <a:fillRef idx="0">
+              <a:schemeClr val="accent1"/>
+            </a:fillRef>
+            <a:effectRef idx="0">
+              <a:schemeClr val="accent1"/>
+            </a:effectRef>
+            <a:fontRef idx="minor">
+              <a:schemeClr val="tx1"/>
+            </a:fontRef>
+          </p:style>
+        </p:cxnSp>
+        <p:cxnSp>
+          <p:nvCxnSpPr>
+            <p:cNvPr id="26" name="직선 연결선 25"/>
+            <p:cNvCxnSpPr>
+              <a:stCxn id="16" idx="4"/>
+              <a:endCxn id="21" idx="0"/>
+            </p:cNvCxnSpPr>
+            <p:nvPr/>
+          </p:nvCxnSpPr>
+          <p:spPr>
+            <a:xfrm>
+              <a:off x="11801929" y="457691"/>
+              <a:ext cx="0" cy="6107400"/>
+            </a:xfrm>
+            <a:prstGeom prst="line">
+              <a:avLst/>
+            </a:prstGeom>
+            <a:ln>
+              <a:solidFill>
+                <a:srgbClr val="2CE2E2">
+                  <a:alpha val="50000"/>
+                </a:srgbClr>
+              </a:solidFill>
+            </a:ln>
+          </p:spPr>
+          <p:style>
+            <a:lnRef idx="1">
+              <a:schemeClr val="accent1"/>
+            </a:lnRef>
+            <a:fillRef idx="0">
+              <a:schemeClr val="accent1"/>
+            </a:fillRef>
+            <a:effectRef idx="0">
+              <a:schemeClr val="accent1"/>
+            </a:effectRef>
+            <a:fontRef idx="minor">
+              <a:schemeClr val="tx1"/>
+            </a:fontRef>
+          </p:style>
+        </p:cxnSp>
+        <p:grpSp>
+          <p:nvGrpSpPr>
+            <p:cNvPr id="8" name="그룹 7"/>
+            <p:cNvGrpSpPr/>
+            <p:nvPr/>
+          </p:nvGrpSpPr>
+          <p:grpSpPr>
+            <a:xfrm>
+              <a:off x="136073" y="166008"/>
+              <a:ext cx="522514" cy="522514"/>
+              <a:chOff x="326573" y="261258"/>
+              <a:chExt cx="522514" cy="522514"/>
+            </a:xfrm>
+          </p:grpSpPr>
+          <p:sp>
+            <p:nvSpPr>
+              <p:cNvPr id="3" name="타원 2"/>
+              <p:cNvSpPr/>
+              <p:nvPr/>
+            </p:nvSpPr>
+            <p:spPr>
+              <a:xfrm>
+                <a:off x="326573" y="261258"/>
+                <a:ext cx="522514" cy="522514"/>
+              </a:xfrm>
+              <a:prstGeom prst="ellipse">
+                <a:avLst/>
+              </a:prstGeom>
+              <a:solidFill>
+                <a:srgbClr val="2CE1B3">
+                  <a:alpha val="10000"/>
+                </a:srgbClr>
+              </a:solidFill>
+              <a:ln>
+                <a:solidFill>
+                  <a:srgbClr val="2CE1B3">
+                    <a:alpha val="30000"/>
+                  </a:srgbClr>
+                </a:solidFill>
+              </a:ln>
+            </p:spPr>
+            <p:style>
+              <a:lnRef idx="2">
+                <a:schemeClr val="accent1">
+                  <a:shade val="50000"/>
+                </a:schemeClr>
+              </a:lnRef>
+              <a:fillRef idx="1">
+                <a:schemeClr val="accent1"/>
+              </a:fillRef>
+              <a:effectRef idx="0">
+                <a:schemeClr val="accent1"/>
+              </a:effectRef>
+              <a:fontRef idx="minor">
+                <a:schemeClr val="lt1"/>
+              </a:fontRef>
+            </p:style>
+            <p:txBody>
+              <a:bodyPr rtlCol="0" anchor="ctr"/>
+              <a:lstStyle/>
+              <a:p>
+                <a:pPr algn="ctr"/>
+                <a:endParaRPr lang="ko-KR" altLang="en-US">
+                  <a:solidFill>
+                    <a:prstClr val="white"/>
+                  </a:solidFill>
+                </a:endParaRPr>
+              </a:p>
+            </p:txBody>
+          </p:sp>
+          <p:sp>
+            <p:nvSpPr>
+              <p:cNvPr id="4" name="타원 3"/>
+              <p:cNvSpPr/>
+              <p:nvPr/>
+            </p:nvSpPr>
+            <p:spPr>
+              <a:xfrm>
+                <a:off x="407259" y="341944"/>
+                <a:ext cx="361143" cy="361143"/>
+              </a:xfrm>
+              <a:prstGeom prst="ellipse">
+                <a:avLst/>
+              </a:prstGeom>
+              <a:solidFill>
+                <a:srgbClr val="2CE1B3">
+                  <a:alpha val="10000"/>
+                </a:srgbClr>
+              </a:solidFill>
+              <a:ln>
+                <a:solidFill>
+                  <a:srgbClr val="2CE1B3">
+                    <a:alpha val="30000"/>
+                  </a:srgbClr>
+                </a:solidFill>
+              </a:ln>
+            </p:spPr>
+            <p:style>
+              <a:lnRef idx="2">
+                <a:schemeClr val="accent1">
+                  <a:shade val="50000"/>
+                </a:schemeClr>
+              </a:lnRef>
+              <a:fillRef idx="1">
+                <a:schemeClr val="accent1"/>
+              </a:fillRef>
+              <a:effectRef idx="0">
+                <a:schemeClr val="accent1"/>
+              </a:effectRef>
+              <a:fontRef idx="minor">
+                <a:schemeClr val="lt1"/>
+              </a:fontRef>
+            </p:style>
+            <p:txBody>
+              <a:bodyPr rtlCol="0" anchor="ctr"/>
+              <a:lstStyle/>
+              <a:p>
+                <a:pPr algn="ctr"/>
+                <a:endParaRPr lang="ko-KR" altLang="en-US">
+                  <a:solidFill>
+                    <a:prstClr val="white"/>
+                  </a:solidFill>
+                </a:endParaRPr>
+              </a:p>
+            </p:txBody>
+          </p:sp>
+          <p:sp>
+            <p:nvSpPr>
+              <p:cNvPr id="5" name="타원 4"/>
+              <p:cNvSpPr/>
+              <p:nvPr/>
+            </p:nvSpPr>
+            <p:spPr>
+              <a:xfrm>
+                <a:off x="484521" y="419206"/>
+                <a:ext cx="206618" cy="206618"/>
+              </a:xfrm>
+              <a:prstGeom prst="ellipse">
+                <a:avLst/>
+              </a:prstGeom>
+              <a:solidFill>
+                <a:srgbClr val="2CE1B3">
+                  <a:alpha val="10000"/>
+                </a:srgbClr>
+              </a:solidFill>
+              <a:ln>
+                <a:solidFill>
+                  <a:srgbClr val="2CE1B3">
+                    <a:alpha val="30000"/>
+                  </a:srgbClr>
+                </a:solidFill>
+              </a:ln>
+            </p:spPr>
+            <p:style>
+              <a:lnRef idx="2">
+                <a:schemeClr val="accent1">
+                  <a:shade val="50000"/>
+                </a:schemeClr>
+              </a:lnRef>
+              <a:fillRef idx="1">
+                <a:schemeClr val="accent1"/>
+              </a:fillRef>
+              <a:effectRef idx="0">
+                <a:schemeClr val="accent1"/>
+              </a:effectRef>
+              <a:fontRef idx="minor">
+                <a:schemeClr val="lt1"/>
+              </a:fontRef>
+            </p:style>
+            <p:txBody>
+              <a:bodyPr rtlCol="0" anchor="ctr"/>
+              <a:lstStyle/>
+              <a:p>
+                <a:pPr algn="ctr"/>
+                <a:endParaRPr lang="ko-KR" altLang="en-US">
+                  <a:solidFill>
+                    <a:prstClr val="white"/>
+                  </a:solidFill>
+                </a:endParaRPr>
+              </a:p>
+            </p:txBody>
+          </p:sp>
+          <p:sp>
+            <p:nvSpPr>
+              <p:cNvPr id="6" name="타원 5"/>
+              <p:cNvSpPr/>
+              <p:nvPr/>
+            </p:nvSpPr>
+            <p:spPr>
+              <a:xfrm>
+                <a:off x="555825" y="490510"/>
+                <a:ext cx="64010" cy="64010"/>
+              </a:xfrm>
+              <a:prstGeom prst="ellipse">
+                <a:avLst/>
+              </a:prstGeom>
+              <a:solidFill>
+                <a:srgbClr val="2CE1B3"/>
+              </a:solidFill>
+              <a:ln w="15875">
+                <a:solidFill>
+                  <a:schemeClr val="bg1"/>
+                </a:solidFill>
+              </a:ln>
+            </p:spPr>
+            <p:style>
+              <a:lnRef idx="2">
+                <a:schemeClr val="accent1">
+                  <a:shade val="50000"/>
+                </a:schemeClr>
+              </a:lnRef>
+              <a:fillRef idx="1">
+                <a:schemeClr val="accent1"/>
+              </a:fillRef>
+              <a:effectRef idx="0">
+                <a:schemeClr val="accent1"/>
+              </a:effectRef>
+              <a:fontRef idx="minor">
+                <a:schemeClr val="lt1"/>
+              </a:fontRef>
+            </p:style>
+            <p:txBody>
+              <a:bodyPr rtlCol="0" anchor="ctr"/>
+              <a:lstStyle/>
+              <a:p>
+                <a:pPr algn="ctr"/>
+                <a:endParaRPr lang="ko-KR" altLang="en-US">
+                  <a:solidFill>
+                    <a:prstClr val="white"/>
+                  </a:solidFill>
+                </a:endParaRPr>
+              </a:p>
+            </p:txBody>
+          </p:sp>
+        </p:grpSp>
+        <p:sp>
+          <p:nvSpPr>
+            <p:cNvPr id="11" name="모서리가 둥근 직사각형 10"/>
+            <p:cNvSpPr/>
+            <p:nvPr/>
+          </p:nvSpPr>
+          <p:spPr>
+            <a:xfrm rot="18900000">
+              <a:off x="941814" y="350849"/>
+              <a:ext cx="148889" cy="148889"/>
+            </a:xfrm>
+            <a:prstGeom prst="roundRect">
+              <a:avLst/>
+            </a:prstGeom>
+            <a:solidFill>
+              <a:srgbClr val="232C4B"/>
+            </a:solidFill>
+            <a:ln>
+              <a:noFill/>
+            </a:ln>
+            <a:effectLst>
+              <a:outerShdw blurRad="381000" dist="63500" dir="18000000" algn="tl" rotWithShape="0">
+                <a:prstClr val="black">
+                  <a:alpha val="15000"/>
+                </a:prstClr>
+              </a:outerShdw>
+            </a:effectLst>
+          </p:spPr>
+          <p:style>
+            <a:lnRef idx="2">
+              <a:schemeClr val="accent1">
+                <a:shade val="50000"/>
+              </a:schemeClr>
+            </a:lnRef>
+            <a:fillRef idx="1">
+              <a:schemeClr val="accent1"/>
+            </a:fillRef>
+            <a:effectRef idx="0">
+              <a:schemeClr val="accent1"/>
+            </a:effectRef>
+            <a:fontRef idx="minor">
+              <a:schemeClr val="lt1"/>
+            </a:fontRef>
+          </p:style>
+          <p:txBody>
+            <a:bodyPr rtlCol="0" anchor="ctr"/>
+            <a:lstStyle/>
+            <a:p>
+              <a:pPr marL="176213" latinLnBrk="0">
+                <a:tabLst>
+                  <a:tab pos="1076325" algn="l"/>
+                  <a:tab pos="1162050" algn="l"/>
+                </a:tabLst>
+                <a:defRPr/>
+              </a:pPr>
+              <a:endParaRPr lang="ko-KR" altLang="en-US" sz="1600" kern="0" dirty="0">
+                <a:solidFill>
+                  <a:prstClr val="white"/>
+                </a:solidFill>
+              </a:endParaRPr>
+            </a:p>
+          </p:txBody>
+        </p:sp>
+        <p:grpSp>
+          <p:nvGrpSpPr>
+            <p:cNvPr id="18" name="그룹 17"/>
+            <p:cNvGrpSpPr/>
+            <p:nvPr/>
+          </p:nvGrpSpPr>
+          <p:grpSpPr>
+            <a:xfrm>
+              <a:off x="11658018" y="281380"/>
+              <a:ext cx="287823" cy="287823"/>
+              <a:chOff x="949078" y="1186255"/>
+              <a:chExt cx="287823" cy="287823"/>
+            </a:xfrm>
+          </p:grpSpPr>
+          <p:sp>
+            <p:nvSpPr>
+              <p:cNvPr id="14" name="타원 13"/>
+              <p:cNvSpPr/>
+              <p:nvPr/>
+            </p:nvSpPr>
+            <p:spPr>
+              <a:xfrm>
+                <a:off x="949078" y="1186255"/>
+                <a:ext cx="287823" cy="287823"/>
+              </a:xfrm>
+              <a:prstGeom prst="ellipse">
+                <a:avLst/>
+              </a:prstGeom>
+              <a:solidFill>
+                <a:srgbClr val="2CE1B3">
+                  <a:alpha val="5000"/>
+                </a:srgbClr>
+              </a:solidFill>
+              <a:ln>
+                <a:solidFill>
+                  <a:srgbClr val="2CE1B3">
+                    <a:alpha val="30000"/>
+                  </a:srgbClr>
+                </a:solidFill>
+              </a:ln>
+            </p:spPr>
+            <p:style>
+              <a:lnRef idx="2">
+                <a:schemeClr val="accent1">
+                  <a:shade val="50000"/>
+                </a:schemeClr>
+              </a:lnRef>
+              <a:fillRef idx="1">
+                <a:schemeClr val="accent1"/>
+              </a:fillRef>
+              <a:effectRef idx="0">
+                <a:schemeClr val="accent1"/>
+              </a:effectRef>
+              <a:fontRef idx="minor">
+                <a:schemeClr val="lt1"/>
+              </a:fontRef>
+            </p:style>
+            <p:txBody>
+              <a:bodyPr rtlCol="0" anchor="ctr"/>
+              <a:lstStyle/>
+              <a:p>
+                <a:pPr algn="ctr"/>
+                <a:endParaRPr lang="ko-KR" altLang="en-US">
+                  <a:solidFill>
+                    <a:prstClr val="white"/>
+                  </a:solidFill>
+                </a:endParaRPr>
+              </a:p>
+            </p:txBody>
+          </p:sp>
+          <p:sp>
+            <p:nvSpPr>
+              <p:cNvPr id="16" name="타원 15"/>
+              <p:cNvSpPr/>
+              <p:nvPr/>
+            </p:nvSpPr>
+            <p:spPr>
+              <a:xfrm>
+                <a:off x="1060589" y="1297766"/>
+                <a:ext cx="64800" cy="64800"/>
+              </a:xfrm>
+              <a:prstGeom prst="ellipse">
+                <a:avLst/>
+              </a:prstGeom>
+              <a:solidFill>
+                <a:srgbClr val="FF0000"/>
+              </a:solidFill>
+              <a:ln w="12700">
+                <a:solidFill>
+                  <a:schemeClr val="bg1"/>
+                </a:solidFill>
+              </a:ln>
+            </p:spPr>
+            <p:style>
+              <a:lnRef idx="2">
+                <a:schemeClr val="accent1">
+                  <a:shade val="50000"/>
+                </a:schemeClr>
+              </a:lnRef>
+              <a:fillRef idx="1">
+                <a:schemeClr val="accent1"/>
+              </a:fillRef>
+              <a:effectRef idx="0">
+                <a:schemeClr val="accent1"/>
+              </a:effectRef>
+              <a:fontRef idx="minor">
+                <a:schemeClr val="lt1"/>
+              </a:fontRef>
+            </p:style>
+            <p:txBody>
+              <a:bodyPr rtlCol="0" anchor="ctr"/>
+              <a:lstStyle/>
+              <a:p>
+                <a:pPr algn="ctr"/>
+                <a:endParaRPr lang="ko-KR" altLang="en-US">
+                  <a:solidFill>
+                    <a:prstClr val="white"/>
+                  </a:solidFill>
+                </a:endParaRPr>
+              </a:p>
+            </p:txBody>
+          </p:sp>
+        </p:grpSp>
+        <p:grpSp>
+          <p:nvGrpSpPr>
+            <p:cNvPr id="19" name="그룹 18"/>
+            <p:cNvGrpSpPr/>
+            <p:nvPr/>
+          </p:nvGrpSpPr>
+          <p:grpSpPr>
+            <a:xfrm>
+              <a:off x="11658018" y="6453580"/>
+              <a:ext cx="287823" cy="287823"/>
+              <a:chOff x="949078" y="1186255"/>
+              <a:chExt cx="287823" cy="287823"/>
+            </a:xfrm>
+          </p:grpSpPr>
+          <p:sp>
+            <p:nvSpPr>
+              <p:cNvPr id="20" name="타원 19"/>
+              <p:cNvSpPr/>
+              <p:nvPr/>
+            </p:nvSpPr>
+            <p:spPr>
+              <a:xfrm>
+                <a:off x="949078" y="1186255"/>
+                <a:ext cx="287823" cy="287823"/>
+              </a:xfrm>
+              <a:prstGeom prst="ellipse">
+                <a:avLst/>
+              </a:prstGeom>
+              <a:solidFill>
+                <a:srgbClr val="2CE1B3">
+                  <a:alpha val="5000"/>
+                </a:srgbClr>
+              </a:solidFill>
+              <a:ln>
+                <a:solidFill>
+                  <a:srgbClr val="2CE1B3">
+                    <a:alpha val="30000"/>
+                  </a:srgbClr>
+                </a:solidFill>
+              </a:ln>
+            </p:spPr>
+            <p:style>
+              <a:lnRef idx="2">
+                <a:schemeClr val="accent1">
+                  <a:shade val="50000"/>
+                </a:schemeClr>
+              </a:lnRef>
+              <a:fillRef idx="1">
+                <a:schemeClr val="accent1"/>
+              </a:fillRef>
+              <a:effectRef idx="0">
+                <a:schemeClr val="accent1"/>
+              </a:effectRef>
+              <a:fontRef idx="minor">
+                <a:schemeClr val="lt1"/>
+              </a:fontRef>
+            </p:style>
+            <p:txBody>
+              <a:bodyPr rtlCol="0" anchor="ctr"/>
+              <a:lstStyle/>
+              <a:p>
+                <a:pPr algn="ctr"/>
+                <a:endParaRPr lang="ko-KR" altLang="en-US">
+                  <a:solidFill>
+                    <a:prstClr val="white"/>
+                  </a:solidFill>
+                </a:endParaRPr>
+              </a:p>
+            </p:txBody>
+          </p:sp>
+          <p:sp>
+            <p:nvSpPr>
+              <p:cNvPr id="21" name="타원 20"/>
+              <p:cNvSpPr/>
+              <p:nvPr/>
+            </p:nvSpPr>
+            <p:spPr>
+              <a:xfrm>
+                <a:off x="1060589" y="1297766"/>
+                <a:ext cx="64800" cy="64800"/>
+              </a:xfrm>
+              <a:prstGeom prst="ellipse">
+                <a:avLst/>
+              </a:prstGeom>
+              <a:solidFill>
+                <a:schemeClr val="bg2">
+                  <a:lumMod val="50000"/>
+                </a:schemeClr>
+              </a:solidFill>
+              <a:ln w="12700">
+                <a:solidFill>
+                  <a:schemeClr val="bg1"/>
+                </a:solidFill>
+              </a:ln>
+            </p:spPr>
+            <p:style>
+              <a:lnRef idx="2">
+                <a:schemeClr val="accent1">
+                  <a:shade val="50000"/>
+                </a:schemeClr>
+              </a:lnRef>
+              <a:fillRef idx="1">
+                <a:schemeClr val="accent1"/>
+              </a:fillRef>
+              <a:effectRef idx="0">
+                <a:schemeClr val="accent1"/>
+              </a:effectRef>
+              <a:fontRef idx="minor">
+                <a:schemeClr val="lt1"/>
+              </a:fontRef>
+            </p:style>
+            <p:txBody>
+              <a:bodyPr rtlCol="0" anchor="ctr"/>
+              <a:lstStyle/>
+              <a:p>
+                <a:pPr algn="ctr"/>
+                <a:endParaRPr lang="ko-KR" altLang="en-US">
+                  <a:solidFill>
+                    <a:prstClr val="white"/>
+                  </a:solidFill>
+                </a:endParaRPr>
+              </a:p>
+            </p:txBody>
+          </p:sp>
+        </p:grpSp>
+        <p:grpSp>
+          <p:nvGrpSpPr>
+            <p:cNvPr id="22" name="그룹 21"/>
+            <p:cNvGrpSpPr/>
+            <p:nvPr/>
+          </p:nvGrpSpPr>
+          <p:grpSpPr>
+            <a:xfrm>
+              <a:off x="253418" y="6453580"/>
+              <a:ext cx="287823" cy="287823"/>
+              <a:chOff x="949078" y="1186255"/>
+              <a:chExt cx="287823" cy="287823"/>
+            </a:xfrm>
+          </p:grpSpPr>
+          <p:sp>
+            <p:nvSpPr>
+              <p:cNvPr id="23" name="타원 22"/>
+              <p:cNvSpPr/>
+              <p:nvPr/>
+            </p:nvSpPr>
+            <p:spPr>
+              <a:xfrm>
+                <a:off x="949078" y="1186255"/>
+                <a:ext cx="287823" cy="287823"/>
+              </a:xfrm>
+              <a:prstGeom prst="ellipse">
+                <a:avLst/>
+              </a:prstGeom>
+              <a:solidFill>
+                <a:srgbClr val="2CE1B3">
+                  <a:alpha val="5000"/>
+                </a:srgbClr>
+              </a:solidFill>
+              <a:ln>
+                <a:solidFill>
+                  <a:srgbClr val="2CE1B3">
+                    <a:alpha val="30000"/>
+                  </a:srgbClr>
+                </a:solidFill>
+              </a:ln>
+            </p:spPr>
+            <p:style>
+              <a:lnRef idx="2">
+                <a:schemeClr val="accent1">
+                  <a:shade val="50000"/>
+                </a:schemeClr>
+              </a:lnRef>
+              <a:fillRef idx="1">
+                <a:schemeClr val="accent1"/>
+              </a:fillRef>
+              <a:effectRef idx="0">
+                <a:schemeClr val="accent1"/>
+              </a:effectRef>
+              <a:fontRef idx="minor">
+                <a:schemeClr val="lt1"/>
+              </a:fontRef>
+            </p:style>
+            <p:txBody>
+              <a:bodyPr rtlCol="0" anchor="ctr"/>
+              <a:lstStyle/>
+              <a:p>
+                <a:pPr algn="ctr"/>
+                <a:endParaRPr lang="ko-KR" altLang="en-US">
+                  <a:solidFill>
+                    <a:prstClr val="white"/>
+                  </a:solidFill>
+                </a:endParaRPr>
+              </a:p>
+            </p:txBody>
+          </p:sp>
+          <p:sp>
+            <p:nvSpPr>
+              <p:cNvPr id="24" name="타원 23"/>
+              <p:cNvSpPr/>
+              <p:nvPr/>
+            </p:nvSpPr>
+            <p:spPr>
+              <a:xfrm>
+                <a:off x="1060589" y="1297766"/>
+                <a:ext cx="64800" cy="64800"/>
+              </a:xfrm>
+              <a:prstGeom prst="ellipse">
+                <a:avLst/>
+              </a:prstGeom>
+              <a:solidFill>
+                <a:schemeClr val="bg2">
+                  <a:lumMod val="50000"/>
+                </a:schemeClr>
+              </a:solidFill>
+              <a:ln w="12700">
+                <a:solidFill>
+                  <a:schemeClr val="bg1"/>
+                </a:solidFill>
+              </a:ln>
+            </p:spPr>
+            <p:style>
+              <a:lnRef idx="2">
+                <a:schemeClr val="accent1">
+                  <a:shade val="50000"/>
+                </a:schemeClr>
+              </a:lnRef>
+              <a:fillRef idx="1">
+                <a:schemeClr val="accent1"/>
+              </a:fillRef>
+              <a:effectRef idx="0">
+                <a:schemeClr val="accent1"/>
+              </a:effectRef>
+              <a:fontRef idx="minor">
+                <a:schemeClr val="lt1"/>
+              </a:fontRef>
+            </p:style>
+            <p:txBody>
+              <a:bodyPr rtlCol="0" anchor="ctr"/>
+              <a:lstStyle/>
+              <a:p>
+                <a:pPr algn="ctr"/>
+                <a:endParaRPr lang="ko-KR" altLang="en-US">
+                  <a:solidFill>
+                    <a:prstClr val="white"/>
+                  </a:solidFill>
+                </a:endParaRPr>
+              </a:p>
+            </p:txBody>
+          </p:sp>
+        </p:grpSp>
+      </p:grpSp>
       <p:sp>
         <p:nvSpPr>
-          <p:cNvPr id="41" name="원호 40">
+          <p:cNvPr id="2" name="모서리가 둥근 직사각형 9">
             <a:extLst>
               <a:ext uri="{FF2B5EF4-FFF2-40B4-BE49-F238E27FC236}">
-                <a16:creationId xmlns:a16="http://schemas.microsoft.com/office/drawing/2014/main" id="{5732A456-F67B-4F78-1604-164E76A171CB}"/>
+                <a16:creationId xmlns:a16="http://schemas.microsoft.com/office/drawing/2014/main" id="{6A556C60-4AC1-BCCD-BBCC-82E6A8227D26}"/>
               </a:ext>
             </a:extLst>
           </p:cNvPr>
@@ -8101,219 +10920,23 @@
         </p:nvSpPr>
         <p:spPr>
           <a:xfrm>
-            <a:off x="2368891" y="1749499"/>
-            <a:ext cx="2453932" cy="2453932"/>
+            <a:off x="1016259" y="124874"/>
+            <a:ext cx="4326418" cy="600837"/>
           </a:xfrm>
-          <a:prstGeom prst="arc">
-            <a:avLst>
-              <a:gd name="adj1" fmla="val 5384123"/>
-              <a:gd name="adj2" fmla="val 16148387"/>
-            </a:avLst>
-          </a:prstGeom>
-          <a:noFill/>
-          <a:ln w="19050">
-            <a:solidFill>
-              <a:srgbClr val="2CE2E2"/>
-            </a:solidFill>
-            <a:prstDash val="dash"/>
-            <a:tailEnd type="none"/>
-          </a:ln>
-          <a:effectLst/>
-        </p:spPr>
-        <p:style>
-          <a:lnRef idx="2">
-            <a:schemeClr val="accent1">
-              <a:shade val="50000"/>
-            </a:schemeClr>
-          </a:lnRef>
-          <a:fillRef idx="1">
-            <a:schemeClr val="accent1"/>
-          </a:fillRef>
-          <a:effectRef idx="0">
-            <a:schemeClr val="accent1"/>
-          </a:effectRef>
-          <a:fontRef idx="minor">
-            <a:schemeClr val="lt1"/>
-          </a:fontRef>
-        </p:style>
-        <p:txBody>
-          <a:bodyPr rtlCol="0" anchor="ctr"/>
-          <a:lstStyle/>
-          <a:p>
-            <a:pPr algn="ctr">
-              <a:defRPr/>
-            </a:pPr>
-            <a:endParaRPr lang="ko-KR" altLang="en-US" sz="2400">
-              <a:solidFill>
-                <a:prstClr val="white"/>
-              </a:solidFill>
-            </a:endParaRPr>
-          </a:p>
-        </p:txBody>
-      </p:sp>
-      <p:sp>
-        <p:nvSpPr>
-          <p:cNvPr id="42" name="원호 41">
-            <a:extLst>
-              <a:ext uri="{FF2B5EF4-FFF2-40B4-BE49-F238E27FC236}">
-                <a16:creationId xmlns:a16="http://schemas.microsoft.com/office/drawing/2014/main" id="{62321948-873B-E5BA-19FD-6E31D012A3F9}"/>
-              </a:ext>
-            </a:extLst>
-          </p:cNvPr>
-          <p:cNvSpPr/>
-          <p:nvPr/>
-        </p:nvSpPr>
-        <p:spPr>
-          <a:xfrm>
-            <a:off x="2368891" y="1749499"/>
-            <a:ext cx="2453932" cy="2453932"/>
-          </a:xfrm>
-          <a:prstGeom prst="arc">
-            <a:avLst>
-              <a:gd name="adj1" fmla="val 21587805"/>
-              <a:gd name="adj2" fmla="val 5385223"/>
-            </a:avLst>
-          </a:prstGeom>
-          <a:noFill/>
-          <a:ln w="19050">
-            <a:solidFill>
-              <a:srgbClr val="2CE2E2"/>
-            </a:solidFill>
-            <a:prstDash val="solid"/>
-            <a:tailEnd type="none"/>
-          </a:ln>
-          <a:effectLst/>
-        </p:spPr>
-        <p:style>
-          <a:lnRef idx="2">
-            <a:schemeClr val="accent1">
-              <a:shade val="50000"/>
-            </a:schemeClr>
-          </a:lnRef>
-          <a:fillRef idx="1">
-            <a:schemeClr val="accent1"/>
-          </a:fillRef>
-          <a:effectRef idx="0">
-            <a:schemeClr val="accent1"/>
-          </a:effectRef>
-          <a:fontRef idx="minor">
-            <a:schemeClr val="lt1"/>
-          </a:fontRef>
-        </p:style>
-        <p:txBody>
-          <a:bodyPr rtlCol="0" anchor="ctr"/>
-          <a:lstStyle/>
-          <a:p>
-            <a:pPr algn="ctr">
-              <a:defRPr/>
-            </a:pPr>
-            <a:endParaRPr lang="ko-KR" altLang="en-US" sz="2400">
-              <a:solidFill>
-                <a:prstClr val="white"/>
-              </a:solidFill>
-            </a:endParaRPr>
-          </a:p>
-        </p:txBody>
-      </p:sp>
-      <p:sp>
-        <p:nvSpPr>
-          <p:cNvPr id="43" name="원호 42">
-            <a:extLst>
-              <a:ext uri="{FF2B5EF4-FFF2-40B4-BE49-F238E27FC236}">
-                <a16:creationId xmlns:a16="http://schemas.microsoft.com/office/drawing/2014/main" id="{88246B6F-C03B-97F2-2976-6209082C54D7}"/>
-              </a:ext>
-            </a:extLst>
-          </p:cNvPr>
-          <p:cNvSpPr/>
-          <p:nvPr/>
-        </p:nvSpPr>
-        <p:spPr>
-          <a:xfrm>
-            <a:off x="4822823" y="1749499"/>
-            <a:ext cx="2453932" cy="2453932"/>
-          </a:xfrm>
-          <a:prstGeom prst="arc">
-            <a:avLst>
-              <a:gd name="adj1" fmla="val 10785125"/>
-              <a:gd name="adj2" fmla="val 16222424"/>
-            </a:avLst>
-          </a:prstGeom>
-          <a:noFill/>
-          <a:ln w="19050">
-            <a:solidFill>
-              <a:srgbClr val="2CE2E2"/>
-            </a:solidFill>
-            <a:prstDash val="solid"/>
-            <a:tailEnd type="triangle" w="lg" len="med"/>
-          </a:ln>
-          <a:effectLst/>
-        </p:spPr>
-        <p:style>
-          <a:lnRef idx="2">
-            <a:schemeClr val="accent1">
-              <a:shade val="50000"/>
-            </a:schemeClr>
-          </a:lnRef>
-          <a:fillRef idx="1">
-            <a:schemeClr val="accent1"/>
-          </a:fillRef>
-          <a:effectRef idx="0">
-            <a:schemeClr val="accent1"/>
-          </a:effectRef>
-          <a:fontRef idx="minor">
-            <a:schemeClr val="lt1"/>
-          </a:fontRef>
-        </p:style>
-        <p:txBody>
-          <a:bodyPr rtlCol="0" anchor="ctr"/>
-          <a:lstStyle/>
-          <a:p>
-            <a:pPr algn="ctr">
-              <a:defRPr/>
-            </a:pPr>
-            <a:endParaRPr lang="ko-KR" altLang="en-US" sz="2400">
-              <a:solidFill>
-                <a:prstClr val="white"/>
-              </a:solidFill>
-            </a:endParaRPr>
-          </a:p>
-        </p:txBody>
-      </p:sp>
-      <p:sp>
-        <p:nvSpPr>
-          <p:cNvPr id="44" name="타원 43">
-            <a:extLst>
-              <a:ext uri="{FF2B5EF4-FFF2-40B4-BE49-F238E27FC236}">
-                <a16:creationId xmlns:a16="http://schemas.microsoft.com/office/drawing/2014/main" id="{4DFF0F21-3FA2-5C6F-5C26-3EAD978544FE}"/>
-              </a:ext>
-            </a:extLst>
-          </p:cNvPr>
-          <p:cNvSpPr/>
-          <p:nvPr/>
-        </p:nvSpPr>
-        <p:spPr>
-          <a:xfrm>
-            <a:off x="5027648" y="1954324"/>
-            <a:ext cx="2044282" cy="2044282"/>
-          </a:xfrm>
-          <a:prstGeom prst="ellipse">
+          <a:prstGeom prst="roundRect">
             <a:avLst/>
           </a:prstGeom>
           <a:solidFill>
-            <a:schemeClr val="bg1"/>
+            <a:srgbClr val="232C4B"/>
           </a:solidFill>
           <a:ln>
-            <a:solidFill>
-              <a:schemeClr val="bg1">
-                <a:lumMod val="95000"/>
-              </a:schemeClr>
-            </a:solidFill>
+            <a:noFill/>
           </a:ln>
           <a:effectLst>
-            <a:outerShdw blurRad="190500" dist="38100" dir="5400000" algn="t" rotWithShape="0">
-              <a:srgbClr val="5660FA">
+            <a:outerShdw blurRad="381000" dist="63500" dir="2700000" algn="tl" rotWithShape="0">
+              <a:prstClr val="black">
                 <a:alpha val="15000"/>
-              </a:srgbClr>
+              </a:prstClr>
             </a:outerShdw>
           </a:effectLst>
         </p:spPr>
@@ -8337,68 +10960,1014 @@
           <a:bodyPr rtlCol="0" anchor="ctr"/>
           <a:lstStyle/>
           <a:p>
-            <a:pPr algn="ctr">
+            <a:pPr marL="176213" marR="0" lvl="0" indent="0" algn="l" defTabSz="914400" rtl="0" eaLnBrk="1" fontAlgn="auto" latinLnBrk="0" hangingPunct="1">
+              <a:lnSpc>
+                <a:spcPct val="100000"/>
+              </a:lnSpc>
+              <a:spcBef>
+                <a:spcPts val="0"/>
+              </a:spcBef>
+              <a:spcAft>
+                <a:spcPts val="0"/>
+              </a:spcAft>
+              <a:buClrTx/>
+              <a:buSzTx/>
+              <a:buFontTx/>
+              <a:buNone/>
+              <a:tabLst>
+                <a:tab pos="1076325" algn="l"/>
+                <a:tab pos="1162050" algn="l"/>
+              </a:tabLst>
               <a:defRPr/>
             </a:pPr>
             <a:r>
-              <a:rPr lang="en-US" altLang="ko-KR" sz="800" dirty="0">
-                <a:solidFill>
-                  <a:prstClr val="black">
-                    <a:lumMod val="75000"/>
-                    <a:lumOff val="25000"/>
-                  </a:prstClr>
-                </a:solidFill>
-                <a:cs typeface="Aharoni" panose="02010803020104030203" pitchFamily="2" charset="-79"/>
+              <a:rPr kumimoji="0" lang="en-US" altLang="ko-KR" sz="2400" b="0" i="1" u="none" strike="noStrike" kern="0" cap="none" spc="0" normalizeH="0" baseline="0" noProof="0">
+                <a:ln w="9525">
+                  <a:noFill/>
+                </a:ln>
+                <a:solidFill>
+                  <a:prstClr val="white"/>
+                </a:solidFill>
+                <a:effectLst/>
+                <a:uLnTx/>
+                <a:uFillTx/>
+                <a:latin typeface="Tmon몬소리 Black" panose="02000A03000000000000" pitchFamily="2" charset="-127"/>
+                <a:ea typeface="Tmon몬소리 Black" panose="02000A03000000000000" pitchFamily="2" charset="-127"/>
+                <a:cs typeface="+mn-cs"/>
               </a:rPr>
-              <a:t>CONTENTS A</a:t>
-            </a:r>
-          </a:p>
-          <a:p>
-            <a:pPr algn="ctr">
-              <a:defRPr/>
-            </a:pPr>
-            <a:r>
-              <a:rPr lang="en-US" altLang="ko-KR" sz="3200" b="1" dirty="0">
-                <a:solidFill>
-                  <a:prstClr val="black">
-                    <a:lumMod val="75000"/>
-                    <a:lumOff val="25000"/>
-                  </a:prstClr>
-                </a:solidFill>
-                <a:cs typeface="Aharoni" panose="02010803020104030203" pitchFamily="2" charset="-79"/>
-              </a:rPr>
-              <a:t>25</a:t>
+              <a:t>AI</a:t>
             </a:r>
             <a:r>
-              <a:rPr lang="en-US" altLang="ko-KR" sz="1400" dirty="0">
-                <a:solidFill>
-                  <a:prstClr val="black">
-                    <a:lumMod val="75000"/>
-                    <a:lumOff val="25000"/>
-                  </a:prstClr>
-                </a:solidFill>
-                <a:cs typeface="Aharoni" panose="02010803020104030203" pitchFamily="2" charset="-79"/>
+              <a:rPr kumimoji="0" lang="ko-KR" altLang="en-US" sz="2400" b="0" i="1" u="none" strike="noStrike" kern="0" cap="none" spc="0" normalizeH="0" baseline="0" noProof="0">
+                <a:ln w="9525">
+                  <a:noFill/>
+                </a:ln>
+                <a:solidFill>
+                  <a:prstClr val="white"/>
+                </a:solidFill>
+                <a:effectLst/>
+                <a:uLnTx/>
+                <a:uFillTx/>
+                <a:latin typeface="Tmon몬소리 Black" panose="02000A03000000000000" pitchFamily="2" charset="-127"/>
+                <a:ea typeface="Tmon몬소리 Black" panose="02000A03000000000000" pitchFamily="2" charset="-127"/>
+                <a:cs typeface="+mn-cs"/>
               </a:rPr>
-              <a:t>%</a:t>
+              <a:t>비전응용 </a:t>
             </a:r>
-            <a:endParaRPr lang="en-US" altLang="ko-KR" sz="500" b="1" dirty="0">
-              <a:solidFill>
-                <a:prstClr val="black">
-                  <a:lumMod val="75000"/>
-                  <a:lumOff val="25000"/>
-                </a:prstClr>
-              </a:solidFill>
-              <a:cs typeface="Aharoni" panose="02010803020104030203" pitchFamily="2" charset="-79"/>
+            <a:r>
+              <a:rPr kumimoji="0" lang="en-US" altLang="ko-KR" sz="1100" b="0" i="0" u="none" strike="noStrike" kern="0" cap="none" spc="0" normalizeH="0" baseline="0" noProof="0">
+                <a:ln>
+                  <a:noFill/>
+                </a:ln>
+                <a:solidFill>
+                  <a:prstClr val="white"/>
+                </a:solidFill>
+                <a:effectLst/>
+                <a:uLnTx/>
+                <a:uFillTx/>
+                <a:latin typeface="맑은 고딕" panose="020F0502020204030204"/>
+                <a:ea typeface="맑은 고딕" panose="020B0503020000020004" pitchFamily="50" charset="-127"/>
+                <a:cs typeface="+mn-cs"/>
+              </a:rPr>
+              <a:t>Team meeting with processor</a:t>
+            </a:r>
+            <a:endParaRPr kumimoji="0" lang="ko-KR" altLang="en-US" sz="3200" b="0" i="0" u="none" strike="noStrike" kern="0" cap="none" spc="0" normalizeH="0" baseline="0" noProof="0" dirty="0">
+              <a:ln>
+                <a:noFill/>
+              </a:ln>
+              <a:solidFill>
+                <a:prstClr val="white"/>
+              </a:solidFill>
+              <a:effectLst/>
+              <a:uLnTx/>
+              <a:uFillTx/>
+              <a:latin typeface="맑은 고딕" panose="020F0502020204030204"/>
+              <a:ea typeface="맑은 고딕" panose="020B0503020000020004" pitchFamily="50" charset="-127"/>
+              <a:cs typeface="+mn-cs"/>
             </a:endParaRPr>
           </a:p>
         </p:txBody>
       </p:sp>
+      <p:pic>
+        <p:nvPicPr>
+          <p:cNvPr id="10" name="그림 9">
+            <a:extLst>
+              <a:ext uri="{FF2B5EF4-FFF2-40B4-BE49-F238E27FC236}">
+                <a16:creationId xmlns:a16="http://schemas.microsoft.com/office/drawing/2014/main" id="{6B077B99-F8F4-E64F-E05F-5663472CB5FF}"/>
+              </a:ext>
+            </a:extLst>
+          </p:cNvPr>
+          <p:cNvPicPr>
+            <a:picLocks noChangeAspect="1"/>
+          </p:cNvPicPr>
+          <p:nvPr/>
+        </p:nvPicPr>
+        <p:blipFill>
+          <a:blip r:embed="rId2"/>
+          <a:stretch>
+            <a:fillRect/>
+          </a:stretch>
+        </p:blipFill>
+        <p:spPr>
+          <a:xfrm>
+            <a:off x="1016258" y="1723787"/>
+            <a:ext cx="8773749" cy="3410426"/>
+          </a:xfrm>
+          <a:prstGeom prst="rect">
+            <a:avLst/>
+          </a:prstGeom>
+        </p:spPr>
+      </p:pic>
+    </p:spTree>
+    <p:extLst>
+      <p:ext uri="{BB962C8B-B14F-4D97-AF65-F5344CB8AC3E}">
+        <p14:creationId xmlns:p14="http://schemas.microsoft.com/office/powerpoint/2010/main" val="2582453092"/>
+      </p:ext>
+    </p:extLst>
+  </p:cSld>
+  <p:clrMapOvr>
+    <a:masterClrMapping/>
+  </p:clrMapOvr>
+</p:sld>
+</file>
+
+<file path=ppt/slides/slide8.xml><?xml version="1.0" encoding="utf-8"?>
+<p:sld xmlns:a="http://schemas.openxmlformats.org/drawingml/2006/main" xmlns:r="http://schemas.openxmlformats.org/officeDocument/2006/relationships" xmlns:p="http://schemas.openxmlformats.org/presentationml/2006/main">
+  <p:cSld>
+    <p:bg>
+      <p:bgPr>
+        <a:solidFill>
+          <a:srgbClr val="1B2540"/>
+        </a:solidFill>
+        <a:effectLst/>
+      </p:bgPr>
+    </p:bg>
+    <p:spTree>
+      <p:nvGrpSpPr>
+        <p:cNvPr id="1" name=""/>
+        <p:cNvGrpSpPr/>
+        <p:nvPr/>
+      </p:nvGrpSpPr>
+      <p:grpSpPr>
+        <a:xfrm>
+          <a:off x="0" y="0"/>
+          <a:ext cx="0" cy="0"/>
+          <a:chOff x="0" y="0"/>
+          <a:chExt cx="0" cy="0"/>
+        </a:xfrm>
+      </p:grpSpPr>
+      <p:grpSp>
+        <p:nvGrpSpPr>
+          <p:cNvPr id="7" name="그룹 6"/>
+          <p:cNvGrpSpPr/>
+          <p:nvPr/>
+        </p:nvGrpSpPr>
+        <p:grpSpPr>
+          <a:xfrm>
+            <a:off x="136073" y="166008"/>
+            <a:ext cx="11809768" cy="6575395"/>
+            <a:chOff x="136073" y="166008"/>
+            <a:chExt cx="11809768" cy="6575395"/>
+          </a:xfrm>
+        </p:grpSpPr>
+        <p:cxnSp>
+          <p:nvCxnSpPr>
+            <p:cNvPr id="39" name="직선 연결선 38"/>
+            <p:cNvCxnSpPr>
+              <a:stCxn id="3" idx="6"/>
+              <a:endCxn id="16" idx="2"/>
+            </p:cNvCxnSpPr>
+            <p:nvPr/>
+          </p:nvCxnSpPr>
+          <p:spPr>
+            <a:xfrm flipV="1">
+              <a:off x="658587" y="425291"/>
+              <a:ext cx="11110942" cy="1974"/>
+            </a:xfrm>
+            <a:prstGeom prst="line">
+              <a:avLst/>
+            </a:prstGeom>
+            <a:ln>
+              <a:solidFill>
+                <a:srgbClr val="2CE2E2">
+                  <a:alpha val="50000"/>
+                </a:srgbClr>
+              </a:solidFill>
+            </a:ln>
+          </p:spPr>
+          <p:style>
+            <a:lnRef idx="1">
+              <a:schemeClr val="accent1"/>
+            </a:lnRef>
+            <a:fillRef idx="0">
+              <a:schemeClr val="accent1"/>
+            </a:fillRef>
+            <a:effectRef idx="0">
+              <a:schemeClr val="accent1"/>
+            </a:effectRef>
+            <a:fontRef idx="minor">
+              <a:schemeClr val="tx1"/>
+            </a:fontRef>
+          </p:style>
+        </p:cxnSp>
+        <p:cxnSp>
+          <p:nvCxnSpPr>
+            <p:cNvPr id="34" name="직선 연결선 33"/>
+            <p:cNvCxnSpPr>
+              <a:stCxn id="3" idx="4"/>
+              <a:endCxn id="24" idx="0"/>
+            </p:cNvCxnSpPr>
+            <p:nvPr/>
+          </p:nvCxnSpPr>
+          <p:spPr>
+            <a:xfrm flipH="1">
+              <a:off x="397329" y="688522"/>
+              <a:ext cx="1" cy="5876569"/>
+            </a:xfrm>
+            <a:prstGeom prst="line">
+              <a:avLst/>
+            </a:prstGeom>
+            <a:ln>
+              <a:solidFill>
+                <a:srgbClr val="2CE2E2">
+                  <a:alpha val="49804"/>
+                </a:srgbClr>
+              </a:solidFill>
+            </a:ln>
+          </p:spPr>
+          <p:style>
+            <a:lnRef idx="1">
+              <a:schemeClr val="accent1"/>
+            </a:lnRef>
+            <a:fillRef idx="0">
+              <a:schemeClr val="accent1"/>
+            </a:fillRef>
+            <a:effectRef idx="0">
+              <a:schemeClr val="accent1"/>
+            </a:effectRef>
+            <a:fontRef idx="minor">
+              <a:schemeClr val="tx1"/>
+            </a:fontRef>
+          </p:style>
+        </p:cxnSp>
+        <p:cxnSp>
+          <p:nvCxnSpPr>
+            <p:cNvPr id="29" name="직선 연결선 28"/>
+            <p:cNvCxnSpPr>
+              <a:stCxn id="24" idx="6"/>
+              <a:endCxn id="21" idx="2"/>
+            </p:cNvCxnSpPr>
+            <p:nvPr/>
+          </p:nvCxnSpPr>
+          <p:spPr>
+            <a:xfrm>
+              <a:off x="429729" y="6597491"/>
+              <a:ext cx="11339800" cy="0"/>
+            </a:xfrm>
+            <a:prstGeom prst="line">
+              <a:avLst/>
+            </a:prstGeom>
+            <a:ln>
+              <a:solidFill>
+                <a:srgbClr val="2CE2E2">
+                  <a:alpha val="50000"/>
+                </a:srgbClr>
+              </a:solidFill>
+            </a:ln>
+          </p:spPr>
+          <p:style>
+            <a:lnRef idx="1">
+              <a:schemeClr val="accent1"/>
+            </a:lnRef>
+            <a:fillRef idx="0">
+              <a:schemeClr val="accent1"/>
+            </a:fillRef>
+            <a:effectRef idx="0">
+              <a:schemeClr val="accent1"/>
+            </a:effectRef>
+            <a:fontRef idx="minor">
+              <a:schemeClr val="tx1"/>
+            </a:fontRef>
+          </p:style>
+        </p:cxnSp>
+        <p:cxnSp>
+          <p:nvCxnSpPr>
+            <p:cNvPr id="26" name="직선 연결선 25"/>
+            <p:cNvCxnSpPr>
+              <a:stCxn id="16" idx="4"/>
+              <a:endCxn id="21" idx="0"/>
+            </p:cNvCxnSpPr>
+            <p:nvPr/>
+          </p:nvCxnSpPr>
+          <p:spPr>
+            <a:xfrm>
+              <a:off x="11801929" y="457691"/>
+              <a:ext cx="0" cy="6107400"/>
+            </a:xfrm>
+            <a:prstGeom prst="line">
+              <a:avLst/>
+            </a:prstGeom>
+            <a:ln>
+              <a:solidFill>
+                <a:srgbClr val="2CE2E2">
+                  <a:alpha val="50000"/>
+                </a:srgbClr>
+              </a:solidFill>
+            </a:ln>
+          </p:spPr>
+          <p:style>
+            <a:lnRef idx="1">
+              <a:schemeClr val="accent1"/>
+            </a:lnRef>
+            <a:fillRef idx="0">
+              <a:schemeClr val="accent1"/>
+            </a:fillRef>
+            <a:effectRef idx="0">
+              <a:schemeClr val="accent1"/>
+            </a:effectRef>
+            <a:fontRef idx="minor">
+              <a:schemeClr val="tx1"/>
+            </a:fontRef>
+          </p:style>
+        </p:cxnSp>
+        <p:grpSp>
+          <p:nvGrpSpPr>
+            <p:cNvPr id="8" name="그룹 7"/>
+            <p:cNvGrpSpPr/>
+            <p:nvPr/>
+          </p:nvGrpSpPr>
+          <p:grpSpPr>
+            <a:xfrm>
+              <a:off x="136073" y="166008"/>
+              <a:ext cx="522514" cy="522514"/>
+              <a:chOff x="326573" y="261258"/>
+              <a:chExt cx="522514" cy="522514"/>
+            </a:xfrm>
+          </p:grpSpPr>
+          <p:sp>
+            <p:nvSpPr>
+              <p:cNvPr id="3" name="타원 2"/>
+              <p:cNvSpPr/>
+              <p:nvPr/>
+            </p:nvSpPr>
+            <p:spPr>
+              <a:xfrm>
+                <a:off x="326573" y="261258"/>
+                <a:ext cx="522514" cy="522514"/>
+              </a:xfrm>
+              <a:prstGeom prst="ellipse">
+                <a:avLst/>
+              </a:prstGeom>
+              <a:solidFill>
+                <a:srgbClr val="2CE1B3">
+                  <a:alpha val="10000"/>
+                </a:srgbClr>
+              </a:solidFill>
+              <a:ln>
+                <a:solidFill>
+                  <a:srgbClr val="2CE1B3">
+                    <a:alpha val="30000"/>
+                  </a:srgbClr>
+                </a:solidFill>
+              </a:ln>
+            </p:spPr>
+            <p:style>
+              <a:lnRef idx="2">
+                <a:schemeClr val="accent1">
+                  <a:shade val="50000"/>
+                </a:schemeClr>
+              </a:lnRef>
+              <a:fillRef idx="1">
+                <a:schemeClr val="accent1"/>
+              </a:fillRef>
+              <a:effectRef idx="0">
+                <a:schemeClr val="accent1"/>
+              </a:effectRef>
+              <a:fontRef idx="minor">
+                <a:schemeClr val="lt1"/>
+              </a:fontRef>
+            </p:style>
+            <p:txBody>
+              <a:bodyPr rtlCol="0" anchor="ctr"/>
+              <a:lstStyle/>
+              <a:p>
+                <a:pPr algn="ctr"/>
+                <a:endParaRPr lang="ko-KR" altLang="en-US">
+                  <a:solidFill>
+                    <a:prstClr val="white"/>
+                  </a:solidFill>
+                </a:endParaRPr>
+              </a:p>
+            </p:txBody>
+          </p:sp>
+          <p:sp>
+            <p:nvSpPr>
+              <p:cNvPr id="4" name="타원 3"/>
+              <p:cNvSpPr/>
+              <p:nvPr/>
+            </p:nvSpPr>
+            <p:spPr>
+              <a:xfrm>
+                <a:off x="407259" y="341944"/>
+                <a:ext cx="361143" cy="361143"/>
+              </a:xfrm>
+              <a:prstGeom prst="ellipse">
+                <a:avLst/>
+              </a:prstGeom>
+              <a:solidFill>
+                <a:srgbClr val="2CE1B3">
+                  <a:alpha val="10000"/>
+                </a:srgbClr>
+              </a:solidFill>
+              <a:ln>
+                <a:solidFill>
+                  <a:srgbClr val="2CE1B3">
+                    <a:alpha val="30000"/>
+                  </a:srgbClr>
+                </a:solidFill>
+              </a:ln>
+            </p:spPr>
+            <p:style>
+              <a:lnRef idx="2">
+                <a:schemeClr val="accent1">
+                  <a:shade val="50000"/>
+                </a:schemeClr>
+              </a:lnRef>
+              <a:fillRef idx="1">
+                <a:schemeClr val="accent1"/>
+              </a:fillRef>
+              <a:effectRef idx="0">
+                <a:schemeClr val="accent1"/>
+              </a:effectRef>
+              <a:fontRef idx="minor">
+                <a:schemeClr val="lt1"/>
+              </a:fontRef>
+            </p:style>
+            <p:txBody>
+              <a:bodyPr rtlCol="0" anchor="ctr"/>
+              <a:lstStyle/>
+              <a:p>
+                <a:pPr algn="ctr"/>
+                <a:endParaRPr lang="ko-KR" altLang="en-US">
+                  <a:solidFill>
+                    <a:prstClr val="white"/>
+                  </a:solidFill>
+                </a:endParaRPr>
+              </a:p>
+            </p:txBody>
+          </p:sp>
+          <p:sp>
+            <p:nvSpPr>
+              <p:cNvPr id="5" name="타원 4"/>
+              <p:cNvSpPr/>
+              <p:nvPr/>
+            </p:nvSpPr>
+            <p:spPr>
+              <a:xfrm>
+                <a:off x="484521" y="419206"/>
+                <a:ext cx="206618" cy="206618"/>
+              </a:xfrm>
+              <a:prstGeom prst="ellipse">
+                <a:avLst/>
+              </a:prstGeom>
+              <a:solidFill>
+                <a:srgbClr val="2CE1B3">
+                  <a:alpha val="10000"/>
+                </a:srgbClr>
+              </a:solidFill>
+              <a:ln>
+                <a:solidFill>
+                  <a:srgbClr val="2CE1B3">
+                    <a:alpha val="30000"/>
+                  </a:srgbClr>
+                </a:solidFill>
+              </a:ln>
+            </p:spPr>
+            <p:style>
+              <a:lnRef idx="2">
+                <a:schemeClr val="accent1">
+                  <a:shade val="50000"/>
+                </a:schemeClr>
+              </a:lnRef>
+              <a:fillRef idx="1">
+                <a:schemeClr val="accent1"/>
+              </a:fillRef>
+              <a:effectRef idx="0">
+                <a:schemeClr val="accent1"/>
+              </a:effectRef>
+              <a:fontRef idx="minor">
+                <a:schemeClr val="lt1"/>
+              </a:fontRef>
+            </p:style>
+            <p:txBody>
+              <a:bodyPr rtlCol="0" anchor="ctr"/>
+              <a:lstStyle/>
+              <a:p>
+                <a:pPr algn="ctr"/>
+                <a:endParaRPr lang="ko-KR" altLang="en-US">
+                  <a:solidFill>
+                    <a:prstClr val="white"/>
+                  </a:solidFill>
+                </a:endParaRPr>
+              </a:p>
+            </p:txBody>
+          </p:sp>
+          <p:sp>
+            <p:nvSpPr>
+              <p:cNvPr id="6" name="타원 5"/>
+              <p:cNvSpPr/>
+              <p:nvPr/>
+            </p:nvSpPr>
+            <p:spPr>
+              <a:xfrm>
+                <a:off x="555825" y="490510"/>
+                <a:ext cx="64010" cy="64010"/>
+              </a:xfrm>
+              <a:prstGeom prst="ellipse">
+                <a:avLst/>
+              </a:prstGeom>
+              <a:solidFill>
+                <a:srgbClr val="2CE1B3"/>
+              </a:solidFill>
+              <a:ln w="15875">
+                <a:solidFill>
+                  <a:schemeClr val="bg1"/>
+                </a:solidFill>
+              </a:ln>
+            </p:spPr>
+            <p:style>
+              <a:lnRef idx="2">
+                <a:schemeClr val="accent1">
+                  <a:shade val="50000"/>
+                </a:schemeClr>
+              </a:lnRef>
+              <a:fillRef idx="1">
+                <a:schemeClr val="accent1"/>
+              </a:fillRef>
+              <a:effectRef idx="0">
+                <a:schemeClr val="accent1"/>
+              </a:effectRef>
+              <a:fontRef idx="minor">
+                <a:schemeClr val="lt1"/>
+              </a:fontRef>
+            </p:style>
+            <p:txBody>
+              <a:bodyPr rtlCol="0" anchor="ctr"/>
+              <a:lstStyle/>
+              <a:p>
+                <a:pPr algn="ctr"/>
+                <a:endParaRPr lang="ko-KR" altLang="en-US">
+                  <a:solidFill>
+                    <a:prstClr val="white"/>
+                  </a:solidFill>
+                </a:endParaRPr>
+              </a:p>
+            </p:txBody>
+          </p:sp>
+        </p:grpSp>
+        <p:sp>
+          <p:nvSpPr>
+            <p:cNvPr id="11" name="모서리가 둥근 직사각형 10"/>
+            <p:cNvSpPr/>
+            <p:nvPr/>
+          </p:nvSpPr>
+          <p:spPr>
+            <a:xfrm rot="18900000">
+              <a:off x="941814" y="350849"/>
+              <a:ext cx="148889" cy="148889"/>
+            </a:xfrm>
+            <a:prstGeom prst="roundRect">
+              <a:avLst/>
+            </a:prstGeom>
+            <a:solidFill>
+              <a:srgbClr val="232C4B"/>
+            </a:solidFill>
+            <a:ln>
+              <a:noFill/>
+            </a:ln>
+            <a:effectLst>
+              <a:outerShdw blurRad="381000" dist="63500" dir="18000000" algn="tl" rotWithShape="0">
+                <a:prstClr val="black">
+                  <a:alpha val="15000"/>
+                </a:prstClr>
+              </a:outerShdw>
+            </a:effectLst>
+          </p:spPr>
+          <p:style>
+            <a:lnRef idx="2">
+              <a:schemeClr val="accent1">
+                <a:shade val="50000"/>
+              </a:schemeClr>
+            </a:lnRef>
+            <a:fillRef idx="1">
+              <a:schemeClr val="accent1"/>
+            </a:fillRef>
+            <a:effectRef idx="0">
+              <a:schemeClr val="accent1"/>
+            </a:effectRef>
+            <a:fontRef idx="minor">
+              <a:schemeClr val="lt1"/>
+            </a:fontRef>
+          </p:style>
+          <p:txBody>
+            <a:bodyPr rtlCol="0" anchor="ctr"/>
+            <a:lstStyle/>
+            <a:p>
+              <a:pPr marL="176213" latinLnBrk="0">
+                <a:tabLst>
+                  <a:tab pos="1076325" algn="l"/>
+                  <a:tab pos="1162050" algn="l"/>
+                </a:tabLst>
+                <a:defRPr/>
+              </a:pPr>
+              <a:endParaRPr lang="ko-KR" altLang="en-US" sz="1600" kern="0" dirty="0">
+                <a:solidFill>
+                  <a:prstClr val="white"/>
+                </a:solidFill>
+              </a:endParaRPr>
+            </a:p>
+          </p:txBody>
+        </p:sp>
+        <p:grpSp>
+          <p:nvGrpSpPr>
+            <p:cNvPr id="18" name="그룹 17"/>
+            <p:cNvGrpSpPr/>
+            <p:nvPr/>
+          </p:nvGrpSpPr>
+          <p:grpSpPr>
+            <a:xfrm>
+              <a:off x="11658018" y="281380"/>
+              <a:ext cx="287823" cy="287823"/>
+              <a:chOff x="949078" y="1186255"/>
+              <a:chExt cx="287823" cy="287823"/>
+            </a:xfrm>
+          </p:grpSpPr>
+          <p:sp>
+            <p:nvSpPr>
+              <p:cNvPr id="14" name="타원 13"/>
+              <p:cNvSpPr/>
+              <p:nvPr/>
+            </p:nvSpPr>
+            <p:spPr>
+              <a:xfrm>
+                <a:off x="949078" y="1186255"/>
+                <a:ext cx="287823" cy="287823"/>
+              </a:xfrm>
+              <a:prstGeom prst="ellipse">
+                <a:avLst/>
+              </a:prstGeom>
+              <a:solidFill>
+                <a:srgbClr val="2CE1B3">
+                  <a:alpha val="5000"/>
+                </a:srgbClr>
+              </a:solidFill>
+              <a:ln>
+                <a:solidFill>
+                  <a:srgbClr val="2CE1B3">
+                    <a:alpha val="30000"/>
+                  </a:srgbClr>
+                </a:solidFill>
+              </a:ln>
+            </p:spPr>
+            <p:style>
+              <a:lnRef idx="2">
+                <a:schemeClr val="accent1">
+                  <a:shade val="50000"/>
+                </a:schemeClr>
+              </a:lnRef>
+              <a:fillRef idx="1">
+                <a:schemeClr val="accent1"/>
+              </a:fillRef>
+              <a:effectRef idx="0">
+                <a:schemeClr val="accent1"/>
+              </a:effectRef>
+              <a:fontRef idx="minor">
+                <a:schemeClr val="lt1"/>
+              </a:fontRef>
+            </p:style>
+            <p:txBody>
+              <a:bodyPr rtlCol="0" anchor="ctr"/>
+              <a:lstStyle/>
+              <a:p>
+                <a:pPr algn="ctr"/>
+                <a:endParaRPr lang="ko-KR" altLang="en-US">
+                  <a:solidFill>
+                    <a:prstClr val="white"/>
+                  </a:solidFill>
+                </a:endParaRPr>
+              </a:p>
+            </p:txBody>
+          </p:sp>
+          <p:sp>
+            <p:nvSpPr>
+              <p:cNvPr id="16" name="타원 15"/>
+              <p:cNvSpPr/>
+              <p:nvPr/>
+            </p:nvSpPr>
+            <p:spPr>
+              <a:xfrm>
+                <a:off x="1060589" y="1297766"/>
+                <a:ext cx="64800" cy="64800"/>
+              </a:xfrm>
+              <a:prstGeom prst="ellipse">
+                <a:avLst/>
+              </a:prstGeom>
+              <a:solidFill>
+                <a:srgbClr val="FF0000"/>
+              </a:solidFill>
+              <a:ln w="12700">
+                <a:solidFill>
+                  <a:schemeClr val="bg1"/>
+                </a:solidFill>
+              </a:ln>
+            </p:spPr>
+            <p:style>
+              <a:lnRef idx="2">
+                <a:schemeClr val="accent1">
+                  <a:shade val="50000"/>
+                </a:schemeClr>
+              </a:lnRef>
+              <a:fillRef idx="1">
+                <a:schemeClr val="accent1"/>
+              </a:fillRef>
+              <a:effectRef idx="0">
+                <a:schemeClr val="accent1"/>
+              </a:effectRef>
+              <a:fontRef idx="minor">
+                <a:schemeClr val="lt1"/>
+              </a:fontRef>
+            </p:style>
+            <p:txBody>
+              <a:bodyPr rtlCol="0" anchor="ctr"/>
+              <a:lstStyle/>
+              <a:p>
+                <a:pPr algn="ctr"/>
+                <a:endParaRPr lang="ko-KR" altLang="en-US">
+                  <a:solidFill>
+                    <a:prstClr val="white"/>
+                  </a:solidFill>
+                </a:endParaRPr>
+              </a:p>
+            </p:txBody>
+          </p:sp>
+        </p:grpSp>
+        <p:grpSp>
+          <p:nvGrpSpPr>
+            <p:cNvPr id="19" name="그룹 18"/>
+            <p:cNvGrpSpPr/>
+            <p:nvPr/>
+          </p:nvGrpSpPr>
+          <p:grpSpPr>
+            <a:xfrm>
+              <a:off x="11658018" y="6453580"/>
+              <a:ext cx="287823" cy="287823"/>
+              <a:chOff x="949078" y="1186255"/>
+              <a:chExt cx="287823" cy="287823"/>
+            </a:xfrm>
+          </p:grpSpPr>
+          <p:sp>
+            <p:nvSpPr>
+              <p:cNvPr id="20" name="타원 19"/>
+              <p:cNvSpPr/>
+              <p:nvPr/>
+            </p:nvSpPr>
+            <p:spPr>
+              <a:xfrm>
+                <a:off x="949078" y="1186255"/>
+                <a:ext cx="287823" cy="287823"/>
+              </a:xfrm>
+              <a:prstGeom prst="ellipse">
+                <a:avLst/>
+              </a:prstGeom>
+              <a:solidFill>
+                <a:srgbClr val="2CE1B3">
+                  <a:alpha val="5000"/>
+                </a:srgbClr>
+              </a:solidFill>
+              <a:ln>
+                <a:solidFill>
+                  <a:srgbClr val="2CE1B3">
+                    <a:alpha val="30000"/>
+                  </a:srgbClr>
+                </a:solidFill>
+              </a:ln>
+            </p:spPr>
+            <p:style>
+              <a:lnRef idx="2">
+                <a:schemeClr val="accent1">
+                  <a:shade val="50000"/>
+                </a:schemeClr>
+              </a:lnRef>
+              <a:fillRef idx="1">
+                <a:schemeClr val="accent1"/>
+              </a:fillRef>
+              <a:effectRef idx="0">
+                <a:schemeClr val="accent1"/>
+              </a:effectRef>
+              <a:fontRef idx="minor">
+                <a:schemeClr val="lt1"/>
+              </a:fontRef>
+            </p:style>
+            <p:txBody>
+              <a:bodyPr rtlCol="0" anchor="ctr"/>
+              <a:lstStyle/>
+              <a:p>
+                <a:pPr algn="ctr"/>
+                <a:endParaRPr lang="ko-KR" altLang="en-US">
+                  <a:solidFill>
+                    <a:prstClr val="white"/>
+                  </a:solidFill>
+                </a:endParaRPr>
+              </a:p>
+            </p:txBody>
+          </p:sp>
+          <p:sp>
+            <p:nvSpPr>
+              <p:cNvPr id="21" name="타원 20"/>
+              <p:cNvSpPr/>
+              <p:nvPr/>
+            </p:nvSpPr>
+            <p:spPr>
+              <a:xfrm>
+                <a:off x="1060589" y="1297766"/>
+                <a:ext cx="64800" cy="64800"/>
+              </a:xfrm>
+              <a:prstGeom prst="ellipse">
+                <a:avLst/>
+              </a:prstGeom>
+              <a:solidFill>
+                <a:schemeClr val="bg2">
+                  <a:lumMod val="50000"/>
+                </a:schemeClr>
+              </a:solidFill>
+              <a:ln w="12700">
+                <a:solidFill>
+                  <a:schemeClr val="bg1"/>
+                </a:solidFill>
+              </a:ln>
+            </p:spPr>
+            <p:style>
+              <a:lnRef idx="2">
+                <a:schemeClr val="accent1">
+                  <a:shade val="50000"/>
+                </a:schemeClr>
+              </a:lnRef>
+              <a:fillRef idx="1">
+                <a:schemeClr val="accent1"/>
+              </a:fillRef>
+              <a:effectRef idx="0">
+                <a:schemeClr val="accent1"/>
+              </a:effectRef>
+              <a:fontRef idx="minor">
+                <a:schemeClr val="lt1"/>
+              </a:fontRef>
+            </p:style>
+            <p:txBody>
+              <a:bodyPr rtlCol="0" anchor="ctr"/>
+              <a:lstStyle/>
+              <a:p>
+                <a:pPr algn="ctr"/>
+                <a:endParaRPr lang="ko-KR" altLang="en-US">
+                  <a:solidFill>
+                    <a:prstClr val="white"/>
+                  </a:solidFill>
+                </a:endParaRPr>
+              </a:p>
+            </p:txBody>
+          </p:sp>
+        </p:grpSp>
+        <p:grpSp>
+          <p:nvGrpSpPr>
+            <p:cNvPr id="22" name="그룹 21"/>
+            <p:cNvGrpSpPr/>
+            <p:nvPr/>
+          </p:nvGrpSpPr>
+          <p:grpSpPr>
+            <a:xfrm>
+              <a:off x="253418" y="6453580"/>
+              <a:ext cx="287823" cy="287823"/>
+              <a:chOff x="949078" y="1186255"/>
+              <a:chExt cx="287823" cy="287823"/>
+            </a:xfrm>
+          </p:grpSpPr>
+          <p:sp>
+            <p:nvSpPr>
+              <p:cNvPr id="23" name="타원 22"/>
+              <p:cNvSpPr/>
+              <p:nvPr/>
+            </p:nvSpPr>
+            <p:spPr>
+              <a:xfrm>
+                <a:off x="949078" y="1186255"/>
+                <a:ext cx="287823" cy="287823"/>
+              </a:xfrm>
+              <a:prstGeom prst="ellipse">
+                <a:avLst/>
+              </a:prstGeom>
+              <a:solidFill>
+                <a:srgbClr val="2CE1B3">
+                  <a:alpha val="5000"/>
+                </a:srgbClr>
+              </a:solidFill>
+              <a:ln>
+                <a:solidFill>
+                  <a:srgbClr val="2CE1B3">
+                    <a:alpha val="30000"/>
+                  </a:srgbClr>
+                </a:solidFill>
+              </a:ln>
+            </p:spPr>
+            <p:style>
+              <a:lnRef idx="2">
+                <a:schemeClr val="accent1">
+                  <a:shade val="50000"/>
+                </a:schemeClr>
+              </a:lnRef>
+              <a:fillRef idx="1">
+                <a:schemeClr val="accent1"/>
+              </a:fillRef>
+              <a:effectRef idx="0">
+                <a:schemeClr val="accent1"/>
+              </a:effectRef>
+              <a:fontRef idx="minor">
+                <a:schemeClr val="lt1"/>
+              </a:fontRef>
+            </p:style>
+            <p:txBody>
+              <a:bodyPr rtlCol="0" anchor="ctr"/>
+              <a:lstStyle/>
+              <a:p>
+                <a:pPr algn="ctr"/>
+                <a:endParaRPr lang="ko-KR" altLang="en-US">
+                  <a:solidFill>
+                    <a:prstClr val="white"/>
+                  </a:solidFill>
+                </a:endParaRPr>
+              </a:p>
+            </p:txBody>
+          </p:sp>
+          <p:sp>
+            <p:nvSpPr>
+              <p:cNvPr id="24" name="타원 23"/>
+              <p:cNvSpPr/>
+              <p:nvPr/>
+            </p:nvSpPr>
+            <p:spPr>
+              <a:xfrm>
+                <a:off x="1060589" y="1297766"/>
+                <a:ext cx="64800" cy="64800"/>
+              </a:xfrm>
+              <a:prstGeom prst="ellipse">
+                <a:avLst/>
+              </a:prstGeom>
+              <a:solidFill>
+                <a:schemeClr val="bg2">
+                  <a:lumMod val="50000"/>
+                </a:schemeClr>
+              </a:solidFill>
+              <a:ln w="12700">
+                <a:solidFill>
+                  <a:schemeClr val="bg1"/>
+                </a:solidFill>
+              </a:ln>
+            </p:spPr>
+            <p:style>
+              <a:lnRef idx="2">
+                <a:schemeClr val="accent1">
+                  <a:shade val="50000"/>
+                </a:schemeClr>
+              </a:lnRef>
+              <a:fillRef idx="1">
+                <a:schemeClr val="accent1"/>
+              </a:fillRef>
+              <a:effectRef idx="0">
+                <a:schemeClr val="accent1"/>
+              </a:effectRef>
+              <a:fontRef idx="minor">
+                <a:schemeClr val="lt1"/>
+              </a:fontRef>
+            </p:style>
+            <p:txBody>
+              <a:bodyPr rtlCol="0" anchor="ctr"/>
+              <a:lstStyle/>
+              <a:p>
+                <a:pPr algn="ctr"/>
+                <a:endParaRPr lang="ko-KR" altLang="en-US">
+                  <a:solidFill>
+                    <a:prstClr val="white"/>
+                  </a:solidFill>
+                </a:endParaRPr>
+              </a:p>
+            </p:txBody>
+          </p:sp>
+        </p:grpSp>
+      </p:grpSp>
       <p:sp>
         <p:nvSpPr>
-          <p:cNvPr id="45" name="원호 44">
+          <p:cNvPr id="2" name="모서리가 둥근 직사각형 9">
             <a:extLst>
               <a:ext uri="{FF2B5EF4-FFF2-40B4-BE49-F238E27FC236}">
-                <a16:creationId xmlns:a16="http://schemas.microsoft.com/office/drawing/2014/main" id="{27F1C42B-1A25-45F3-1AA4-8C622640C72F}"/>
+                <a16:creationId xmlns:a16="http://schemas.microsoft.com/office/drawing/2014/main" id="{6A556C60-4AC1-BCCD-BBCC-82E6A8227D26}"/>
               </a:ext>
             </a:extLst>
           </p:cNvPr>
@@ -8407,219 +11976,23 @@
         </p:nvSpPr>
         <p:spPr>
           <a:xfrm>
-            <a:off x="4822823" y="1749499"/>
-            <a:ext cx="2453932" cy="2453932"/>
+            <a:off x="1016259" y="124874"/>
+            <a:ext cx="4326418" cy="600837"/>
           </a:xfrm>
-          <a:prstGeom prst="arc">
-            <a:avLst>
-              <a:gd name="adj1" fmla="val 5384123"/>
-              <a:gd name="adj2" fmla="val 8713473"/>
-            </a:avLst>
-          </a:prstGeom>
-          <a:noFill/>
-          <a:ln w="19050">
-            <a:solidFill>
-              <a:srgbClr val="2CE2E2"/>
-            </a:solidFill>
-            <a:prstDash val="dash"/>
-            <a:tailEnd type="none"/>
-          </a:ln>
-          <a:effectLst/>
-        </p:spPr>
-        <p:style>
-          <a:lnRef idx="2">
-            <a:schemeClr val="accent1">
-              <a:shade val="50000"/>
-            </a:schemeClr>
-          </a:lnRef>
-          <a:fillRef idx="1">
-            <a:schemeClr val="accent1"/>
-          </a:fillRef>
-          <a:effectRef idx="0">
-            <a:schemeClr val="accent1"/>
-          </a:effectRef>
-          <a:fontRef idx="minor">
-            <a:schemeClr val="lt1"/>
-          </a:fontRef>
-        </p:style>
-        <p:txBody>
-          <a:bodyPr rtlCol="0" anchor="ctr"/>
-          <a:lstStyle/>
-          <a:p>
-            <a:pPr algn="ctr">
-              <a:defRPr/>
-            </a:pPr>
-            <a:endParaRPr lang="ko-KR" altLang="en-US" sz="2400">
-              <a:solidFill>
-                <a:prstClr val="white"/>
-              </a:solidFill>
-            </a:endParaRPr>
-          </a:p>
-        </p:txBody>
-      </p:sp>
-      <p:sp>
-        <p:nvSpPr>
-          <p:cNvPr id="46" name="원호 45">
-            <a:extLst>
-              <a:ext uri="{FF2B5EF4-FFF2-40B4-BE49-F238E27FC236}">
-                <a16:creationId xmlns:a16="http://schemas.microsoft.com/office/drawing/2014/main" id="{9664D763-F13A-43BE-252D-917A4E24957D}"/>
-              </a:ext>
-            </a:extLst>
-          </p:cNvPr>
-          <p:cNvSpPr/>
-          <p:nvPr/>
-        </p:nvSpPr>
-        <p:spPr>
-          <a:xfrm>
-            <a:off x="4822823" y="1749499"/>
-            <a:ext cx="2453932" cy="2453932"/>
-          </a:xfrm>
-          <a:prstGeom prst="arc">
-            <a:avLst>
-              <a:gd name="adj1" fmla="val 21587805"/>
-              <a:gd name="adj2" fmla="val 5385223"/>
-            </a:avLst>
-          </a:prstGeom>
-          <a:noFill/>
-          <a:ln w="19050">
-            <a:solidFill>
-              <a:srgbClr val="2CE2E2"/>
-            </a:solidFill>
-            <a:prstDash val="solid"/>
-            <a:tailEnd type="none"/>
-          </a:ln>
-          <a:effectLst/>
-        </p:spPr>
-        <p:style>
-          <a:lnRef idx="2">
-            <a:schemeClr val="accent1">
-              <a:shade val="50000"/>
-            </a:schemeClr>
-          </a:lnRef>
-          <a:fillRef idx="1">
-            <a:schemeClr val="accent1"/>
-          </a:fillRef>
-          <a:effectRef idx="0">
-            <a:schemeClr val="accent1"/>
-          </a:effectRef>
-          <a:fontRef idx="minor">
-            <a:schemeClr val="lt1"/>
-          </a:fontRef>
-        </p:style>
-        <p:txBody>
-          <a:bodyPr rtlCol="0" anchor="ctr"/>
-          <a:lstStyle/>
-          <a:p>
-            <a:pPr algn="ctr">
-              <a:defRPr/>
-            </a:pPr>
-            <a:endParaRPr lang="ko-KR" altLang="en-US" sz="2400">
-              <a:solidFill>
-                <a:prstClr val="white"/>
-              </a:solidFill>
-            </a:endParaRPr>
-          </a:p>
-        </p:txBody>
-      </p:sp>
-      <p:sp>
-        <p:nvSpPr>
-          <p:cNvPr id="63" name="원호 62">
-            <a:extLst>
-              <a:ext uri="{FF2B5EF4-FFF2-40B4-BE49-F238E27FC236}">
-                <a16:creationId xmlns:a16="http://schemas.microsoft.com/office/drawing/2014/main" id="{060C539C-959D-BBF7-800C-6A0F78B17722}"/>
-              </a:ext>
-            </a:extLst>
-          </p:cNvPr>
-          <p:cNvSpPr/>
-          <p:nvPr/>
-        </p:nvSpPr>
-        <p:spPr>
-          <a:xfrm>
-            <a:off x="7276755" y="1749499"/>
-            <a:ext cx="2453932" cy="2453932"/>
-          </a:xfrm>
-          <a:prstGeom prst="arc">
-            <a:avLst>
-              <a:gd name="adj1" fmla="val 10785125"/>
-              <a:gd name="adj2" fmla="val 16222424"/>
-            </a:avLst>
-          </a:prstGeom>
-          <a:noFill/>
-          <a:ln w="19050">
-            <a:solidFill>
-              <a:srgbClr val="2CE2E2"/>
-            </a:solidFill>
-            <a:prstDash val="solid"/>
-            <a:tailEnd type="triangle" w="lg" len="med"/>
-          </a:ln>
-          <a:effectLst/>
-        </p:spPr>
-        <p:style>
-          <a:lnRef idx="2">
-            <a:schemeClr val="accent1">
-              <a:shade val="50000"/>
-            </a:schemeClr>
-          </a:lnRef>
-          <a:fillRef idx="1">
-            <a:schemeClr val="accent1"/>
-          </a:fillRef>
-          <a:effectRef idx="0">
-            <a:schemeClr val="accent1"/>
-          </a:effectRef>
-          <a:fontRef idx="minor">
-            <a:schemeClr val="lt1"/>
-          </a:fontRef>
-        </p:style>
-        <p:txBody>
-          <a:bodyPr rtlCol="0" anchor="ctr"/>
-          <a:lstStyle/>
-          <a:p>
-            <a:pPr algn="ctr">
-              <a:defRPr/>
-            </a:pPr>
-            <a:endParaRPr lang="ko-KR" altLang="en-US" sz="2400">
-              <a:solidFill>
-                <a:prstClr val="white"/>
-              </a:solidFill>
-            </a:endParaRPr>
-          </a:p>
-        </p:txBody>
-      </p:sp>
-      <p:sp>
-        <p:nvSpPr>
-          <p:cNvPr id="64" name="타원 63">
-            <a:extLst>
-              <a:ext uri="{FF2B5EF4-FFF2-40B4-BE49-F238E27FC236}">
-                <a16:creationId xmlns:a16="http://schemas.microsoft.com/office/drawing/2014/main" id="{0BEF3A09-4201-DA26-9DEA-EBDC9B6AE30E}"/>
-              </a:ext>
-            </a:extLst>
-          </p:cNvPr>
-          <p:cNvSpPr/>
-          <p:nvPr/>
-        </p:nvSpPr>
-        <p:spPr>
-          <a:xfrm>
-            <a:off x="7481580" y="1954324"/>
-            <a:ext cx="2044282" cy="2044282"/>
-          </a:xfrm>
-          <a:prstGeom prst="ellipse">
+          <a:prstGeom prst="roundRect">
             <a:avLst/>
           </a:prstGeom>
           <a:solidFill>
-            <a:schemeClr val="bg1"/>
+            <a:srgbClr val="232C4B"/>
           </a:solidFill>
           <a:ln>
-            <a:solidFill>
-              <a:schemeClr val="bg1">
-                <a:lumMod val="95000"/>
-              </a:schemeClr>
-            </a:solidFill>
+            <a:noFill/>
           </a:ln>
           <a:effectLst>
-            <a:outerShdw blurRad="190500" dist="38100" dir="5400000" algn="t" rotWithShape="0">
-              <a:srgbClr val="5660FA">
+            <a:outerShdw blurRad="381000" dist="63500" dir="2700000" algn="tl" rotWithShape="0">
+              <a:prstClr val="black">
                 <a:alpha val="15000"/>
-              </a:srgbClr>
+              </a:prstClr>
             </a:outerShdw>
           </a:effectLst>
         </p:spPr>
@@ -8643,176 +12016,604 @@
           <a:bodyPr rtlCol="0" anchor="ctr"/>
           <a:lstStyle/>
           <a:p>
-            <a:pPr algn="ctr">
+            <a:pPr marL="176213" marR="0" lvl="0" indent="0" algn="l" defTabSz="914400" rtl="0" eaLnBrk="1" fontAlgn="auto" latinLnBrk="0" hangingPunct="1">
+              <a:lnSpc>
+                <a:spcPct val="100000"/>
+              </a:lnSpc>
+              <a:spcBef>
+                <a:spcPts val="0"/>
+              </a:spcBef>
+              <a:spcAft>
+                <a:spcPts val="0"/>
+              </a:spcAft>
+              <a:buClrTx/>
+              <a:buSzTx/>
+              <a:buFontTx/>
+              <a:buNone/>
+              <a:tabLst>
+                <a:tab pos="1076325" algn="l"/>
+                <a:tab pos="1162050" algn="l"/>
+              </a:tabLst>
               <a:defRPr/>
             </a:pPr>
             <a:r>
-              <a:rPr lang="en-US" altLang="ko-KR" sz="800" dirty="0">
-                <a:solidFill>
-                  <a:prstClr val="black">
-                    <a:lumMod val="75000"/>
-                    <a:lumOff val="25000"/>
-                  </a:prstClr>
-                </a:solidFill>
-                <a:cs typeface="Aharoni" panose="02010803020104030203" pitchFamily="2" charset="-79"/>
+              <a:rPr kumimoji="0" lang="en-US" altLang="ko-KR" sz="2400" b="0" i="1" u="none" strike="noStrike" kern="0" cap="none" spc="0" normalizeH="0" baseline="0" noProof="0">
+                <a:ln w="9525">
+                  <a:noFill/>
+                </a:ln>
+                <a:solidFill>
+                  <a:prstClr val="white"/>
+                </a:solidFill>
+                <a:effectLst/>
+                <a:uLnTx/>
+                <a:uFillTx/>
+                <a:latin typeface="Tmon몬소리 Black" panose="02000A03000000000000" pitchFamily="2" charset="-127"/>
+                <a:ea typeface="Tmon몬소리 Black" panose="02000A03000000000000" pitchFamily="2" charset="-127"/>
+                <a:cs typeface="+mn-cs"/>
               </a:rPr>
-              <a:t>CONTENTS A</a:t>
-            </a:r>
-          </a:p>
-          <a:p>
-            <a:pPr algn="ctr">
-              <a:defRPr/>
-            </a:pPr>
-            <a:r>
-              <a:rPr lang="en-US" altLang="ko-KR" sz="3200" b="1" dirty="0">
-                <a:solidFill>
-                  <a:prstClr val="black">
-                    <a:lumMod val="75000"/>
-                    <a:lumOff val="25000"/>
-                  </a:prstClr>
-                </a:solidFill>
-                <a:cs typeface="Aharoni" panose="02010803020104030203" pitchFamily="2" charset="-79"/>
-              </a:rPr>
-              <a:t>25</a:t>
+              <a:t>AI</a:t>
             </a:r>
             <a:r>
-              <a:rPr lang="en-US" altLang="ko-KR" sz="1400" dirty="0">
-                <a:solidFill>
-                  <a:prstClr val="black">
-                    <a:lumMod val="75000"/>
-                    <a:lumOff val="25000"/>
-                  </a:prstClr>
-                </a:solidFill>
-                <a:cs typeface="Aharoni" panose="02010803020104030203" pitchFamily="2" charset="-79"/>
+              <a:rPr kumimoji="0" lang="ko-KR" altLang="en-US" sz="2400" b="0" i="1" u="none" strike="noStrike" kern="0" cap="none" spc="0" normalizeH="0" baseline="0" noProof="0">
+                <a:ln w="9525">
+                  <a:noFill/>
+                </a:ln>
+                <a:solidFill>
+                  <a:prstClr val="white"/>
+                </a:solidFill>
+                <a:effectLst/>
+                <a:uLnTx/>
+                <a:uFillTx/>
+                <a:latin typeface="Tmon몬소리 Black" panose="02000A03000000000000" pitchFamily="2" charset="-127"/>
+                <a:ea typeface="Tmon몬소리 Black" panose="02000A03000000000000" pitchFamily="2" charset="-127"/>
+                <a:cs typeface="+mn-cs"/>
               </a:rPr>
-              <a:t>%</a:t>
+              <a:t>비전응용 </a:t>
             </a:r>
-            <a:endParaRPr lang="en-US" altLang="ko-KR" sz="500" b="1" dirty="0">
-              <a:solidFill>
-                <a:prstClr val="black">
-                  <a:lumMod val="75000"/>
-                  <a:lumOff val="25000"/>
-                </a:prstClr>
-              </a:solidFill>
-              <a:cs typeface="Aharoni" panose="02010803020104030203" pitchFamily="2" charset="-79"/>
+            <a:r>
+              <a:rPr kumimoji="0" lang="en-US" altLang="ko-KR" sz="1100" b="0" i="0" u="none" strike="noStrike" kern="0" cap="none" spc="0" normalizeH="0" baseline="0" noProof="0">
+                <a:ln>
+                  <a:noFill/>
+                </a:ln>
+                <a:solidFill>
+                  <a:prstClr val="white"/>
+                </a:solidFill>
+                <a:effectLst/>
+                <a:uLnTx/>
+                <a:uFillTx/>
+                <a:latin typeface="맑은 고딕" panose="020F0502020204030204"/>
+                <a:ea typeface="맑은 고딕" panose="020B0503020000020004" pitchFamily="50" charset="-127"/>
+                <a:cs typeface="+mn-cs"/>
+              </a:rPr>
+              <a:t>Team meeting with processor</a:t>
+            </a:r>
+            <a:endParaRPr kumimoji="0" lang="ko-KR" altLang="en-US" sz="3200" b="0" i="0" u="none" strike="noStrike" kern="0" cap="none" spc="0" normalizeH="0" baseline="0" noProof="0" dirty="0">
+              <a:ln>
+                <a:noFill/>
+              </a:ln>
+              <a:solidFill>
+                <a:prstClr val="white"/>
+              </a:solidFill>
+              <a:effectLst/>
+              <a:uLnTx/>
+              <a:uFillTx/>
+              <a:latin typeface="맑은 고딕" panose="020F0502020204030204"/>
+              <a:ea typeface="맑은 고딕" panose="020B0503020000020004" pitchFamily="50" charset="-127"/>
+              <a:cs typeface="+mn-cs"/>
             </a:endParaRPr>
           </a:p>
         </p:txBody>
       </p:sp>
-      <p:sp>
-        <p:nvSpPr>
-          <p:cNvPr id="65" name="원호 64">
+      <p:pic>
+        <p:nvPicPr>
+          <p:cNvPr id="12" name="그림 11" descr="텍스트, 음식, 실내이(가) 표시된 사진&#10;&#10;자동 생성된 설명">
             <a:extLst>
               <a:ext uri="{FF2B5EF4-FFF2-40B4-BE49-F238E27FC236}">
-                <a16:creationId xmlns:a16="http://schemas.microsoft.com/office/drawing/2014/main" id="{37F0CF71-E2A0-B28F-E575-700F0CFA7BE9}"/>
+                <a16:creationId xmlns:a16="http://schemas.microsoft.com/office/drawing/2014/main" id="{B3A12CE0-84E0-510E-288E-54DB1354E293}"/>
               </a:ext>
             </a:extLst>
           </p:cNvPr>
-          <p:cNvSpPr/>
+          <p:cNvPicPr>
+            <a:picLocks noChangeAspect="1"/>
+          </p:cNvPicPr>
           <p:nvPr/>
-        </p:nvSpPr>
+        </p:nvPicPr>
+        <p:blipFill>
+          <a:blip r:embed="rId2">
+            <a:extLst>
+              <a:ext uri="{28A0092B-C50C-407E-A947-70E740481C1C}">
+                <a14:useLocalDpi xmlns:a14="http://schemas.microsoft.com/office/drawing/2010/main" val="0"/>
+              </a:ext>
+            </a:extLst>
+          </a:blip>
+          <a:stretch>
+            <a:fillRect/>
+          </a:stretch>
+        </p:blipFill>
         <p:spPr>
           <a:xfrm>
-            <a:off x="7276755" y="1749499"/>
-            <a:ext cx="2453932" cy="2453932"/>
+            <a:off x="0" y="1112520"/>
+            <a:ext cx="12192000" cy="4632960"/>
           </a:xfrm>
-          <a:prstGeom prst="arc">
-            <a:avLst>
-              <a:gd name="adj1" fmla="val 16284385"/>
-              <a:gd name="adj2" fmla="val 5385223"/>
-            </a:avLst>
+          <a:prstGeom prst="rect">
+            <a:avLst/>
           </a:prstGeom>
-          <a:noFill/>
-          <a:ln w="19050">
-            <a:solidFill>
-              <a:srgbClr val="2CE2E2"/>
-            </a:solidFill>
-            <a:prstDash val="dash"/>
-            <a:tailEnd type="none"/>
-          </a:ln>
-          <a:effectLst/>
         </p:spPr>
-        <p:style>
-          <a:lnRef idx="2">
-            <a:schemeClr val="accent1">
-              <a:shade val="50000"/>
-            </a:schemeClr>
-          </a:lnRef>
-          <a:fillRef idx="1">
-            <a:schemeClr val="accent1"/>
-          </a:fillRef>
-          <a:effectRef idx="0">
-            <a:schemeClr val="accent1"/>
-          </a:effectRef>
-          <a:fontRef idx="minor">
-            <a:schemeClr val="lt1"/>
-          </a:fontRef>
-        </p:style>
-        <p:txBody>
-          <a:bodyPr rtlCol="0" anchor="ctr"/>
-          <a:lstStyle/>
-          <a:p>
-            <a:pPr algn="ctr">
-              <a:defRPr/>
-            </a:pPr>
-            <a:endParaRPr lang="ko-KR" altLang="en-US" sz="2400">
-              <a:solidFill>
-                <a:prstClr val="white"/>
-              </a:solidFill>
-            </a:endParaRPr>
-          </a:p>
-        </p:txBody>
-      </p:sp>
+      </p:pic>
+    </p:spTree>
+    <p:extLst>
+      <p:ext uri="{BB962C8B-B14F-4D97-AF65-F5344CB8AC3E}">
+        <p14:creationId xmlns:p14="http://schemas.microsoft.com/office/powerpoint/2010/main" val="856914822"/>
+      </p:ext>
+    </p:extLst>
+  </p:cSld>
+  <p:clrMapOvr>
+    <a:masterClrMapping/>
+  </p:clrMapOvr>
+</p:sld>
+</file>
+
+<file path=ppt/slides/slide9.xml><?xml version="1.0" encoding="utf-8"?>
+<p:sld xmlns:a="http://schemas.openxmlformats.org/drawingml/2006/main" xmlns:r="http://schemas.openxmlformats.org/officeDocument/2006/relationships" xmlns:p="http://schemas.openxmlformats.org/presentationml/2006/main">
+  <p:cSld>
+    <p:bg>
+      <p:bgPr>
+        <a:solidFill>
+          <a:srgbClr val="1B2540"/>
+        </a:solidFill>
+        <a:effectLst/>
+      </p:bgPr>
+    </p:bg>
+    <p:spTree>
+      <p:nvGrpSpPr>
+        <p:cNvPr id="1" name=""/>
+        <p:cNvGrpSpPr/>
+        <p:nvPr/>
+      </p:nvGrpSpPr>
+      <p:grpSpPr>
+        <a:xfrm>
+          <a:off x="0" y="0"/>
+          <a:ext cx="0" cy="0"/>
+          <a:chOff x="0" y="0"/>
+          <a:chExt cx="0" cy="0"/>
+        </a:xfrm>
+      </p:grpSpPr>
       <p:grpSp>
         <p:nvGrpSpPr>
-          <p:cNvPr id="66" name="그룹 65">
-            <a:extLst>
-              <a:ext uri="{FF2B5EF4-FFF2-40B4-BE49-F238E27FC236}">
-                <a16:creationId xmlns:a16="http://schemas.microsoft.com/office/drawing/2014/main" id="{9B2DC39C-A134-29EE-C525-A2BE26C79D38}"/>
-              </a:ext>
-            </a:extLst>
-          </p:cNvPr>
+          <p:cNvPr id="7" name="그룹 6"/>
           <p:cNvGrpSpPr/>
           <p:nvPr/>
         </p:nvGrpSpPr>
         <p:grpSpPr>
           <a:xfrm>
-            <a:off x="3486320" y="1639961"/>
-            <a:ext cx="219075" cy="219075"/>
-            <a:chOff x="8105775" y="1819275"/>
-            <a:chExt cx="219075" cy="219075"/>
+            <a:off x="136073" y="166008"/>
+            <a:ext cx="11809768" cy="6575395"/>
+            <a:chOff x="136073" y="166008"/>
+            <a:chExt cx="11809768" cy="6575395"/>
           </a:xfrm>
         </p:grpSpPr>
+        <p:cxnSp>
+          <p:nvCxnSpPr>
+            <p:cNvPr id="39" name="직선 연결선 38"/>
+            <p:cNvCxnSpPr>
+              <a:stCxn id="3" idx="6"/>
+              <a:endCxn id="16" idx="2"/>
+            </p:cNvCxnSpPr>
+            <p:nvPr/>
+          </p:nvCxnSpPr>
+          <p:spPr>
+            <a:xfrm flipV="1">
+              <a:off x="658587" y="425291"/>
+              <a:ext cx="11110942" cy="1974"/>
+            </a:xfrm>
+            <a:prstGeom prst="line">
+              <a:avLst/>
+            </a:prstGeom>
+            <a:ln>
+              <a:solidFill>
+                <a:srgbClr val="2CE2E2">
+                  <a:alpha val="50000"/>
+                </a:srgbClr>
+              </a:solidFill>
+            </a:ln>
+          </p:spPr>
+          <p:style>
+            <a:lnRef idx="1">
+              <a:schemeClr val="accent1"/>
+            </a:lnRef>
+            <a:fillRef idx="0">
+              <a:schemeClr val="accent1"/>
+            </a:fillRef>
+            <a:effectRef idx="0">
+              <a:schemeClr val="accent1"/>
+            </a:effectRef>
+            <a:fontRef idx="minor">
+              <a:schemeClr val="tx1"/>
+            </a:fontRef>
+          </p:style>
+        </p:cxnSp>
+        <p:cxnSp>
+          <p:nvCxnSpPr>
+            <p:cNvPr id="34" name="직선 연결선 33"/>
+            <p:cNvCxnSpPr>
+              <a:stCxn id="3" idx="4"/>
+              <a:endCxn id="24" idx="0"/>
+            </p:cNvCxnSpPr>
+            <p:nvPr/>
+          </p:nvCxnSpPr>
+          <p:spPr>
+            <a:xfrm flipH="1">
+              <a:off x="397329" y="688522"/>
+              <a:ext cx="1" cy="5876569"/>
+            </a:xfrm>
+            <a:prstGeom prst="line">
+              <a:avLst/>
+            </a:prstGeom>
+            <a:ln>
+              <a:solidFill>
+                <a:srgbClr val="2CE2E2">
+                  <a:alpha val="49804"/>
+                </a:srgbClr>
+              </a:solidFill>
+            </a:ln>
+          </p:spPr>
+          <p:style>
+            <a:lnRef idx="1">
+              <a:schemeClr val="accent1"/>
+            </a:lnRef>
+            <a:fillRef idx="0">
+              <a:schemeClr val="accent1"/>
+            </a:fillRef>
+            <a:effectRef idx="0">
+              <a:schemeClr val="accent1"/>
+            </a:effectRef>
+            <a:fontRef idx="minor">
+              <a:schemeClr val="tx1"/>
+            </a:fontRef>
+          </p:style>
+        </p:cxnSp>
+        <p:cxnSp>
+          <p:nvCxnSpPr>
+            <p:cNvPr id="29" name="직선 연결선 28"/>
+            <p:cNvCxnSpPr>
+              <a:stCxn id="24" idx="6"/>
+              <a:endCxn id="21" idx="2"/>
+            </p:cNvCxnSpPr>
+            <p:nvPr/>
+          </p:nvCxnSpPr>
+          <p:spPr>
+            <a:xfrm>
+              <a:off x="429729" y="6597491"/>
+              <a:ext cx="11339800" cy="0"/>
+            </a:xfrm>
+            <a:prstGeom prst="line">
+              <a:avLst/>
+            </a:prstGeom>
+            <a:ln>
+              <a:solidFill>
+                <a:srgbClr val="2CE2E2">
+                  <a:alpha val="50000"/>
+                </a:srgbClr>
+              </a:solidFill>
+            </a:ln>
+          </p:spPr>
+          <p:style>
+            <a:lnRef idx="1">
+              <a:schemeClr val="accent1"/>
+            </a:lnRef>
+            <a:fillRef idx="0">
+              <a:schemeClr val="accent1"/>
+            </a:fillRef>
+            <a:effectRef idx="0">
+              <a:schemeClr val="accent1"/>
+            </a:effectRef>
+            <a:fontRef idx="minor">
+              <a:schemeClr val="tx1"/>
+            </a:fontRef>
+          </p:style>
+        </p:cxnSp>
+        <p:cxnSp>
+          <p:nvCxnSpPr>
+            <p:cNvPr id="26" name="직선 연결선 25"/>
+            <p:cNvCxnSpPr>
+              <a:stCxn id="16" idx="4"/>
+              <a:endCxn id="21" idx="0"/>
+            </p:cNvCxnSpPr>
+            <p:nvPr/>
+          </p:nvCxnSpPr>
+          <p:spPr>
+            <a:xfrm>
+              <a:off x="11801929" y="457691"/>
+              <a:ext cx="0" cy="6107400"/>
+            </a:xfrm>
+            <a:prstGeom prst="line">
+              <a:avLst/>
+            </a:prstGeom>
+            <a:ln>
+              <a:solidFill>
+                <a:srgbClr val="2CE2E2">
+                  <a:alpha val="50000"/>
+                </a:srgbClr>
+              </a:solidFill>
+            </a:ln>
+          </p:spPr>
+          <p:style>
+            <a:lnRef idx="1">
+              <a:schemeClr val="accent1"/>
+            </a:lnRef>
+            <a:fillRef idx="0">
+              <a:schemeClr val="accent1"/>
+            </a:fillRef>
+            <a:effectRef idx="0">
+              <a:schemeClr val="accent1"/>
+            </a:effectRef>
+            <a:fontRef idx="minor">
+              <a:schemeClr val="tx1"/>
+            </a:fontRef>
+          </p:style>
+        </p:cxnSp>
+        <p:grpSp>
+          <p:nvGrpSpPr>
+            <p:cNvPr id="8" name="그룹 7"/>
+            <p:cNvGrpSpPr/>
+            <p:nvPr/>
+          </p:nvGrpSpPr>
+          <p:grpSpPr>
+            <a:xfrm>
+              <a:off x="136073" y="166008"/>
+              <a:ext cx="522514" cy="522514"/>
+              <a:chOff x="326573" y="261258"/>
+              <a:chExt cx="522514" cy="522514"/>
+            </a:xfrm>
+          </p:grpSpPr>
+          <p:sp>
+            <p:nvSpPr>
+              <p:cNvPr id="3" name="타원 2"/>
+              <p:cNvSpPr/>
+              <p:nvPr/>
+            </p:nvSpPr>
+            <p:spPr>
+              <a:xfrm>
+                <a:off x="326573" y="261258"/>
+                <a:ext cx="522514" cy="522514"/>
+              </a:xfrm>
+              <a:prstGeom prst="ellipse">
+                <a:avLst/>
+              </a:prstGeom>
+              <a:solidFill>
+                <a:srgbClr val="2CE1B3">
+                  <a:alpha val="10000"/>
+                </a:srgbClr>
+              </a:solidFill>
+              <a:ln>
+                <a:solidFill>
+                  <a:srgbClr val="2CE1B3">
+                    <a:alpha val="30000"/>
+                  </a:srgbClr>
+                </a:solidFill>
+              </a:ln>
+            </p:spPr>
+            <p:style>
+              <a:lnRef idx="2">
+                <a:schemeClr val="accent1">
+                  <a:shade val="50000"/>
+                </a:schemeClr>
+              </a:lnRef>
+              <a:fillRef idx="1">
+                <a:schemeClr val="accent1"/>
+              </a:fillRef>
+              <a:effectRef idx="0">
+                <a:schemeClr val="accent1"/>
+              </a:effectRef>
+              <a:fontRef idx="minor">
+                <a:schemeClr val="lt1"/>
+              </a:fontRef>
+            </p:style>
+            <p:txBody>
+              <a:bodyPr rtlCol="0" anchor="ctr"/>
+              <a:lstStyle/>
+              <a:p>
+                <a:pPr algn="ctr"/>
+                <a:endParaRPr lang="ko-KR" altLang="en-US">
+                  <a:solidFill>
+                    <a:prstClr val="white"/>
+                  </a:solidFill>
+                </a:endParaRPr>
+              </a:p>
+            </p:txBody>
+          </p:sp>
+          <p:sp>
+            <p:nvSpPr>
+              <p:cNvPr id="4" name="타원 3"/>
+              <p:cNvSpPr/>
+              <p:nvPr/>
+            </p:nvSpPr>
+            <p:spPr>
+              <a:xfrm>
+                <a:off x="407259" y="341944"/>
+                <a:ext cx="361143" cy="361143"/>
+              </a:xfrm>
+              <a:prstGeom prst="ellipse">
+                <a:avLst/>
+              </a:prstGeom>
+              <a:solidFill>
+                <a:srgbClr val="2CE1B3">
+                  <a:alpha val="10000"/>
+                </a:srgbClr>
+              </a:solidFill>
+              <a:ln>
+                <a:solidFill>
+                  <a:srgbClr val="2CE1B3">
+                    <a:alpha val="30000"/>
+                  </a:srgbClr>
+                </a:solidFill>
+              </a:ln>
+            </p:spPr>
+            <p:style>
+              <a:lnRef idx="2">
+                <a:schemeClr val="accent1">
+                  <a:shade val="50000"/>
+                </a:schemeClr>
+              </a:lnRef>
+              <a:fillRef idx="1">
+                <a:schemeClr val="accent1"/>
+              </a:fillRef>
+              <a:effectRef idx="0">
+                <a:schemeClr val="accent1"/>
+              </a:effectRef>
+              <a:fontRef idx="minor">
+                <a:schemeClr val="lt1"/>
+              </a:fontRef>
+            </p:style>
+            <p:txBody>
+              <a:bodyPr rtlCol="0" anchor="ctr"/>
+              <a:lstStyle/>
+              <a:p>
+                <a:pPr algn="ctr"/>
+                <a:endParaRPr lang="ko-KR" altLang="en-US">
+                  <a:solidFill>
+                    <a:prstClr val="white"/>
+                  </a:solidFill>
+                </a:endParaRPr>
+              </a:p>
+            </p:txBody>
+          </p:sp>
+          <p:sp>
+            <p:nvSpPr>
+              <p:cNvPr id="5" name="타원 4"/>
+              <p:cNvSpPr/>
+              <p:nvPr/>
+            </p:nvSpPr>
+            <p:spPr>
+              <a:xfrm>
+                <a:off x="484521" y="419206"/>
+                <a:ext cx="206618" cy="206618"/>
+              </a:xfrm>
+              <a:prstGeom prst="ellipse">
+                <a:avLst/>
+              </a:prstGeom>
+              <a:solidFill>
+                <a:srgbClr val="2CE1B3">
+                  <a:alpha val="10000"/>
+                </a:srgbClr>
+              </a:solidFill>
+              <a:ln>
+                <a:solidFill>
+                  <a:srgbClr val="2CE1B3">
+                    <a:alpha val="30000"/>
+                  </a:srgbClr>
+                </a:solidFill>
+              </a:ln>
+            </p:spPr>
+            <p:style>
+              <a:lnRef idx="2">
+                <a:schemeClr val="accent1">
+                  <a:shade val="50000"/>
+                </a:schemeClr>
+              </a:lnRef>
+              <a:fillRef idx="1">
+                <a:schemeClr val="accent1"/>
+              </a:fillRef>
+              <a:effectRef idx="0">
+                <a:schemeClr val="accent1"/>
+              </a:effectRef>
+              <a:fontRef idx="minor">
+                <a:schemeClr val="lt1"/>
+              </a:fontRef>
+            </p:style>
+            <p:txBody>
+              <a:bodyPr rtlCol="0" anchor="ctr"/>
+              <a:lstStyle/>
+              <a:p>
+                <a:pPr algn="ctr"/>
+                <a:endParaRPr lang="ko-KR" altLang="en-US">
+                  <a:solidFill>
+                    <a:prstClr val="white"/>
+                  </a:solidFill>
+                </a:endParaRPr>
+              </a:p>
+            </p:txBody>
+          </p:sp>
+          <p:sp>
+            <p:nvSpPr>
+              <p:cNvPr id="6" name="타원 5"/>
+              <p:cNvSpPr/>
+              <p:nvPr/>
+            </p:nvSpPr>
+            <p:spPr>
+              <a:xfrm>
+                <a:off x="555825" y="490510"/>
+                <a:ext cx="64010" cy="64010"/>
+              </a:xfrm>
+              <a:prstGeom prst="ellipse">
+                <a:avLst/>
+              </a:prstGeom>
+              <a:solidFill>
+                <a:srgbClr val="2CE1B3"/>
+              </a:solidFill>
+              <a:ln w="15875">
+                <a:solidFill>
+                  <a:schemeClr val="bg1"/>
+                </a:solidFill>
+              </a:ln>
+            </p:spPr>
+            <p:style>
+              <a:lnRef idx="2">
+                <a:schemeClr val="accent1">
+                  <a:shade val="50000"/>
+                </a:schemeClr>
+              </a:lnRef>
+              <a:fillRef idx="1">
+                <a:schemeClr val="accent1"/>
+              </a:fillRef>
+              <a:effectRef idx="0">
+                <a:schemeClr val="accent1"/>
+              </a:effectRef>
+              <a:fontRef idx="minor">
+                <a:schemeClr val="lt1"/>
+              </a:fontRef>
+            </p:style>
+            <p:txBody>
+              <a:bodyPr rtlCol="0" anchor="ctr"/>
+              <a:lstStyle/>
+              <a:p>
+                <a:pPr algn="ctr"/>
+                <a:endParaRPr lang="ko-KR" altLang="en-US">
+                  <a:solidFill>
+                    <a:prstClr val="white"/>
+                  </a:solidFill>
+                </a:endParaRPr>
+              </a:p>
+            </p:txBody>
+          </p:sp>
+        </p:grpSp>
         <p:sp>
           <p:nvSpPr>
-            <p:cNvPr id="67" name="타원 66">
-              <a:extLst>
-                <a:ext uri="{FF2B5EF4-FFF2-40B4-BE49-F238E27FC236}">
-                  <a16:creationId xmlns:a16="http://schemas.microsoft.com/office/drawing/2014/main" id="{664701A4-9ED1-DA70-8A50-CA381256CBCB}"/>
-                </a:ext>
-              </a:extLst>
-            </p:cNvPr>
+            <p:cNvPr id="11" name="모서리가 둥근 직사각형 10"/>
             <p:cNvSpPr/>
             <p:nvPr/>
           </p:nvSpPr>
           <p:spPr>
-            <a:xfrm>
-              <a:off x="8105775" y="1819275"/>
-              <a:ext cx="219075" cy="219075"/>
+            <a:xfrm rot="18900000">
+              <a:off x="941814" y="350849"/>
+              <a:ext cx="148889" cy="148889"/>
             </a:xfrm>
-            <a:prstGeom prst="ellipse">
+            <a:prstGeom prst="roundRect">
               <a:avLst/>
             </a:prstGeom>
             <a:solidFill>
-              <a:schemeClr val="bg1">
-                <a:alpha val="30000"/>
-              </a:schemeClr>
+              <a:srgbClr val="232C4B"/>
             </a:solidFill>
-            <a:ln w="6350">
-              <a:solidFill>
-                <a:srgbClr val="2CE2E2"/>
-              </a:solidFill>
+            <a:ln>
+              <a:noFill/>
             </a:ln>
+            <a:effectLst>
+              <a:outerShdw blurRad="381000" dist="63500" dir="18000000" algn="tl" rotWithShape="0">
+                <a:prstClr val="black">
+                  <a:alpha val="15000"/>
+                </a:prstClr>
+              </a:outerShdw>
+            </a:effectLst>
           </p:spPr>
           <p:style>
             <a:lnRef idx="2">
@@ -8834,10 +12635,14 @@
             <a:bodyPr rtlCol="0" anchor="ctr"/>
             <a:lstStyle/>
             <a:p>
-              <a:pPr algn="ctr">
+              <a:pPr marL="176213" latinLnBrk="0">
+                <a:tabLst>
+                  <a:tab pos="1076325" algn="l"/>
+                  <a:tab pos="1162050" algn="l"/>
+                </a:tabLst>
                 <a:defRPr/>
               </a:pPr>
-              <a:endParaRPr lang="ko-KR" altLang="en-US">
+              <a:endParaRPr lang="ko-KR" altLang="en-US" sz="1600" kern="0" dirty="0">
                 <a:solidFill>
                   <a:prstClr val="white"/>
                 </a:solidFill>
@@ -8845,352 +12650,379 @@
             </a:p>
           </p:txBody>
         </p:sp>
-        <p:sp>
-          <p:nvSpPr>
-            <p:cNvPr id="68" name="타원 67">
-              <a:extLst>
-                <a:ext uri="{FF2B5EF4-FFF2-40B4-BE49-F238E27FC236}">
-                  <a16:creationId xmlns:a16="http://schemas.microsoft.com/office/drawing/2014/main" id="{FB4A1AA9-0DF9-EE85-846A-80BB146E3C9E}"/>
-                </a:ext>
-              </a:extLst>
-            </p:cNvPr>
-            <p:cNvSpPr/>
+        <p:grpSp>
+          <p:nvGrpSpPr>
+            <p:cNvPr id="18" name="그룹 17"/>
+            <p:cNvGrpSpPr/>
             <p:nvPr/>
-          </p:nvSpPr>
-          <p:spPr>
+          </p:nvGrpSpPr>
+          <p:grpSpPr>
             <a:xfrm>
-              <a:off x="8161312" y="1874812"/>
-              <a:ext cx="108000" cy="108000"/>
+              <a:off x="11658018" y="281380"/>
+              <a:ext cx="287823" cy="287823"/>
+              <a:chOff x="949078" y="1186255"/>
+              <a:chExt cx="287823" cy="287823"/>
             </a:xfrm>
-            <a:prstGeom prst="ellipse">
-              <a:avLst/>
-            </a:prstGeom>
-            <a:solidFill>
-              <a:srgbClr val="2CE2E2"/>
-            </a:solidFill>
-            <a:ln w="6350">
-              <a:solidFill>
-                <a:srgbClr val="2CE2E2"/>
-              </a:solidFill>
-            </a:ln>
-          </p:spPr>
-          <p:style>
-            <a:lnRef idx="2">
-              <a:schemeClr val="accent1">
-                <a:shade val="50000"/>
-              </a:schemeClr>
-            </a:lnRef>
-            <a:fillRef idx="1">
-              <a:schemeClr val="accent1"/>
-            </a:fillRef>
-            <a:effectRef idx="0">
-              <a:schemeClr val="accent1"/>
-            </a:effectRef>
-            <a:fontRef idx="minor">
-              <a:schemeClr val="lt1"/>
-            </a:fontRef>
-          </p:style>
-          <p:txBody>
-            <a:bodyPr rtlCol="0" anchor="ctr"/>
-            <a:lstStyle/>
-            <a:p>
-              <a:pPr algn="ctr">
-                <a:defRPr/>
-              </a:pPr>
-              <a:endParaRPr lang="ko-KR" altLang="en-US">
-                <a:solidFill>
-                  <a:prstClr val="white"/>
-                </a:solidFill>
-              </a:endParaRPr>
-            </a:p>
-          </p:txBody>
-        </p:sp>
-      </p:grpSp>
-      <p:grpSp>
-        <p:nvGrpSpPr>
-          <p:cNvPr id="69" name="그룹 68">
-            <a:extLst>
-              <a:ext uri="{FF2B5EF4-FFF2-40B4-BE49-F238E27FC236}">
-                <a16:creationId xmlns:a16="http://schemas.microsoft.com/office/drawing/2014/main" id="{26609D3C-37A9-A7BE-2324-A4738B2B783B}"/>
-              </a:ext>
-            </a:extLst>
-          </p:cNvPr>
-          <p:cNvGrpSpPr/>
-          <p:nvPr/>
-        </p:nvGrpSpPr>
-        <p:grpSpPr>
-          <a:xfrm>
-            <a:off x="4956210" y="3611636"/>
-            <a:ext cx="219075" cy="219075"/>
-            <a:chOff x="8105775" y="1819275"/>
-            <a:chExt cx="219075" cy="219075"/>
-          </a:xfrm>
-        </p:grpSpPr>
-        <p:sp>
-          <p:nvSpPr>
-            <p:cNvPr id="70" name="타원 69">
-              <a:extLst>
-                <a:ext uri="{FF2B5EF4-FFF2-40B4-BE49-F238E27FC236}">
-                  <a16:creationId xmlns:a16="http://schemas.microsoft.com/office/drawing/2014/main" id="{3125E9F8-DE8C-5166-B088-0127A9C037FE}"/>
-                </a:ext>
-              </a:extLst>
-            </p:cNvPr>
-            <p:cNvSpPr/>
+          </p:grpSpPr>
+          <p:sp>
+            <p:nvSpPr>
+              <p:cNvPr id="14" name="타원 13"/>
+              <p:cNvSpPr/>
+              <p:nvPr/>
+            </p:nvSpPr>
+            <p:spPr>
+              <a:xfrm>
+                <a:off x="949078" y="1186255"/>
+                <a:ext cx="287823" cy="287823"/>
+              </a:xfrm>
+              <a:prstGeom prst="ellipse">
+                <a:avLst/>
+              </a:prstGeom>
+              <a:solidFill>
+                <a:srgbClr val="2CE1B3">
+                  <a:alpha val="5000"/>
+                </a:srgbClr>
+              </a:solidFill>
+              <a:ln>
+                <a:solidFill>
+                  <a:srgbClr val="2CE1B3">
+                    <a:alpha val="30000"/>
+                  </a:srgbClr>
+                </a:solidFill>
+              </a:ln>
+            </p:spPr>
+            <p:style>
+              <a:lnRef idx="2">
+                <a:schemeClr val="accent1">
+                  <a:shade val="50000"/>
+                </a:schemeClr>
+              </a:lnRef>
+              <a:fillRef idx="1">
+                <a:schemeClr val="accent1"/>
+              </a:fillRef>
+              <a:effectRef idx="0">
+                <a:schemeClr val="accent1"/>
+              </a:effectRef>
+              <a:fontRef idx="minor">
+                <a:schemeClr val="lt1"/>
+              </a:fontRef>
+            </p:style>
+            <p:txBody>
+              <a:bodyPr rtlCol="0" anchor="ctr"/>
+              <a:lstStyle/>
+              <a:p>
+                <a:pPr algn="ctr"/>
+                <a:endParaRPr lang="ko-KR" altLang="en-US">
+                  <a:solidFill>
+                    <a:prstClr val="white"/>
+                  </a:solidFill>
+                </a:endParaRPr>
+              </a:p>
+            </p:txBody>
+          </p:sp>
+          <p:sp>
+            <p:nvSpPr>
+              <p:cNvPr id="16" name="타원 15"/>
+              <p:cNvSpPr/>
+              <p:nvPr/>
+            </p:nvSpPr>
+            <p:spPr>
+              <a:xfrm>
+                <a:off x="1060589" y="1297766"/>
+                <a:ext cx="64800" cy="64800"/>
+              </a:xfrm>
+              <a:prstGeom prst="ellipse">
+                <a:avLst/>
+              </a:prstGeom>
+              <a:solidFill>
+                <a:srgbClr val="FF0000"/>
+              </a:solidFill>
+              <a:ln w="12700">
+                <a:solidFill>
+                  <a:schemeClr val="bg1"/>
+                </a:solidFill>
+              </a:ln>
+            </p:spPr>
+            <p:style>
+              <a:lnRef idx="2">
+                <a:schemeClr val="accent1">
+                  <a:shade val="50000"/>
+                </a:schemeClr>
+              </a:lnRef>
+              <a:fillRef idx="1">
+                <a:schemeClr val="accent1"/>
+              </a:fillRef>
+              <a:effectRef idx="0">
+                <a:schemeClr val="accent1"/>
+              </a:effectRef>
+              <a:fontRef idx="minor">
+                <a:schemeClr val="lt1"/>
+              </a:fontRef>
+            </p:style>
+            <p:txBody>
+              <a:bodyPr rtlCol="0" anchor="ctr"/>
+              <a:lstStyle/>
+              <a:p>
+                <a:pPr algn="ctr"/>
+                <a:endParaRPr lang="ko-KR" altLang="en-US">
+                  <a:solidFill>
+                    <a:prstClr val="white"/>
+                  </a:solidFill>
+                </a:endParaRPr>
+              </a:p>
+            </p:txBody>
+          </p:sp>
+        </p:grpSp>
+        <p:grpSp>
+          <p:nvGrpSpPr>
+            <p:cNvPr id="19" name="그룹 18"/>
+            <p:cNvGrpSpPr/>
             <p:nvPr/>
-          </p:nvSpPr>
-          <p:spPr>
+          </p:nvGrpSpPr>
+          <p:grpSpPr>
             <a:xfrm>
-              <a:off x="8105775" y="1819275"/>
-              <a:ext cx="219075" cy="219075"/>
+              <a:off x="11658018" y="6453580"/>
+              <a:ext cx="287823" cy="287823"/>
+              <a:chOff x="949078" y="1186255"/>
+              <a:chExt cx="287823" cy="287823"/>
             </a:xfrm>
-            <a:prstGeom prst="ellipse">
-              <a:avLst/>
-            </a:prstGeom>
-            <a:solidFill>
-              <a:schemeClr val="bg1">
-                <a:alpha val="30000"/>
-              </a:schemeClr>
-            </a:solidFill>
-            <a:ln w="6350">
-              <a:solidFill>
-                <a:srgbClr val="2CE2E2"/>
-              </a:solidFill>
-            </a:ln>
-          </p:spPr>
-          <p:style>
-            <a:lnRef idx="2">
-              <a:schemeClr val="accent1">
-                <a:shade val="50000"/>
-              </a:schemeClr>
-            </a:lnRef>
-            <a:fillRef idx="1">
-              <a:schemeClr val="accent1"/>
-            </a:fillRef>
-            <a:effectRef idx="0">
-              <a:schemeClr val="accent1"/>
-            </a:effectRef>
-            <a:fontRef idx="minor">
-              <a:schemeClr val="lt1"/>
-            </a:fontRef>
-          </p:style>
-          <p:txBody>
-            <a:bodyPr rtlCol="0" anchor="ctr"/>
-            <a:lstStyle/>
-            <a:p>
-              <a:pPr algn="ctr">
-                <a:defRPr/>
-              </a:pPr>
-              <a:endParaRPr lang="ko-KR" altLang="en-US">
-                <a:solidFill>
-                  <a:prstClr val="white"/>
-                </a:solidFill>
-              </a:endParaRPr>
-            </a:p>
-          </p:txBody>
-        </p:sp>
-        <p:sp>
-          <p:nvSpPr>
-            <p:cNvPr id="71" name="타원 70">
-              <a:extLst>
-                <a:ext uri="{FF2B5EF4-FFF2-40B4-BE49-F238E27FC236}">
-                  <a16:creationId xmlns:a16="http://schemas.microsoft.com/office/drawing/2014/main" id="{F3D63A28-5C26-E501-2365-6983761EF770}"/>
-                </a:ext>
-              </a:extLst>
-            </p:cNvPr>
-            <p:cNvSpPr/>
+          </p:grpSpPr>
+          <p:sp>
+            <p:nvSpPr>
+              <p:cNvPr id="20" name="타원 19"/>
+              <p:cNvSpPr/>
+              <p:nvPr/>
+            </p:nvSpPr>
+            <p:spPr>
+              <a:xfrm>
+                <a:off x="949078" y="1186255"/>
+                <a:ext cx="287823" cy="287823"/>
+              </a:xfrm>
+              <a:prstGeom prst="ellipse">
+                <a:avLst/>
+              </a:prstGeom>
+              <a:solidFill>
+                <a:srgbClr val="2CE1B3">
+                  <a:alpha val="5000"/>
+                </a:srgbClr>
+              </a:solidFill>
+              <a:ln>
+                <a:solidFill>
+                  <a:srgbClr val="2CE1B3">
+                    <a:alpha val="30000"/>
+                  </a:srgbClr>
+                </a:solidFill>
+              </a:ln>
+            </p:spPr>
+            <p:style>
+              <a:lnRef idx="2">
+                <a:schemeClr val="accent1">
+                  <a:shade val="50000"/>
+                </a:schemeClr>
+              </a:lnRef>
+              <a:fillRef idx="1">
+                <a:schemeClr val="accent1"/>
+              </a:fillRef>
+              <a:effectRef idx="0">
+                <a:schemeClr val="accent1"/>
+              </a:effectRef>
+              <a:fontRef idx="minor">
+                <a:schemeClr val="lt1"/>
+              </a:fontRef>
+            </p:style>
+            <p:txBody>
+              <a:bodyPr rtlCol="0" anchor="ctr"/>
+              <a:lstStyle/>
+              <a:p>
+                <a:pPr algn="ctr"/>
+                <a:endParaRPr lang="ko-KR" altLang="en-US">
+                  <a:solidFill>
+                    <a:prstClr val="white"/>
+                  </a:solidFill>
+                </a:endParaRPr>
+              </a:p>
+            </p:txBody>
+          </p:sp>
+          <p:sp>
+            <p:nvSpPr>
+              <p:cNvPr id="21" name="타원 20"/>
+              <p:cNvSpPr/>
+              <p:nvPr/>
+            </p:nvSpPr>
+            <p:spPr>
+              <a:xfrm>
+                <a:off x="1060589" y="1297766"/>
+                <a:ext cx="64800" cy="64800"/>
+              </a:xfrm>
+              <a:prstGeom prst="ellipse">
+                <a:avLst/>
+              </a:prstGeom>
+              <a:solidFill>
+                <a:schemeClr val="bg2">
+                  <a:lumMod val="50000"/>
+                </a:schemeClr>
+              </a:solidFill>
+              <a:ln w="12700">
+                <a:solidFill>
+                  <a:schemeClr val="bg1"/>
+                </a:solidFill>
+              </a:ln>
+            </p:spPr>
+            <p:style>
+              <a:lnRef idx="2">
+                <a:schemeClr val="accent1">
+                  <a:shade val="50000"/>
+                </a:schemeClr>
+              </a:lnRef>
+              <a:fillRef idx="1">
+                <a:schemeClr val="accent1"/>
+              </a:fillRef>
+              <a:effectRef idx="0">
+                <a:schemeClr val="accent1"/>
+              </a:effectRef>
+              <a:fontRef idx="minor">
+                <a:schemeClr val="lt1"/>
+              </a:fontRef>
+            </p:style>
+            <p:txBody>
+              <a:bodyPr rtlCol="0" anchor="ctr"/>
+              <a:lstStyle/>
+              <a:p>
+                <a:pPr algn="ctr"/>
+                <a:endParaRPr lang="ko-KR" altLang="en-US">
+                  <a:solidFill>
+                    <a:prstClr val="white"/>
+                  </a:solidFill>
+                </a:endParaRPr>
+              </a:p>
+            </p:txBody>
+          </p:sp>
+        </p:grpSp>
+        <p:grpSp>
+          <p:nvGrpSpPr>
+            <p:cNvPr id="22" name="그룹 21"/>
+            <p:cNvGrpSpPr/>
             <p:nvPr/>
-          </p:nvSpPr>
-          <p:spPr>
+          </p:nvGrpSpPr>
+          <p:grpSpPr>
             <a:xfrm>
-              <a:off x="8161312" y="1874812"/>
-              <a:ext cx="108000" cy="108000"/>
+              <a:off x="253418" y="6453580"/>
+              <a:ext cx="287823" cy="287823"/>
+              <a:chOff x="949078" y="1186255"/>
+              <a:chExt cx="287823" cy="287823"/>
             </a:xfrm>
-            <a:prstGeom prst="ellipse">
-              <a:avLst/>
-            </a:prstGeom>
-            <a:solidFill>
-              <a:srgbClr val="2CE2E2"/>
-            </a:solidFill>
-            <a:ln w="6350">
-              <a:solidFill>
-                <a:srgbClr val="2CE2E2"/>
-              </a:solidFill>
-            </a:ln>
-          </p:spPr>
-          <p:style>
-            <a:lnRef idx="2">
-              <a:schemeClr val="accent1">
-                <a:shade val="50000"/>
-              </a:schemeClr>
-            </a:lnRef>
-            <a:fillRef idx="1">
-              <a:schemeClr val="accent1"/>
-            </a:fillRef>
-            <a:effectRef idx="0">
-              <a:schemeClr val="accent1"/>
-            </a:effectRef>
-            <a:fontRef idx="minor">
-              <a:schemeClr val="lt1"/>
-            </a:fontRef>
-          </p:style>
-          <p:txBody>
-            <a:bodyPr rtlCol="0" anchor="ctr"/>
-            <a:lstStyle/>
-            <a:p>
-              <a:pPr algn="ctr">
-                <a:defRPr/>
-              </a:pPr>
-              <a:endParaRPr lang="ko-KR" altLang="en-US">
-                <a:solidFill>
-                  <a:prstClr val="white"/>
-                </a:solidFill>
-              </a:endParaRPr>
-            </a:p>
-          </p:txBody>
-        </p:sp>
-      </p:grpSp>
-      <p:grpSp>
-        <p:nvGrpSpPr>
-          <p:cNvPr id="72" name="그룹 71">
-            <a:extLst>
-              <a:ext uri="{FF2B5EF4-FFF2-40B4-BE49-F238E27FC236}">
-                <a16:creationId xmlns:a16="http://schemas.microsoft.com/office/drawing/2014/main" id="{88102C35-9EAF-F0CE-2090-83A40F8940BD}"/>
-              </a:ext>
-            </a:extLst>
-          </p:cNvPr>
-          <p:cNvGrpSpPr/>
-          <p:nvPr/>
-        </p:nvGrpSpPr>
-        <p:grpSpPr>
-          <a:xfrm>
-            <a:off x="8394183" y="4093893"/>
-            <a:ext cx="219075" cy="219075"/>
-            <a:chOff x="8105775" y="1819275"/>
-            <a:chExt cx="219075" cy="219075"/>
-          </a:xfrm>
-        </p:grpSpPr>
-        <p:sp>
-          <p:nvSpPr>
-            <p:cNvPr id="73" name="타원 72">
-              <a:extLst>
-                <a:ext uri="{FF2B5EF4-FFF2-40B4-BE49-F238E27FC236}">
-                  <a16:creationId xmlns:a16="http://schemas.microsoft.com/office/drawing/2014/main" id="{2FD0081B-C979-A175-6BFC-BDC7249FA96E}"/>
-                </a:ext>
-              </a:extLst>
-            </p:cNvPr>
-            <p:cNvSpPr/>
-            <p:nvPr/>
-          </p:nvSpPr>
-          <p:spPr>
-            <a:xfrm>
-              <a:off x="8105775" y="1819275"/>
-              <a:ext cx="219075" cy="219075"/>
-            </a:xfrm>
-            <a:prstGeom prst="ellipse">
-              <a:avLst/>
-            </a:prstGeom>
-            <a:solidFill>
-              <a:schemeClr val="bg1">
-                <a:alpha val="30000"/>
-              </a:schemeClr>
-            </a:solidFill>
-            <a:ln w="6350">
-              <a:solidFill>
-                <a:srgbClr val="2CE2E2"/>
-              </a:solidFill>
-            </a:ln>
-          </p:spPr>
-          <p:style>
-            <a:lnRef idx="2">
-              <a:schemeClr val="accent1">
-                <a:shade val="50000"/>
-              </a:schemeClr>
-            </a:lnRef>
-            <a:fillRef idx="1">
-              <a:schemeClr val="accent1"/>
-            </a:fillRef>
-            <a:effectRef idx="0">
-              <a:schemeClr val="accent1"/>
-            </a:effectRef>
-            <a:fontRef idx="minor">
-              <a:schemeClr val="lt1"/>
-            </a:fontRef>
-          </p:style>
-          <p:txBody>
-            <a:bodyPr rtlCol="0" anchor="ctr"/>
-            <a:lstStyle/>
-            <a:p>
-              <a:pPr algn="ctr">
-                <a:defRPr/>
-              </a:pPr>
-              <a:endParaRPr lang="ko-KR" altLang="en-US" dirty="0">
-                <a:solidFill>
-                  <a:prstClr val="white"/>
-                </a:solidFill>
-              </a:endParaRPr>
-            </a:p>
-          </p:txBody>
-        </p:sp>
-        <p:sp>
-          <p:nvSpPr>
-            <p:cNvPr id="74" name="타원 73">
-              <a:extLst>
-                <a:ext uri="{FF2B5EF4-FFF2-40B4-BE49-F238E27FC236}">
-                  <a16:creationId xmlns:a16="http://schemas.microsoft.com/office/drawing/2014/main" id="{82DC90A6-B512-5793-6893-9C76C35F0C59}"/>
-                </a:ext>
-              </a:extLst>
-            </p:cNvPr>
-            <p:cNvSpPr/>
-            <p:nvPr/>
-          </p:nvSpPr>
-          <p:spPr>
-            <a:xfrm>
-              <a:off x="8161312" y="1874812"/>
-              <a:ext cx="108000" cy="108000"/>
-            </a:xfrm>
-            <a:prstGeom prst="ellipse">
-              <a:avLst/>
-            </a:prstGeom>
-            <a:solidFill>
-              <a:srgbClr val="2CE2E2"/>
-            </a:solidFill>
-            <a:ln w="6350">
-              <a:solidFill>
-                <a:srgbClr val="2CE2E2"/>
-              </a:solidFill>
-            </a:ln>
-          </p:spPr>
-          <p:style>
-            <a:lnRef idx="2">
-              <a:schemeClr val="accent1">
-                <a:shade val="50000"/>
-              </a:schemeClr>
-            </a:lnRef>
-            <a:fillRef idx="1">
-              <a:schemeClr val="accent1"/>
-            </a:fillRef>
-            <a:effectRef idx="0">
-              <a:schemeClr val="accent1"/>
-            </a:effectRef>
-            <a:fontRef idx="minor">
-              <a:schemeClr val="lt1"/>
-            </a:fontRef>
-          </p:style>
-          <p:txBody>
-            <a:bodyPr rtlCol="0" anchor="ctr"/>
-            <a:lstStyle/>
-            <a:p>
-              <a:pPr algn="ctr">
-                <a:defRPr/>
-              </a:pPr>
-              <a:endParaRPr lang="ko-KR" altLang="en-US">
-                <a:solidFill>
-                  <a:prstClr val="white"/>
-                </a:solidFill>
-              </a:endParaRPr>
-            </a:p>
-          </p:txBody>
-        </p:sp>
+          </p:grpSpPr>
+          <p:sp>
+            <p:nvSpPr>
+              <p:cNvPr id="23" name="타원 22"/>
+              <p:cNvSpPr/>
+              <p:nvPr/>
+            </p:nvSpPr>
+            <p:spPr>
+              <a:xfrm>
+                <a:off x="949078" y="1186255"/>
+                <a:ext cx="287823" cy="287823"/>
+              </a:xfrm>
+              <a:prstGeom prst="ellipse">
+                <a:avLst/>
+              </a:prstGeom>
+              <a:solidFill>
+                <a:srgbClr val="2CE1B3">
+                  <a:alpha val="5000"/>
+                </a:srgbClr>
+              </a:solidFill>
+              <a:ln>
+                <a:solidFill>
+                  <a:srgbClr val="2CE1B3">
+                    <a:alpha val="30000"/>
+                  </a:srgbClr>
+                </a:solidFill>
+              </a:ln>
+            </p:spPr>
+            <p:style>
+              <a:lnRef idx="2">
+                <a:schemeClr val="accent1">
+                  <a:shade val="50000"/>
+                </a:schemeClr>
+              </a:lnRef>
+              <a:fillRef idx="1">
+                <a:schemeClr val="accent1"/>
+              </a:fillRef>
+              <a:effectRef idx="0">
+                <a:schemeClr val="accent1"/>
+              </a:effectRef>
+              <a:fontRef idx="minor">
+                <a:schemeClr val="lt1"/>
+              </a:fontRef>
+            </p:style>
+            <p:txBody>
+              <a:bodyPr rtlCol="0" anchor="ctr"/>
+              <a:lstStyle/>
+              <a:p>
+                <a:pPr algn="ctr"/>
+                <a:endParaRPr lang="ko-KR" altLang="en-US">
+                  <a:solidFill>
+                    <a:prstClr val="white"/>
+                  </a:solidFill>
+                </a:endParaRPr>
+              </a:p>
+            </p:txBody>
+          </p:sp>
+          <p:sp>
+            <p:nvSpPr>
+              <p:cNvPr id="24" name="타원 23"/>
+              <p:cNvSpPr/>
+              <p:nvPr/>
+            </p:nvSpPr>
+            <p:spPr>
+              <a:xfrm>
+                <a:off x="1060589" y="1297766"/>
+                <a:ext cx="64800" cy="64800"/>
+              </a:xfrm>
+              <a:prstGeom prst="ellipse">
+                <a:avLst/>
+              </a:prstGeom>
+              <a:solidFill>
+                <a:schemeClr val="bg2">
+                  <a:lumMod val="50000"/>
+                </a:schemeClr>
+              </a:solidFill>
+              <a:ln w="12700">
+                <a:solidFill>
+                  <a:schemeClr val="bg1"/>
+                </a:solidFill>
+              </a:ln>
+            </p:spPr>
+            <p:style>
+              <a:lnRef idx="2">
+                <a:schemeClr val="accent1">
+                  <a:shade val="50000"/>
+                </a:schemeClr>
+              </a:lnRef>
+              <a:fillRef idx="1">
+                <a:schemeClr val="accent1"/>
+              </a:fillRef>
+              <a:effectRef idx="0">
+                <a:schemeClr val="accent1"/>
+              </a:effectRef>
+              <a:fontRef idx="minor">
+                <a:schemeClr val="lt1"/>
+              </a:fontRef>
+            </p:style>
+            <p:txBody>
+              <a:bodyPr rtlCol="0" anchor="ctr"/>
+              <a:lstStyle/>
+              <a:p>
+                <a:pPr algn="ctr"/>
+                <a:endParaRPr lang="ko-KR" altLang="en-US">
+                  <a:solidFill>
+                    <a:prstClr val="white"/>
+                  </a:solidFill>
+                </a:endParaRPr>
+              </a:p>
+            </p:txBody>
+          </p:sp>
+        </p:grpSp>
       </p:grpSp>
       <p:sp>
         <p:nvSpPr>
@@ -9206,89 +13038,8 @@
         </p:nvSpPr>
         <p:spPr>
           <a:xfrm>
-            <a:off x="910978" y="4466498"/>
-            <a:ext cx="2915825" cy="1246495"/>
-          </a:xfrm>
-          <a:prstGeom prst="rect">
-            <a:avLst/>
-          </a:prstGeom>
-        </p:spPr>
-        <p:txBody>
-          <a:bodyPr wrap="square">
-            <a:spAutoFit/>
-          </a:bodyPr>
-          <a:lstStyle/>
-          <a:p>
-            <a:pPr algn="r">
-              <a:lnSpc>
-                <a:spcPct val="150000"/>
-              </a:lnSpc>
-              <a:defRPr/>
-            </a:pPr>
-            <a:r>
-              <a:rPr lang="en-US" altLang="ko-KR" sz="1600" b="1" dirty="0">
-                <a:solidFill>
-                  <a:prstClr val="white"/>
-                </a:solidFill>
-              </a:rPr>
-              <a:t>CONTENTS A</a:t>
-            </a:r>
-          </a:p>
-          <a:p>
-            <a:pPr algn="r">
-              <a:lnSpc>
-                <a:spcPct val="150000"/>
-              </a:lnSpc>
-              <a:defRPr/>
-            </a:pPr>
-            <a:r>
-              <a:rPr lang="ko-KR" altLang="en-US" sz="1400" dirty="0">
-                <a:solidFill>
-                  <a:prstClr val="white"/>
-                </a:solidFill>
-              </a:rPr>
-              <a:t>컨텐츠에 대한 내용을 적어요</a:t>
-            </a:r>
-            <a:endParaRPr lang="en-US" altLang="ko-KR" sz="1400" dirty="0">
-              <a:solidFill>
-                <a:prstClr val="white"/>
-              </a:solidFill>
-            </a:endParaRPr>
-          </a:p>
-          <a:p>
-            <a:pPr algn="r">
-              <a:lnSpc>
-                <a:spcPct val="150000"/>
-              </a:lnSpc>
-              <a:defRPr/>
-            </a:pPr>
-            <a:r>
-              <a:rPr lang="ko-KR" altLang="en-US" sz="1000" dirty="0">
-                <a:solidFill>
-                  <a:prstClr val="white"/>
-                </a:solidFill>
-              </a:rPr>
-              <a:t>Enjoy your stylish business and campus life with BIZCAM </a:t>
-            </a:r>
-          </a:p>
-        </p:txBody>
-      </p:sp>
-      <p:sp>
-        <p:nvSpPr>
-          <p:cNvPr id="76" name="직사각형 75">
-            <a:extLst>
-              <a:ext uri="{FF2B5EF4-FFF2-40B4-BE49-F238E27FC236}">
-                <a16:creationId xmlns:a16="http://schemas.microsoft.com/office/drawing/2014/main" id="{31EBDF47-A7A5-A0B2-EF57-581AB68E35F0}"/>
-              </a:ext>
-            </a:extLst>
-          </p:cNvPr>
-          <p:cNvSpPr/>
-          <p:nvPr/>
-        </p:nvSpPr>
-        <p:spPr>
-          <a:xfrm>
-            <a:off x="8394183" y="4466498"/>
-            <a:ext cx="2915825" cy="1246495"/>
+            <a:off x="906772" y="2032395"/>
+            <a:ext cx="4545391" cy="414024"/>
           </a:xfrm>
           <a:prstGeom prst="rect">
             <a:avLst/>
@@ -9307,50 +13058,51 @@
               <a:defRPr/>
             </a:pPr>
             <a:r>
-              <a:rPr lang="en-US" altLang="ko-KR" sz="1600" b="1" dirty="0">
+              <a:rPr lang="ko-KR" altLang="en-US" sz="1600" b="1">
                 <a:solidFill>
                   <a:prstClr val="white"/>
                 </a:solidFill>
               </a:rPr>
-              <a:t>CONTENTS A</a:t>
+              <a:t>그레이스케일 적용 → </a:t>
             </a:r>
-          </a:p>
-          <a:p>
-            <a:pPr>
-              <a:lnSpc>
-                <a:spcPct val="150000"/>
-              </a:lnSpc>
-              <a:defRPr/>
-            </a:pPr>
             <a:r>
-              <a:rPr lang="ko-KR" altLang="en-US" sz="1400" dirty="0">
+              <a:rPr lang="en-US" altLang="ko-KR" sz="1600" b="1">
                 <a:solidFill>
                   <a:prstClr val="white"/>
                 </a:solidFill>
               </a:rPr>
-              <a:t>컨텐츠에 대한 내용을 적어요</a:t>
+              <a:t>HSV </a:t>
             </a:r>
-            <a:endParaRPr lang="en-US" altLang="ko-KR" sz="1400" dirty="0">
+            <a:r>
+              <a:rPr lang="ko-KR" altLang="en-US" sz="1600" b="1">
+                <a:solidFill>
+                  <a:prstClr val="white"/>
+                </a:solidFill>
+              </a:rPr>
+              <a:t>조절 </a:t>
+            </a:r>
+            <a:r>
+              <a:rPr kumimoji="0" lang="ko-KR" altLang="en-US" sz="1600" b="1" i="0" u="none" strike="noStrike" kern="1200" cap="none" spc="0" normalizeH="0" baseline="0" noProof="0">
+                <a:ln>
+                  <a:noFill/>
+                </a:ln>
+                <a:solidFill>
+                  <a:prstClr val="white"/>
+                </a:solidFill>
+                <a:effectLst/>
+                <a:uLnTx/>
+                <a:uFillTx/>
+                <a:latin typeface="맑은 고딕" panose="020F0502020204030204"/>
+                <a:ea typeface="맑은 고딕" panose="020B0503020000020004" pitchFamily="50" charset="-127"/>
+                <a:cs typeface="+mn-cs"/>
+              </a:rPr>
+              <a:t>→ 이원화</a:t>
+            </a:r>
+            <a:endParaRPr lang="ko-KR" altLang="en-US" sz="1000" dirty="0">
               <a:solidFill>
                 <a:prstClr val="white"/>
               </a:solidFill>
             </a:endParaRPr>
-          </a:p>
-          <a:p>
-            <a:pPr>
-              <a:lnSpc>
-                <a:spcPct val="150000"/>
-              </a:lnSpc>
-              <a:defRPr/>
-            </a:pPr>
-            <a:r>
-              <a:rPr lang="ko-KR" altLang="en-US" sz="1000" dirty="0">
-                <a:solidFill>
-                  <a:prstClr val="white"/>
-                </a:solidFill>
-              </a:rPr>
-              <a:t>Enjoy your stylish business and campus life with BIZCAM </a:t>
-            </a:r>
           </a:p>
         </p:txBody>
       </p:sp>
@@ -9368,8 +13120,8 @@
         </p:nvSpPr>
         <p:spPr>
           <a:xfrm>
-            <a:off x="4655376" y="4417517"/>
-            <a:ext cx="2915825" cy="1246495"/>
+            <a:off x="906772" y="2704508"/>
+            <a:ext cx="2915825" cy="414024"/>
           </a:xfrm>
           <a:prstGeom prst="rect">
             <a:avLst/>
@@ -9381,57 +13133,33 @@
           </a:bodyPr>
           <a:lstStyle/>
           <a:p>
-            <a:pPr algn="ctr">
+            <a:pPr>
               <a:lnSpc>
                 <a:spcPct val="150000"/>
               </a:lnSpc>
               <a:defRPr/>
             </a:pPr>
             <a:r>
-              <a:rPr lang="en-US" altLang="ko-KR" sz="1600" b="1" dirty="0">
+              <a:rPr lang="en-US" altLang="ko-KR" sz="1600" b="1">
                 <a:solidFill>
                   <a:prstClr val="white"/>
                 </a:solidFill>
               </a:rPr>
-              <a:t>CONTENTS A</a:t>
+              <a:t>HSV </a:t>
             </a:r>
-          </a:p>
-          <a:p>
-            <a:pPr algn="ctr">
-              <a:lnSpc>
-                <a:spcPct val="150000"/>
-              </a:lnSpc>
-              <a:defRPr/>
-            </a:pPr>
             <a:r>
-              <a:rPr lang="ko-KR" altLang="en-US" sz="1400" dirty="0">
+              <a:rPr lang="ko-KR" altLang="en-US" sz="1600" b="1">
                 <a:solidFill>
                   <a:prstClr val="white"/>
                 </a:solidFill>
               </a:rPr>
-              <a:t>컨텐츠에 대한 내용을 적어요</a:t>
+              <a:t>조절 바 추가</a:t>
             </a:r>
-            <a:endParaRPr lang="en-US" altLang="ko-KR" sz="1400" dirty="0">
+            <a:endParaRPr lang="ko-KR" altLang="en-US" sz="1000" dirty="0">
               <a:solidFill>
                 <a:prstClr val="white"/>
               </a:solidFill>
             </a:endParaRPr>
-          </a:p>
-          <a:p>
-            <a:pPr algn="ctr">
-              <a:lnSpc>
-                <a:spcPct val="150000"/>
-              </a:lnSpc>
-              <a:defRPr/>
-            </a:pPr>
-            <a:r>
-              <a:rPr lang="ko-KR" altLang="en-US" sz="1000" dirty="0">
-                <a:solidFill>
-                  <a:prstClr val="white"/>
-                </a:solidFill>
-              </a:rPr>
-              <a:t>Enjoy your stylish business and campus life with BIZCAM </a:t>
-            </a:r>
           </a:p>
         </p:txBody>
       </p:sp>
@@ -9581,480 +13309,6 @@
     <p:extLst>
       <p:ext uri="{BB962C8B-B14F-4D97-AF65-F5344CB8AC3E}">
         <p14:creationId xmlns:p14="http://schemas.microsoft.com/office/powerpoint/2010/main" val="132676992"/>
-      </p:ext>
-    </p:extLst>
-  </p:cSld>
-  <p:clrMapOvr>
-    <a:masterClrMapping/>
-  </p:clrMapOvr>
-</p:sld>
-</file>
-
-<file path=ppt/slides/slide5.xml><?xml version="1.0" encoding="utf-8"?>
-<p:sld xmlns:a="http://schemas.openxmlformats.org/drawingml/2006/main" xmlns:r="http://schemas.openxmlformats.org/officeDocument/2006/relationships" xmlns:p="http://schemas.openxmlformats.org/presentationml/2006/main">
-  <p:cSld>
-    <p:spTree>
-      <p:nvGrpSpPr>
-        <p:cNvPr id="1" name=""/>
-        <p:cNvGrpSpPr/>
-        <p:nvPr/>
-      </p:nvGrpSpPr>
-      <p:grpSpPr>
-        <a:xfrm>
-          <a:off x="0" y="0"/>
-          <a:ext cx="0" cy="0"/>
-          <a:chOff x="0" y="0"/>
-          <a:chExt cx="0" cy="0"/>
-        </a:xfrm>
-      </p:grpSpPr>
-      <p:sp>
-        <p:nvSpPr>
-          <p:cNvPr id="4" name="직사각형 3"/>
-          <p:cNvSpPr/>
-          <p:nvPr/>
-        </p:nvSpPr>
-        <p:spPr>
-          <a:xfrm>
-            <a:off x="3988947" y="461016"/>
-            <a:ext cx="4236842" cy="655372"/>
-          </a:xfrm>
-          <a:prstGeom prst="rect">
-            <a:avLst/>
-          </a:prstGeom>
-        </p:spPr>
-        <p:txBody>
-          <a:bodyPr wrap="square">
-            <a:spAutoFit/>
-          </a:bodyPr>
-          <a:lstStyle/>
-          <a:p>
-            <a:pPr algn="ctr">
-              <a:lnSpc>
-                <a:spcPct val="150000"/>
-              </a:lnSpc>
-            </a:pPr>
-            <a:r>
-              <a:rPr lang="ko-KR" altLang="en-US" sz="2800" b="1" dirty="0">
-                <a:solidFill>
-                  <a:prstClr val="black">
-                    <a:lumMod val="75000"/>
-                    <a:lumOff val="25000"/>
-                  </a:prstClr>
-                </a:solidFill>
-              </a:rPr>
-              <a:t>오늘 사용한 색상은</a:t>
-            </a:r>
-            <a:r>
-              <a:rPr lang="en-US" altLang="ko-KR" sz="2800" b="1" dirty="0">
-                <a:solidFill>
-                  <a:prstClr val="black">
-                    <a:lumMod val="75000"/>
-                    <a:lumOff val="25000"/>
-                  </a:prstClr>
-                </a:solidFill>
-              </a:rPr>
-              <a:t>?</a:t>
-            </a:r>
-            <a:endParaRPr lang="ko-KR" altLang="en-US" sz="2000" dirty="0">
-              <a:solidFill>
-                <a:prstClr val="black">
-                  <a:lumMod val="75000"/>
-                  <a:lumOff val="25000"/>
-                </a:prstClr>
-              </a:solidFill>
-            </a:endParaRPr>
-          </a:p>
-        </p:txBody>
-      </p:sp>
-      <p:sp>
-        <p:nvSpPr>
-          <p:cNvPr id="5" name="직사각형 4"/>
-          <p:cNvSpPr/>
-          <p:nvPr/>
-        </p:nvSpPr>
-        <p:spPr>
-          <a:xfrm>
-            <a:off x="2456131" y="5277393"/>
-            <a:ext cx="7302474" cy="1154162"/>
-          </a:xfrm>
-          <a:prstGeom prst="rect">
-            <a:avLst/>
-          </a:prstGeom>
-        </p:spPr>
-        <p:txBody>
-          <a:bodyPr wrap="square">
-            <a:spAutoFit/>
-          </a:bodyPr>
-          <a:lstStyle/>
-          <a:p>
-            <a:pPr algn="ctr">
-              <a:lnSpc>
-                <a:spcPct val="150000"/>
-              </a:lnSpc>
-            </a:pPr>
-            <a:r>
-              <a:rPr lang="en-US" altLang="ko-KR" b="1" dirty="0">
-                <a:solidFill>
-                  <a:prstClr val="black">
-                    <a:lumMod val="75000"/>
-                    <a:lumOff val="25000"/>
-                  </a:prstClr>
-                </a:solidFill>
-              </a:rPr>
-              <a:t>*</a:t>
-            </a:r>
-            <a:r>
-              <a:rPr lang="ko-KR" altLang="en-US" b="1" dirty="0">
-                <a:solidFill>
-                  <a:prstClr val="black">
-                    <a:lumMod val="75000"/>
-                    <a:lumOff val="25000"/>
-                  </a:prstClr>
-                </a:solidFill>
-              </a:rPr>
-              <a:t>점선 테두리는 기본 컬러</a:t>
-            </a:r>
-            <a:endParaRPr lang="en-US" altLang="ko-KR" b="1" dirty="0">
-              <a:solidFill>
-                <a:prstClr val="black">
-                  <a:lumMod val="75000"/>
-                  <a:lumOff val="25000"/>
-                </a:prstClr>
-              </a:solidFill>
-            </a:endParaRPr>
-          </a:p>
-          <a:p>
-            <a:pPr algn="ctr">
-              <a:lnSpc>
-                <a:spcPct val="150000"/>
-              </a:lnSpc>
-            </a:pPr>
-            <a:r>
-              <a:rPr lang="en-US" altLang="ko-KR" sz="1400" dirty="0">
-                <a:solidFill>
-                  <a:prstClr val="black">
-                    <a:lumMod val="75000"/>
-                    <a:lumOff val="25000"/>
-                  </a:prstClr>
-                </a:solidFill>
-              </a:rPr>
-              <a:t>2013 </a:t>
-            </a:r>
-            <a:r>
-              <a:rPr lang="ko-KR" altLang="en-US" sz="1400" dirty="0">
-                <a:solidFill>
-                  <a:prstClr val="black">
-                    <a:lumMod val="75000"/>
-                    <a:lumOff val="25000"/>
-                  </a:prstClr>
-                </a:solidFill>
-              </a:rPr>
-              <a:t>버전 이상 사용자께서는 스포이트 기능을 이용하시면 </a:t>
-            </a:r>
-            <a:r>
-              <a:rPr lang="ko-KR" altLang="en-US" sz="1400" dirty="0" err="1">
-                <a:solidFill>
-                  <a:prstClr val="black">
-                    <a:lumMod val="75000"/>
-                    <a:lumOff val="25000"/>
-                  </a:prstClr>
-                </a:solidFill>
-              </a:rPr>
-              <a:t>편하구요</a:t>
-            </a:r>
-            <a:r>
-              <a:rPr lang="en-US" altLang="ko-KR" sz="1400" dirty="0">
-                <a:solidFill>
-                  <a:prstClr val="black">
-                    <a:lumMod val="75000"/>
-                    <a:lumOff val="25000"/>
-                  </a:prstClr>
-                </a:solidFill>
-              </a:rPr>
-              <a:t>.</a:t>
-            </a:r>
-          </a:p>
-          <a:p>
-            <a:pPr algn="ctr">
-              <a:lnSpc>
-                <a:spcPct val="150000"/>
-              </a:lnSpc>
-            </a:pPr>
-            <a:r>
-              <a:rPr lang="en-US" altLang="ko-KR" sz="1400" dirty="0">
-                <a:solidFill>
-                  <a:prstClr val="black">
-                    <a:lumMod val="75000"/>
-                    <a:lumOff val="25000"/>
-                  </a:prstClr>
-                </a:solidFill>
-              </a:rPr>
-              <a:t>2010 </a:t>
-            </a:r>
-            <a:r>
-              <a:rPr lang="ko-KR" altLang="en-US" sz="1400" dirty="0">
-                <a:solidFill>
-                  <a:prstClr val="black">
-                    <a:lumMod val="75000"/>
-                    <a:lumOff val="25000"/>
-                  </a:prstClr>
-                </a:solidFill>
-              </a:rPr>
-              <a:t>이하 버전 사용자 께서는 다른 채우기 색 </a:t>
-            </a:r>
-            <a:r>
-              <a:rPr lang="en-US" altLang="ko-KR" sz="1400" dirty="0">
-                <a:solidFill>
-                  <a:prstClr val="black">
-                    <a:lumMod val="75000"/>
-                    <a:lumOff val="25000"/>
-                  </a:prstClr>
-                </a:solidFill>
-              </a:rPr>
-              <a:t>&gt;</a:t>
-            </a:r>
-            <a:r>
-              <a:rPr lang="ko-KR" altLang="en-US" sz="1400" dirty="0">
-                <a:solidFill>
-                  <a:prstClr val="black">
-                    <a:lumMod val="75000"/>
-                    <a:lumOff val="25000"/>
-                  </a:prstClr>
-                </a:solidFill>
-              </a:rPr>
-              <a:t> 사용자 지정 탭 </a:t>
-            </a:r>
-            <a:r>
-              <a:rPr lang="en-US" altLang="ko-KR" sz="1400" dirty="0">
-                <a:solidFill>
-                  <a:prstClr val="black">
-                    <a:lumMod val="75000"/>
-                    <a:lumOff val="25000"/>
-                  </a:prstClr>
-                </a:solidFill>
-              </a:rPr>
-              <a:t>&gt; RGB </a:t>
-            </a:r>
-            <a:r>
-              <a:rPr lang="ko-KR" altLang="en-US" sz="1400" dirty="0">
-                <a:solidFill>
-                  <a:prstClr val="black">
-                    <a:lumMod val="75000"/>
-                    <a:lumOff val="25000"/>
-                  </a:prstClr>
-                </a:solidFill>
-              </a:rPr>
-              <a:t>색상 값 입력</a:t>
-            </a:r>
-            <a:endParaRPr lang="en-US" altLang="ko-KR" sz="1400" dirty="0">
-              <a:solidFill>
-                <a:prstClr val="black">
-                  <a:lumMod val="75000"/>
-                  <a:lumOff val="25000"/>
-                </a:prstClr>
-              </a:solidFill>
-            </a:endParaRPr>
-          </a:p>
-        </p:txBody>
-      </p:sp>
-      <p:sp>
-        <p:nvSpPr>
-          <p:cNvPr id="10" name="타원 9"/>
-          <p:cNvSpPr/>
-          <p:nvPr/>
-        </p:nvSpPr>
-        <p:spPr>
-          <a:xfrm>
-            <a:off x="3224212" y="1889508"/>
-            <a:ext cx="2505511" cy="2505509"/>
-          </a:xfrm>
-          <a:prstGeom prst="ellipse">
-            <a:avLst/>
-          </a:prstGeom>
-          <a:solidFill>
-            <a:srgbClr val="1B2540"/>
-          </a:solidFill>
-          <a:ln w="15875">
-            <a:noFill/>
-            <a:prstDash val="dash"/>
-          </a:ln>
-        </p:spPr>
-        <p:style>
-          <a:lnRef idx="2">
-            <a:schemeClr val="accent1">
-              <a:shade val="50000"/>
-            </a:schemeClr>
-          </a:lnRef>
-          <a:fillRef idx="1">
-            <a:schemeClr val="accent1"/>
-          </a:fillRef>
-          <a:effectRef idx="0">
-            <a:schemeClr val="accent1"/>
-          </a:effectRef>
-          <a:fontRef idx="minor">
-            <a:schemeClr val="lt1"/>
-          </a:fontRef>
-        </p:style>
-        <p:txBody>
-          <a:bodyPr rtlCol="0" anchor="ctr"/>
-          <a:lstStyle/>
-          <a:p>
-            <a:pPr algn="ctr">
-              <a:lnSpc>
-                <a:spcPct val="150000"/>
-              </a:lnSpc>
-            </a:pPr>
-            <a:r>
-              <a:rPr lang="en-US" altLang="ko-KR" sz="3200" b="1" dirty="0">
-                <a:ln w="3175">
-                  <a:noFill/>
-                </a:ln>
-                <a:solidFill>
-                  <a:prstClr val="white"/>
-                </a:solidFill>
-              </a:rPr>
-              <a:t>R 27</a:t>
-            </a:r>
-          </a:p>
-          <a:p>
-            <a:pPr algn="ctr">
-              <a:lnSpc>
-                <a:spcPct val="150000"/>
-              </a:lnSpc>
-            </a:pPr>
-            <a:r>
-              <a:rPr lang="en-US" altLang="ko-KR" sz="3200" b="1" dirty="0">
-                <a:ln w="3175">
-                  <a:noFill/>
-                </a:ln>
-                <a:solidFill>
-                  <a:prstClr val="white"/>
-                </a:solidFill>
-              </a:rPr>
-              <a:t>G 37</a:t>
-            </a:r>
-          </a:p>
-          <a:p>
-            <a:pPr algn="ctr">
-              <a:lnSpc>
-                <a:spcPct val="150000"/>
-              </a:lnSpc>
-            </a:pPr>
-            <a:r>
-              <a:rPr lang="en-US" altLang="ko-KR" sz="3200" b="1" dirty="0">
-                <a:ln w="3175">
-                  <a:noFill/>
-                </a:ln>
-                <a:solidFill>
-                  <a:prstClr val="white"/>
-                </a:solidFill>
-              </a:rPr>
-              <a:t>B 64</a:t>
-            </a:r>
-          </a:p>
-        </p:txBody>
-      </p:sp>
-      <p:sp>
-        <p:nvSpPr>
-          <p:cNvPr id="8" name="타원 7"/>
-          <p:cNvSpPr/>
-          <p:nvPr/>
-        </p:nvSpPr>
-        <p:spPr>
-          <a:xfrm>
-            <a:off x="6418392" y="1889508"/>
-            <a:ext cx="2505511" cy="2505509"/>
-          </a:xfrm>
-          <a:prstGeom prst="ellipse">
-            <a:avLst/>
-          </a:prstGeom>
-          <a:solidFill>
-            <a:srgbClr val="2CE2E2"/>
-          </a:solidFill>
-          <a:ln w="15875">
-            <a:noFill/>
-            <a:prstDash val="dash"/>
-          </a:ln>
-        </p:spPr>
-        <p:style>
-          <a:lnRef idx="2">
-            <a:schemeClr val="accent1">
-              <a:shade val="50000"/>
-            </a:schemeClr>
-          </a:lnRef>
-          <a:fillRef idx="1">
-            <a:schemeClr val="accent1"/>
-          </a:fillRef>
-          <a:effectRef idx="0">
-            <a:schemeClr val="accent1"/>
-          </a:effectRef>
-          <a:fontRef idx="minor">
-            <a:schemeClr val="lt1"/>
-          </a:fontRef>
-        </p:style>
-        <p:txBody>
-          <a:bodyPr rtlCol="0" anchor="ctr"/>
-          <a:lstStyle/>
-          <a:p>
-            <a:pPr algn="ctr">
-              <a:lnSpc>
-                <a:spcPct val="150000"/>
-              </a:lnSpc>
-            </a:pPr>
-            <a:r>
-              <a:rPr lang="en-US" altLang="ko-KR" sz="3200" b="1" dirty="0">
-                <a:ln w="3175">
-                  <a:noFill/>
-                </a:ln>
-                <a:solidFill>
-                  <a:prstClr val="white"/>
-                </a:solidFill>
-              </a:rPr>
-              <a:t>R 44</a:t>
-            </a:r>
-          </a:p>
-          <a:p>
-            <a:pPr algn="ctr">
-              <a:lnSpc>
-                <a:spcPct val="150000"/>
-              </a:lnSpc>
-            </a:pPr>
-            <a:r>
-              <a:rPr lang="en-US" altLang="ko-KR" sz="3200" b="1" dirty="0">
-                <a:ln w="3175">
-                  <a:noFill/>
-                </a:ln>
-                <a:solidFill>
-                  <a:prstClr val="white"/>
-                </a:solidFill>
-              </a:rPr>
-              <a:t>G 226</a:t>
-            </a:r>
-          </a:p>
-          <a:p>
-            <a:pPr algn="ctr">
-              <a:lnSpc>
-                <a:spcPct val="150000"/>
-              </a:lnSpc>
-            </a:pPr>
-            <a:r>
-              <a:rPr lang="en-US" altLang="ko-KR" sz="3200" b="1" dirty="0">
-                <a:ln w="3175">
-                  <a:noFill/>
-                </a:ln>
-                <a:solidFill>
-                  <a:prstClr val="white"/>
-                </a:solidFill>
-              </a:rPr>
-              <a:t>B 226</a:t>
-            </a:r>
-          </a:p>
-        </p:txBody>
-      </p:sp>
-    </p:spTree>
-    <p:extLst>
-      <p:ext uri="{BB962C8B-B14F-4D97-AF65-F5344CB8AC3E}">
-        <p14:creationId xmlns:p14="http://schemas.microsoft.com/office/powerpoint/2010/main" val="124981467"/>
       </p:ext>
     </p:extLst>
   </p:cSld>

--- a/팀플/9월27일발표ppt.pptx
+++ b/팀플/9월27일발표ppt.pptx
@@ -5782,10 +5782,10 @@
       </p:grpSp>
       <p:pic>
         <p:nvPicPr>
-          <p:cNvPr id="9" name="그림 8">
+          <p:cNvPr id="12" name="그림 11">
             <a:extLst>
               <a:ext uri="{FF2B5EF4-FFF2-40B4-BE49-F238E27FC236}">
-                <a16:creationId xmlns:a16="http://schemas.microsoft.com/office/drawing/2014/main" id="{246E4C92-A29E-913E-6B17-EE6A38392877}"/>
+                <a16:creationId xmlns:a16="http://schemas.microsoft.com/office/drawing/2014/main" id="{BF060376-682D-234D-7986-CD391ACDC267}"/>
               </a:ext>
             </a:extLst>
           </p:cNvPr>
@@ -5802,8 +5802,8 @@
         </p:blipFill>
         <p:spPr>
           <a:xfrm>
-            <a:off x="658586" y="775367"/>
-            <a:ext cx="7408069" cy="5735279"/>
+            <a:off x="802497" y="789857"/>
+            <a:ext cx="7694271" cy="5896023"/>
           </a:xfrm>
           <a:prstGeom prst="rect">
             <a:avLst/>
@@ -6832,10 +6832,10 @@
       </p:grpSp>
       <p:pic>
         <p:nvPicPr>
-          <p:cNvPr id="9" name="그림 8">
+          <p:cNvPr id="12" name="그림 11">
             <a:extLst>
               <a:ext uri="{FF2B5EF4-FFF2-40B4-BE49-F238E27FC236}">
-                <a16:creationId xmlns:a16="http://schemas.microsoft.com/office/drawing/2014/main" id="{A973651A-698A-4C1A-3965-DAA9E9FA075A}"/>
+                <a16:creationId xmlns:a16="http://schemas.microsoft.com/office/drawing/2014/main" id="{60A68E4C-18B1-075F-1814-E7F4D00CDD65}"/>
               </a:ext>
             </a:extLst>
           </p:cNvPr>
@@ -6852,8 +6852,8 @@
         </p:blipFill>
         <p:spPr>
           <a:xfrm>
-            <a:off x="500639" y="2206913"/>
-            <a:ext cx="7251648" cy="2323109"/>
+            <a:off x="500639" y="2168231"/>
+            <a:ext cx="7082376" cy="2503782"/>
           </a:xfrm>
           <a:prstGeom prst="rect">
             <a:avLst/>
@@ -7882,10 +7882,10 @@
       </p:grpSp>
       <p:pic>
         <p:nvPicPr>
-          <p:cNvPr id="9" name="그림 8">
+          <p:cNvPr id="12" name="그림 11">
             <a:extLst>
               <a:ext uri="{FF2B5EF4-FFF2-40B4-BE49-F238E27FC236}">
-                <a16:creationId xmlns:a16="http://schemas.microsoft.com/office/drawing/2014/main" id="{6DDFA5A4-FCAA-F8DE-124F-C0BE579F2201}"/>
+                <a16:creationId xmlns:a16="http://schemas.microsoft.com/office/drawing/2014/main" id="{5CEC7262-2F14-0A05-B7DE-4DEEE2B41405}"/>
               </a:ext>
             </a:extLst>
           </p:cNvPr>
@@ -7902,8 +7902,8 @@
         </p:blipFill>
         <p:spPr>
           <a:xfrm>
-            <a:off x="658586" y="783870"/>
-            <a:ext cx="7952018" cy="5598955"/>
+            <a:off x="775642" y="815616"/>
+            <a:ext cx="8082608" cy="5535463"/>
           </a:xfrm>
           <a:prstGeom prst="rect">
             <a:avLst/>
@@ -8938,10 +8938,10 @@
       </p:sp>
       <p:pic>
         <p:nvPicPr>
-          <p:cNvPr id="10" name="그림 9">
+          <p:cNvPr id="12" name="그림 11">
             <a:extLst>
               <a:ext uri="{FF2B5EF4-FFF2-40B4-BE49-F238E27FC236}">
-                <a16:creationId xmlns:a16="http://schemas.microsoft.com/office/drawing/2014/main" id="{73FE37A7-8C1A-157C-38F9-4B281FCDB6DB}"/>
+                <a16:creationId xmlns:a16="http://schemas.microsoft.com/office/drawing/2014/main" id="{B91CC24C-EA98-03FE-085E-400A000AB387}"/>
               </a:ext>
             </a:extLst>
           </p:cNvPr>
@@ -8958,8 +8958,8 @@
         </p:blipFill>
         <p:spPr>
           <a:xfrm>
-            <a:off x="739528" y="776022"/>
-            <a:ext cx="6549848" cy="5656687"/>
+            <a:off x="703820" y="671179"/>
+            <a:ext cx="6001224" cy="6018034"/>
           </a:xfrm>
           <a:prstGeom prst="rect">
             <a:avLst/>

--- a/팀플/9월27일발표ppt.pptx
+++ b/팀플/9월27일발표ppt.pptx
@@ -274,7 +274,7 @@
                 </a:solidFill>
               </a:rPr>
               <a:pPr/>
-              <a:t>2024-09-27(Fri)</a:t>
+              <a:t>2024-10-18(Fri)</a:t>
             </a:fld>
             <a:endParaRPr lang="ko-KR" altLang="en-US" dirty="0">
               <a:solidFill>
@@ -504,7 +504,7 @@
                 </a:solidFill>
               </a:rPr>
               <a:pPr/>
-              <a:t>2024-09-27(Fri)</a:t>
+              <a:t>2024-10-18(Fri)</a:t>
             </a:fld>
             <a:endParaRPr lang="ko-KR" altLang="en-US" dirty="0">
               <a:solidFill>
@@ -744,7 +744,7 @@
                 </a:solidFill>
               </a:rPr>
               <a:pPr/>
-              <a:t>2024-09-27(Fri)</a:t>
+              <a:t>2024-10-18(Fri)</a:t>
             </a:fld>
             <a:endParaRPr lang="ko-KR" altLang="en-US" dirty="0">
               <a:solidFill>
@@ -974,7 +974,7 @@
                 </a:solidFill>
               </a:rPr>
               <a:pPr/>
-              <a:t>2024-09-27(Fri)</a:t>
+              <a:t>2024-10-18(Fri)</a:t>
             </a:fld>
             <a:endParaRPr lang="ko-KR" altLang="en-US" dirty="0">
               <a:solidFill>
@@ -1281,7 +1281,7 @@
                 </a:solidFill>
               </a:rPr>
               <a:pPr/>
-              <a:t>2024-09-27(Fri)</a:t>
+              <a:t>2024-10-18(Fri)</a:t>
             </a:fld>
             <a:endParaRPr lang="ko-KR" altLang="en-US" dirty="0">
               <a:solidFill>
@@ -1578,7 +1578,7 @@
                 </a:solidFill>
               </a:rPr>
               <a:pPr/>
-              <a:t>2024-09-27(Fri)</a:t>
+              <a:t>2024-10-18(Fri)</a:t>
             </a:fld>
             <a:endParaRPr lang="ko-KR" altLang="en-US" dirty="0">
               <a:solidFill>
@@ -2022,7 +2022,7 @@
                 </a:solidFill>
               </a:rPr>
               <a:pPr/>
-              <a:t>2024-09-27(Fri)</a:t>
+              <a:t>2024-10-18(Fri)</a:t>
             </a:fld>
             <a:endParaRPr lang="ko-KR" altLang="en-US" dirty="0">
               <a:solidFill>
@@ -2195,7 +2195,7 @@
                 </a:solidFill>
               </a:rPr>
               <a:pPr/>
-              <a:t>2024-09-27(Fri)</a:t>
+              <a:t>2024-10-18(Fri)</a:t>
             </a:fld>
             <a:endParaRPr lang="ko-KR" altLang="en-US" dirty="0">
               <a:solidFill>
@@ -2340,7 +2340,7 @@
                 </a:solidFill>
               </a:rPr>
               <a:pPr/>
-              <a:t>2024-09-27(Fri)</a:t>
+              <a:t>2024-10-18(Fri)</a:t>
             </a:fld>
             <a:endParaRPr lang="ko-KR" altLang="en-US" dirty="0">
               <a:solidFill>
@@ -2683,7 +2683,7 @@
                 </a:solidFill>
               </a:rPr>
               <a:pPr/>
-              <a:t>2024-09-27(Fri)</a:t>
+              <a:t>2024-10-18(Fri)</a:t>
             </a:fld>
             <a:endParaRPr lang="ko-KR" altLang="en-US" dirty="0">
               <a:solidFill>
@@ -3003,7 +3003,7 @@
                 </a:solidFill>
               </a:rPr>
               <a:pPr/>
-              <a:t>2024-09-27(Fri)</a:t>
+              <a:t>2024-10-18(Fri)</a:t>
             </a:fld>
             <a:endParaRPr lang="ko-KR" altLang="en-US" dirty="0">
               <a:solidFill>
@@ -3276,7 +3276,7 @@
                 </a:solidFill>
               </a:rPr>
               <a:pPr/>
-              <a:t>2024-09-27(Fri)</a:t>
+              <a:t>2024-10-18(Fri)</a:t>
             </a:fld>
             <a:endParaRPr lang="ko-KR" altLang="en-US" dirty="0">
               <a:solidFill>
@@ -4178,7 +4178,7 @@
               <a:defRPr/>
             </a:pPr>
             <a:r>
-              <a:rPr lang="en-US" altLang="ko-KR" sz="4400" i="1" kern="0">
+              <a:rPr lang="en-US" altLang="ko-KR" sz="4400" kern="0">
                 <a:ln w="9525">
                   <a:noFill/>
                 </a:ln>
@@ -4191,7 +4191,7 @@
               <a:t>AI</a:t>
             </a:r>
             <a:r>
-              <a:rPr lang="ko-KR" altLang="en-US" sz="4400" i="1" kern="0">
+              <a:rPr lang="ko-KR" altLang="en-US" sz="4400" kern="0">
                 <a:ln w="9525">
                   <a:noFill/>
                 </a:ln>
@@ -4203,7 +4203,7 @@
               </a:rPr>
               <a:t>비전응용</a:t>
             </a:r>
-            <a:endParaRPr lang="en-US" altLang="ko-KR" sz="4400" i="1" kern="0">
+            <a:endParaRPr lang="en-US" altLang="ko-KR" sz="4400" kern="0">
               <a:ln w="9525">
                 <a:noFill/>
               </a:ln>
@@ -4215,7 +4215,7 @@
             </a:endParaRPr>
           </a:p>
           <a:p>
-            <a:pPr marL="176213" latinLnBrk="0">
+            <a:pPr marL="176213" algn="r" latinLnBrk="0">
               <a:tabLst>
                 <a:tab pos="1076325" algn="l"/>
                 <a:tab pos="1162050" algn="l"/>
@@ -5276,7 +5276,7 @@
                 <a:defRPr/>
               </a:pPr>
               <a:r>
-                <a:rPr kumimoji="0" lang="en-US" altLang="ko-KR" sz="2400" b="0" i="1" u="none" strike="noStrike" kern="0" cap="none" spc="0" normalizeH="0" baseline="0" noProof="0">
+                <a:rPr kumimoji="0" lang="en-US" altLang="ko-KR" sz="2400" b="0" u="none" strike="noStrike" kern="0" cap="none" spc="0" normalizeH="0" baseline="0" noProof="0">
                   <a:ln w="9525">
                     <a:noFill/>
                   </a:ln>
@@ -5293,6 +5293,23 @@
                 <a:t>AI</a:t>
               </a:r>
               <a:r>
+                <a:rPr kumimoji="0" lang="ko-KR" altLang="en-US" sz="2400" b="0" u="none" strike="noStrike" kern="0" cap="none" spc="0" normalizeH="0" baseline="0" noProof="0">
+                  <a:ln w="9525">
+                    <a:noFill/>
+                  </a:ln>
+                  <a:solidFill>
+                    <a:prstClr val="white"/>
+                  </a:solidFill>
+                  <a:effectLst/>
+                  <a:uLnTx/>
+                  <a:uFillTx/>
+                  <a:latin typeface="Tmon몬소리 Black" panose="02000A03000000000000" pitchFamily="2" charset="-127"/>
+                  <a:ea typeface="Tmon몬소리 Black" panose="02000A03000000000000" pitchFamily="2" charset="-127"/>
+                  <a:cs typeface="+mn-cs"/>
+                </a:rPr>
+                <a:t>비전응용</a:t>
+              </a:r>
+              <a:r>
                 <a:rPr kumimoji="0" lang="ko-KR" altLang="en-US" sz="2400" b="0" i="1" u="none" strike="noStrike" kern="0" cap="none" spc="0" normalizeH="0" baseline="0" noProof="0">
                   <a:ln w="9525">
                     <a:noFill/>
@@ -5307,7 +5324,7 @@
                   <a:ea typeface="Tmon몬소리 Black" panose="02000A03000000000000" pitchFamily="2" charset="-127"/>
                   <a:cs typeface="+mn-cs"/>
                 </a:rPr>
-                <a:t>비전응용 </a:t>
+                <a:t> </a:t>
               </a:r>
               <a:r>
                 <a:rPr kumimoji="0" lang="en-US" altLang="ko-KR" sz="1100" b="0" i="0" u="none" strike="noStrike" kern="0" cap="none" spc="0" normalizeH="0" baseline="0" noProof="0">
@@ -6326,7 +6343,7 @@
                 <a:defRPr/>
               </a:pPr>
               <a:r>
-                <a:rPr kumimoji="0" lang="en-US" altLang="ko-KR" sz="2400" b="0" i="1" u="none" strike="noStrike" kern="0" cap="none" spc="0" normalizeH="0" baseline="0" noProof="0">
+                <a:rPr kumimoji="0" lang="en-US" altLang="ko-KR" sz="2400" b="0" u="none" strike="noStrike" kern="0" cap="none" spc="0" normalizeH="0" baseline="0" noProof="0">
                   <a:ln w="9525">
                     <a:noFill/>
                   </a:ln>
@@ -6343,7 +6360,7 @@
                 <a:t>AI</a:t>
               </a:r>
               <a:r>
-                <a:rPr kumimoji="0" lang="ko-KR" altLang="en-US" sz="2400" b="0" i="1" u="none" strike="noStrike" kern="0" cap="none" spc="0" normalizeH="0" baseline="0" noProof="0">
+                <a:rPr kumimoji="0" lang="ko-KR" altLang="en-US" sz="2400" b="0" u="none" strike="noStrike" kern="0" cap="none" spc="0" normalizeH="0" baseline="0" noProof="0">
                   <a:ln w="9525">
                     <a:noFill/>
                   </a:ln>
@@ -6360,7 +6377,7 @@
                 <a:t>비전응용 </a:t>
               </a:r>
               <a:r>
-                <a:rPr kumimoji="0" lang="en-US" altLang="ko-KR" sz="1100" b="0" i="0" u="none" strike="noStrike" kern="0" cap="none" spc="0" normalizeH="0" baseline="0" noProof="0">
+                <a:rPr kumimoji="0" lang="en-US" altLang="ko-KR" sz="1100" b="0" u="none" strike="noStrike" kern="0" cap="none" spc="0" normalizeH="0" baseline="0" noProof="0">
                   <a:ln>
                     <a:noFill/>
                   </a:ln>
@@ -6376,7 +6393,7 @@
                 </a:rPr>
                 <a:t>Team meeting with processor</a:t>
               </a:r>
-              <a:endParaRPr kumimoji="0" lang="ko-KR" altLang="en-US" sz="3200" b="0" i="0" u="none" strike="noStrike" kern="0" cap="none" spc="0" normalizeH="0" baseline="0" noProof="0" dirty="0">
+              <a:endParaRPr kumimoji="0" lang="ko-KR" altLang="en-US" sz="3200" b="0" u="none" strike="noStrike" kern="0" cap="none" spc="0" normalizeH="0" baseline="0" noProof="0" dirty="0">
                 <a:ln>
                   <a:noFill/>
                 </a:ln>
@@ -7376,7 +7393,7 @@
                 <a:defRPr/>
               </a:pPr>
               <a:r>
-                <a:rPr kumimoji="0" lang="en-US" altLang="ko-KR" sz="2400" b="0" i="1" u="none" strike="noStrike" kern="0" cap="none" spc="0" normalizeH="0" baseline="0" noProof="0">
+                <a:rPr kumimoji="0" lang="en-US" altLang="ko-KR" sz="2400" b="0" u="none" strike="noStrike" kern="0" cap="none" spc="0" normalizeH="0" baseline="0" noProof="0">
                   <a:ln w="9525">
                     <a:noFill/>
                   </a:ln>
@@ -7393,7 +7410,7 @@
                 <a:t>AI</a:t>
               </a:r>
               <a:r>
-                <a:rPr kumimoji="0" lang="ko-KR" altLang="en-US" sz="2400" b="0" i="1" u="none" strike="noStrike" kern="0" cap="none" spc="0" normalizeH="0" baseline="0" noProof="0">
+                <a:rPr kumimoji="0" lang="ko-KR" altLang="en-US" sz="2400" b="0" u="none" strike="noStrike" kern="0" cap="none" spc="0" normalizeH="0" baseline="0" noProof="0">
                   <a:ln w="9525">
                     <a:noFill/>
                   </a:ln>
@@ -7410,7 +7427,7 @@
                 <a:t>비전응용 </a:t>
               </a:r>
               <a:r>
-                <a:rPr kumimoji="0" lang="en-US" altLang="ko-KR" sz="1100" b="0" i="0" u="none" strike="noStrike" kern="0" cap="none" spc="0" normalizeH="0" baseline="0" noProof="0">
+                <a:rPr kumimoji="0" lang="en-US" altLang="ko-KR" sz="1100" b="0" u="none" strike="noStrike" kern="0" cap="none" spc="0" normalizeH="0" baseline="0" noProof="0">
                   <a:ln>
                     <a:noFill/>
                   </a:ln>
@@ -7426,7 +7443,7 @@
                 </a:rPr>
                 <a:t>Team meeting with processor</a:t>
               </a:r>
-              <a:endParaRPr kumimoji="0" lang="ko-KR" altLang="en-US" sz="3200" b="0" i="0" u="none" strike="noStrike" kern="0" cap="none" spc="0" normalizeH="0" baseline="0" noProof="0" dirty="0">
+              <a:endParaRPr kumimoji="0" lang="ko-KR" altLang="en-US" sz="3200" b="0" u="none" strike="noStrike" kern="0" cap="none" spc="0" normalizeH="0" baseline="0" noProof="0" dirty="0">
                 <a:ln>
                   <a:noFill/>
                 </a:ln>
@@ -8869,7 +8886,7 @@
               <a:defRPr/>
             </a:pPr>
             <a:r>
-              <a:rPr kumimoji="0" lang="en-US" altLang="ko-KR" sz="2400" b="0" i="1" u="none" strike="noStrike" kern="0" cap="none" spc="0" normalizeH="0" baseline="0" noProof="0">
+              <a:rPr kumimoji="0" lang="en-US" altLang="ko-KR" sz="2400" b="0" u="none" strike="noStrike" kern="0" cap="none" spc="0" normalizeH="0" baseline="0" noProof="0">
                 <a:ln w="9525">
                   <a:noFill/>
                 </a:ln>
@@ -8886,7 +8903,7 @@
               <a:t>AI</a:t>
             </a:r>
             <a:r>
-              <a:rPr kumimoji="0" lang="ko-KR" altLang="en-US" sz="2400" b="0" i="1" u="none" strike="noStrike" kern="0" cap="none" spc="0" normalizeH="0" baseline="0" noProof="0">
+              <a:rPr kumimoji="0" lang="ko-KR" altLang="en-US" sz="2400" b="0" u="none" strike="noStrike" kern="0" cap="none" spc="0" normalizeH="0" baseline="0" noProof="0">
                 <a:ln w="9525">
                   <a:noFill/>
                 </a:ln>
@@ -8903,7 +8920,7 @@
               <a:t>비전응용 </a:t>
             </a:r>
             <a:r>
-              <a:rPr kumimoji="0" lang="en-US" altLang="ko-KR" sz="1100" b="0" i="0" u="none" strike="noStrike" kern="0" cap="none" spc="0" normalizeH="0" baseline="0" noProof="0">
+              <a:rPr kumimoji="0" lang="en-US" altLang="ko-KR" sz="1100" b="0" u="none" strike="noStrike" kern="0" cap="none" spc="0" normalizeH="0" baseline="0" noProof="0">
                 <a:ln>
                   <a:noFill/>
                 </a:ln>
@@ -8919,7 +8936,7 @@
               </a:rPr>
               <a:t>Team meeting with processor</a:t>
             </a:r>
-            <a:endParaRPr kumimoji="0" lang="ko-KR" altLang="en-US" sz="3200" b="0" i="0" u="none" strike="noStrike" kern="0" cap="none" spc="0" normalizeH="0" baseline="0" noProof="0" dirty="0">
+            <a:endParaRPr kumimoji="0" lang="ko-KR" altLang="en-US" sz="3200" b="0" u="none" strike="noStrike" kern="0" cap="none" spc="0" normalizeH="0" baseline="0" noProof="0" dirty="0">
               <a:ln>
                 <a:noFill/>
               </a:ln>
@@ -10981,7 +10998,7 @@
               <a:defRPr/>
             </a:pPr>
             <a:r>
-              <a:rPr kumimoji="0" lang="en-US" altLang="ko-KR" sz="2400" b="0" i="1" u="none" strike="noStrike" kern="0" cap="none" spc="0" normalizeH="0" baseline="0" noProof="0">
+              <a:rPr kumimoji="0" lang="en-US" altLang="ko-KR" sz="2400" b="0" u="none" strike="noStrike" kern="0" cap="none" spc="0" normalizeH="0" baseline="0" noProof="0">
                 <a:ln w="9525">
                   <a:noFill/>
                 </a:ln>
@@ -10998,7 +11015,7 @@
               <a:t>AI</a:t>
             </a:r>
             <a:r>
-              <a:rPr kumimoji="0" lang="ko-KR" altLang="en-US" sz="2400" b="0" i="1" u="none" strike="noStrike" kern="0" cap="none" spc="0" normalizeH="0" baseline="0" noProof="0">
+              <a:rPr kumimoji="0" lang="ko-KR" altLang="en-US" sz="2400" b="0" u="none" strike="noStrike" kern="0" cap="none" spc="0" normalizeH="0" baseline="0" noProof="0">
                 <a:ln w="9525">
                   <a:noFill/>
                 </a:ln>
@@ -11015,7 +11032,7 @@
               <a:t>비전응용 </a:t>
             </a:r>
             <a:r>
-              <a:rPr kumimoji="0" lang="en-US" altLang="ko-KR" sz="1100" b="0" i="0" u="none" strike="noStrike" kern="0" cap="none" spc="0" normalizeH="0" baseline="0" noProof="0">
+              <a:rPr kumimoji="0" lang="en-US" altLang="ko-KR" sz="1100" b="0" u="none" strike="noStrike" kern="0" cap="none" spc="0" normalizeH="0" baseline="0" noProof="0">
                 <a:ln>
                   <a:noFill/>
                 </a:ln>
@@ -11031,7 +11048,7 @@
               </a:rPr>
               <a:t>Team meeting with processor</a:t>
             </a:r>
-            <a:endParaRPr kumimoji="0" lang="ko-KR" altLang="en-US" sz="3200" b="0" i="0" u="none" strike="noStrike" kern="0" cap="none" spc="0" normalizeH="0" baseline="0" noProof="0" dirty="0">
+            <a:endParaRPr kumimoji="0" lang="ko-KR" altLang="en-US" sz="3200" b="0" u="none" strike="noStrike" kern="0" cap="none" spc="0" normalizeH="0" baseline="0" noProof="0" dirty="0">
               <a:ln>
                 <a:noFill/>
               </a:ln>
@@ -12037,7 +12054,7 @@
               <a:defRPr/>
             </a:pPr>
             <a:r>
-              <a:rPr kumimoji="0" lang="en-US" altLang="ko-KR" sz="2400" b="0" i="1" u="none" strike="noStrike" kern="0" cap="none" spc="0" normalizeH="0" baseline="0" noProof="0">
+              <a:rPr kumimoji="0" lang="en-US" altLang="ko-KR" sz="2400" b="0" u="none" strike="noStrike" kern="0" cap="none" spc="0" normalizeH="0" baseline="0" noProof="0">
                 <a:ln w="9525">
                   <a:noFill/>
                 </a:ln>
@@ -12054,7 +12071,7 @@
               <a:t>AI</a:t>
             </a:r>
             <a:r>
-              <a:rPr kumimoji="0" lang="ko-KR" altLang="en-US" sz="2400" b="0" i="1" u="none" strike="noStrike" kern="0" cap="none" spc="0" normalizeH="0" baseline="0" noProof="0">
+              <a:rPr kumimoji="0" lang="ko-KR" altLang="en-US" sz="2400" b="0" u="none" strike="noStrike" kern="0" cap="none" spc="0" normalizeH="0" baseline="0" noProof="0">
                 <a:ln w="9525">
                   <a:noFill/>
                 </a:ln>
@@ -12071,7 +12088,7 @@
               <a:t>비전응용 </a:t>
             </a:r>
             <a:r>
-              <a:rPr kumimoji="0" lang="en-US" altLang="ko-KR" sz="1100" b="0" i="0" u="none" strike="noStrike" kern="0" cap="none" spc="0" normalizeH="0" baseline="0" noProof="0">
+              <a:rPr kumimoji="0" lang="en-US" altLang="ko-KR" sz="1100" b="0" u="none" strike="noStrike" kern="0" cap="none" spc="0" normalizeH="0" baseline="0" noProof="0">
                 <a:ln>
                   <a:noFill/>
                 </a:ln>
@@ -12087,7 +12104,7 @@
               </a:rPr>
               <a:t>Team meeting with processor</a:t>
             </a:r>
-            <a:endParaRPr kumimoji="0" lang="ko-KR" altLang="en-US" sz="3200" b="0" i="0" u="none" strike="noStrike" kern="0" cap="none" spc="0" normalizeH="0" baseline="0" noProof="0" dirty="0">
+            <a:endParaRPr kumimoji="0" lang="ko-KR" altLang="en-US" sz="3200" b="0" u="none" strike="noStrike" kern="0" cap="none" spc="0" normalizeH="0" baseline="0" noProof="0" dirty="0">
               <a:ln>
                 <a:noFill/>
               </a:ln>
@@ -13238,7 +13255,7 @@
               <a:defRPr/>
             </a:pPr>
             <a:r>
-              <a:rPr kumimoji="0" lang="en-US" altLang="ko-KR" sz="2400" b="0" i="1" u="none" strike="noStrike" kern="0" cap="none" spc="0" normalizeH="0" baseline="0" noProof="0">
+              <a:rPr kumimoji="0" lang="en-US" altLang="ko-KR" sz="2400" b="0" u="none" strike="noStrike" kern="0" cap="none" spc="0" normalizeH="0" baseline="0" noProof="0">
                 <a:ln w="9525">
                   <a:noFill/>
                 </a:ln>
@@ -13255,7 +13272,7 @@
               <a:t>AI</a:t>
             </a:r>
             <a:r>
-              <a:rPr kumimoji="0" lang="ko-KR" altLang="en-US" sz="2400" b="0" i="1" u="none" strike="noStrike" kern="0" cap="none" spc="0" normalizeH="0" baseline="0" noProof="0">
+              <a:rPr kumimoji="0" lang="ko-KR" altLang="en-US" sz="2400" b="0" u="none" strike="noStrike" kern="0" cap="none" spc="0" normalizeH="0" baseline="0" noProof="0">
                 <a:ln w="9525">
                   <a:noFill/>
                 </a:ln>
@@ -13272,7 +13289,7 @@
               <a:t>비전응용 </a:t>
             </a:r>
             <a:r>
-              <a:rPr kumimoji="0" lang="en-US" altLang="ko-KR" sz="1100" b="0" i="0" u="none" strike="noStrike" kern="0" cap="none" spc="0" normalizeH="0" baseline="0" noProof="0">
+              <a:rPr kumimoji="0" lang="en-US" altLang="ko-KR" sz="1100" b="0" u="none" strike="noStrike" kern="0" cap="none" spc="0" normalizeH="0" baseline="0" noProof="0">
                 <a:ln>
                   <a:noFill/>
                 </a:ln>
@@ -13288,7 +13305,7 @@
               </a:rPr>
               <a:t>Team meeting with processor</a:t>
             </a:r>
-            <a:endParaRPr kumimoji="0" lang="ko-KR" altLang="en-US" sz="3200" b="0" i="0" u="none" strike="noStrike" kern="0" cap="none" spc="0" normalizeH="0" baseline="0" noProof="0" dirty="0">
+            <a:endParaRPr kumimoji="0" lang="ko-KR" altLang="en-US" sz="3200" b="0" u="none" strike="noStrike" kern="0" cap="none" spc="0" normalizeH="0" baseline="0" noProof="0" dirty="0">
               <a:ln>
                 <a:noFill/>
               </a:ln>
